--- a/Presentation/Vehicle-Intersection-Control-Presentation.pptx
+++ b/Presentation/Vehicle-Intersection-Control-Presentation.pptx
@@ -5,24 +5,26 @@
     <p:sldMasterId id="2147483759" r:id="rId1"/>
   </p:sldMasterIdLst>
   <p:notesMasterIdLst>
-    <p:notesMasterId r:id="rId17"/>
+    <p:notesMasterId r:id="rId19"/>
   </p:notesMasterIdLst>
   <p:sldIdLst>
     <p:sldId id="279" r:id="rId2"/>
     <p:sldId id="296" r:id="rId3"/>
-    <p:sldId id="300" r:id="rId4"/>
-    <p:sldId id="298" r:id="rId5"/>
-    <p:sldId id="292" r:id="rId6"/>
-    <p:sldId id="297" r:id="rId7"/>
-    <p:sldId id="299" r:id="rId8"/>
-    <p:sldId id="306" r:id="rId9"/>
-    <p:sldId id="302" r:id="rId10"/>
-    <p:sldId id="301" r:id="rId11"/>
-    <p:sldId id="303" r:id="rId12"/>
-    <p:sldId id="304" r:id="rId13"/>
-    <p:sldId id="307" r:id="rId14"/>
-    <p:sldId id="305" r:id="rId15"/>
-    <p:sldId id="282" r:id="rId16"/>
+    <p:sldId id="309" r:id="rId4"/>
+    <p:sldId id="308" r:id="rId5"/>
+    <p:sldId id="300" r:id="rId6"/>
+    <p:sldId id="310" r:id="rId7"/>
+    <p:sldId id="292" r:id="rId8"/>
+    <p:sldId id="297" r:id="rId9"/>
+    <p:sldId id="299" r:id="rId10"/>
+    <p:sldId id="306" r:id="rId11"/>
+    <p:sldId id="302" r:id="rId12"/>
+    <p:sldId id="301" r:id="rId13"/>
+    <p:sldId id="303" r:id="rId14"/>
+    <p:sldId id="304" r:id="rId15"/>
+    <p:sldId id="307" r:id="rId16"/>
+    <p:sldId id="305" r:id="rId17"/>
+    <p:sldId id="282" r:id="rId18"/>
   </p:sldIdLst>
   <p:sldSz cx="12192000" cy="6858000"/>
   <p:notesSz cx="6858000" cy="9144000"/>
@@ -211,7 +213,7 @@
           <a:p>
             <a:fld id="{35B82655-F55E-45D4-839B-7F4274A77E35}" type="datetimeFigureOut">
               <a:rPr lang="en-US" smtClean="0"/>
-              <a:t>4/3/2017</a:t>
+              <a:t>4/4/2017</a:t>
             </a:fld>
             <a:endParaRPr lang="en-US"/>
           </a:p>
@@ -523,13 +525,45 @@
           <a:lstStyle/>
           <a:p>
             <a:r>
-              <a:rPr lang="en-US" dirty="0" smtClean="0"/>
+              <a:rPr lang="en-US" dirty="0"/>
               <a:t>Zach</a:t>
             </a:r>
             <a:r>
-              <a:rPr lang="en-US" baseline="0" dirty="0" smtClean="0"/>
+              <a:rPr lang="en-US" baseline="0" dirty="0"/>
               <a:t> </a:t>
             </a:r>
+          </a:p>
+          <a:p>
+            <a:r>
+              <a:rPr lang="en-CA" baseline="0" dirty="0"/>
+              <a:t>- </a:t>
+            </a:r>
+            <a:endParaRPr lang="en-US" baseline="0" dirty="0"/>
+          </a:p>
+          <a:p>
+            <a:endParaRPr lang="en-CA" baseline="0" dirty="0"/>
+          </a:p>
+          <a:p>
+            <a:r>
+              <a:rPr lang="en-CA" dirty="0">
+                <a:solidFill>
+                  <a:srgbClr val="2A1A00"/>
+                </a:solidFill>
+              </a:rPr>
+              <a:t>- System to allow autonomous vehicles to act at intersections</a:t>
+            </a:r>
+          </a:p>
+          <a:p>
+            <a:r>
+              <a:rPr lang="en-CA" dirty="0">
+                <a:solidFill>
+                  <a:srgbClr val="2A1A00"/>
+                </a:solidFill>
+              </a:rPr>
+              <a:t>- Requirements were solving </a:t>
+            </a:r>
+          </a:p>
+          <a:p>
             <a:endParaRPr lang="en-US" dirty="0"/>
           </a:p>
         </p:txBody>
@@ -551,7 +585,7 @@
           <a:p>
             <a:fld id="{9FDAE4FC-73CE-4995-A7FF-7ADA8F1DA8FB}" type="slidenum">
               <a:rPr lang="en-US" smtClean="0"/>
-              <a:t>3</a:t>
+              <a:t>5</a:t>
             </a:fld>
             <a:endParaRPr lang="en-US"/>
           </a:p>
@@ -615,10 +649,9 @@
           <a:lstStyle/>
           <a:p>
             <a:r>
-              <a:rPr lang="en-US" dirty="0" smtClean="0"/>
+              <a:rPr lang="en-US" dirty="0"/>
               <a:t>Radhika</a:t>
             </a:r>
-            <a:endParaRPr lang="en-US" dirty="0"/>
           </a:p>
         </p:txBody>
       </p:sp>
@@ -639,7 +672,7 @@
           <a:p>
             <a:fld id="{9FDAE4FC-73CE-4995-A7FF-7ADA8F1DA8FB}" type="slidenum">
               <a:rPr lang="en-US" smtClean="0"/>
-              <a:t>12</a:t>
+              <a:t>14</a:t>
             </a:fld>
             <a:endParaRPr lang="en-US"/>
           </a:p>
@@ -703,10 +736,9 @@
           <a:lstStyle/>
           <a:p>
             <a:r>
-              <a:rPr lang="en-US" dirty="0" smtClean="0"/>
+              <a:rPr lang="en-US" dirty="0"/>
               <a:t>Justin</a:t>
             </a:r>
-            <a:endParaRPr lang="en-US" dirty="0"/>
           </a:p>
         </p:txBody>
       </p:sp>
@@ -727,7 +759,7 @@
           <a:p>
             <a:fld id="{9FDAE4FC-73CE-4995-A7FF-7ADA8F1DA8FB}" type="slidenum">
               <a:rPr lang="en-US" smtClean="0"/>
-              <a:t>13</a:t>
+              <a:t>15</a:t>
             </a:fld>
             <a:endParaRPr lang="en-US"/>
           </a:p>
@@ -791,10 +823,9 @@
           <a:lstStyle/>
           <a:p>
             <a:r>
-              <a:rPr lang="en-US" dirty="0" smtClean="0"/>
+              <a:rPr lang="en-US" dirty="0"/>
               <a:t>Radhika </a:t>
             </a:r>
-            <a:endParaRPr lang="en-US" dirty="0"/>
           </a:p>
         </p:txBody>
       </p:sp>
@@ -815,7 +846,7 @@
           <a:p>
             <a:fld id="{9FDAE4FC-73CE-4995-A7FF-7ADA8F1DA8FB}" type="slidenum">
               <a:rPr lang="en-US" smtClean="0"/>
-              <a:t>14</a:t>
+              <a:t>16</a:t>
             </a:fld>
             <a:endParaRPr lang="en-US"/>
           </a:p>
@@ -899,7 +930,7 @@
           <a:p>
             <a:fld id="{9FDAE4FC-73CE-4995-A7FF-7ADA8F1DA8FB}" type="slidenum">
               <a:rPr lang="en-US" smtClean="0"/>
-              <a:t>15</a:t>
+              <a:t>17</a:t>
             </a:fld>
             <a:endParaRPr lang="en-US"/>
           </a:p>
@@ -963,9 +994,78 @@
           <a:lstStyle/>
           <a:p>
             <a:r>
-              <a:rPr lang="en-US" dirty="0" smtClean="0"/>
-              <a:t>Zach </a:t>
-            </a:r>
+              <a:rPr lang="en-US" dirty="0"/>
+              <a:t>Zach</a:t>
+            </a:r>
+            <a:r>
+              <a:rPr lang="en-US" baseline="0" dirty="0"/>
+              <a:t> </a:t>
+            </a:r>
+          </a:p>
+          <a:p>
+            <a:pPr marL="171450" indent="-171450">
+              <a:buFontTx/>
+              <a:buChar char="-"/>
+            </a:pPr>
+            <a:r>
+              <a:rPr lang="en-CA" baseline="0" dirty="0"/>
+              <a:t>Independent system that operates at the intersection </a:t>
+            </a:r>
+          </a:p>
+          <a:p>
+            <a:pPr marL="171450" indent="-171450">
+              <a:buFontTx/>
+              <a:buChar char="-"/>
+            </a:pPr>
+            <a:r>
+              <a:rPr lang="en-CA" baseline="0" dirty="0"/>
+              <a:t>Vehicles communicate with a centralized system</a:t>
+            </a:r>
+          </a:p>
+          <a:p>
+            <a:pPr marL="171450" indent="-171450">
+              <a:buFontTx/>
+              <a:buChar char="-"/>
+            </a:pPr>
+            <a:r>
+              <a:rPr lang="en-CA" baseline="0" dirty="0"/>
+              <a:t>This system decides which vehicle goes first</a:t>
+            </a:r>
+          </a:p>
+          <a:p>
+            <a:pPr marL="171450" indent="-171450">
+              <a:buFontTx/>
+              <a:buChar char="-"/>
+            </a:pPr>
+            <a:r>
+              <a:rPr lang="en-CA" baseline="0" dirty="0"/>
+              <a:t>Eliminates the need for general consensus </a:t>
+            </a:r>
+            <a:r>
+              <a:rPr lang="en-CA" baseline="0" dirty="0">
+                <a:sym typeface="Wingdings" panose="05000000000000000000" pitchFamily="2" charset="2"/>
+              </a:rPr>
+              <a:t> single decision maker </a:t>
+            </a:r>
+          </a:p>
+          <a:p>
+            <a:pPr marL="171450" indent="-171450">
+              <a:buFontTx/>
+              <a:buChar char="-"/>
+            </a:pPr>
+            <a:r>
+              <a:rPr lang="en-CA" baseline="0" dirty="0">
+                <a:sym typeface="Wingdings" panose="05000000000000000000" pitchFamily="2" charset="2"/>
+              </a:rPr>
+              <a:t>This system then tells each car when to proceed </a:t>
+            </a:r>
+            <a:r>
+              <a:rPr lang="en-CA" baseline="0" dirty="0"/>
+              <a:t> </a:t>
+            </a:r>
+            <a:endParaRPr lang="en-US" baseline="0" dirty="0"/>
+          </a:p>
+          <a:p>
             <a:endParaRPr lang="en-US" dirty="0"/>
           </a:p>
         </p:txBody>
@@ -987,7 +1087,7 @@
           <a:p>
             <a:fld id="{9FDAE4FC-73CE-4995-A7FF-7ADA8F1DA8FB}" type="slidenum">
               <a:rPr lang="en-US" smtClean="0"/>
-              <a:t>4</a:t>
+              <a:t>6</a:t>
             </a:fld>
             <a:endParaRPr lang="en-US"/>
           </a:p>
@@ -996,7 +1096,7 @@
     </p:spTree>
     <p:extLst>
       <p:ext uri="{BB962C8B-B14F-4D97-AF65-F5344CB8AC3E}">
-        <p14:creationId xmlns:p14="http://schemas.microsoft.com/office/powerpoint/2010/main" val="2338500754"/>
+        <p14:creationId xmlns:p14="http://schemas.microsoft.com/office/powerpoint/2010/main" val="1864414340"/>
       </p:ext>
     </p:extLst>
   </p:cSld>
@@ -1051,10 +1151,9 @@
           <a:lstStyle/>
           <a:p>
             <a:r>
-              <a:rPr lang="en-CA" dirty="0" smtClean="0"/>
+              <a:rPr lang="en-CA" dirty="0"/>
               <a:t>Zach</a:t>
             </a:r>
-            <a:endParaRPr lang="en-CA" dirty="0"/>
           </a:p>
         </p:txBody>
       </p:sp>
@@ -1075,7 +1174,7 @@
           <a:p>
             <a:fld id="{9FDAE4FC-73CE-4995-A7FF-7ADA8F1DA8FB}" type="slidenum">
               <a:rPr lang="en-US" smtClean="0"/>
-              <a:t>5</a:t>
+              <a:t>7</a:t>
             </a:fld>
             <a:endParaRPr lang="en-US"/>
           </a:p>
@@ -1139,10 +1238,72 @@
           <a:lstStyle/>
           <a:p>
             <a:r>
-              <a:rPr lang="en-US" dirty="0" smtClean="0"/>
+              <a:rPr lang="en-US" dirty="0"/>
               <a:t>Zach</a:t>
             </a:r>
-            <a:endParaRPr lang="en-US" dirty="0"/>
+          </a:p>
+          <a:p>
+            <a:pPr marL="171450" indent="-171450">
+              <a:buFontTx/>
+              <a:buChar char="-"/>
+            </a:pPr>
+            <a:r>
+              <a:rPr lang="en-CA" dirty="0"/>
+              <a:t>Animation</a:t>
+            </a:r>
+            <a:r>
+              <a:rPr lang="en-CA" baseline="0" dirty="0"/>
+              <a:t> shows that there is two parts too the system</a:t>
+            </a:r>
+            <a:r>
+              <a:rPr lang="en-US" baseline="0" dirty="0"/>
+              <a:t> (Intersection component and vehicle component)</a:t>
+            </a:r>
+          </a:p>
+          <a:p>
+            <a:pPr marL="171450" indent="-171450">
+              <a:buFontTx/>
+              <a:buChar char="-"/>
+            </a:pPr>
+            <a:r>
+              <a:rPr lang="en-CA" baseline="0" dirty="0"/>
+              <a:t>The intersection controller is responsible for managing traffic flow and monitoring the intersection</a:t>
+            </a:r>
+          </a:p>
+          <a:p>
+            <a:pPr marL="171450" indent="-171450">
+              <a:buFontTx/>
+              <a:buChar char="-"/>
+            </a:pPr>
+            <a:r>
+              <a:rPr lang="en-CA" baseline="0" dirty="0"/>
+              <a:t>This communicates with the vehicle controller</a:t>
+            </a:r>
+          </a:p>
+          <a:p>
+            <a:pPr marL="628650" lvl="1" indent="-171450">
+              <a:buFontTx/>
+              <a:buChar char="-"/>
+            </a:pPr>
+            <a:r>
+              <a:rPr lang="en-CA" baseline="0" dirty="0"/>
+              <a:t>Vehicle controller sends requests and intersection controller sends back over Bluetooth communication </a:t>
+            </a:r>
+          </a:p>
+          <a:p>
+            <a:pPr marL="171450" lvl="0" indent="-171450">
+              <a:buFontTx/>
+              <a:buChar char="-"/>
+            </a:pPr>
+            <a:r>
+              <a:rPr lang="en-CA" baseline="0" dirty="0"/>
+              <a:t>Vehicle controller is also for managing and navigating the vehicle on </a:t>
+            </a:r>
+            <a:r>
+              <a:rPr lang="en-CA" baseline="0"/>
+              <a:t>the track </a:t>
+            </a:r>
+            <a:endParaRPr lang="en-CA" baseline="0" dirty="0"/>
           </a:p>
         </p:txBody>
       </p:sp>
@@ -1163,7 +1324,7 @@
           <a:p>
             <a:fld id="{9FDAE4FC-73CE-4995-A7FF-7ADA8F1DA8FB}" type="slidenum">
               <a:rPr lang="en-US" smtClean="0"/>
-              <a:t>6</a:t>
+              <a:t>8</a:t>
             </a:fld>
             <a:endParaRPr lang="en-US"/>
           </a:p>
@@ -1227,10 +1388,9 @@
           <a:lstStyle/>
           <a:p>
             <a:r>
-              <a:rPr lang="en-CA" dirty="0" smtClean="0"/>
+              <a:rPr lang="en-CA" dirty="0"/>
               <a:t>Alex</a:t>
             </a:r>
-            <a:endParaRPr lang="en-CA" dirty="0" smtClean="0"/>
           </a:p>
           <a:p>
             <a:endParaRPr lang="en-CA" dirty="0"/>
@@ -1254,7 +1414,7 @@
           <a:p>
             <a:fld id="{9FDAE4FC-73CE-4995-A7FF-7ADA8F1DA8FB}" type="slidenum">
               <a:rPr lang="en-US" smtClean="0"/>
-              <a:t>7</a:t>
+              <a:t>9</a:t>
             </a:fld>
             <a:endParaRPr lang="en-US"/>
           </a:p>
@@ -1318,10 +1478,9 @@
           <a:lstStyle/>
           <a:p>
             <a:r>
-              <a:rPr lang="en-US" dirty="0" smtClean="0"/>
+              <a:rPr lang="en-US" dirty="0"/>
               <a:t>Justin</a:t>
             </a:r>
-            <a:endParaRPr lang="en-US" dirty="0"/>
           </a:p>
         </p:txBody>
       </p:sp>
@@ -1342,7 +1501,7 @@
           <a:p>
             <a:fld id="{9FDAE4FC-73CE-4995-A7FF-7ADA8F1DA8FB}" type="slidenum">
               <a:rPr lang="en-US" smtClean="0"/>
-              <a:t>8</a:t>
+              <a:t>10</a:t>
             </a:fld>
             <a:endParaRPr lang="en-US"/>
           </a:p>
@@ -1406,10 +1565,9 @@
           <a:lstStyle/>
           <a:p>
             <a:r>
-              <a:rPr lang="en-US" dirty="0" smtClean="0"/>
+              <a:rPr lang="en-US" dirty="0"/>
               <a:t>Alex</a:t>
             </a:r>
-            <a:endParaRPr lang="en-US" dirty="0"/>
           </a:p>
         </p:txBody>
       </p:sp>
@@ -1430,7 +1588,7 @@
           <a:p>
             <a:fld id="{9FDAE4FC-73CE-4995-A7FF-7ADA8F1DA8FB}" type="slidenum">
               <a:rPr lang="en-US" smtClean="0"/>
-              <a:t>9</a:t>
+              <a:t>11</a:t>
             </a:fld>
             <a:endParaRPr lang="en-US"/>
           </a:p>
@@ -1494,10 +1652,9 @@
           <a:lstStyle/>
           <a:p>
             <a:r>
-              <a:rPr lang="en-US" dirty="0" smtClean="0"/>
+              <a:rPr lang="en-US" dirty="0"/>
               <a:t>Radhika</a:t>
             </a:r>
-            <a:endParaRPr lang="en-US" dirty="0"/>
           </a:p>
         </p:txBody>
       </p:sp>
@@ -1518,7 +1675,7 @@
           <a:p>
             <a:fld id="{9FDAE4FC-73CE-4995-A7FF-7ADA8F1DA8FB}" type="slidenum">
               <a:rPr lang="en-US" smtClean="0"/>
-              <a:t>10</a:t>
+              <a:t>12</a:t>
             </a:fld>
             <a:endParaRPr lang="en-US"/>
           </a:p>
@@ -1582,10 +1739,9 @@
           <a:lstStyle/>
           <a:p>
             <a:r>
-              <a:rPr lang="en-US" dirty="0" smtClean="0"/>
+              <a:rPr lang="en-US" dirty="0"/>
               <a:t>Radhika</a:t>
             </a:r>
-            <a:endParaRPr lang="en-US" dirty="0"/>
           </a:p>
         </p:txBody>
       </p:sp>
@@ -1606,7 +1762,7 @@
           <a:p>
             <a:fld id="{9FDAE4FC-73CE-4995-A7FF-7ADA8F1DA8FB}" type="slidenum">
               <a:rPr lang="en-US" smtClean="0"/>
-              <a:t>11</a:t>
+              <a:t>13</a:t>
             </a:fld>
             <a:endParaRPr lang="en-US"/>
           </a:p>
@@ -2836,7 +2992,7 @@
           <a:p>
             <a:fld id="{2FFE84A0-83F7-4E0A-A0CE-A961D6AAB2B6}" type="datetimeFigureOut">
               <a:rPr lang="en-US" smtClean="0"/>
-              <a:t>4/3/2017</a:t>
+              <a:t>4/4/2017</a:t>
             </a:fld>
             <a:endParaRPr lang="en-US" dirty="0"/>
           </a:p>
@@ -3074,7 +3230,7 @@
           <a:p>
             <a:fld id="{2FFE84A0-83F7-4E0A-A0CE-A961D6AAB2B6}" type="datetimeFigureOut">
               <a:rPr lang="en-US" smtClean="0"/>
-              <a:t>4/3/2017</a:t>
+              <a:t>4/4/2017</a:t>
             </a:fld>
             <a:endParaRPr lang="en-US" dirty="0"/>
           </a:p>
@@ -3254,7 +3410,7 @@
           <a:p>
             <a:fld id="{2FFE84A0-83F7-4E0A-A0CE-A961D6AAB2B6}" type="datetimeFigureOut">
               <a:rPr lang="en-US" smtClean="0"/>
-              <a:t>4/3/2017</a:t>
+              <a:t>4/4/2017</a:t>
             </a:fld>
             <a:endParaRPr lang="en-US" dirty="0"/>
           </a:p>
@@ -3424,7 +3580,7 @@
           <a:p>
             <a:fld id="{2FFE84A0-83F7-4E0A-A0CE-A961D6AAB2B6}" type="datetimeFigureOut">
               <a:rPr lang="en-US" smtClean="0"/>
-              <a:t>4/3/2017</a:t>
+              <a:t>4/4/2017</a:t>
             </a:fld>
             <a:endParaRPr lang="en-US" dirty="0"/>
           </a:p>
@@ -3700,7 +3856,7 @@
           <a:p>
             <a:fld id="{2FFE84A0-83F7-4E0A-A0CE-A961D6AAB2B6}" type="datetimeFigureOut">
               <a:rPr lang="en-US" smtClean="0"/>
-              <a:t>4/3/2017</a:t>
+              <a:t>4/4/2017</a:t>
             </a:fld>
             <a:endParaRPr lang="en-US" dirty="0"/>
           </a:p>
@@ -4901,7 +5057,7 @@
           <a:p>
             <a:fld id="{2FFE84A0-83F7-4E0A-A0CE-A961D6AAB2B6}" type="datetimeFigureOut">
               <a:rPr lang="en-US" smtClean="0"/>
-              <a:t>4/3/2017</a:t>
+              <a:t>4/4/2017</a:t>
             </a:fld>
             <a:endParaRPr lang="en-US" dirty="0"/>
           </a:p>
@@ -5291,7 +5447,7 @@
           <a:p>
             <a:fld id="{2FFE84A0-83F7-4E0A-A0CE-A961D6AAB2B6}" type="datetimeFigureOut">
               <a:rPr lang="en-US" smtClean="0"/>
-              <a:t>4/3/2017</a:t>
+              <a:t>4/4/2017</a:t>
             </a:fld>
             <a:endParaRPr lang="en-US" dirty="0"/>
           </a:p>
@@ -5414,7 +5570,7 @@
           <a:p>
             <a:fld id="{2FFE84A0-83F7-4E0A-A0CE-A961D6AAB2B6}" type="datetimeFigureOut">
               <a:rPr lang="en-US" smtClean="0"/>
-              <a:t>4/3/2017</a:t>
+              <a:t>4/4/2017</a:t>
             </a:fld>
             <a:endParaRPr lang="en-US" dirty="0"/>
           </a:p>
@@ -5509,7 +5665,7 @@
           <a:p>
             <a:fld id="{2FFE84A0-83F7-4E0A-A0CE-A961D6AAB2B6}" type="datetimeFigureOut">
               <a:rPr lang="en-US" smtClean="0"/>
-              <a:t>4/3/2017</a:t>
+              <a:t>4/4/2017</a:t>
             </a:fld>
             <a:endParaRPr lang="en-US" dirty="0"/>
           </a:p>
@@ -6272,7 +6428,7 @@
           <a:p>
             <a:fld id="{2FFE84A0-83F7-4E0A-A0CE-A961D6AAB2B6}" type="datetimeFigureOut">
               <a:rPr lang="en-US" smtClean="0"/>
-              <a:t>4/3/2017</a:t>
+              <a:t>4/4/2017</a:t>
             </a:fld>
             <a:endParaRPr lang="en-US" dirty="0"/>
           </a:p>
@@ -7111,7 +7267,7 @@
           <a:p>
             <a:fld id="{2FFE84A0-83F7-4E0A-A0CE-A961D6AAB2B6}" type="datetimeFigureOut">
               <a:rPr lang="en-US" smtClean="0"/>
-              <a:t>4/3/2017</a:t>
+              <a:t>4/4/2017</a:t>
             </a:fld>
             <a:endParaRPr lang="en-US" dirty="0"/>
           </a:p>
@@ -7338,7 +7494,7 @@
           <a:p>
             <a:fld id="{2FFE84A0-83F7-4E0A-A0CE-A961D6AAB2B6}" type="datetimeFigureOut">
               <a:rPr lang="en-US" smtClean="0"/>
-              <a:t>4/3/2017</a:t>
+              <a:t>4/4/2017</a:t>
             </a:fld>
             <a:endParaRPr lang="en-US" dirty="0"/>
           </a:p>
@@ -8346,7 +8502,7 @@
           <p:nvPr>
             <p:extLst>
               <p:ext uri="{386F3935-93C4-4BCD-93E2-E3B085C9AB24}">
-                <p16:designElem xmlns="" xmlns:p16="http://schemas.microsoft.com/office/powerpoint/2015/main" val="1"/>
+                <p16:designElem xmlns:p16="http://schemas.microsoft.com/office/powerpoint/2015/main" val="1"/>
               </p:ext>
             </p:extLst>
           </p:nvPr>
@@ -8496,7 +8652,7 @@
           <p:nvPr>
             <p:extLst>
               <p:ext uri="{386F3935-93C4-4BCD-93E2-E3B085C9AB24}">
-                <p16:designElem xmlns="" xmlns:p16="http://schemas.microsoft.com/office/powerpoint/2015/main" val="1"/>
+                <p16:designElem xmlns:p16="http://schemas.microsoft.com/office/powerpoint/2015/main" val="1"/>
               </p:ext>
             </p:extLst>
           </p:nvPr>
@@ -8968,7 +9124,7 @@
           <p:nvPr>
             <p:extLst>
               <p:ext uri="{386F3935-93C4-4BCD-93E2-E3B085C9AB24}">
-                <p16:designElem xmlns="" xmlns:p16="http://schemas.microsoft.com/office/powerpoint/2015/main" val="1"/>
+                <p16:designElem xmlns:p16="http://schemas.microsoft.com/office/powerpoint/2015/main" val="1"/>
               </p:ext>
             </p:extLst>
           </p:nvPr>
@@ -10103,9 +10259,12 @@
           <a:p>
             <a:r>
               <a:rPr lang="en-CA" dirty="0"/>
-              <a:t>Intersection Controller</a:t>
-            </a:r>
-            <a:endParaRPr lang="en-US" dirty="0"/>
+              <a:t>Vehicle Controller</a:t>
+            </a:r>
+            <a:br>
+              <a:rPr lang="en-CA" dirty="0"/>
+            </a:br>
+            <a:endParaRPr lang="en-CA" dirty="0"/>
           </a:p>
         </p:txBody>
       </p:sp>
@@ -10124,61 +10283,41 @@
           <a:bodyPr/>
           <a:lstStyle/>
           <a:p>
-            <a:r>
-              <a:rPr lang="en-CA" dirty="0"/>
-              <a:t>Why an IC?</a:t>
-            </a:r>
-          </a:p>
-          <a:p>
-            <a:pPr lvl="1"/>
-            <a:r>
-              <a:rPr lang="en-CA" dirty="0"/>
-              <a:t>Efficient traffic flow </a:t>
-            </a:r>
-          </a:p>
-          <a:p>
-            <a:pPr lvl="1"/>
-            <a:r>
-              <a:rPr lang="en-CA" dirty="0"/>
-              <a:t>Redundancy/redundant systems </a:t>
-            </a:r>
-          </a:p>
-          <a:p>
-            <a:r>
-              <a:rPr lang="en-CA" dirty="0"/>
-              <a:t>How its working</a:t>
-            </a:r>
-          </a:p>
-          <a:p>
-            <a:r>
-              <a:rPr lang="en-CA" dirty="0"/>
-              <a:t>Parts used</a:t>
-            </a:r>
-          </a:p>
-          <a:p>
-            <a:r>
-              <a:rPr lang="en-CA" dirty="0"/>
-              <a:t>Communication</a:t>
-            </a:r>
-          </a:p>
-          <a:p>
-            <a:r>
-              <a:rPr lang="en-CA" dirty="0"/>
-              <a:t>Camera</a:t>
-            </a:r>
-          </a:p>
-          <a:p>
+            <a:pPr marL="0" indent="0">
+              <a:buNone/>
+            </a:pPr>
+            <a:r>
+              <a:rPr lang="en-US" b="1" dirty="0"/>
+              <a:t>3. Image processing </a:t>
+            </a:r>
+          </a:p>
+          <a:p>
+            <a:pPr marL="0" indent="0">
+              <a:buNone/>
+            </a:pPr>
+            <a:r>
+              <a:rPr lang="en-US" b="1" dirty="0"/>
+              <a:t>4. Hardware Interfacing (servo, speed, ultrasonic sensor)</a:t>
+            </a:r>
+          </a:p>
+          <a:p>
+            <a:pPr marL="0" indent="0">
+              <a:buNone/>
+            </a:pPr>
+            <a:endParaRPr lang="en-US" b="1" dirty="0"/>
+          </a:p>
+          <a:p>
+            <a:pPr marL="0" indent="0">
+              <a:buNone/>
+            </a:pPr>
             <a:endParaRPr lang="en-CA" dirty="0"/>
-          </a:p>
-          <a:p>
-            <a:endParaRPr lang="en-US" dirty="0"/>
           </a:p>
         </p:txBody>
       </p:sp>
     </p:spTree>
     <p:extLst>
       <p:ext uri="{BB962C8B-B14F-4D97-AF65-F5344CB8AC3E}">
-        <p14:creationId xmlns:p14="http://schemas.microsoft.com/office/powerpoint/2010/main" val="3290232183"/>
+        <p14:creationId xmlns:p14="http://schemas.microsoft.com/office/powerpoint/2010/main" val="1196771545"/>
       </p:ext>
     </p:extLst>
   </p:cSld>
@@ -10222,7 +10361,7 @@
           <a:p>
             <a:r>
               <a:rPr lang="en-CA" dirty="0"/>
-              <a:t>Video of IC picking up car going by </a:t>
+              <a:t>Video of car driving</a:t>
             </a:r>
             <a:endParaRPr lang="en-US" dirty="0"/>
           </a:p>
@@ -10243,20 +10382,14 @@
           <a:bodyPr/>
           <a:lstStyle/>
           <a:p>
-            <a:pPr marL="0" indent="0">
-              <a:buNone/>
-            </a:pPr>
-            <a:endParaRPr lang="en-CA" dirty="0"/>
-          </a:p>
-          <a:p>
-            <a:endParaRPr lang="en-US" dirty="0"/>
+            <a:endParaRPr lang="en-US"/>
           </a:p>
         </p:txBody>
       </p:sp>
     </p:spTree>
     <p:extLst>
       <p:ext uri="{BB962C8B-B14F-4D97-AF65-F5344CB8AC3E}">
-        <p14:creationId xmlns:p14="http://schemas.microsoft.com/office/powerpoint/2010/main" val="455302734"/>
+        <p14:creationId xmlns:p14="http://schemas.microsoft.com/office/powerpoint/2010/main" val="1157409652"/>
       </p:ext>
     </p:extLst>
   </p:cSld>
@@ -10300,7 +10433,7 @@
           <a:p>
             <a:r>
               <a:rPr lang="en-CA" dirty="0"/>
-              <a:t>Hazard mitigation</a:t>
+              <a:t>Intersection Controller</a:t>
             </a:r>
             <a:endParaRPr lang="en-US" dirty="0"/>
           </a:p>
@@ -10323,38 +10456,59 @@
           <a:p>
             <a:r>
               <a:rPr lang="en-CA" dirty="0"/>
-              <a:t>IC fails – power generator like in real life</a:t>
-            </a:r>
-          </a:p>
-          <a:p>
+              <a:t>Why an IC?</a:t>
+            </a:r>
+          </a:p>
+          <a:p>
+            <a:pPr lvl="1"/>
             <a:r>
               <a:rPr lang="en-CA" dirty="0"/>
-              <a:t>If </a:t>
-            </a:r>
-            <a:r>
-              <a:rPr lang="en-CA" dirty="0" err="1"/>
-              <a:t>ic</a:t>
-            </a:r>
+              <a:t>Efficient traffic flow </a:t>
+            </a:r>
+          </a:p>
+          <a:p>
+            <a:pPr lvl="1"/>
             <a:r>
               <a:rPr lang="en-CA" dirty="0"/>
-              <a:t> crashes and has power, cars will stop at the intersection</a:t>
+              <a:t>Redundancy/redundant systems </a:t>
             </a:r>
           </a:p>
           <a:p>
             <a:r>
               <a:rPr lang="en-CA" dirty="0"/>
-              <a:t>Bluetooth failure, message resent from vehicle </a:t>
+              <a:t>How its working</a:t>
+            </a:r>
+          </a:p>
+          <a:p>
+            <a:r>
+              <a:rPr lang="en-CA" dirty="0"/>
+              <a:t>Parts used</a:t>
+            </a:r>
+          </a:p>
+          <a:p>
+            <a:r>
+              <a:rPr lang="en-CA" dirty="0"/>
+              <a:t>Communication</a:t>
+            </a:r>
+          </a:p>
+          <a:p>
+            <a:r>
+              <a:rPr lang="en-CA" dirty="0"/>
+              <a:t>Camera</a:t>
             </a:r>
           </a:p>
           <a:p>
             <a:endParaRPr lang="en-CA" dirty="0"/>
+          </a:p>
+          <a:p>
+            <a:endParaRPr lang="en-US" dirty="0"/>
           </a:p>
         </p:txBody>
       </p:sp>
     </p:spTree>
     <p:extLst>
       <p:ext uri="{BB962C8B-B14F-4D97-AF65-F5344CB8AC3E}">
-        <p14:creationId xmlns:p14="http://schemas.microsoft.com/office/powerpoint/2010/main" val="3982056765"/>
+        <p14:creationId xmlns:p14="http://schemas.microsoft.com/office/powerpoint/2010/main" val="3290232183"/>
       </p:ext>
     </p:extLst>
   </p:cSld>
@@ -10397,8 +10551,8 @@
           <a:lstStyle/>
           <a:p>
             <a:r>
-              <a:rPr lang="en-US" dirty="0" smtClean="0"/>
-              <a:t>Challenges </a:t>
+              <a:rPr lang="en-CA" dirty="0"/>
+              <a:t>Video of IC picking up car going by </a:t>
             </a:r>
             <a:endParaRPr lang="en-US" dirty="0"/>
           </a:p>
@@ -10419,22 +10573,12 @@
           <a:bodyPr/>
           <a:lstStyle/>
           <a:p>
-            <a:r>
-              <a:rPr lang="en-US" dirty="0" smtClean="0"/>
-              <a:t>Lane Following </a:t>
-            </a:r>
-          </a:p>
-          <a:p>
-            <a:r>
-              <a:rPr lang="en-US" dirty="0" smtClean="0"/>
-              <a:t>Communication </a:t>
-            </a:r>
-          </a:p>
-          <a:p>
-            <a:r>
-              <a:rPr lang="en-US" dirty="0" smtClean="0"/>
-              <a:t>Intersection Detection</a:t>
-            </a:r>
+            <a:pPr marL="0" indent="0">
+              <a:buNone/>
+            </a:pPr>
+            <a:endParaRPr lang="en-CA" dirty="0"/>
+          </a:p>
+          <a:p>
             <a:endParaRPr lang="en-US" dirty="0"/>
           </a:p>
         </p:txBody>
@@ -10442,7 +10586,7 @@
     </p:spTree>
     <p:extLst>
       <p:ext uri="{BB962C8B-B14F-4D97-AF65-F5344CB8AC3E}">
-        <p14:creationId xmlns:p14="http://schemas.microsoft.com/office/powerpoint/2010/main" val="2999449558"/>
+        <p14:creationId xmlns:p14="http://schemas.microsoft.com/office/powerpoint/2010/main" val="455302734"/>
       </p:ext>
     </p:extLst>
   </p:cSld>
@@ -10486,7 +10630,7 @@
           <a:p>
             <a:r>
               <a:rPr lang="en-CA" dirty="0"/>
-              <a:t>Features Still to be implemented</a:t>
+              <a:t>Hazard mitigation</a:t>
             </a:r>
             <a:endParaRPr lang="en-US" dirty="0"/>
           </a:p>
@@ -10509,19 +10653,27 @@
           <a:p>
             <a:r>
               <a:rPr lang="en-CA" dirty="0"/>
-              <a:t>Bluetooth to other communication</a:t>
+              <a:t>IC fails – power generator like in real life</a:t>
             </a:r>
           </a:p>
           <a:p>
             <a:r>
               <a:rPr lang="en-CA" dirty="0"/>
-              <a:t>IC vehicle detection</a:t>
-            </a:r>
-          </a:p>
-          <a:p>
+              <a:t>If </a:t>
+            </a:r>
+            <a:r>
+              <a:rPr lang="en-CA" dirty="0" err="1"/>
+              <a:t>ic</a:t>
+            </a:r>
             <a:r>
               <a:rPr lang="en-CA" dirty="0"/>
-              <a:t>Obstacle detection</a:t>
+              <a:t> crashes and has power, cars will stop at the intersection</a:t>
+            </a:r>
+          </a:p>
+          <a:p>
+            <a:r>
+              <a:rPr lang="en-CA" dirty="0"/>
+              <a:t>Bluetooth failure, message resent from vehicle </a:t>
             </a:r>
           </a:p>
           <a:p>
@@ -10532,7 +10684,7 @@
     </p:spTree>
     <p:extLst>
       <p:ext uri="{BB962C8B-B14F-4D97-AF65-F5344CB8AC3E}">
-        <p14:creationId xmlns:p14="http://schemas.microsoft.com/office/powerpoint/2010/main" val="3886893300"/>
+        <p14:creationId xmlns:p14="http://schemas.microsoft.com/office/powerpoint/2010/main" val="3982056765"/>
       </p:ext>
     </p:extLst>
   </p:cSld>
@@ -10561,6 +10713,182 @@
       </p:grpSpPr>
       <p:sp>
         <p:nvSpPr>
+          <p:cNvPr id="2" name="Title 1"/>
+          <p:cNvSpPr>
+            <a:spLocks noGrp="1"/>
+          </p:cNvSpPr>
+          <p:nvPr>
+            <p:ph type="title"/>
+          </p:nvPr>
+        </p:nvSpPr>
+        <p:spPr/>
+        <p:txBody>
+          <a:bodyPr/>
+          <a:lstStyle/>
+          <a:p>
+            <a:r>
+              <a:rPr lang="en-US" dirty="0"/>
+              <a:t>Challenges </a:t>
+            </a:r>
+          </a:p>
+        </p:txBody>
+      </p:sp>
+      <p:sp>
+        <p:nvSpPr>
+          <p:cNvPr id="3" name="Content Placeholder 2"/>
+          <p:cNvSpPr>
+            <a:spLocks noGrp="1"/>
+          </p:cNvSpPr>
+          <p:nvPr>
+            <p:ph idx="1"/>
+          </p:nvPr>
+        </p:nvSpPr>
+        <p:spPr/>
+        <p:txBody>
+          <a:bodyPr/>
+          <a:lstStyle/>
+          <a:p>
+            <a:r>
+              <a:rPr lang="en-US" dirty="0"/>
+              <a:t>Lane Following </a:t>
+            </a:r>
+          </a:p>
+          <a:p>
+            <a:r>
+              <a:rPr lang="en-US" dirty="0"/>
+              <a:t>Communication </a:t>
+            </a:r>
+          </a:p>
+          <a:p>
+            <a:r>
+              <a:rPr lang="en-US" dirty="0"/>
+              <a:t>Intersection Detection</a:t>
+            </a:r>
+          </a:p>
+        </p:txBody>
+      </p:sp>
+    </p:spTree>
+    <p:extLst>
+      <p:ext uri="{BB962C8B-B14F-4D97-AF65-F5344CB8AC3E}">
+        <p14:creationId xmlns:p14="http://schemas.microsoft.com/office/powerpoint/2010/main" val="2999449558"/>
+      </p:ext>
+    </p:extLst>
+  </p:cSld>
+  <p:clrMapOvr>
+    <a:masterClrMapping/>
+  </p:clrMapOvr>
+</p:sld>
+</file>
+
+<file path=ppt/slides/slide16.xml><?xml version="1.0" encoding="utf-8"?>
+<p:sld xmlns:a="http://schemas.openxmlformats.org/drawingml/2006/main" xmlns:r="http://schemas.openxmlformats.org/officeDocument/2006/relationships" xmlns:p="http://schemas.openxmlformats.org/presentationml/2006/main">
+  <p:cSld>
+    <p:spTree>
+      <p:nvGrpSpPr>
+        <p:cNvPr id="1" name=""/>
+        <p:cNvGrpSpPr/>
+        <p:nvPr/>
+      </p:nvGrpSpPr>
+      <p:grpSpPr>
+        <a:xfrm>
+          <a:off x="0" y="0"/>
+          <a:ext cx="0" cy="0"/>
+          <a:chOff x="0" y="0"/>
+          <a:chExt cx="0" cy="0"/>
+        </a:xfrm>
+      </p:grpSpPr>
+      <p:sp>
+        <p:nvSpPr>
+          <p:cNvPr id="2" name="Title 1"/>
+          <p:cNvSpPr>
+            <a:spLocks noGrp="1"/>
+          </p:cNvSpPr>
+          <p:nvPr>
+            <p:ph type="title"/>
+          </p:nvPr>
+        </p:nvSpPr>
+        <p:spPr/>
+        <p:txBody>
+          <a:bodyPr/>
+          <a:lstStyle/>
+          <a:p>
+            <a:r>
+              <a:rPr lang="en-CA" dirty="0"/>
+              <a:t>Features Still to be implemented</a:t>
+            </a:r>
+            <a:endParaRPr lang="en-US" dirty="0"/>
+          </a:p>
+        </p:txBody>
+      </p:sp>
+      <p:sp>
+        <p:nvSpPr>
+          <p:cNvPr id="3" name="Content Placeholder 2"/>
+          <p:cNvSpPr>
+            <a:spLocks noGrp="1"/>
+          </p:cNvSpPr>
+          <p:nvPr>
+            <p:ph idx="1"/>
+          </p:nvPr>
+        </p:nvSpPr>
+        <p:spPr/>
+        <p:txBody>
+          <a:bodyPr/>
+          <a:lstStyle/>
+          <a:p>
+            <a:r>
+              <a:rPr lang="en-CA" dirty="0"/>
+              <a:t>Bluetooth to other communication</a:t>
+            </a:r>
+          </a:p>
+          <a:p>
+            <a:r>
+              <a:rPr lang="en-CA" dirty="0"/>
+              <a:t>IC vehicle detection</a:t>
+            </a:r>
+          </a:p>
+          <a:p>
+            <a:r>
+              <a:rPr lang="en-CA" dirty="0"/>
+              <a:t>Obstacle detection</a:t>
+            </a:r>
+          </a:p>
+          <a:p>
+            <a:endParaRPr lang="en-CA" dirty="0"/>
+          </a:p>
+        </p:txBody>
+      </p:sp>
+    </p:spTree>
+    <p:extLst>
+      <p:ext uri="{BB962C8B-B14F-4D97-AF65-F5344CB8AC3E}">
+        <p14:creationId xmlns:p14="http://schemas.microsoft.com/office/powerpoint/2010/main" val="3886893300"/>
+      </p:ext>
+    </p:extLst>
+  </p:cSld>
+  <p:clrMapOvr>
+    <a:masterClrMapping/>
+  </p:clrMapOvr>
+</p:sld>
+</file>
+
+<file path=ppt/slides/slide17.xml><?xml version="1.0" encoding="utf-8"?>
+<p:sld xmlns:a="http://schemas.openxmlformats.org/drawingml/2006/main" xmlns:r="http://schemas.openxmlformats.org/officeDocument/2006/relationships" xmlns:p="http://schemas.openxmlformats.org/presentationml/2006/main">
+  <p:cSld>
+    <p:spTree>
+      <p:nvGrpSpPr>
+        <p:cNvPr id="1" name=""/>
+        <p:cNvGrpSpPr/>
+        <p:nvPr/>
+      </p:nvGrpSpPr>
+      <p:grpSpPr>
+        <a:xfrm>
+          <a:off x="0" y="0"/>
+          <a:ext cx="0" cy="0"/>
+          <a:chOff x="0" y="0"/>
+          <a:chExt cx="0" cy="0"/>
+        </a:xfrm>
+      </p:grpSpPr>
+      <p:sp>
+        <p:nvSpPr>
           <p:cNvPr id="10" name="Rectangle 6"/>
           <p:cNvSpPr>
             <a:spLocks noGrp="1" noRot="1" noChangeAspect="1" noMove="1" noResize="1" noEditPoints="1" noAdjustHandles="1" noChangeArrowheads="1" noChangeShapeType="1" noTextEdit="1"/>
@@ -10568,7 +10896,7 @@
           <p:nvPr>
             <p:extLst>
               <p:ext uri="{386F3935-93C4-4BCD-93E2-E3B085C9AB24}">
-                <p16:designElem xmlns="" xmlns:p16="http://schemas.microsoft.com/office/powerpoint/2015/main" val="1"/>
+                <p16:designElem xmlns:p16="http://schemas.microsoft.com/office/powerpoint/2015/main" val="1"/>
               </p:ext>
             </p:extLst>
           </p:nvPr>
@@ -10622,7 +10950,7 @@
           <p:nvPr>
             <p:extLst>
               <p:ext uri="{386F3935-93C4-4BCD-93E2-E3B085C9AB24}">
-                <p16:designElem xmlns="" xmlns:p16="http://schemas.microsoft.com/office/powerpoint/2015/main" val="1"/>
+                <p16:designElem xmlns:p16="http://schemas.microsoft.com/office/powerpoint/2015/main" val="1"/>
               </p:ext>
             </p:extLst>
           </p:nvPr>
@@ -10715,7 +11043,7 @@
           <p:nvPr>
             <p:extLst>
               <p:ext uri="{386F3935-93C4-4BCD-93E2-E3B085C9AB24}">
-                <p16:designElem xmlns="" xmlns:p16="http://schemas.microsoft.com/office/powerpoint/2015/main" val="1"/>
+                <p16:designElem xmlns:p16="http://schemas.microsoft.com/office/powerpoint/2015/main" val="1"/>
               </p:ext>
             </p:extLst>
           </p:nvPr>
@@ -11579,78 +11907,141 @@
           <a:lstStyle/>
           <a:p>
             <a:r>
-              <a:rPr lang="en-CA" dirty="0" smtClean="0"/>
+              <a:rPr lang="en-CA" dirty="0">
+                <a:solidFill>
+                  <a:srgbClr val="2A1A00"/>
+                </a:solidFill>
+              </a:rPr>
               <a:t>Zachary </a:t>
             </a:r>
             <a:r>
-              <a:rPr lang="en-CA" dirty="0" err="1" smtClean="0"/>
+              <a:rPr lang="en-CA" dirty="0" err="1">
+                <a:solidFill>
+                  <a:srgbClr val="2A1A00"/>
+                </a:solidFill>
+              </a:rPr>
               <a:t>Bazen</a:t>
             </a:r>
             <a:r>
-              <a:rPr lang="en-CA" dirty="0" smtClean="0"/>
+              <a:rPr lang="en-CA" dirty="0">
+                <a:solidFill>
+                  <a:srgbClr val="2A1A00"/>
+                </a:solidFill>
+              </a:rPr>
               <a:t> – Software Engineering </a:t>
             </a:r>
           </a:p>
           <a:p>
             <a:r>
-              <a:rPr lang="en-CA" dirty="0" smtClean="0"/>
+              <a:rPr lang="en-CA" dirty="0">
+                <a:solidFill>
+                  <a:srgbClr val="2A1A00"/>
+                </a:solidFill>
+              </a:rPr>
               <a:t>Justin </a:t>
             </a:r>
             <a:r>
-              <a:rPr lang="en-CA" dirty="0" err="1" smtClean="0"/>
+              <a:rPr lang="en-CA" dirty="0" err="1">
+                <a:solidFill>
+                  <a:srgbClr val="2A1A00"/>
+                </a:solidFill>
+              </a:rPr>
               <a:t>Kapinski</a:t>
             </a:r>
             <a:r>
-              <a:rPr lang="en-CA" dirty="0" smtClean="0"/>
+              <a:rPr lang="en-CA" dirty="0">
+                <a:solidFill>
+                  <a:srgbClr val="2A1A00"/>
+                </a:solidFill>
+              </a:rPr>
               <a:t> – Software Engineering </a:t>
             </a:r>
           </a:p>
           <a:p>
             <a:r>
-              <a:rPr lang="en-CA" dirty="0" smtClean="0"/>
+              <a:rPr lang="en-CA" dirty="0">
+                <a:solidFill>
+                  <a:srgbClr val="2A1A00"/>
+                </a:solidFill>
+              </a:rPr>
               <a:t>Alexander Jackson – Software Engineering </a:t>
             </a:r>
           </a:p>
           <a:p>
             <a:r>
-              <a:rPr lang="en-CA" dirty="0" smtClean="0"/>
+              <a:rPr lang="en-CA" dirty="0">
+                <a:solidFill>
+                  <a:srgbClr val="2A1A00"/>
+                </a:solidFill>
+              </a:rPr>
               <a:t>Jean </a:t>
             </a:r>
             <a:r>
-              <a:rPr lang="en-CA" dirty="0" err="1" smtClean="0"/>
-              <a:t>Ferrera</a:t>
-            </a:r>
-            <a:r>
-              <a:rPr lang="en-CA" dirty="0" smtClean="0"/>
+              <a:rPr lang="en-US" dirty="0">
+                <a:solidFill>
+                  <a:srgbClr val="2A1A00"/>
+                </a:solidFill>
+              </a:rPr>
+              <a:t>Lucas Ferreira</a:t>
+            </a:r>
+            <a:r>
+              <a:rPr lang="en-CA" dirty="0">
+                <a:solidFill>
+                  <a:srgbClr val="2A1A00"/>
+                </a:solidFill>
+              </a:rPr>
               <a:t> – Software Engineering </a:t>
             </a:r>
           </a:p>
           <a:p>
             <a:r>
-              <a:rPr lang="en-CA" dirty="0" smtClean="0"/>
+              <a:rPr lang="en-CA" dirty="0">
+                <a:solidFill>
+                  <a:srgbClr val="2A1A00"/>
+                </a:solidFill>
+              </a:rPr>
               <a:t>Mathew </a:t>
             </a:r>
             <a:r>
-              <a:rPr lang="en-CA" dirty="0" err="1" smtClean="0"/>
+              <a:rPr lang="en-CA" dirty="0" err="1">
+                <a:solidFill>
+                  <a:srgbClr val="2A1A00"/>
+                </a:solidFill>
+              </a:rPr>
               <a:t>Hobers</a:t>
             </a:r>
             <a:r>
-              <a:rPr lang="en-CA" dirty="0" smtClean="0"/>
+              <a:rPr lang="en-CA" dirty="0">
+                <a:solidFill>
+                  <a:srgbClr val="2A1A00"/>
+                </a:solidFill>
+              </a:rPr>
               <a:t> – Software Engineering </a:t>
             </a:r>
           </a:p>
           <a:p>
             <a:r>
-              <a:rPr lang="en-CA" dirty="0" smtClean="0"/>
+              <a:rPr lang="en-CA" dirty="0">
+                <a:solidFill>
+                  <a:srgbClr val="2A1A00"/>
+                </a:solidFill>
+              </a:rPr>
               <a:t>Radhika Sharma – Software Engineering and Embedded Systems </a:t>
             </a:r>
-            <a:endParaRPr lang="en-CA" dirty="0"/>
-          </a:p>
-          <a:p>
-            <a:endParaRPr lang="en-CA" dirty="0"/>
-          </a:p>
-          <a:p>
-            <a:endParaRPr lang="en-US" dirty="0"/>
+          </a:p>
+          <a:p>
+            <a:endParaRPr lang="en-CA" dirty="0">
+              <a:solidFill>
+                <a:srgbClr val="2A1A00"/>
+              </a:solidFill>
+            </a:endParaRPr>
+          </a:p>
+          <a:p>
+            <a:endParaRPr lang="en-US" dirty="0">
+              <a:solidFill>
+                <a:srgbClr val="2A1A00"/>
+              </a:solidFill>
+            </a:endParaRPr>
           </a:p>
         </p:txBody>
       </p:sp>
@@ -11694,65 +12085,1123 @@
             <p:ph type="title"/>
           </p:nvPr>
         </p:nvSpPr>
-        <p:spPr/>
+        <p:spPr>
+          <a:xfrm>
+            <a:off x="1320503" y="726514"/>
+            <a:ext cx="10178322" cy="1053126"/>
+          </a:xfrm>
+        </p:spPr>
         <p:txBody>
-          <a:bodyPr/>
+          <a:bodyPr>
+            <a:normAutofit/>
+          </a:bodyPr>
           <a:lstStyle/>
           <a:p>
+            <a:pPr>
+              <a:lnSpc>
+                <a:spcPct val="100000"/>
+              </a:lnSpc>
+            </a:pPr>
             <a:r>
               <a:rPr lang="en-CA" dirty="0"/>
-              <a:t>The Problem</a:t>
+              <a:t>The Team</a:t>
             </a:r>
             <a:endParaRPr lang="en-US" dirty="0"/>
           </a:p>
         </p:txBody>
       </p:sp>
-      <p:sp>
-        <p:nvSpPr>
-          <p:cNvPr id="3" name="Content Placeholder 2"/>
-          <p:cNvSpPr>
-            <a:spLocks noGrp="1"/>
-          </p:cNvSpPr>
+      <p:graphicFrame>
+        <p:nvGraphicFramePr>
+          <p:cNvPr id="4" name="Content Placeholder 3"/>
+          <p:cNvGraphicFramePr>
+            <a:graphicFrameLocks noGrp="1"/>
+          </p:cNvGraphicFramePr>
           <p:nvPr>
             <p:ph idx="1"/>
+            <p:extLst>
+              <p:ext uri="{D42A27DB-BD31-4B8C-83A1-F6EECF244321}">
+                <p14:modId xmlns:p14="http://schemas.microsoft.com/office/powerpoint/2010/main" val="645670028"/>
+              </p:ext>
+            </p:extLst>
           </p:nvPr>
-        </p:nvSpPr>
-        <p:spPr/>
-        <p:txBody>
-          <a:bodyPr/>
-          <a:lstStyle/>
-          <a:p>
-            <a:r>
-              <a:rPr lang="en-CA" dirty="0" smtClean="0"/>
-              <a:t>System to allow autonomous vehicles to act at intersections</a:t>
-            </a:r>
-          </a:p>
-          <a:p>
-            <a:endParaRPr lang="en-CA" dirty="0" smtClean="0"/>
-          </a:p>
-          <a:p>
-            <a:r>
-              <a:rPr lang="en-CA" dirty="0" smtClean="0"/>
-              <a:t>Requirements </a:t>
-            </a:r>
-            <a:r>
-              <a:rPr lang="en-CA" dirty="0"/>
-              <a:t>were solving </a:t>
-            </a:r>
-            <a:endParaRPr lang="en-CA" dirty="0" smtClean="0"/>
-          </a:p>
-          <a:p>
-            <a:endParaRPr lang="en-CA" dirty="0"/>
-          </a:p>
-          <a:p>
-            <a:endParaRPr lang="en-US" dirty="0"/>
-          </a:p>
-        </p:txBody>
-      </p:sp>
+        </p:nvGraphicFramePr>
+        <p:xfrm>
+          <a:off x="736451" y="2266335"/>
+          <a:ext cx="11346427" cy="3474720"/>
+        </p:xfrm>
+        <a:graphic>
+          <a:graphicData uri="http://schemas.openxmlformats.org/drawingml/2006/table">
+            <a:tbl>
+              <a:tblPr firstRow="1" bandRow="1">
+                <a:tableStyleId>{2D5ABB26-0587-4C30-8999-92F81FD0307C}</a:tableStyleId>
+              </a:tblPr>
+              <a:tblGrid>
+                <a:gridCol w="3500285">
+                  <a:extLst>
+                    <a:ext uri="{9D8B030D-6E8A-4147-A177-3AD203B41FA5}">
+                      <a16:colId xmlns:a16="http://schemas.microsoft.com/office/drawing/2014/main" val="2565215050"/>
+                    </a:ext>
+                  </a:extLst>
+                </a:gridCol>
+                <a:gridCol w="394258">
+                  <a:extLst>
+                    <a:ext uri="{9D8B030D-6E8A-4147-A177-3AD203B41FA5}">
+                      <a16:colId xmlns:a16="http://schemas.microsoft.com/office/drawing/2014/main" val="3279567016"/>
+                    </a:ext>
+                  </a:extLst>
+                </a:gridCol>
+                <a:gridCol w="7451884">
+                  <a:extLst>
+                    <a:ext uri="{9D8B030D-6E8A-4147-A177-3AD203B41FA5}">
+                      <a16:colId xmlns:a16="http://schemas.microsoft.com/office/drawing/2014/main" val="3702030157"/>
+                    </a:ext>
+                  </a:extLst>
+                </a:gridCol>
+              </a:tblGrid>
+              <a:tr h="370840">
+                <a:tc>
+                  <a:txBody>
+                    <a:bodyPr/>
+                    <a:lstStyle/>
+                    <a:p>
+                      <a:pPr algn="r"/>
+                      <a:r>
+                        <a:rPr lang="en-CA" sz="3200" dirty="0"/>
+                        <a:t>Zachary Bazen </a:t>
+                      </a:r>
+                      <a:endParaRPr lang="en-US" sz="3200" dirty="0"/>
+                    </a:p>
+                  </a:txBody>
+                  <a:tcPr>
+                    <a:lnL w="12700" cap="flat" cmpd="sng" algn="ctr">
+                      <a:noFill/>
+                      <a:prstDash val="solid"/>
+                      <a:round/>
+                      <a:headEnd type="none" w="med" len="med"/>
+                      <a:tailEnd type="none" w="med" len="med"/>
+                    </a:lnL>
+                    <a:lnR w="12700" cap="flat" cmpd="sng" algn="ctr">
+                      <a:noFill/>
+                      <a:prstDash val="solid"/>
+                      <a:round/>
+                      <a:headEnd type="none" w="med" len="med"/>
+                      <a:tailEnd type="none" w="med" len="med"/>
+                    </a:lnR>
+                    <a:lnT w="12700" cap="flat" cmpd="sng" algn="ctr">
+                      <a:noFill/>
+                      <a:prstDash val="solid"/>
+                      <a:round/>
+                      <a:headEnd type="none" w="med" len="med"/>
+                      <a:tailEnd type="none" w="med" len="med"/>
+                    </a:lnT>
+                    <a:lnB w="12700" cap="flat" cmpd="sng" algn="ctr">
+                      <a:noFill/>
+                      <a:prstDash val="solid"/>
+                      <a:round/>
+                      <a:headEnd type="none" w="med" len="med"/>
+                      <a:tailEnd type="none" w="med" len="med"/>
+                    </a:lnB>
+                    <a:lnTlToBr w="12700" cmpd="sng">
+                      <a:noFill/>
+                      <a:prstDash val="solid"/>
+                    </a:lnTlToBr>
+                    <a:lnBlToTr w="12700" cmpd="sng">
+                      <a:noFill/>
+                      <a:prstDash val="solid"/>
+                    </a:lnBlToTr>
+                  </a:tcPr>
+                </a:tc>
+                <a:tc>
+                  <a:txBody>
+                    <a:bodyPr/>
+                    <a:lstStyle/>
+                    <a:p>
+                      <a:pPr algn="ctr"/>
+                      <a:r>
+                        <a:rPr lang="en-CA" sz="3200" dirty="0"/>
+                        <a:t>-</a:t>
+                      </a:r>
+                      <a:endParaRPr lang="en-US" sz="3200" dirty="0"/>
+                    </a:p>
+                  </a:txBody>
+                  <a:tcPr>
+                    <a:lnL w="12700" cap="flat" cmpd="sng" algn="ctr">
+                      <a:noFill/>
+                      <a:prstDash val="solid"/>
+                      <a:round/>
+                      <a:headEnd type="none" w="med" len="med"/>
+                      <a:tailEnd type="none" w="med" len="med"/>
+                    </a:lnL>
+                    <a:lnR w="12700" cap="flat" cmpd="sng" algn="ctr">
+                      <a:noFill/>
+                      <a:prstDash val="solid"/>
+                      <a:round/>
+                      <a:headEnd type="none" w="med" len="med"/>
+                      <a:tailEnd type="none" w="med" len="med"/>
+                    </a:lnR>
+                    <a:lnT w="12700" cap="flat" cmpd="sng" algn="ctr">
+                      <a:noFill/>
+                      <a:prstDash val="solid"/>
+                      <a:round/>
+                      <a:headEnd type="none" w="med" len="med"/>
+                      <a:tailEnd type="none" w="med" len="med"/>
+                    </a:lnT>
+                    <a:lnB w="12700" cap="flat" cmpd="sng" algn="ctr">
+                      <a:noFill/>
+                      <a:prstDash val="solid"/>
+                      <a:round/>
+                      <a:headEnd type="none" w="med" len="med"/>
+                      <a:tailEnd type="none" w="med" len="med"/>
+                    </a:lnB>
+                    <a:lnTlToBr w="12700" cmpd="sng">
+                      <a:noFill/>
+                      <a:prstDash val="solid"/>
+                    </a:lnTlToBr>
+                    <a:lnBlToTr w="12700" cmpd="sng">
+                      <a:noFill/>
+                      <a:prstDash val="solid"/>
+                    </a:lnBlToTr>
+                  </a:tcPr>
+                </a:tc>
+                <a:tc>
+                  <a:txBody>
+                    <a:bodyPr/>
+                    <a:lstStyle/>
+                    <a:p>
+                      <a:pPr algn="l"/>
+                      <a:r>
+                        <a:rPr lang="en-CA" sz="3200" dirty="0"/>
+                        <a:t>Software Engineering</a:t>
+                      </a:r>
+                      <a:r>
+                        <a:rPr lang="en-CA" sz="3200" baseline="0" dirty="0"/>
+                        <a:t> </a:t>
+                      </a:r>
+                      <a:endParaRPr lang="en-US" sz="3200" dirty="0"/>
+                    </a:p>
+                  </a:txBody>
+                  <a:tcPr>
+                    <a:lnL w="12700" cap="flat" cmpd="sng" algn="ctr">
+                      <a:noFill/>
+                      <a:prstDash val="solid"/>
+                      <a:round/>
+                      <a:headEnd type="none" w="med" len="med"/>
+                      <a:tailEnd type="none" w="med" len="med"/>
+                    </a:lnL>
+                    <a:lnR w="12700" cap="flat" cmpd="sng" algn="ctr">
+                      <a:noFill/>
+                      <a:prstDash val="solid"/>
+                      <a:round/>
+                      <a:headEnd type="none" w="med" len="med"/>
+                      <a:tailEnd type="none" w="med" len="med"/>
+                    </a:lnR>
+                    <a:lnT w="12700" cap="flat" cmpd="sng" algn="ctr">
+                      <a:noFill/>
+                      <a:prstDash val="solid"/>
+                      <a:round/>
+                      <a:headEnd type="none" w="med" len="med"/>
+                      <a:tailEnd type="none" w="med" len="med"/>
+                    </a:lnT>
+                    <a:lnB w="12700" cap="flat" cmpd="sng" algn="ctr">
+                      <a:noFill/>
+                      <a:prstDash val="solid"/>
+                      <a:round/>
+                      <a:headEnd type="none" w="med" len="med"/>
+                      <a:tailEnd type="none" w="med" len="med"/>
+                    </a:lnB>
+                    <a:lnTlToBr w="12700" cmpd="sng">
+                      <a:noFill/>
+                      <a:prstDash val="solid"/>
+                    </a:lnTlToBr>
+                    <a:lnBlToTr w="12700" cmpd="sng">
+                      <a:noFill/>
+                      <a:prstDash val="solid"/>
+                    </a:lnBlToTr>
+                  </a:tcPr>
+                </a:tc>
+                <a:extLst>
+                  <a:ext uri="{0D108BD9-81ED-4DB2-BD59-A6C34878D82A}">
+                    <a16:rowId xmlns:a16="http://schemas.microsoft.com/office/drawing/2014/main" val="3950718333"/>
+                  </a:ext>
+                </a:extLst>
+              </a:tr>
+              <a:tr h="370840">
+                <a:tc>
+                  <a:txBody>
+                    <a:bodyPr/>
+                    <a:lstStyle/>
+                    <a:p>
+                      <a:pPr algn="r"/>
+                      <a:r>
+                        <a:rPr lang="en-CA" sz="3200" dirty="0">
+                          <a:solidFill>
+                            <a:srgbClr val="2A1A00"/>
+                          </a:solidFill>
+                        </a:rPr>
+                        <a:t>Jean </a:t>
+                      </a:r>
+                      <a:r>
+                        <a:rPr lang="en-US" sz="3200" dirty="0">
+                          <a:solidFill>
+                            <a:srgbClr val="2A1A00"/>
+                          </a:solidFill>
+                        </a:rPr>
+                        <a:t>Lucas Ferreira</a:t>
+                      </a:r>
+                      <a:r>
+                        <a:rPr lang="en-CA" sz="3200" dirty="0">
+                          <a:solidFill>
+                            <a:srgbClr val="2A1A00"/>
+                          </a:solidFill>
+                        </a:rPr>
+                        <a:t> </a:t>
+                      </a:r>
+                      <a:endParaRPr lang="en-US" sz="3200" dirty="0"/>
+                    </a:p>
+                  </a:txBody>
+                  <a:tcPr>
+                    <a:lnL w="12700" cap="flat" cmpd="sng" algn="ctr">
+                      <a:noFill/>
+                      <a:prstDash val="solid"/>
+                      <a:round/>
+                      <a:headEnd type="none" w="med" len="med"/>
+                      <a:tailEnd type="none" w="med" len="med"/>
+                    </a:lnL>
+                    <a:lnR w="12700" cap="flat" cmpd="sng" algn="ctr">
+                      <a:noFill/>
+                      <a:prstDash val="solid"/>
+                      <a:round/>
+                      <a:headEnd type="none" w="med" len="med"/>
+                      <a:tailEnd type="none" w="med" len="med"/>
+                    </a:lnR>
+                    <a:lnT w="12700" cap="flat" cmpd="sng" algn="ctr">
+                      <a:noFill/>
+                      <a:prstDash val="solid"/>
+                      <a:round/>
+                      <a:headEnd type="none" w="med" len="med"/>
+                      <a:tailEnd type="none" w="med" len="med"/>
+                    </a:lnT>
+                    <a:lnB w="12700" cap="flat" cmpd="sng" algn="ctr">
+                      <a:noFill/>
+                      <a:prstDash val="solid"/>
+                      <a:round/>
+                      <a:headEnd type="none" w="med" len="med"/>
+                      <a:tailEnd type="none" w="med" len="med"/>
+                    </a:lnB>
+                    <a:lnTlToBr w="12700" cmpd="sng">
+                      <a:noFill/>
+                      <a:prstDash val="solid"/>
+                    </a:lnTlToBr>
+                    <a:lnBlToTr w="12700" cmpd="sng">
+                      <a:noFill/>
+                      <a:prstDash val="solid"/>
+                    </a:lnBlToTr>
+                  </a:tcPr>
+                </a:tc>
+                <a:tc>
+                  <a:txBody>
+                    <a:bodyPr/>
+                    <a:lstStyle/>
+                    <a:p>
+                      <a:pPr algn="ctr"/>
+                      <a:r>
+                        <a:rPr lang="en-CA" sz="3200" dirty="0"/>
+                        <a:t>-</a:t>
+                      </a:r>
+                      <a:endParaRPr lang="en-US" sz="3200" dirty="0"/>
+                    </a:p>
+                  </a:txBody>
+                  <a:tcPr>
+                    <a:lnL w="12700" cap="flat" cmpd="sng" algn="ctr">
+                      <a:noFill/>
+                      <a:prstDash val="solid"/>
+                      <a:round/>
+                      <a:headEnd type="none" w="med" len="med"/>
+                      <a:tailEnd type="none" w="med" len="med"/>
+                    </a:lnL>
+                    <a:lnR w="12700" cap="flat" cmpd="sng" algn="ctr">
+                      <a:noFill/>
+                      <a:prstDash val="solid"/>
+                      <a:round/>
+                      <a:headEnd type="none" w="med" len="med"/>
+                      <a:tailEnd type="none" w="med" len="med"/>
+                    </a:lnR>
+                    <a:lnT w="12700" cap="flat" cmpd="sng" algn="ctr">
+                      <a:noFill/>
+                      <a:prstDash val="solid"/>
+                      <a:round/>
+                      <a:headEnd type="none" w="med" len="med"/>
+                      <a:tailEnd type="none" w="med" len="med"/>
+                    </a:lnT>
+                    <a:lnB w="12700" cap="flat" cmpd="sng" algn="ctr">
+                      <a:noFill/>
+                      <a:prstDash val="solid"/>
+                      <a:round/>
+                      <a:headEnd type="none" w="med" len="med"/>
+                      <a:tailEnd type="none" w="med" len="med"/>
+                    </a:lnB>
+                    <a:lnTlToBr w="12700" cmpd="sng">
+                      <a:noFill/>
+                      <a:prstDash val="solid"/>
+                    </a:lnTlToBr>
+                    <a:lnBlToTr w="12700" cmpd="sng">
+                      <a:noFill/>
+                      <a:prstDash val="solid"/>
+                    </a:lnBlToTr>
+                  </a:tcPr>
+                </a:tc>
+                <a:tc>
+                  <a:txBody>
+                    <a:bodyPr/>
+                    <a:lstStyle/>
+                    <a:p>
+                      <a:pPr marL="0" marR="0" lvl="0" indent="0" algn="l" defTabSz="914400" rtl="0" eaLnBrk="1" fontAlgn="auto" latinLnBrk="0" hangingPunct="1">
+                        <a:lnSpc>
+                          <a:spcPct val="100000"/>
+                        </a:lnSpc>
+                        <a:spcBef>
+                          <a:spcPts val="0"/>
+                        </a:spcBef>
+                        <a:spcAft>
+                          <a:spcPts val="0"/>
+                        </a:spcAft>
+                        <a:buClrTx/>
+                        <a:buSzTx/>
+                        <a:buFontTx/>
+                        <a:buNone/>
+                        <a:tabLst/>
+                        <a:defRPr/>
+                      </a:pPr>
+                      <a:r>
+                        <a:rPr lang="en-CA" sz="3200" dirty="0"/>
+                        <a:t>Software Engineering</a:t>
+                      </a:r>
+                      <a:r>
+                        <a:rPr lang="en-CA" sz="3200" baseline="0" dirty="0"/>
+                        <a:t> </a:t>
+                      </a:r>
+                      <a:endParaRPr lang="en-US" sz="3200" dirty="0"/>
+                    </a:p>
+                  </a:txBody>
+                  <a:tcPr>
+                    <a:lnL w="12700" cap="flat" cmpd="sng" algn="ctr">
+                      <a:noFill/>
+                      <a:prstDash val="solid"/>
+                      <a:round/>
+                      <a:headEnd type="none" w="med" len="med"/>
+                      <a:tailEnd type="none" w="med" len="med"/>
+                    </a:lnL>
+                    <a:lnR w="12700" cap="flat" cmpd="sng" algn="ctr">
+                      <a:noFill/>
+                      <a:prstDash val="solid"/>
+                      <a:round/>
+                      <a:headEnd type="none" w="med" len="med"/>
+                      <a:tailEnd type="none" w="med" len="med"/>
+                    </a:lnR>
+                    <a:lnT w="12700" cap="flat" cmpd="sng" algn="ctr">
+                      <a:noFill/>
+                      <a:prstDash val="solid"/>
+                      <a:round/>
+                      <a:headEnd type="none" w="med" len="med"/>
+                      <a:tailEnd type="none" w="med" len="med"/>
+                    </a:lnT>
+                    <a:lnB w="12700" cap="flat" cmpd="sng" algn="ctr">
+                      <a:noFill/>
+                      <a:prstDash val="solid"/>
+                      <a:round/>
+                      <a:headEnd type="none" w="med" len="med"/>
+                      <a:tailEnd type="none" w="med" len="med"/>
+                    </a:lnB>
+                    <a:lnTlToBr w="12700" cmpd="sng">
+                      <a:noFill/>
+                      <a:prstDash val="solid"/>
+                    </a:lnTlToBr>
+                    <a:lnBlToTr w="12700" cmpd="sng">
+                      <a:noFill/>
+                      <a:prstDash val="solid"/>
+                    </a:lnBlToTr>
+                  </a:tcPr>
+                </a:tc>
+                <a:extLst>
+                  <a:ext uri="{0D108BD9-81ED-4DB2-BD59-A6C34878D82A}">
+                    <a16:rowId xmlns:a16="http://schemas.microsoft.com/office/drawing/2014/main" val="2377837653"/>
+                  </a:ext>
+                </a:extLst>
+              </a:tr>
+              <a:tr h="370840">
+                <a:tc>
+                  <a:txBody>
+                    <a:bodyPr/>
+                    <a:lstStyle/>
+                    <a:p>
+                      <a:pPr algn="r"/>
+                      <a:r>
+                        <a:rPr lang="en-US" sz="3200" dirty="0"/>
+                        <a:t>Alexander Jackson </a:t>
+                      </a:r>
+                    </a:p>
+                  </a:txBody>
+                  <a:tcPr>
+                    <a:lnL w="12700" cap="flat" cmpd="sng" algn="ctr">
+                      <a:noFill/>
+                      <a:prstDash val="solid"/>
+                      <a:round/>
+                      <a:headEnd type="none" w="med" len="med"/>
+                      <a:tailEnd type="none" w="med" len="med"/>
+                    </a:lnL>
+                    <a:lnR w="12700" cap="flat" cmpd="sng" algn="ctr">
+                      <a:noFill/>
+                      <a:prstDash val="solid"/>
+                      <a:round/>
+                      <a:headEnd type="none" w="med" len="med"/>
+                      <a:tailEnd type="none" w="med" len="med"/>
+                    </a:lnR>
+                    <a:lnT w="12700" cap="flat" cmpd="sng" algn="ctr">
+                      <a:noFill/>
+                      <a:prstDash val="solid"/>
+                      <a:round/>
+                      <a:headEnd type="none" w="med" len="med"/>
+                      <a:tailEnd type="none" w="med" len="med"/>
+                    </a:lnT>
+                    <a:lnB w="12700" cap="flat" cmpd="sng" algn="ctr">
+                      <a:noFill/>
+                      <a:prstDash val="solid"/>
+                      <a:round/>
+                      <a:headEnd type="none" w="med" len="med"/>
+                      <a:tailEnd type="none" w="med" len="med"/>
+                    </a:lnB>
+                    <a:lnTlToBr w="12700" cmpd="sng">
+                      <a:noFill/>
+                      <a:prstDash val="solid"/>
+                    </a:lnTlToBr>
+                    <a:lnBlToTr w="12700" cmpd="sng">
+                      <a:noFill/>
+                      <a:prstDash val="solid"/>
+                    </a:lnBlToTr>
+                  </a:tcPr>
+                </a:tc>
+                <a:tc>
+                  <a:txBody>
+                    <a:bodyPr/>
+                    <a:lstStyle/>
+                    <a:p>
+                      <a:pPr algn="ctr"/>
+                      <a:r>
+                        <a:rPr lang="en-CA" sz="3200" dirty="0"/>
+                        <a:t>-</a:t>
+                      </a:r>
+                      <a:endParaRPr lang="en-US" sz="3200" dirty="0"/>
+                    </a:p>
+                  </a:txBody>
+                  <a:tcPr>
+                    <a:lnL w="12700" cap="flat" cmpd="sng" algn="ctr">
+                      <a:noFill/>
+                      <a:prstDash val="solid"/>
+                      <a:round/>
+                      <a:headEnd type="none" w="med" len="med"/>
+                      <a:tailEnd type="none" w="med" len="med"/>
+                    </a:lnL>
+                    <a:lnR w="12700" cap="flat" cmpd="sng" algn="ctr">
+                      <a:noFill/>
+                      <a:prstDash val="solid"/>
+                      <a:round/>
+                      <a:headEnd type="none" w="med" len="med"/>
+                      <a:tailEnd type="none" w="med" len="med"/>
+                    </a:lnR>
+                    <a:lnT w="12700" cap="flat" cmpd="sng" algn="ctr">
+                      <a:noFill/>
+                      <a:prstDash val="solid"/>
+                      <a:round/>
+                      <a:headEnd type="none" w="med" len="med"/>
+                      <a:tailEnd type="none" w="med" len="med"/>
+                    </a:lnT>
+                    <a:lnB w="12700" cap="flat" cmpd="sng" algn="ctr">
+                      <a:noFill/>
+                      <a:prstDash val="solid"/>
+                      <a:round/>
+                      <a:headEnd type="none" w="med" len="med"/>
+                      <a:tailEnd type="none" w="med" len="med"/>
+                    </a:lnB>
+                    <a:lnTlToBr w="12700" cmpd="sng">
+                      <a:noFill/>
+                      <a:prstDash val="solid"/>
+                    </a:lnTlToBr>
+                    <a:lnBlToTr w="12700" cmpd="sng">
+                      <a:noFill/>
+                      <a:prstDash val="solid"/>
+                    </a:lnBlToTr>
+                  </a:tcPr>
+                </a:tc>
+                <a:tc>
+                  <a:txBody>
+                    <a:bodyPr/>
+                    <a:lstStyle/>
+                    <a:p>
+                      <a:pPr algn="l"/>
+                      <a:r>
+                        <a:rPr lang="en-CA" sz="3200" dirty="0"/>
+                        <a:t>Software Engineering</a:t>
+                      </a:r>
+                      <a:endParaRPr lang="en-US" sz="3200" dirty="0"/>
+                    </a:p>
+                  </a:txBody>
+                  <a:tcPr>
+                    <a:lnL w="12700" cap="flat" cmpd="sng" algn="ctr">
+                      <a:noFill/>
+                      <a:prstDash val="solid"/>
+                      <a:round/>
+                      <a:headEnd type="none" w="med" len="med"/>
+                      <a:tailEnd type="none" w="med" len="med"/>
+                    </a:lnL>
+                    <a:lnR w="12700" cap="flat" cmpd="sng" algn="ctr">
+                      <a:noFill/>
+                      <a:prstDash val="solid"/>
+                      <a:round/>
+                      <a:headEnd type="none" w="med" len="med"/>
+                      <a:tailEnd type="none" w="med" len="med"/>
+                    </a:lnR>
+                    <a:lnT w="12700" cap="flat" cmpd="sng" algn="ctr">
+                      <a:noFill/>
+                      <a:prstDash val="solid"/>
+                      <a:round/>
+                      <a:headEnd type="none" w="med" len="med"/>
+                      <a:tailEnd type="none" w="med" len="med"/>
+                    </a:lnT>
+                    <a:lnB w="12700" cap="flat" cmpd="sng" algn="ctr">
+                      <a:noFill/>
+                      <a:prstDash val="solid"/>
+                      <a:round/>
+                      <a:headEnd type="none" w="med" len="med"/>
+                      <a:tailEnd type="none" w="med" len="med"/>
+                    </a:lnB>
+                    <a:lnTlToBr w="12700" cmpd="sng">
+                      <a:noFill/>
+                      <a:prstDash val="solid"/>
+                    </a:lnTlToBr>
+                    <a:lnBlToTr w="12700" cmpd="sng">
+                      <a:noFill/>
+                      <a:prstDash val="solid"/>
+                    </a:lnBlToTr>
+                  </a:tcPr>
+                </a:tc>
+                <a:extLst>
+                  <a:ext uri="{0D108BD9-81ED-4DB2-BD59-A6C34878D82A}">
+                    <a16:rowId xmlns:a16="http://schemas.microsoft.com/office/drawing/2014/main" val="817088776"/>
+                  </a:ext>
+                </a:extLst>
+              </a:tr>
+              <a:tr h="370840">
+                <a:tc>
+                  <a:txBody>
+                    <a:bodyPr/>
+                    <a:lstStyle/>
+                    <a:p>
+                      <a:pPr algn="r"/>
+                      <a:r>
+                        <a:rPr lang="en-US" sz="3200" dirty="0"/>
+                        <a:t>Justin </a:t>
+                      </a:r>
+                      <a:r>
+                        <a:rPr lang="en-US" sz="3200" dirty="0" err="1"/>
+                        <a:t>Kapinski</a:t>
+                      </a:r>
+                      <a:r>
+                        <a:rPr lang="en-US" sz="3200" dirty="0"/>
+                        <a:t> </a:t>
+                      </a:r>
+                    </a:p>
+                  </a:txBody>
+                  <a:tcPr>
+                    <a:lnL w="12700" cap="flat" cmpd="sng" algn="ctr">
+                      <a:noFill/>
+                      <a:prstDash val="solid"/>
+                      <a:round/>
+                      <a:headEnd type="none" w="med" len="med"/>
+                      <a:tailEnd type="none" w="med" len="med"/>
+                    </a:lnL>
+                    <a:lnR w="12700" cap="flat" cmpd="sng" algn="ctr">
+                      <a:noFill/>
+                      <a:prstDash val="solid"/>
+                      <a:round/>
+                      <a:headEnd type="none" w="med" len="med"/>
+                      <a:tailEnd type="none" w="med" len="med"/>
+                    </a:lnR>
+                    <a:lnT w="12700" cap="flat" cmpd="sng" algn="ctr">
+                      <a:noFill/>
+                      <a:prstDash val="solid"/>
+                      <a:round/>
+                      <a:headEnd type="none" w="med" len="med"/>
+                      <a:tailEnd type="none" w="med" len="med"/>
+                    </a:lnT>
+                    <a:lnB w="12700" cap="flat" cmpd="sng" algn="ctr">
+                      <a:noFill/>
+                      <a:prstDash val="solid"/>
+                      <a:round/>
+                      <a:headEnd type="none" w="med" len="med"/>
+                      <a:tailEnd type="none" w="med" len="med"/>
+                    </a:lnB>
+                    <a:lnTlToBr w="12700" cmpd="sng">
+                      <a:noFill/>
+                      <a:prstDash val="solid"/>
+                    </a:lnTlToBr>
+                    <a:lnBlToTr w="12700" cmpd="sng">
+                      <a:noFill/>
+                      <a:prstDash val="solid"/>
+                    </a:lnBlToTr>
+                  </a:tcPr>
+                </a:tc>
+                <a:tc>
+                  <a:txBody>
+                    <a:bodyPr/>
+                    <a:lstStyle/>
+                    <a:p>
+                      <a:pPr algn="ctr"/>
+                      <a:r>
+                        <a:rPr lang="en-CA" sz="3200" dirty="0"/>
+                        <a:t>-</a:t>
+                      </a:r>
+                      <a:endParaRPr lang="en-US" sz="3200" dirty="0"/>
+                    </a:p>
+                  </a:txBody>
+                  <a:tcPr>
+                    <a:lnL w="12700" cap="flat" cmpd="sng" algn="ctr">
+                      <a:noFill/>
+                      <a:prstDash val="solid"/>
+                      <a:round/>
+                      <a:headEnd type="none" w="med" len="med"/>
+                      <a:tailEnd type="none" w="med" len="med"/>
+                    </a:lnL>
+                    <a:lnR w="12700" cap="flat" cmpd="sng" algn="ctr">
+                      <a:noFill/>
+                      <a:prstDash val="solid"/>
+                      <a:round/>
+                      <a:headEnd type="none" w="med" len="med"/>
+                      <a:tailEnd type="none" w="med" len="med"/>
+                    </a:lnR>
+                    <a:lnT w="12700" cap="flat" cmpd="sng" algn="ctr">
+                      <a:noFill/>
+                      <a:prstDash val="solid"/>
+                      <a:round/>
+                      <a:headEnd type="none" w="med" len="med"/>
+                      <a:tailEnd type="none" w="med" len="med"/>
+                    </a:lnT>
+                    <a:lnB w="12700" cap="flat" cmpd="sng" algn="ctr">
+                      <a:noFill/>
+                      <a:prstDash val="solid"/>
+                      <a:round/>
+                      <a:headEnd type="none" w="med" len="med"/>
+                      <a:tailEnd type="none" w="med" len="med"/>
+                    </a:lnB>
+                    <a:lnTlToBr w="12700" cmpd="sng">
+                      <a:noFill/>
+                      <a:prstDash val="solid"/>
+                    </a:lnTlToBr>
+                    <a:lnBlToTr w="12700" cmpd="sng">
+                      <a:noFill/>
+                      <a:prstDash val="solid"/>
+                    </a:lnBlToTr>
+                  </a:tcPr>
+                </a:tc>
+                <a:tc>
+                  <a:txBody>
+                    <a:bodyPr/>
+                    <a:lstStyle/>
+                    <a:p>
+                      <a:pPr algn="l"/>
+                      <a:r>
+                        <a:rPr lang="en-CA" sz="3200" dirty="0"/>
+                        <a:t>Software Engineering</a:t>
+                      </a:r>
+                      <a:endParaRPr lang="en-US" sz="3200" dirty="0"/>
+                    </a:p>
+                  </a:txBody>
+                  <a:tcPr>
+                    <a:lnL w="12700" cap="flat" cmpd="sng" algn="ctr">
+                      <a:noFill/>
+                      <a:prstDash val="solid"/>
+                      <a:round/>
+                      <a:headEnd type="none" w="med" len="med"/>
+                      <a:tailEnd type="none" w="med" len="med"/>
+                    </a:lnL>
+                    <a:lnR w="12700" cap="flat" cmpd="sng" algn="ctr">
+                      <a:noFill/>
+                      <a:prstDash val="solid"/>
+                      <a:round/>
+                      <a:headEnd type="none" w="med" len="med"/>
+                      <a:tailEnd type="none" w="med" len="med"/>
+                    </a:lnR>
+                    <a:lnT w="12700" cap="flat" cmpd="sng" algn="ctr">
+                      <a:noFill/>
+                      <a:prstDash val="solid"/>
+                      <a:round/>
+                      <a:headEnd type="none" w="med" len="med"/>
+                      <a:tailEnd type="none" w="med" len="med"/>
+                    </a:lnT>
+                    <a:lnB w="12700" cap="flat" cmpd="sng" algn="ctr">
+                      <a:noFill/>
+                      <a:prstDash val="solid"/>
+                      <a:round/>
+                      <a:headEnd type="none" w="med" len="med"/>
+                      <a:tailEnd type="none" w="med" len="med"/>
+                    </a:lnB>
+                    <a:lnTlToBr w="12700" cmpd="sng">
+                      <a:noFill/>
+                      <a:prstDash val="solid"/>
+                    </a:lnTlToBr>
+                    <a:lnBlToTr w="12700" cmpd="sng">
+                      <a:noFill/>
+                      <a:prstDash val="solid"/>
+                    </a:lnBlToTr>
+                  </a:tcPr>
+                </a:tc>
+                <a:extLst>
+                  <a:ext uri="{0D108BD9-81ED-4DB2-BD59-A6C34878D82A}">
+                    <a16:rowId xmlns:a16="http://schemas.microsoft.com/office/drawing/2014/main" val="294341159"/>
+                  </a:ext>
+                </a:extLst>
+              </a:tr>
+              <a:tr h="370840">
+                <a:tc>
+                  <a:txBody>
+                    <a:bodyPr/>
+                    <a:lstStyle/>
+                    <a:p>
+                      <a:pPr algn="r"/>
+                      <a:r>
+                        <a:rPr lang="en-US" sz="3200" dirty="0"/>
+                        <a:t>Mathew </a:t>
+                      </a:r>
+                      <a:r>
+                        <a:rPr lang="en-US" sz="3200" dirty="0" err="1"/>
+                        <a:t>Hobers</a:t>
+                      </a:r>
+                      <a:endParaRPr lang="en-US" sz="3200" dirty="0"/>
+                    </a:p>
+                  </a:txBody>
+                  <a:tcPr>
+                    <a:lnL w="12700" cap="flat" cmpd="sng" algn="ctr">
+                      <a:noFill/>
+                      <a:prstDash val="solid"/>
+                      <a:round/>
+                      <a:headEnd type="none" w="med" len="med"/>
+                      <a:tailEnd type="none" w="med" len="med"/>
+                    </a:lnL>
+                    <a:lnR w="12700" cap="flat" cmpd="sng" algn="ctr">
+                      <a:noFill/>
+                      <a:prstDash val="solid"/>
+                      <a:round/>
+                      <a:headEnd type="none" w="med" len="med"/>
+                      <a:tailEnd type="none" w="med" len="med"/>
+                    </a:lnR>
+                    <a:lnT w="12700" cap="flat" cmpd="sng" algn="ctr">
+                      <a:noFill/>
+                      <a:prstDash val="solid"/>
+                      <a:round/>
+                      <a:headEnd type="none" w="med" len="med"/>
+                      <a:tailEnd type="none" w="med" len="med"/>
+                    </a:lnT>
+                    <a:lnB w="12700" cap="flat" cmpd="sng" algn="ctr">
+                      <a:noFill/>
+                      <a:prstDash val="solid"/>
+                      <a:round/>
+                      <a:headEnd type="none" w="med" len="med"/>
+                      <a:tailEnd type="none" w="med" len="med"/>
+                    </a:lnB>
+                    <a:lnTlToBr w="12700" cmpd="sng">
+                      <a:noFill/>
+                      <a:prstDash val="solid"/>
+                    </a:lnTlToBr>
+                    <a:lnBlToTr w="12700" cmpd="sng">
+                      <a:noFill/>
+                      <a:prstDash val="solid"/>
+                    </a:lnBlToTr>
+                  </a:tcPr>
+                </a:tc>
+                <a:tc>
+                  <a:txBody>
+                    <a:bodyPr/>
+                    <a:lstStyle/>
+                    <a:p>
+                      <a:pPr algn="ctr"/>
+                      <a:r>
+                        <a:rPr lang="en-CA" sz="3200" dirty="0"/>
+                        <a:t>-</a:t>
+                      </a:r>
+                      <a:endParaRPr lang="en-US" sz="3200" dirty="0"/>
+                    </a:p>
+                  </a:txBody>
+                  <a:tcPr>
+                    <a:lnL w="12700" cap="flat" cmpd="sng" algn="ctr">
+                      <a:noFill/>
+                      <a:prstDash val="solid"/>
+                      <a:round/>
+                      <a:headEnd type="none" w="med" len="med"/>
+                      <a:tailEnd type="none" w="med" len="med"/>
+                    </a:lnL>
+                    <a:lnR w="12700" cap="flat" cmpd="sng" algn="ctr">
+                      <a:noFill/>
+                      <a:prstDash val="solid"/>
+                      <a:round/>
+                      <a:headEnd type="none" w="med" len="med"/>
+                      <a:tailEnd type="none" w="med" len="med"/>
+                    </a:lnR>
+                    <a:lnT w="12700" cap="flat" cmpd="sng" algn="ctr">
+                      <a:noFill/>
+                      <a:prstDash val="solid"/>
+                      <a:round/>
+                      <a:headEnd type="none" w="med" len="med"/>
+                      <a:tailEnd type="none" w="med" len="med"/>
+                    </a:lnT>
+                    <a:lnB w="12700" cap="flat" cmpd="sng" algn="ctr">
+                      <a:noFill/>
+                      <a:prstDash val="solid"/>
+                      <a:round/>
+                      <a:headEnd type="none" w="med" len="med"/>
+                      <a:tailEnd type="none" w="med" len="med"/>
+                    </a:lnB>
+                    <a:lnTlToBr w="12700" cmpd="sng">
+                      <a:noFill/>
+                      <a:prstDash val="solid"/>
+                    </a:lnTlToBr>
+                    <a:lnBlToTr w="12700" cmpd="sng">
+                      <a:noFill/>
+                      <a:prstDash val="solid"/>
+                    </a:lnBlToTr>
+                  </a:tcPr>
+                </a:tc>
+                <a:tc>
+                  <a:txBody>
+                    <a:bodyPr/>
+                    <a:lstStyle/>
+                    <a:p>
+                      <a:pPr algn="l"/>
+                      <a:r>
+                        <a:rPr lang="en-CA" sz="3200" dirty="0"/>
+                        <a:t>Software Engineering</a:t>
+                      </a:r>
+                      <a:endParaRPr lang="en-US" sz="3200" dirty="0"/>
+                    </a:p>
+                  </a:txBody>
+                  <a:tcPr>
+                    <a:lnL w="12700" cap="flat" cmpd="sng" algn="ctr">
+                      <a:noFill/>
+                      <a:prstDash val="solid"/>
+                      <a:round/>
+                      <a:headEnd type="none" w="med" len="med"/>
+                      <a:tailEnd type="none" w="med" len="med"/>
+                    </a:lnL>
+                    <a:lnR w="12700" cap="flat" cmpd="sng" algn="ctr">
+                      <a:noFill/>
+                      <a:prstDash val="solid"/>
+                      <a:round/>
+                      <a:headEnd type="none" w="med" len="med"/>
+                      <a:tailEnd type="none" w="med" len="med"/>
+                    </a:lnR>
+                    <a:lnT w="12700" cap="flat" cmpd="sng" algn="ctr">
+                      <a:noFill/>
+                      <a:prstDash val="solid"/>
+                      <a:round/>
+                      <a:headEnd type="none" w="med" len="med"/>
+                      <a:tailEnd type="none" w="med" len="med"/>
+                    </a:lnT>
+                    <a:lnB w="12700" cap="flat" cmpd="sng" algn="ctr">
+                      <a:noFill/>
+                      <a:prstDash val="solid"/>
+                      <a:round/>
+                      <a:headEnd type="none" w="med" len="med"/>
+                      <a:tailEnd type="none" w="med" len="med"/>
+                    </a:lnB>
+                    <a:lnTlToBr w="12700" cmpd="sng">
+                      <a:noFill/>
+                      <a:prstDash val="solid"/>
+                    </a:lnTlToBr>
+                    <a:lnBlToTr w="12700" cmpd="sng">
+                      <a:noFill/>
+                      <a:prstDash val="solid"/>
+                    </a:lnBlToTr>
+                  </a:tcPr>
+                </a:tc>
+                <a:extLst>
+                  <a:ext uri="{0D108BD9-81ED-4DB2-BD59-A6C34878D82A}">
+                    <a16:rowId xmlns:a16="http://schemas.microsoft.com/office/drawing/2014/main" val="3306447196"/>
+                  </a:ext>
+                </a:extLst>
+              </a:tr>
+              <a:tr h="370840">
+                <a:tc>
+                  <a:txBody>
+                    <a:bodyPr/>
+                    <a:lstStyle/>
+                    <a:p>
+                      <a:pPr algn="r"/>
+                      <a:r>
+                        <a:rPr lang="en-CA" sz="3200" dirty="0">
+                          <a:solidFill>
+                            <a:srgbClr val="2A1A00"/>
+                          </a:solidFill>
+                        </a:rPr>
+                        <a:t>Radhika Sharma</a:t>
+                      </a:r>
+                      <a:endParaRPr lang="en-US" sz="3200" dirty="0"/>
+                    </a:p>
+                  </a:txBody>
+                  <a:tcPr>
+                    <a:lnL w="12700" cap="flat" cmpd="sng" algn="ctr">
+                      <a:noFill/>
+                      <a:prstDash val="solid"/>
+                      <a:round/>
+                      <a:headEnd type="none" w="med" len="med"/>
+                      <a:tailEnd type="none" w="med" len="med"/>
+                    </a:lnL>
+                    <a:lnR w="12700" cap="flat" cmpd="sng" algn="ctr">
+                      <a:noFill/>
+                      <a:prstDash val="solid"/>
+                      <a:round/>
+                      <a:headEnd type="none" w="med" len="med"/>
+                      <a:tailEnd type="none" w="med" len="med"/>
+                    </a:lnR>
+                    <a:lnT w="12700" cap="flat" cmpd="sng" algn="ctr">
+                      <a:noFill/>
+                      <a:prstDash val="solid"/>
+                      <a:round/>
+                      <a:headEnd type="none" w="med" len="med"/>
+                      <a:tailEnd type="none" w="med" len="med"/>
+                    </a:lnT>
+                    <a:lnB w="12700" cap="flat" cmpd="sng" algn="ctr">
+                      <a:noFill/>
+                      <a:prstDash val="solid"/>
+                      <a:round/>
+                      <a:headEnd type="none" w="med" len="med"/>
+                      <a:tailEnd type="none" w="med" len="med"/>
+                    </a:lnB>
+                    <a:lnTlToBr w="12700" cmpd="sng">
+                      <a:noFill/>
+                      <a:prstDash val="solid"/>
+                    </a:lnTlToBr>
+                    <a:lnBlToTr w="12700" cmpd="sng">
+                      <a:noFill/>
+                      <a:prstDash val="solid"/>
+                    </a:lnBlToTr>
+                  </a:tcPr>
+                </a:tc>
+                <a:tc>
+                  <a:txBody>
+                    <a:bodyPr/>
+                    <a:lstStyle/>
+                    <a:p>
+                      <a:pPr algn="ctr"/>
+                      <a:r>
+                        <a:rPr lang="en-CA" sz="3200" dirty="0"/>
+                        <a:t>-</a:t>
+                      </a:r>
+                      <a:endParaRPr lang="en-US" sz="3200" dirty="0"/>
+                    </a:p>
+                  </a:txBody>
+                  <a:tcPr>
+                    <a:lnL w="12700" cap="flat" cmpd="sng" algn="ctr">
+                      <a:noFill/>
+                      <a:prstDash val="solid"/>
+                      <a:round/>
+                      <a:headEnd type="none" w="med" len="med"/>
+                      <a:tailEnd type="none" w="med" len="med"/>
+                    </a:lnL>
+                    <a:lnR w="12700" cap="flat" cmpd="sng" algn="ctr">
+                      <a:noFill/>
+                      <a:prstDash val="solid"/>
+                      <a:round/>
+                      <a:headEnd type="none" w="med" len="med"/>
+                      <a:tailEnd type="none" w="med" len="med"/>
+                    </a:lnR>
+                    <a:lnT w="12700" cap="flat" cmpd="sng" algn="ctr">
+                      <a:noFill/>
+                      <a:prstDash val="solid"/>
+                      <a:round/>
+                      <a:headEnd type="none" w="med" len="med"/>
+                      <a:tailEnd type="none" w="med" len="med"/>
+                    </a:lnT>
+                    <a:lnB w="12700" cap="flat" cmpd="sng" algn="ctr">
+                      <a:noFill/>
+                      <a:prstDash val="solid"/>
+                      <a:round/>
+                      <a:headEnd type="none" w="med" len="med"/>
+                      <a:tailEnd type="none" w="med" len="med"/>
+                    </a:lnB>
+                    <a:lnTlToBr w="12700" cmpd="sng">
+                      <a:noFill/>
+                      <a:prstDash val="solid"/>
+                    </a:lnTlToBr>
+                    <a:lnBlToTr w="12700" cmpd="sng">
+                      <a:noFill/>
+                      <a:prstDash val="solid"/>
+                    </a:lnBlToTr>
+                  </a:tcPr>
+                </a:tc>
+                <a:tc>
+                  <a:txBody>
+                    <a:bodyPr/>
+                    <a:lstStyle/>
+                    <a:p>
+                      <a:pPr algn="l"/>
+                      <a:r>
+                        <a:rPr lang="en-CA" sz="3200" dirty="0"/>
+                        <a:t>Software Engineering – Embedded Systems</a:t>
+                      </a:r>
+                      <a:endParaRPr lang="en-US" sz="3200" dirty="0"/>
+                    </a:p>
+                  </a:txBody>
+                  <a:tcPr>
+                    <a:lnL w="12700" cap="flat" cmpd="sng" algn="ctr">
+                      <a:noFill/>
+                      <a:prstDash val="solid"/>
+                      <a:round/>
+                      <a:headEnd type="none" w="med" len="med"/>
+                      <a:tailEnd type="none" w="med" len="med"/>
+                    </a:lnL>
+                    <a:lnR w="12700" cap="flat" cmpd="sng" algn="ctr">
+                      <a:noFill/>
+                      <a:prstDash val="solid"/>
+                      <a:round/>
+                      <a:headEnd type="none" w="med" len="med"/>
+                      <a:tailEnd type="none" w="med" len="med"/>
+                    </a:lnR>
+                    <a:lnT w="12700" cap="flat" cmpd="sng" algn="ctr">
+                      <a:noFill/>
+                      <a:prstDash val="solid"/>
+                      <a:round/>
+                      <a:headEnd type="none" w="med" len="med"/>
+                      <a:tailEnd type="none" w="med" len="med"/>
+                    </a:lnT>
+                    <a:lnB w="12700" cap="flat" cmpd="sng" algn="ctr">
+                      <a:noFill/>
+                      <a:prstDash val="solid"/>
+                      <a:round/>
+                      <a:headEnd type="none" w="med" len="med"/>
+                      <a:tailEnd type="none" w="med" len="med"/>
+                    </a:lnB>
+                    <a:lnTlToBr w="12700" cmpd="sng">
+                      <a:noFill/>
+                      <a:prstDash val="solid"/>
+                    </a:lnTlToBr>
+                    <a:lnBlToTr w="12700" cmpd="sng">
+                      <a:noFill/>
+                      <a:prstDash val="solid"/>
+                    </a:lnBlToTr>
+                  </a:tcPr>
+                </a:tc>
+                <a:extLst>
+                  <a:ext uri="{0D108BD9-81ED-4DB2-BD59-A6C34878D82A}">
+                    <a16:rowId xmlns:a16="http://schemas.microsoft.com/office/drawing/2014/main" val="2448494909"/>
+                  </a:ext>
+                </a:extLst>
+              </a:tr>
+            </a:tbl>
+          </a:graphicData>
+        </a:graphic>
+      </p:graphicFrame>
     </p:spTree>
     <p:extLst>
       <p:ext uri="{BB962C8B-B14F-4D97-AF65-F5344CB8AC3E}">
-        <p14:creationId xmlns:p14="http://schemas.microsoft.com/office/powerpoint/2010/main" val="4222374327"/>
+        <p14:creationId xmlns:p14="http://schemas.microsoft.com/office/powerpoint/2010/main" val="1390596968"/>
       </p:ext>
     </p:extLst>
   </p:cSld>
@@ -11781,7 +13230,7 @@
       </p:grpSpPr>
       <p:sp>
         <p:nvSpPr>
-          <p:cNvPr id="2" name="Title 1"/>
+          <p:cNvPr id="4" name="Title 3"/>
           <p:cNvSpPr>
             <a:spLocks noGrp="1"/>
           </p:cNvSpPr>
@@ -11789,14 +13238,29 @@
             <p:ph type="title"/>
           </p:nvPr>
         </p:nvSpPr>
-        <p:spPr/>
+        <p:spPr>
+          <a:xfrm>
+            <a:off x="1202161" y="225068"/>
+            <a:ext cx="4236116" cy="861101"/>
+          </a:xfrm>
+        </p:spPr>
         <p:txBody>
-          <a:bodyPr/>
+          <a:bodyPr>
+            <a:normAutofit/>
+          </a:bodyPr>
           <a:lstStyle/>
           <a:p>
             <a:r>
+              <a:rPr lang="en-CA" dirty="0">
+                <a:solidFill>
+                  <a:srgbClr val="2A1A00"/>
+                </a:solidFill>
+              </a:rPr>
+              <a:t>The Team</a:t>
+            </a:r>
+            <a:r>
               <a:rPr lang="en-CA" dirty="0"/>
-              <a:t>Animation</a:t>
+              <a:t> </a:t>
             </a:r>
             <a:endParaRPr lang="en-US" dirty="0"/>
           </a:p>
@@ -11804,27 +13268,721 @@
       </p:sp>
       <p:sp>
         <p:nvSpPr>
-          <p:cNvPr id="3" name="Content Placeholder 2"/>
+          <p:cNvPr id="5" name="Content Placeholder 4"/>
           <p:cNvSpPr>
             <a:spLocks noGrp="1"/>
           </p:cNvSpPr>
           <p:nvPr>
-            <p:ph idx="1"/>
+            <p:ph sz="half" idx="1"/>
           </p:nvPr>
         </p:nvSpPr>
-        <p:spPr/>
+        <p:spPr>
+          <a:xfrm>
+            <a:off x="1449197" y="3054251"/>
+            <a:ext cx="2679997" cy="631075"/>
+          </a:xfrm>
+        </p:spPr>
         <p:txBody>
-          <a:bodyPr/>
+          <a:bodyPr>
+            <a:noAutofit/>
+          </a:bodyPr>
           <a:lstStyle/>
           <a:p>
-            <a:endParaRPr lang="en-US" dirty="0"/>
+            <a:pPr marL="0" indent="0" algn="ctr">
+              <a:lnSpc>
+                <a:spcPct val="120000"/>
+              </a:lnSpc>
+              <a:spcBef>
+                <a:spcPts val="0"/>
+              </a:spcBef>
+              <a:buNone/>
+            </a:pPr>
+            <a:r>
+              <a:rPr lang="en-CA" sz="1800" dirty="0">
+                <a:solidFill>
+                  <a:srgbClr val="2A1A00"/>
+                </a:solidFill>
+              </a:rPr>
+              <a:t>Zachary Bazen</a:t>
+            </a:r>
+          </a:p>
+          <a:p>
+            <a:pPr marL="0" indent="0" algn="ctr">
+              <a:lnSpc>
+                <a:spcPct val="120000"/>
+              </a:lnSpc>
+              <a:spcBef>
+                <a:spcPts val="0"/>
+              </a:spcBef>
+              <a:buNone/>
+            </a:pPr>
+            <a:r>
+              <a:rPr lang="en-CA" sz="1800" dirty="0">
+                <a:solidFill>
+                  <a:srgbClr val="2A1A00"/>
+                </a:solidFill>
+              </a:rPr>
+              <a:t>Software Engineering </a:t>
+            </a:r>
           </a:p>
         </p:txBody>
       </p:sp>
+      <p:sp>
+        <p:nvSpPr>
+          <p:cNvPr id="19" name="Content Placeholder 4"/>
+          <p:cNvSpPr>
+            <a:spLocks noGrp="1"/>
+          </p:cNvSpPr>
+          <p:nvPr>
+            <p:ph sz="half" idx="1"/>
+          </p:nvPr>
+        </p:nvSpPr>
+        <p:spPr>
+          <a:xfrm>
+            <a:off x="8464511" y="3060502"/>
+            <a:ext cx="2679997" cy="631075"/>
+          </a:xfrm>
+        </p:spPr>
+        <p:txBody>
+          <a:bodyPr>
+            <a:noAutofit/>
+          </a:bodyPr>
+          <a:lstStyle/>
+          <a:p>
+            <a:pPr marL="0" indent="0" algn="ctr">
+              <a:lnSpc>
+                <a:spcPct val="120000"/>
+              </a:lnSpc>
+              <a:spcBef>
+                <a:spcPts val="0"/>
+              </a:spcBef>
+              <a:buNone/>
+            </a:pPr>
+            <a:r>
+              <a:rPr lang="en-CA" sz="1800" dirty="0">
+                <a:solidFill>
+                  <a:srgbClr val="2A1A00"/>
+                </a:solidFill>
+              </a:rPr>
+              <a:t>Justin </a:t>
+            </a:r>
+            <a:r>
+              <a:rPr lang="en-CA" sz="1800" dirty="0" err="1">
+                <a:solidFill>
+                  <a:srgbClr val="2A1A00"/>
+                </a:solidFill>
+              </a:rPr>
+              <a:t>Kapinski</a:t>
+            </a:r>
+            <a:r>
+              <a:rPr lang="en-CA" sz="1800" dirty="0">
+                <a:solidFill>
+                  <a:srgbClr val="2A1A00"/>
+                </a:solidFill>
+              </a:rPr>
+              <a:t> </a:t>
+            </a:r>
+          </a:p>
+          <a:p>
+            <a:pPr marL="0" indent="0" algn="ctr">
+              <a:lnSpc>
+                <a:spcPct val="120000"/>
+              </a:lnSpc>
+              <a:spcBef>
+                <a:spcPts val="0"/>
+              </a:spcBef>
+              <a:buNone/>
+            </a:pPr>
+            <a:r>
+              <a:rPr lang="en-CA" sz="1800" dirty="0">
+                <a:solidFill>
+                  <a:srgbClr val="2A1A00"/>
+                </a:solidFill>
+              </a:rPr>
+              <a:t>Software Engineering </a:t>
+            </a:r>
+          </a:p>
+        </p:txBody>
+      </p:sp>
+      <p:sp>
+        <p:nvSpPr>
+          <p:cNvPr id="25" name="Content Placeholder 4"/>
+          <p:cNvSpPr>
+            <a:spLocks noGrp="1"/>
+          </p:cNvSpPr>
+          <p:nvPr>
+            <p:ph sz="half" idx="1"/>
+          </p:nvPr>
+        </p:nvSpPr>
+        <p:spPr>
+          <a:xfrm>
+            <a:off x="4956853" y="3054251"/>
+            <a:ext cx="2679997" cy="631075"/>
+          </a:xfrm>
+        </p:spPr>
+        <p:txBody>
+          <a:bodyPr>
+            <a:noAutofit/>
+          </a:bodyPr>
+          <a:lstStyle/>
+          <a:p>
+            <a:pPr marL="0" indent="0" algn="ctr">
+              <a:lnSpc>
+                <a:spcPct val="120000"/>
+              </a:lnSpc>
+              <a:spcBef>
+                <a:spcPts val="0"/>
+              </a:spcBef>
+              <a:buNone/>
+            </a:pPr>
+            <a:r>
+              <a:rPr lang="en-CA" sz="1800" dirty="0">
+                <a:solidFill>
+                  <a:srgbClr val="2A1A00"/>
+                </a:solidFill>
+              </a:rPr>
+              <a:t>Alexander Jackson</a:t>
+            </a:r>
+          </a:p>
+          <a:p>
+            <a:pPr marL="0" indent="0" algn="ctr">
+              <a:lnSpc>
+                <a:spcPct val="120000"/>
+              </a:lnSpc>
+              <a:spcBef>
+                <a:spcPts val="0"/>
+              </a:spcBef>
+              <a:buNone/>
+            </a:pPr>
+            <a:r>
+              <a:rPr lang="en-CA" sz="1800" dirty="0">
+                <a:solidFill>
+                  <a:srgbClr val="2A1A00"/>
+                </a:solidFill>
+              </a:rPr>
+              <a:t>Software Engineering </a:t>
+            </a:r>
+          </a:p>
+        </p:txBody>
+      </p:sp>
+      <p:sp>
+        <p:nvSpPr>
+          <p:cNvPr id="26" name="Content Placeholder 4"/>
+          <p:cNvSpPr>
+            <a:spLocks noGrp="1"/>
+          </p:cNvSpPr>
+          <p:nvPr>
+            <p:ph sz="half" idx="1"/>
+          </p:nvPr>
+        </p:nvSpPr>
+        <p:spPr>
+          <a:xfrm>
+            <a:off x="1449196" y="5898410"/>
+            <a:ext cx="2679997" cy="631075"/>
+          </a:xfrm>
+        </p:spPr>
+        <p:txBody>
+          <a:bodyPr>
+            <a:noAutofit/>
+          </a:bodyPr>
+          <a:lstStyle/>
+          <a:p>
+            <a:pPr marL="0" indent="0" algn="ctr">
+              <a:lnSpc>
+                <a:spcPct val="120000"/>
+              </a:lnSpc>
+              <a:spcBef>
+                <a:spcPts val="0"/>
+              </a:spcBef>
+              <a:buNone/>
+            </a:pPr>
+            <a:r>
+              <a:rPr lang="en-CA" sz="1800" dirty="0">
+                <a:solidFill>
+                  <a:srgbClr val="2A1A00"/>
+                </a:solidFill>
+              </a:rPr>
+              <a:t>Jean </a:t>
+            </a:r>
+            <a:r>
+              <a:rPr lang="en-US" sz="1800" dirty="0">
+                <a:solidFill>
+                  <a:srgbClr val="2A1A00"/>
+                </a:solidFill>
+              </a:rPr>
+              <a:t>Lucas Ferreira </a:t>
+            </a:r>
+            <a:r>
+              <a:rPr lang="en-CA" sz="1800" dirty="0">
+                <a:solidFill>
+                  <a:srgbClr val="2A1A00"/>
+                </a:solidFill>
+              </a:rPr>
+              <a:t>Software Engineering </a:t>
+            </a:r>
+          </a:p>
+        </p:txBody>
+      </p:sp>
+      <p:sp>
+        <p:nvSpPr>
+          <p:cNvPr id="27" name="Content Placeholder 4"/>
+          <p:cNvSpPr>
+            <a:spLocks noGrp="1"/>
+          </p:cNvSpPr>
+          <p:nvPr>
+            <p:ph sz="half" idx="1"/>
+          </p:nvPr>
+        </p:nvSpPr>
+        <p:spPr>
+          <a:xfrm>
+            <a:off x="4956855" y="5898410"/>
+            <a:ext cx="2679997" cy="631075"/>
+          </a:xfrm>
+        </p:spPr>
+        <p:txBody>
+          <a:bodyPr>
+            <a:noAutofit/>
+          </a:bodyPr>
+          <a:lstStyle/>
+          <a:p>
+            <a:pPr marL="0" indent="0" algn="ctr">
+              <a:lnSpc>
+                <a:spcPct val="120000"/>
+              </a:lnSpc>
+              <a:spcBef>
+                <a:spcPts val="0"/>
+              </a:spcBef>
+              <a:buNone/>
+            </a:pPr>
+            <a:r>
+              <a:rPr lang="en-CA" sz="1800" dirty="0">
+                <a:solidFill>
+                  <a:srgbClr val="2A1A00"/>
+                </a:solidFill>
+              </a:rPr>
+              <a:t>Mathew </a:t>
+            </a:r>
+            <a:r>
+              <a:rPr lang="en-CA" sz="1800" dirty="0" err="1">
+                <a:solidFill>
+                  <a:srgbClr val="2A1A00"/>
+                </a:solidFill>
+              </a:rPr>
+              <a:t>Hobers</a:t>
+            </a:r>
+            <a:r>
+              <a:rPr lang="en-CA" sz="1800" dirty="0">
+                <a:solidFill>
+                  <a:srgbClr val="2A1A00"/>
+                </a:solidFill>
+              </a:rPr>
+              <a:t> </a:t>
+            </a:r>
+          </a:p>
+          <a:p>
+            <a:pPr marL="0" indent="0" algn="ctr">
+              <a:lnSpc>
+                <a:spcPct val="120000"/>
+              </a:lnSpc>
+              <a:spcBef>
+                <a:spcPts val="0"/>
+              </a:spcBef>
+              <a:buNone/>
+            </a:pPr>
+            <a:r>
+              <a:rPr lang="en-CA" sz="1800" dirty="0">
+                <a:solidFill>
+                  <a:srgbClr val="2A1A00"/>
+                </a:solidFill>
+              </a:rPr>
+              <a:t>Software Engineering </a:t>
+            </a:r>
+          </a:p>
+        </p:txBody>
+      </p:sp>
+      <p:sp>
+        <p:nvSpPr>
+          <p:cNvPr id="28" name="Content Placeholder 4"/>
+          <p:cNvSpPr>
+            <a:spLocks noGrp="1"/>
+          </p:cNvSpPr>
+          <p:nvPr>
+            <p:ph sz="half" idx="1"/>
+          </p:nvPr>
+        </p:nvSpPr>
+        <p:spPr>
+          <a:xfrm>
+            <a:off x="7666601" y="5892159"/>
+            <a:ext cx="4275815" cy="631075"/>
+          </a:xfrm>
+        </p:spPr>
+        <p:txBody>
+          <a:bodyPr>
+            <a:noAutofit/>
+          </a:bodyPr>
+          <a:lstStyle/>
+          <a:p>
+            <a:pPr marL="0" indent="0" algn="ctr">
+              <a:lnSpc>
+                <a:spcPct val="120000"/>
+              </a:lnSpc>
+              <a:spcBef>
+                <a:spcPts val="0"/>
+              </a:spcBef>
+              <a:buNone/>
+            </a:pPr>
+            <a:r>
+              <a:rPr lang="en-CA" sz="1800" dirty="0">
+                <a:solidFill>
+                  <a:srgbClr val="2A1A00"/>
+                </a:solidFill>
+              </a:rPr>
+              <a:t>Radhika Sharma </a:t>
+            </a:r>
+          </a:p>
+          <a:p>
+            <a:pPr marL="0" indent="0" algn="ctr">
+              <a:lnSpc>
+                <a:spcPct val="120000"/>
+              </a:lnSpc>
+              <a:spcBef>
+                <a:spcPts val="0"/>
+              </a:spcBef>
+              <a:buNone/>
+            </a:pPr>
+            <a:r>
+              <a:rPr lang="en-CA" sz="1800" dirty="0">
+                <a:solidFill>
+                  <a:srgbClr val="2A1A00"/>
+                </a:solidFill>
+              </a:rPr>
+              <a:t>Software Engineering – Embedded Systems </a:t>
+            </a:r>
+          </a:p>
+        </p:txBody>
+      </p:sp>
+      <p:pic>
+        <p:nvPicPr>
+          <p:cNvPr id="30" name="Picture 29"/>
+          <p:cNvPicPr>
+            <a:picLocks noChangeAspect="1"/>
+          </p:cNvPicPr>
+          <p:nvPr/>
+        </p:nvPicPr>
+        <p:blipFill>
+          <a:blip r:embed="rId2">
+            <a:extLst>
+              <a:ext uri="{28A0092B-C50C-407E-A947-70E740481C1C}">
+                <a14:useLocalDpi xmlns:a14="http://schemas.microsoft.com/office/drawing/2010/main" val="0"/>
+              </a:ext>
+            </a:extLst>
+          </a:blip>
+          <a:stretch>
+            <a:fillRect/>
+          </a:stretch>
+        </p:blipFill>
+        <p:spPr>
+          <a:xfrm>
+            <a:off x="1920788" y="1246887"/>
+            <a:ext cx="1717148" cy="1715472"/>
+          </a:xfrm>
+          <a:prstGeom prst="ellipse">
+            <a:avLst/>
+          </a:prstGeom>
+          <a:ln w="190500" cap="rnd">
+            <a:solidFill>
+              <a:srgbClr val="2A1A00"/>
+            </a:solidFill>
+            <a:prstDash val="solid"/>
+          </a:ln>
+          <a:effectLst>
+            <a:outerShdw blurRad="127000" algn="bl" rotWithShape="0">
+              <a:srgbClr val="000000"/>
+            </a:outerShdw>
+          </a:effectLst>
+          <a:scene3d>
+            <a:camera prst="perspectiveFront" fov="5400000"/>
+            <a:lightRig rig="threePt" dir="t">
+              <a:rot lat="0" lon="0" rev="19200000"/>
+            </a:lightRig>
+          </a:scene3d>
+          <a:sp3d extrusionH="25400">
+            <a:bevelT w="304800" h="152400" prst="hardEdge"/>
+            <a:extrusionClr>
+              <a:srgbClr val="000000"/>
+            </a:extrusionClr>
+          </a:sp3d>
+        </p:spPr>
+      </p:pic>
+      <p:pic>
+        <p:nvPicPr>
+          <p:cNvPr id="31" name="Picture 30"/>
+          <p:cNvPicPr>
+            <a:picLocks noChangeAspect="1"/>
+          </p:cNvPicPr>
+          <p:nvPr/>
+        </p:nvPicPr>
+        <p:blipFill>
+          <a:blip r:embed="rId2">
+            <a:extLst>
+              <a:ext uri="{28A0092B-C50C-407E-A947-70E740481C1C}">
+                <a14:useLocalDpi xmlns:a14="http://schemas.microsoft.com/office/drawing/2010/main" val="0"/>
+              </a:ext>
+            </a:extLst>
+          </a:blip>
+          <a:stretch>
+            <a:fillRect/>
+          </a:stretch>
+        </p:blipFill>
+        <p:spPr>
+          <a:xfrm>
+            <a:off x="5438277" y="1246887"/>
+            <a:ext cx="1717148" cy="1715472"/>
+          </a:xfrm>
+          <a:prstGeom prst="ellipse">
+            <a:avLst/>
+          </a:prstGeom>
+          <a:ln w="190500" cap="rnd">
+            <a:solidFill>
+              <a:srgbClr val="2A1A00"/>
+            </a:solidFill>
+            <a:prstDash val="solid"/>
+          </a:ln>
+          <a:effectLst>
+            <a:outerShdw blurRad="127000" algn="bl" rotWithShape="0">
+              <a:srgbClr val="000000"/>
+            </a:outerShdw>
+          </a:effectLst>
+          <a:scene3d>
+            <a:camera prst="perspectiveFront" fov="5400000"/>
+            <a:lightRig rig="threePt" dir="t">
+              <a:rot lat="0" lon="0" rev="19200000"/>
+            </a:lightRig>
+          </a:scene3d>
+          <a:sp3d extrusionH="25400">
+            <a:bevelT w="304800" h="152400" prst="hardEdge"/>
+            <a:extrusionClr>
+              <a:srgbClr val="000000"/>
+            </a:extrusionClr>
+          </a:sp3d>
+        </p:spPr>
+      </p:pic>
+      <p:pic>
+        <p:nvPicPr>
+          <p:cNvPr id="32" name="Picture 31"/>
+          <p:cNvPicPr>
+            <a:picLocks noChangeAspect="1"/>
+          </p:cNvPicPr>
+          <p:nvPr/>
+        </p:nvPicPr>
+        <p:blipFill>
+          <a:blip r:embed="rId2">
+            <a:extLst>
+              <a:ext uri="{28A0092B-C50C-407E-A947-70E740481C1C}">
+                <a14:useLocalDpi xmlns:a14="http://schemas.microsoft.com/office/drawing/2010/main" val="0"/>
+              </a:ext>
+            </a:extLst>
+          </a:blip>
+          <a:stretch>
+            <a:fillRect/>
+          </a:stretch>
+        </p:blipFill>
+        <p:spPr>
+          <a:xfrm>
+            <a:off x="8955766" y="1246887"/>
+            <a:ext cx="1717148" cy="1715472"/>
+          </a:xfrm>
+          <a:prstGeom prst="ellipse">
+            <a:avLst/>
+          </a:prstGeom>
+          <a:ln w="190500" cap="rnd">
+            <a:solidFill>
+              <a:srgbClr val="2A1A00"/>
+            </a:solidFill>
+            <a:prstDash val="solid"/>
+          </a:ln>
+          <a:effectLst>
+            <a:outerShdw blurRad="127000" algn="bl" rotWithShape="0">
+              <a:srgbClr val="000000"/>
+            </a:outerShdw>
+          </a:effectLst>
+          <a:scene3d>
+            <a:camera prst="perspectiveFront" fov="5400000"/>
+            <a:lightRig rig="threePt" dir="t">
+              <a:rot lat="0" lon="0" rev="19200000"/>
+            </a:lightRig>
+          </a:scene3d>
+          <a:sp3d extrusionH="25400">
+            <a:bevelT w="304800" h="152400" prst="hardEdge"/>
+            <a:extrusionClr>
+              <a:srgbClr val="000000"/>
+            </a:extrusionClr>
+          </a:sp3d>
+        </p:spPr>
+      </p:pic>
+      <p:pic>
+        <p:nvPicPr>
+          <p:cNvPr id="33" name="Picture 32"/>
+          <p:cNvPicPr>
+            <a:picLocks noChangeAspect="1"/>
+          </p:cNvPicPr>
+          <p:nvPr/>
+        </p:nvPicPr>
+        <p:blipFill>
+          <a:blip r:embed="rId2">
+            <a:extLst>
+              <a:ext uri="{28A0092B-C50C-407E-A947-70E740481C1C}">
+                <a14:useLocalDpi xmlns:a14="http://schemas.microsoft.com/office/drawing/2010/main" val="0"/>
+              </a:ext>
+            </a:extLst>
+          </a:blip>
+          <a:stretch>
+            <a:fillRect/>
+          </a:stretch>
+        </p:blipFill>
+        <p:spPr>
+          <a:xfrm>
+            <a:off x="1920788" y="4155984"/>
+            <a:ext cx="1717148" cy="1715472"/>
+          </a:xfrm>
+          <a:prstGeom prst="ellipse">
+            <a:avLst/>
+          </a:prstGeom>
+          <a:ln w="190500" cap="rnd">
+            <a:solidFill>
+              <a:srgbClr val="2A1A00"/>
+            </a:solidFill>
+            <a:prstDash val="solid"/>
+          </a:ln>
+          <a:effectLst>
+            <a:outerShdw blurRad="127000" algn="bl" rotWithShape="0">
+              <a:srgbClr val="000000"/>
+            </a:outerShdw>
+          </a:effectLst>
+          <a:scene3d>
+            <a:camera prst="perspectiveFront" fov="5400000"/>
+            <a:lightRig rig="threePt" dir="t">
+              <a:rot lat="0" lon="0" rev="19200000"/>
+            </a:lightRig>
+          </a:scene3d>
+          <a:sp3d extrusionH="25400">
+            <a:bevelT w="304800" h="152400" prst="hardEdge"/>
+            <a:extrusionClr>
+              <a:srgbClr val="000000"/>
+            </a:extrusionClr>
+          </a:sp3d>
+        </p:spPr>
+      </p:pic>
+      <p:pic>
+        <p:nvPicPr>
+          <p:cNvPr id="34" name="Picture 33"/>
+          <p:cNvPicPr>
+            <a:picLocks noChangeAspect="1"/>
+          </p:cNvPicPr>
+          <p:nvPr/>
+        </p:nvPicPr>
+        <p:blipFill>
+          <a:blip r:embed="rId2">
+            <a:extLst>
+              <a:ext uri="{28A0092B-C50C-407E-A947-70E740481C1C}">
+                <a14:useLocalDpi xmlns:a14="http://schemas.microsoft.com/office/drawing/2010/main" val="0"/>
+              </a:ext>
+            </a:extLst>
+          </a:blip>
+          <a:stretch>
+            <a:fillRect/>
+          </a:stretch>
+        </p:blipFill>
+        <p:spPr>
+          <a:xfrm>
+            <a:off x="5438277" y="4155984"/>
+            <a:ext cx="1717148" cy="1715472"/>
+          </a:xfrm>
+          <a:prstGeom prst="ellipse">
+            <a:avLst/>
+          </a:prstGeom>
+          <a:ln w="190500" cap="rnd">
+            <a:solidFill>
+              <a:srgbClr val="2A1A00"/>
+            </a:solidFill>
+            <a:prstDash val="solid"/>
+          </a:ln>
+          <a:effectLst>
+            <a:outerShdw blurRad="127000" algn="bl" rotWithShape="0">
+              <a:srgbClr val="000000"/>
+            </a:outerShdw>
+          </a:effectLst>
+          <a:scene3d>
+            <a:camera prst="perspectiveFront" fov="5400000"/>
+            <a:lightRig rig="threePt" dir="t">
+              <a:rot lat="0" lon="0" rev="19200000"/>
+            </a:lightRig>
+          </a:scene3d>
+          <a:sp3d extrusionH="25400">
+            <a:bevelT w="304800" h="152400" prst="hardEdge"/>
+            <a:extrusionClr>
+              <a:srgbClr val="000000"/>
+            </a:extrusionClr>
+          </a:sp3d>
+        </p:spPr>
+      </p:pic>
+      <p:pic>
+        <p:nvPicPr>
+          <p:cNvPr id="35" name="Picture 34"/>
+          <p:cNvPicPr>
+            <a:picLocks noChangeAspect="1"/>
+          </p:cNvPicPr>
+          <p:nvPr/>
+        </p:nvPicPr>
+        <p:blipFill>
+          <a:blip r:embed="rId2">
+            <a:extLst>
+              <a:ext uri="{28A0092B-C50C-407E-A947-70E740481C1C}">
+                <a14:useLocalDpi xmlns:a14="http://schemas.microsoft.com/office/drawing/2010/main" val="0"/>
+              </a:ext>
+            </a:extLst>
+          </a:blip>
+          <a:stretch>
+            <a:fillRect/>
+          </a:stretch>
+        </p:blipFill>
+        <p:spPr>
+          <a:xfrm>
+            <a:off x="8945934" y="4155984"/>
+            <a:ext cx="1717148" cy="1715472"/>
+          </a:xfrm>
+          <a:prstGeom prst="ellipse">
+            <a:avLst/>
+          </a:prstGeom>
+          <a:ln w="190500" cap="rnd">
+            <a:solidFill>
+              <a:srgbClr val="2A1A00"/>
+            </a:solidFill>
+            <a:prstDash val="solid"/>
+          </a:ln>
+          <a:effectLst>
+            <a:outerShdw blurRad="127000" algn="bl" rotWithShape="0">
+              <a:srgbClr val="000000"/>
+            </a:outerShdw>
+          </a:effectLst>
+          <a:scene3d>
+            <a:camera prst="perspectiveFront" fov="5400000"/>
+            <a:lightRig rig="threePt" dir="t">
+              <a:rot lat="0" lon="0" rev="19200000"/>
+            </a:lightRig>
+          </a:scene3d>
+          <a:sp3d extrusionH="25400">
+            <a:bevelT w="304800" h="152400" prst="hardEdge"/>
+            <a:extrusionClr>
+              <a:srgbClr val="000000"/>
+            </a:extrusionClr>
+          </a:sp3d>
+        </p:spPr>
+      </p:pic>
     </p:spTree>
     <p:extLst>
       <p:ext uri="{BB962C8B-B14F-4D97-AF65-F5344CB8AC3E}">
-        <p14:creationId xmlns:p14="http://schemas.microsoft.com/office/powerpoint/2010/main" val="3165357449"/>
+        <p14:creationId xmlns:p14="http://schemas.microsoft.com/office/powerpoint/2010/main" val="443934613"/>
       </p:ext>
     </p:extLst>
   </p:cSld>
@@ -11835,6 +13993,2183 @@
 </file>
 
 <file path=ppt/slides/slide5.xml><?xml version="1.0" encoding="utf-8"?>
+<p:sld xmlns:a="http://schemas.openxmlformats.org/drawingml/2006/main" xmlns:r="http://schemas.openxmlformats.org/officeDocument/2006/relationships" xmlns:p="http://schemas.openxmlformats.org/presentationml/2006/main">
+  <p:cSld>
+    <p:spTree>
+      <p:nvGrpSpPr>
+        <p:cNvPr id="1" name=""/>
+        <p:cNvGrpSpPr/>
+        <p:nvPr/>
+      </p:nvGrpSpPr>
+      <p:grpSpPr>
+        <a:xfrm>
+          <a:off x="0" y="0"/>
+          <a:ext cx="0" cy="0"/>
+          <a:chOff x="0" y="0"/>
+          <a:chExt cx="0" cy="0"/>
+        </a:xfrm>
+      </p:grpSpPr>
+      <p:sp>
+        <p:nvSpPr>
+          <p:cNvPr id="2" name="Title 1"/>
+          <p:cNvSpPr>
+            <a:spLocks noGrp="1"/>
+          </p:cNvSpPr>
+          <p:nvPr>
+            <p:ph type="title"/>
+          </p:nvPr>
+        </p:nvSpPr>
+        <p:spPr>
+          <a:xfrm>
+            <a:off x="1251678" y="382385"/>
+            <a:ext cx="10178322" cy="1072789"/>
+          </a:xfrm>
+        </p:spPr>
+        <p:txBody>
+          <a:bodyPr>
+            <a:noAutofit/>
+          </a:bodyPr>
+          <a:lstStyle/>
+          <a:p>
+            <a:pPr>
+              <a:lnSpc>
+                <a:spcPct val="100000"/>
+              </a:lnSpc>
+            </a:pPr>
+            <a:r>
+              <a:rPr lang="en-CA" sz="7200" dirty="0">
+                <a:solidFill>
+                  <a:srgbClr val="2A1A00"/>
+                </a:solidFill>
+              </a:rPr>
+              <a:t>The Problem</a:t>
+            </a:r>
+            <a:endParaRPr lang="en-US" sz="7200" dirty="0">
+              <a:solidFill>
+                <a:srgbClr val="2A1A00"/>
+              </a:solidFill>
+            </a:endParaRPr>
+          </a:p>
+        </p:txBody>
+      </p:sp>
+      <p:sp>
+        <p:nvSpPr>
+          <p:cNvPr id="3" name="Content Placeholder 2"/>
+          <p:cNvSpPr>
+            <a:spLocks noGrp="1"/>
+          </p:cNvSpPr>
+          <p:nvPr>
+            <p:ph idx="1"/>
+          </p:nvPr>
+        </p:nvSpPr>
+        <p:spPr>
+          <a:xfrm>
+            <a:off x="866869" y="2168015"/>
+            <a:ext cx="5801425" cy="4689985"/>
+          </a:xfrm>
+        </p:spPr>
+        <p:txBody>
+          <a:bodyPr>
+            <a:noAutofit/>
+          </a:bodyPr>
+          <a:lstStyle/>
+          <a:p>
+            <a:r>
+              <a:rPr lang="en-CA" sz="3600" dirty="0">
+                <a:solidFill>
+                  <a:srgbClr val="2A1A00"/>
+                </a:solidFill>
+              </a:rPr>
+              <a:t>Autonomous vehicles arrive intersection</a:t>
+            </a:r>
+          </a:p>
+          <a:p>
+            <a:r>
+              <a:rPr lang="en-CA" sz="3600" dirty="0">
+                <a:solidFill>
+                  <a:srgbClr val="2A1A00"/>
+                </a:solidFill>
+              </a:rPr>
+              <a:t>Require method for general consensus</a:t>
+            </a:r>
+          </a:p>
+          <a:p>
+            <a:r>
+              <a:rPr lang="en-CA" sz="3600" dirty="0">
+                <a:solidFill>
+                  <a:srgbClr val="2A1A00"/>
+                </a:solidFill>
+              </a:rPr>
+              <a:t>Require decision communication </a:t>
+            </a:r>
+          </a:p>
+        </p:txBody>
+      </p:sp>
+      <p:sp>
+        <p:nvSpPr>
+          <p:cNvPr id="4" name="Cross 3"/>
+          <p:cNvSpPr>
+            <a:spLocks noChangeAspect="1"/>
+          </p:cNvSpPr>
+          <p:nvPr/>
+        </p:nvSpPr>
+        <p:spPr>
+          <a:xfrm>
+            <a:off x="6502928" y="1764773"/>
+            <a:ext cx="5701210" cy="5100179"/>
+          </a:xfrm>
+          <a:prstGeom prst="plus">
+            <a:avLst/>
+          </a:prstGeom>
+          <a:solidFill>
+            <a:schemeClr val="tx1"/>
+          </a:solidFill>
+          <a:ln>
+            <a:noFill/>
+          </a:ln>
+        </p:spPr>
+        <p:style>
+          <a:lnRef idx="2">
+            <a:schemeClr val="accent1">
+              <a:shade val="50000"/>
+            </a:schemeClr>
+          </a:lnRef>
+          <a:fillRef idx="1">
+            <a:schemeClr val="accent1"/>
+          </a:fillRef>
+          <a:effectRef idx="0">
+            <a:schemeClr val="accent1"/>
+          </a:effectRef>
+          <a:fontRef idx="minor">
+            <a:schemeClr val="lt1"/>
+          </a:fontRef>
+        </p:style>
+        <p:txBody>
+          <a:bodyPr rtlCol="0" anchor="ctr"/>
+          <a:lstStyle/>
+          <a:p>
+            <a:pPr algn="ctr"/>
+            <a:endParaRPr lang="en-US"/>
+          </a:p>
+        </p:txBody>
+      </p:sp>
+      <p:sp>
+        <p:nvSpPr>
+          <p:cNvPr id="5" name="Rectangle 4"/>
+          <p:cNvSpPr/>
+          <p:nvPr/>
+        </p:nvSpPr>
+        <p:spPr>
+          <a:xfrm>
+            <a:off x="9463314" y="5490684"/>
+            <a:ext cx="1494442" cy="227945"/>
+          </a:xfrm>
+          <a:prstGeom prst="rect">
+            <a:avLst/>
+          </a:prstGeom>
+          <a:solidFill>
+            <a:schemeClr val="bg1">
+              <a:lumMod val="50000"/>
+            </a:schemeClr>
+          </a:solidFill>
+          <a:ln>
+            <a:noFill/>
+          </a:ln>
+        </p:spPr>
+        <p:style>
+          <a:lnRef idx="2">
+            <a:schemeClr val="accent1">
+              <a:shade val="50000"/>
+            </a:schemeClr>
+          </a:lnRef>
+          <a:fillRef idx="1">
+            <a:schemeClr val="accent1"/>
+          </a:fillRef>
+          <a:effectRef idx="0">
+            <a:schemeClr val="accent1"/>
+          </a:effectRef>
+          <a:fontRef idx="minor">
+            <a:schemeClr val="lt1"/>
+          </a:fontRef>
+        </p:style>
+        <p:txBody>
+          <a:bodyPr rtlCol="0" anchor="ctr"/>
+          <a:lstStyle/>
+          <a:p>
+            <a:pPr algn="ctr"/>
+            <a:endParaRPr lang="en-US"/>
+          </a:p>
+        </p:txBody>
+      </p:sp>
+      <p:sp>
+        <p:nvSpPr>
+          <p:cNvPr id="6" name="Rectangle 5"/>
+          <p:cNvSpPr/>
+          <p:nvPr/>
+        </p:nvSpPr>
+        <p:spPr>
+          <a:xfrm rot="5400000">
+            <a:off x="8818288" y="6121188"/>
+            <a:ext cx="1381222" cy="120213"/>
+          </a:xfrm>
+          <a:prstGeom prst="rect">
+            <a:avLst/>
+          </a:prstGeom>
+          <a:solidFill>
+            <a:schemeClr val="bg1">
+              <a:lumMod val="50000"/>
+            </a:schemeClr>
+          </a:solidFill>
+          <a:ln>
+            <a:noFill/>
+          </a:ln>
+        </p:spPr>
+        <p:style>
+          <a:lnRef idx="2">
+            <a:schemeClr val="accent1">
+              <a:shade val="50000"/>
+            </a:schemeClr>
+          </a:lnRef>
+          <a:fillRef idx="1">
+            <a:schemeClr val="accent1"/>
+          </a:fillRef>
+          <a:effectRef idx="0">
+            <a:schemeClr val="accent1"/>
+          </a:effectRef>
+          <a:fontRef idx="minor">
+            <a:schemeClr val="lt1"/>
+          </a:fontRef>
+        </p:style>
+        <p:txBody>
+          <a:bodyPr rtlCol="0" anchor="ctr"/>
+          <a:lstStyle/>
+          <a:p>
+            <a:pPr algn="ctr"/>
+            <a:endParaRPr lang="en-US" dirty="0"/>
+          </a:p>
+        </p:txBody>
+      </p:sp>
+      <p:sp>
+        <p:nvSpPr>
+          <p:cNvPr id="7" name="Rectangle 6"/>
+          <p:cNvSpPr/>
+          <p:nvPr/>
+        </p:nvSpPr>
+        <p:spPr>
+          <a:xfrm rot="10800000">
+            <a:off x="10860382" y="5490683"/>
+            <a:ext cx="1361182" cy="136132"/>
+          </a:xfrm>
+          <a:prstGeom prst="rect">
+            <a:avLst/>
+          </a:prstGeom>
+          <a:solidFill>
+            <a:schemeClr val="bg1">
+              <a:lumMod val="50000"/>
+            </a:schemeClr>
+          </a:solidFill>
+          <a:ln>
+            <a:noFill/>
+          </a:ln>
+        </p:spPr>
+        <p:style>
+          <a:lnRef idx="2">
+            <a:schemeClr val="accent1">
+              <a:shade val="50000"/>
+            </a:schemeClr>
+          </a:lnRef>
+          <a:fillRef idx="1">
+            <a:schemeClr val="accent1"/>
+          </a:fillRef>
+          <a:effectRef idx="0">
+            <a:schemeClr val="accent1"/>
+          </a:effectRef>
+          <a:fontRef idx="minor">
+            <a:schemeClr val="lt1"/>
+          </a:fontRef>
+        </p:style>
+        <p:txBody>
+          <a:bodyPr rtlCol="0" anchor="ctr"/>
+          <a:lstStyle/>
+          <a:p>
+            <a:pPr algn="ctr"/>
+            <a:endParaRPr lang="en-US" dirty="0"/>
+          </a:p>
+        </p:txBody>
+      </p:sp>
+      <p:sp>
+        <p:nvSpPr>
+          <p:cNvPr id="8" name="Rectangle 7"/>
+          <p:cNvSpPr/>
+          <p:nvPr/>
+        </p:nvSpPr>
+        <p:spPr>
+          <a:xfrm rot="5400000">
+            <a:off x="10261017" y="6125376"/>
+            <a:ext cx="1311401" cy="153847"/>
+          </a:xfrm>
+          <a:prstGeom prst="rect">
+            <a:avLst/>
+          </a:prstGeom>
+          <a:solidFill>
+            <a:schemeClr val="bg1">
+              <a:lumMod val="50000"/>
+            </a:schemeClr>
+          </a:solidFill>
+          <a:ln>
+            <a:noFill/>
+          </a:ln>
+        </p:spPr>
+        <p:style>
+          <a:lnRef idx="2">
+            <a:schemeClr val="accent1">
+              <a:shade val="50000"/>
+            </a:schemeClr>
+          </a:lnRef>
+          <a:fillRef idx="1">
+            <a:schemeClr val="accent1"/>
+          </a:fillRef>
+          <a:effectRef idx="0">
+            <a:schemeClr val="accent1"/>
+          </a:effectRef>
+          <a:fontRef idx="minor">
+            <a:schemeClr val="lt1"/>
+          </a:fontRef>
+        </p:style>
+        <p:txBody>
+          <a:bodyPr rtlCol="0" anchor="ctr"/>
+          <a:lstStyle/>
+          <a:p>
+            <a:pPr algn="ctr"/>
+            <a:endParaRPr lang="en-US" dirty="0"/>
+          </a:p>
+        </p:txBody>
+      </p:sp>
+      <p:sp>
+        <p:nvSpPr>
+          <p:cNvPr id="9" name="Rectangle 8"/>
+          <p:cNvSpPr/>
+          <p:nvPr/>
+        </p:nvSpPr>
+        <p:spPr>
+          <a:xfrm>
+            <a:off x="7920184" y="2848229"/>
+            <a:ext cx="1494442" cy="227945"/>
+          </a:xfrm>
+          <a:prstGeom prst="rect">
+            <a:avLst/>
+          </a:prstGeom>
+          <a:solidFill>
+            <a:schemeClr val="bg1">
+              <a:lumMod val="50000"/>
+            </a:schemeClr>
+          </a:solidFill>
+          <a:ln>
+            <a:noFill/>
+          </a:ln>
+        </p:spPr>
+        <p:style>
+          <a:lnRef idx="2">
+            <a:schemeClr val="accent1">
+              <a:shade val="50000"/>
+            </a:schemeClr>
+          </a:lnRef>
+          <a:fillRef idx="1">
+            <a:schemeClr val="accent1"/>
+          </a:fillRef>
+          <a:effectRef idx="0">
+            <a:schemeClr val="accent1"/>
+          </a:effectRef>
+          <a:fontRef idx="minor">
+            <a:schemeClr val="lt1"/>
+          </a:fontRef>
+        </p:style>
+        <p:txBody>
+          <a:bodyPr rtlCol="0" anchor="ctr"/>
+          <a:lstStyle/>
+          <a:p>
+            <a:pPr algn="ctr"/>
+            <a:endParaRPr lang="en-US"/>
+          </a:p>
+        </p:txBody>
+      </p:sp>
+      <p:sp>
+        <p:nvSpPr>
+          <p:cNvPr id="10" name="Rectangle 9"/>
+          <p:cNvSpPr/>
+          <p:nvPr/>
+        </p:nvSpPr>
+        <p:spPr>
+          <a:xfrm rot="5400000">
+            <a:off x="8687543" y="2331666"/>
+            <a:ext cx="1311401" cy="177615"/>
+          </a:xfrm>
+          <a:prstGeom prst="rect">
+            <a:avLst/>
+          </a:prstGeom>
+          <a:solidFill>
+            <a:schemeClr val="bg1">
+              <a:lumMod val="50000"/>
+            </a:schemeClr>
+          </a:solidFill>
+          <a:ln>
+            <a:noFill/>
+          </a:ln>
+        </p:spPr>
+        <p:style>
+          <a:lnRef idx="2">
+            <a:schemeClr val="accent1">
+              <a:shade val="50000"/>
+            </a:schemeClr>
+          </a:lnRef>
+          <a:fillRef idx="1">
+            <a:schemeClr val="accent1"/>
+          </a:fillRef>
+          <a:effectRef idx="0">
+            <a:schemeClr val="accent1"/>
+          </a:effectRef>
+          <a:fontRef idx="minor">
+            <a:schemeClr val="lt1"/>
+          </a:fontRef>
+        </p:style>
+        <p:txBody>
+          <a:bodyPr rtlCol="0" anchor="ctr"/>
+          <a:lstStyle/>
+          <a:p>
+            <a:pPr algn="ctr"/>
+            <a:endParaRPr lang="en-US" dirty="0"/>
+          </a:p>
+        </p:txBody>
+      </p:sp>
+      <p:sp>
+        <p:nvSpPr>
+          <p:cNvPr id="11" name="Rectangle 10"/>
+          <p:cNvSpPr/>
+          <p:nvPr/>
+        </p:nvSpPr>
+        <p:spPr>
+          <a:xfrm rot="10800000">
+            <a:off x="10872059" y="2964344"/>
+            <a:ext cx="1349504" cy="111830"/>
+          </a:xfrm>
+          <a:prstGeom prst="rect">
+            <a:avLst/>
+          </a:prstGeom>
+          <a:solidFill>
+            <a:schemeClr val="bg1">
+              <a:lumMod val="50000"/>
+            </a:schemeClr>
+          </a:solidFill>
+          <a:ln>
+            <a:noFill/>
+          </a:ln>
+        </p:spPr>
+        <p:style>
+          <a:lnRef idx="2">
+            <a:schemeClr val="accent1">
+              <a:shade val="50000"/>
+            </a:schemeClr>
+          </a:lnRef>
+          <a:fillRef idx="1">
+            <a:schemeClr val="accent1"/>
+          </a:fillRef>
+          <a:effectRef idx="0">
+            <a:schemeClr val="accent1"/>
+          </a:effectRef>
+          <a:fontRef idx="minor">
+            <a:schemeClr val="lt1"/>
+          </a:fontRef>
+        </p:style>
+        <p:txBody>
+          <a:bodyPr rtlCol="0" anchor="ctr"/>
+          <a:lstStyle/>
+          <a:p>
+            <a:pPr algn="ctr"/>
+            <a:endParaRPr lang="en-US" dirty="0"/>
+          </a:p>
+        </p:txBody>
+      </p:sp>
+      <p:sp>
+        <p:nvSpPr>
+          <p:cNvPr id="12" name="Rectangle 11"/>
+          <p:cNvSpPr/>
+          <p:nvPr/>
+        </p:nvSpPr>
+        <p:spPr>
+          <a:xfrm rot="5400000">
+            <a:off x="10243075" y="2361493"/>
+            <a:ext cx="1311401" cy="117961"/>
+          </a:xfrm>
+          <a:prstGeom prst="rect">
+            <a:avLst/>
+          </a:prstGeom>
+          <a:solidFill>
+            <a:schemeClr val="bg1">
+              <a:lumMod val="50000"/>
+            </a:schemeClr>
+          </a:solidFill>
+          <a:ln>
+            <a:noFill/>
+          </a:ln>
+        </p:spPr>
+        <p:style>
+          <a:lnRef idx="2">
+            <a:schemeClr val="accent1">
+              <a:shade val="50000"/>
+            </a:schemeClr>
+          </a:lnRef>
+          <a:fillRef idx="1">
+            <a:schemeClr val="accent1"/>
+          </a:fillRef>
+          <a:effectRef idx="0">
+            <a:schemeClr val="accent1"/>
+          </a:effectRef>
+          <a:fontRef idx="minor">
+            <a:schemeClr val="lt1"/>
+          </a:fontRef>
+        </p:style>
+        <p:txBody>
+          <a:bodyPr rtlCol="0" anchor="ctr"/>
+          <a:lstStyle/>
+          <a:p>
+            <a:pPr algn="ctr"/>
+            <a:endParaRPr lang="en-US" dirty="0"/>
+          </a:p>
+        </p:txBody>
+      </p:sp>
+      <p:sp>
+        <p:nvSpPr>
+          <p:cNvPr id="13" name="Rectangle 12"/>
+          <p:cNvSpPr/>
+          <p:nvPr/>
+        </p:nvSpPr>
+        <p:spPr>
+          <a:xfrm rot="10800000">
+            <a:off x="6502928" y="2992518"/>
+            <a:ext cx="1448792" cy="83656"/>
+          </a:xfrm>
+          <a:prstGeom prst="rect">
+            <a:avLst/>
+          </a:prstGeom>
+          <a:solidFill>
+            <a:schemeClr val="bg1">
+              <a:lumMod val="50000"/>
+            </a:schemeClr>
+          </a:solidFill>
+          <a:ln>
+            <a:noFill/>
+          </a:ln>
+        </p:spPr>
+        <p:style>
+          <a:lnRef idx="2">
+            <a:schemeClr val="accent1">
+              <a:shade val="50000"/>
+            </a:schemeClr>
+          </a:lnRef>
+          <a:fillRef idx="1">
+            <a:schemeClr val="accent1"/>
+          </a:fillRef>
+          <a:effectRef idx="0">
+            <a:schemeClr val="accent1"/>
+          </a:effectRef>
+          <a:fontRef idx="minor">
+            <a:schemeClr val="lt1"/>
+          </a:fontRef>
+        </p:style>
+        <p:txBody>
+          <a:bodyPr rtlCol="0" anchor="ctr"/>
+          <a:lstStyle/>
+          <a:p>
+            <a:pPr algn="ctr"/>
+            <a:endParaRPr lang="en-US" dirty="0"/>
+          </a:p>
+        </p:txBody>
+      </p:sp>
+      <p:sp>
+        <p:nvSpPr>
+          <p:cNvPr id="14" name="Rectangle 13"/>
+          <p:cNvSpPr/>
+          <p:nvPr/>
+        </p:nvSpPr>
+        <p:spPr>
+          <a:xfrm rot="5400000">
+            <a:off x="7211844" y="2308068"/>
+            <a:ext cx="1255489" cy="168900"/>
+          </a:xfrm>
+          <a:prstGeom prst="rect">
+            <a:avLst/>
+          </a:prstGeom>
+          <a:solidFill>
+            <a:schemeClr val="bg1">
+              <a:lumMod val="50000"/>
+            </a:schemeClr>
+          </a:solidFill>
+          <a:ln>
+            <a:noFill/>
+          </a:ln>
+        </p:spPr>
+        <p:style>
+          <a:lnRef idx="2">
+            <a:schemeClr val="accent1">
+              <a:shade val="50000"/>
+            </a:schemeClr>
+          </a:lnRef>
+          <a:fillRef idx="1">
+            <a:schemeClr val="accent1"/>
+          </a:fillRef>
+          <a:effectRef idx="0">
+            <a:schemeClr val="accent1"/>
+          </a:effectRef>
+          <a:fontRef idx="minor">
+            <a:schemeClr val="lt1"/>
+          </a:fontRef>
+        </p:style>
+        <p:txBody>
+          <a:bodyPr rtlCol="0" anchor="ctr"/>
+          <a:lstStyle/>
+          <a:p>
+            <a:pPr algn="ctr"/>
+            <a:endParaRPr lang="en-US" dirty="0"/>
+          </a:p>
+        </p:txBody>
+      </p:sp>
+      <p:sp>
+        <p:nvSpPr>
+          <p:cNvPr id="15" name="Rectangle 14"/>
+          <p:cNvSpPr/>
+          <p:nvPr/>
+        </p:nvSpPr>
+        <p:spPr>
+          <a:xfrm rot="10800000">
+            <a:off x="6502926" y="5532727"/>
+            <a:ext cx="1448794" cy="104830"/>
+          </a:xfrm>
+          <a:prstGeom prst="rect">
+            <a:avLst/>
+          </a:prstGeom>
+          <a:solidFill>
+            <a:schemeClr val="bg1">
+              <a:lumMod val="50000"/>
+            </a:schemeClr>
+          </a:solidFill>
+          <a:ln>
+            <a:noFill/>
+          </a:ln>
+        </p:spPr>
+        <p:style>
+          <a:lnRef idx="2">
+            <a:schemeClr val="accent1">
+              <a:shade val="50000"/>
+            </a:schemeClr>
+          </a:lnRef>
+          <a:fillRef idx="1">
+            <a:schemeClr val="accent1"/>
+          </a:fillRef>
+          <a:effectRef idx="0">
+            <a:schemeClr val="accent1"/>
+          </a:effectRef>
+          <a:fontRef idx="minor">
+            <a:schemeClr val="lt1"/>
+          </a:fontRef>
+        </p:style>
+        <p:txBody>
+          <a:bodyPr rtlCol="0" anchor="ctr"/>
+          <a:lstStyle/>
+          <a:p>
+            <a:pPr algn="ctr"/>
+            <a:endParaRPr lang="en-US" dirty="0"/>
+          </a:p>
+        </p:txBody>
+      </p:sp>
+      <p:sp>
+        <p:nvSpPr>
+          <p:cNvPr id="16" name="Rectangle 15"/>
+          <p:cNvSpPr/>
+          <p:nvPr/>
+        </p:nvSpPr>
+        <p:spPr>
+          <a:xfrm rot="5400000">
+            <a:off x="7211899" y="6132088"/>
+            <a:ext cx="1297353" cy="182287"/>
+          </a:xfrm>
+          <a:prstGeom prst="rect">
+            <a:avLst/>
+          </a:prstGeom>
+          <a:solidFill>
+            <a:schemeClr val="bg1">
+              <a:lumMod val="50000"/>
+            </a:schemeClr>
+          </a:solidFill>
+          <a:ln>
+            <a:noFill/>
+          </a:ln>
+        </p:spPr>
+        <p:style>
+          <a:lnRef idx="2">
+            <a:schemeClr val="accent1">
+              <a:shade val="50000"/>
+            </a:schemeClr>
+          </a:lnRef>
+          <a:fillRef idx="1">
+            <a:schemeClr val="accent1"/>
+          </a:fillRef>
+          <a:effectRef idx="0">
+            <a:schemeClr val="accent1"/>
+          </a:effectRef>
+          <a:fontRef idx="minor">
+            <a:schemeClr val="lt1"/>
+          </a:fontRef>
+        </p:style>
+        <p:txBody>
+          <a:bodyPr rtlCol="0" anchor="ctr"/>
+          <a:lstStyle/>
+          <a:p>
+            <a:pPr algn="ctr"/>
+            <a:endParaRPr lang="en-US" dirty="0"/>
+          </a:p>
+        </p:txBody>
+      </p:sp>
+      <p:sp>
+        <p:nvSpPr>
+          <p:cNvPr id="17" name="Rectangle 16"/>
+          <p:cNvSpPr/>
+          <p:nvPr/>
+        </p:nvSpPr>
+        <p:spPr>
+          <a:xfrm rot="16200000">
+            <a:off x="10277469" y="3519023"/>
+            <a:ext cx="1278499" cy="153845"/>
+          </a:xfrm>
+          <a:prstGeom prst="rect">
+            <a:avLst/>
+          </a:prstGeom>
+          <a:solidFill>
+            <a:schemeClr val="bg1">
+              <a:lumMod val="50000"/>
+            </a:schemeClr>
+          </a:solidFill>
+          <a:ln>
+            <a:noFill/>
+          </a:ln>
+        </p:spPr>
+        <p:style>
+          <a:lnRef idx="2">
+            <a:schemeClr val="accent1">
+              <a:shade val="50000"/>
+            </a:schemeClr>
+          </a:lnRef>
+          <a:fillRef idx="1">
+            <a:schemeClr val="accent1"/>
+          </a:fillRef>
+          <a:effectRef idx="0">
+            <a:schemeClr val="accent1"/>
+          </a:effectRef>
+          <a:fontRef idx="minor">
+            <a:schemeClr val="lt1"/>
+          </a:fontRef>
+        </p:style>
+        <p:txBody>
+          <a:bodyPr rtlCol="0" anchor="ctr"/>
+          <a:lstStyle/>
+          <a:p>
+            <a:pPr algn="ctr"/>
+            <a:endParaRPr lang="en-US"/>
+          </a:p>
+        </p:txBody>
+      </p:sp>
+      <p:sp>
+        <p:nvSpPr>
+          <p:cNvPr id="18" name="Rectangle 17"/>
+          <p:cNvSpPr/>
+          <p:nvPr/>
+        </p:nvSpPr>
+        <p:spPr>
+          <a:xfrm rot="16200000">
+            <a:off x="7206052" y="4858987"/>
+            <a:ext cx="1278499" cy="212838"/>
+          </a:xfrm>
+          <a:prstGeom prst="rect">
+            <a:avLst/>
+          </a:prstGeom>
+          <a:solidFill>
+            <a:schemeClr val="bg1">
+              <a:lumMod val="50000"/>
+            </a:schemeClr>
+          </a:solidFill>
+          <a:ln>
+            <a:noFill/>
+          </a:ln>
+        </p:spPr>
+        <p:style>
+          <a:lnRef idx="2">
+            <a:schemeClr val="accent1">
+              <a:shade val="50000"/>
+            </a:schemeClr>
+          </a:lnRef>
+          <a:fillRef idx="1">
+            <a:schemeClr val="accent1"/>
+          </a:fillRef>
+          <a:effectRef idx="0">
+            <a:schemeClr val="accent1"/>
+          </a:effectRef>
+          <a:fontRef idx="minor">
+            <a:schemeClr val="lt1"/>
+          </a:fontRef>
+        </p:style>
+        <p:txBody>
+          <a:bodyPr rtlCol="0" anchor="ctr"/>
+          <a:lstStyle/>
+          <a:p>
+            <a:pPr algn="ctr"/>
+            <a:endParaRPr lang="en-US"/>
+          </a:p>
+        </p:txBody>
+      </p:sp>
+      <p:sp>
+        <p:nvSpPr>
+          <p:cNvPr id="19" name="Rectangle 18"/>
+          <p:cNvSpPr/>
+          <p:nvPr/>
+        </p:nvSpPr>
+        <p:spPr>
+          <a:xfrm rot="10800000">
+            <a:off x="10898775" y="4090383"/>
+            <a:ext cx="1361182" cy="144814"/>
+          </a:xfrm>
+          <a:prstGeom prst="rect">
+            <a:avLst/>
+          </a:prstGeom>
+          <a:solidFill>
+            <a:schemeClr val="bg1">
+              <a:lumMod val="50000"/>
+            </a:schemeClr>
+          </a:solidFill>
+          <a:ln>
+            <a:noFill/>
+          </a:ln>
+        </p:spPr>
+        <p:style>
+          <a:lnRef idx="2">
+            <a:schemeClr val="accent1">
+              <a:shade val="50000"/>
+            </a:schemeClr>
+          </a:lnRef>
+          <a:fillRef idx="1">
+            <a:schemeClr val="accent1"/>
+          </a:fillRef>
+          <a:effectRef idx="0">
+            <a:schemeClr val="accent1"/>
+          </a:effectRef>
+          <a:fontRef idx="minor">
+            <a:schemeClr val="lt1"/>
+          </a:fontRef>
+        </p:style>
+        <p:txBody>
+          <a:bodyPr rtlCol="0" anchor="ctr"/>
+          <a:lstStyle/>
+          <a:p>
+            <a:pPr algn="ctr"/>
+            <a:endParaRPr lang="en-US" dirty="0"/>
+          </a:p>
+        </p:txBody>
+      </p:sp>
+      <p:sp>
+        <p:nvSpPr>
+          <p:cNvPr id="20" name="Rectangle 19"/>
+          <p:cNvSpPr/>
+          <p:nvPr/>
+        </p:nvSpPr>
+        <p:spPr>
+          <a:xfrm rot="10800000">
+            <a:off x="6502927" y="4326156"/>
+            <a:ext cx="1343755" cy="137894"/>
+          </a:xfrm>
+          <a:prstGeom prst="rect">
+            <a:avLst/>
+          </a:prstGeom>
+          <a:solidFill>
+            <a:schemeClr val="bg1">
+              <a:lumMod val="50000"/>
+            </a:schemeClr>
+          </a:solidFill>
+          <a:ln>
+            <a:noFill/>
+          </a:ln>
+        </p:spPr>
+        <p:style>
+          <a:lnRef idx="2">
+            <a:schemeClr val="accent1">
+              <a:shade val="50000"/>
+            </a:schemeClr>
+          </a:lnRef>
+          <a:fillRef idx="1">
+            <a:schemeClr val="accent1"/>
+          </a:fillRef>
+          <a:effectRef idx="0">
+            <a:schemeClr val="accent1"/>
+          </a:effectRef>
+          <a:fontRef idx="minor">
+            <a:schemeClr val="lt1"/>
+          </a:fontRef>
+        </p:style>
+        <p:txBody>
+          <a:bodyPr rtlCol="0" anchor="ctr"/>
+          <a:lstStyle/>
+          <a:p>
+            <a:pPr algn="ctr"/>
+            <a:endParaRPr lang="en-US" dirty="0"/>
+          </a:p>
+        </p:txBody>
+      </p:sp>
+      <p:sp>
+        <p:nvSpPr>
+          <p:cNvPr id="22" name="Rectangle 21"/>
+          <p:cNvSpPr/>
+          <p:nvPr/>
+        </p:nvSpPr>
+        <p:spPr>
+          <a:xfrm>
+            <a:off x="5893298" y="4723816"/>
+            <a:ext cx="447541" cy="483180"/>
+          </a:xfrm>
+          <a:prstGeom prst="rect">
+            <a:avLst/>
+          </a:prstGeom>
+        </p:spPr>
+        <p:style>
+          <a:lnRef idx="2">
+            <a:schemeClr val="accent1">
+              <a:shade val="50000"/>
+            </a:schemeClr>
+          </a:lnRef>
+          <a:fillRef idx="1">
+            <a:schemeClr val="accent1"/>
+          </a:fillRef>
+          <a:effectRef idx="0">
+            <a:schemeClr val="accent1"/>
+          </a:effectRef>
+          <a:fontRef idx="minor">
+            <a:schemeClr val="lt1"/>
+          </a:fontRef>
+        </p:style>
+        <p:txBody>
+          <a:bodyPr vert="horz" rtlCol="0" anchor="ctr"/>
+          <a:lstStyle/>
+          <a:p>
+            <a:pPr algn="ctr"/>
+            <a:r>
+              <a:rPr lang="en-CA" sz="4400" b="1" dirty="0">
+                <a:solidFill>
+                  <a:schemeClr val="tx1"/>
+                </a:solidFill>
+                <a:latin typeface="Times New Roman" panose="02020603050405020304" pitchFamily="18" charset="0"/>
+                <a:cs typeface="Times New Roman" panose="02020603050405020304" pitchFamily="18" charset="0"/>
+              </a:rPr>
+              <a:t>3</a:t>
+            </a:r>
+            <a:endParaRPr lang="en-US" sz="4400" b="1" dirty="0">
+              <a:solidFill>
+                <a:schemeClr val="tx1"/>
+              </a:solidFill>
+              <a:latin typeface="Times New Roman" panose="02020603050405020304" pitchFamily="18" charset="0"/>
+              <a:cs typeface="Times New Roman" panose="02020603050405020304" pitchFamily="18" charset="0"/>
+            </a:endParaRPr>
+          </a:p>
+        </p:txBody>
+      </p:sp>
+      <p:sp>
+        <p:nvSpPr>
+          <p:cNvPr id="23" name="Rectangle 22"/>
+          <p:cNvSpPr/>
+          <p:nvPr/>
+        </p:nvSpPr>
+        <p:spPr>
+          <a:xfrm>
+            <a:off x="12401386" y="3354355"/>
+            <a:ext cx="447541" cy="483180"/>
+          </a:xfrm>
+          <a:prstGeom prst="rect">
+            <a:avLst/>
+          </a:prstGeom>
+        </p:spPr>
+        <p:style>
+          <a:lnRef idx="2">
+            <a:schemeClr val="accent1">
+              <a:shade val="50000"/>
+            </a:schemeClr>
+          </a:lnRef>
+          <a:fillRef idx="1">
+            <a:schemeClr val="accent1"/>
+          </a:fillRef>
+          <a:effectRef idx="0">
+            <a:schemeClr val="accent1"/>
+          </a:effectRef>
+          <a:fontRef idx="minor">
+            <a:schemeClr val="lt1"/>
+          </a:fontRef>
+        </p:style>
+        <p:txBody>
+          <a:bodyPr vert="horz" rtlCol="0" anchor="ctr"/>
+          <a:lstStyle/>
+          <a:p>
+            <a:pPr algn="ctr"/>
+            <a:r>
+              <a:rPr lang="en-CA" sz="4400" b="1" dirty="0">
+                <a:solidFill>
+                  <a:schemeClr val="tx1"/>
+                </a:solidFill>
+                <a:latin typeface="Times New Roman" panose="02020603050405020304" pitchFamily="18" charset="0"/>
+                <a:cs typeface="Times New Roman" panose="02020603050405020304" pitchFamily="18" charset="0"/>
+              </a:rPr>
+              <a:t>2</a:t>
+            </a:r>
+            <a:endParaRPr lang="en-US" sz="4400" b="1" dirty="0">
+              <a:solidFill>
+                <a:schemeClr val="tx1"/>
+              </a:solidFill>
+              <a:latin typeface="Times New Roman" panose="02020603050405020304" pitchFamily="18" charset="0"/>
+              <a:cs typeface="Times New Roman" panose="02020603050405020304" pitchFamily="18" charset="0"/>
+            </a:endParaRPr>
+          </a:p>
+        </p:txBody>
+      </p:sp>
+      <p:sp>
+        <p:nvSpPr>
+          <p:cNvPr id="24" name="Rectangle 23"/>
+          <p:cNvSpPr/>
+          <p:nvPr/>
+        </p:nvSpPr>
+        <p:spPr>
+          <a:xfrm>
+            <a:off x="8443634" y="1126794"/>
+            <a:ext cx="447541" cy="483180"/>
+          </a:xfrm>
+          <a:prstGeom prst="rect">
+            <a:avLst/>
+          </a:prstGeom>
+        </p:spPr>
+        <p:style>
+          <a:lnRef idx="2">
+            <a:schemeClr val="accent1">
+              <a:shade val="50000"/>
+            </a:schemeClr>
+          </a:lnRef>
+          <a:fillRef idx="1">
+            <a:schemeClr val="accent1"/>
+          </a:fillRef>
+          <a:effectRef idx="0">
+            <a:schemeClr val="accent1"/>
+          </a:effectRef>
+          <a:fontRef idx="minor">
+            <a:schemeClr val="lt1"/>
+          </a:fontRef>
+        </p:style>
+        <p:txBody>
+          <a:bodyPr vert="horz" rtlCol="0" anchor="ctr"/>
+          <a:lstStyle/>
+          <a:p>
+            <a:pPr algn="ctr"/>
+            <a:r>
+              <a:rPr lang="en-CA" sz="4400" b="1" dirty="0">
+                <a:solidFill>
+                  <a:schemeClr val="tx1"/>
+                </a:solidFill>
+                <a:latin typeface="Times New Roman" panose="02020603050405020304" pitchFamily="18" charset="0"/>
+                <a:cs typeface="Times New Roman" panose="02020603050405020304" pitchFamily="18" charset="0"/>
+              </a:rPr>
+              <a:t>1</a:t>
+            </a:r>
+            <a:endParaRPr lang="en-US" sz="4400" b="1" dirty="0">
+              <a:solidFill>
+                <a:schemeClr val="tx1"/>
+              </a:solidFill>
+              <a:latin typeface="Times New Roman" panose="02020603050405020304" pitchFamily="18" charset="0"/>
+              <a:cs typeface="Times New Roman" panose="02020603050405020304" pitchFamily="18" charset="0"/>
+            </a:endParaRPr>
+          </a:p>
+        </p:txBody>
+      </p:sp>
+      <p:sp>
+        <p:nvSpPr>
+          <p:cNvPr id="25" name="Rectangle 24"/>
+          <p:cNvSpPr/>
+          <p:nvPr/>
+        </p:nvSpPr>
+        <p:spPr>
+          <a:xfrm>
+            <a:off x="8148969" y="3595945"/>
+            <a:ext cx="2528738" cy="1239379"/>
+          </a:xfrm>
+          <a:prstGeom prst="rect">
+            <a:avLst/>
+          </a:prstGeom>
+          <a:solidFill>
+            <a:srgbClr val="F3F3F2"/>
+          </a:solidFill>
+        </p:spPr>
+        <p:style>
+          <a:lnRef idx="2">
+            <a:schemeClr val="dk1"/>
+          </a:lnRef>
+          <a:fillRef idx="1">
+            <a:schemeClr val="lt1"/>
+          </a:fillRef>
+          <a:effectRef idx="0">
+            <a:schemeClr val="dk1"/>
+          </a:effectRef>
+          <a:fontRef idx="minor">
+            <a:schemeClr val="dk1"/>
+          </a:fontRef>
+        </p:style>
+        <p:txBody>
+          <a:bodyPr vert="horz" rtlCol="0" anchor="ctr"/>
+          <a:lstStyle/>
+          <a:p>
+            <a:pPr algn="ctr"/>
+            <a:r>
+              <a:rPr lang="en-CA" sz="3600" b="1" dirty="0">
+                <a:solidFill>
+                  <a:srgbClr val="2A1A00"/>
+                </a:solidFill>
+                <a:cs typeface="Times New Roman" panose="02020603050405020304" pitchFamily="18" charset="0"/>
+              </a:rPr>
+              <a:t>Which car goes first?</a:t>
+            </a:r>
+            <a:endParaRPr lang="en-US" sz="3600" b="1" dirty="0">
+              <a:solidFill>
+                <a:srgbClr val="2A1A00"/>
+              </a:solidFill>
+              <a:cs typeface="Times New Roman" panose="02020603050405020304" pitchFamily="18" charset="0"/>
+            </a:endParaRPr>
+          </a:p>
+        </p:txBody>
+      </p:sp>
+    </p:spTree>
+    <p:extLst>
+      <p:ext uri="{BB962C8B-B14F-4D97-AF65-F5344CB8AC3E}">
+        <p14:creationId xmlns:p14="http://schemas.microsoft.com/office/powerpoint/2010/main" val="4222374327"/>
+      </p:ext>
+    </p:extLst>
+  </p:cSld>
+  <p:clrMapOvr>
+    <a:masterClrMapping/>
+  </p:clrMapOvr>
+  <p:timing>
+    <p:tnLst>
+      <p:par>
+        <p:cTn id="1" dur="indefinite" restart="never" nodeType="tmRoot">
+          <p:childTnLst>
+            <p:seq concurrent="1" nextAc="seek">
+              <p:cTn id="2" dur="indefinite" nodeType="mainSeq">
+                <p:childTnLst>
+                  <p:par>
+                    <p:cTn id="3" fill="hold">
+                      <p:stCondLst>
+                        <p:cond delay="indefinite"/>
+                        <p:cond evt="onBegin" delay="0">
+                          <p:tn val="2"/>
+                        </p:cond>
+                      </p:stCondLst>
+                      <p:childTnLst>
+                        <p:par>
+                          <p:cTn id="4" fill="hold">
+                            <p:stCondLst>
+                              <p:cond delay="0"/>
+                            </p:stCondLst>
+                            <p:childTnLst>
+                              <p:par>
+                                <p:cTn id="5" presetID="10" presetClass="entr" presetSubtype="0" fill="hold" grpId="0" nodeType="afterEffect">
+                                  <p:stCondLst>
+                                    <p:cond delay="2750"/>
+                                  </p:stCondLst>
+                                  <p:childTnLst>
+                                    <p:set>
+                                      <p:cBhvr>
+                                        <p:cTn id="6" dur="1" fill="hold">
+                                          <p:stCondLst>
+                                            <p:cond delay="0"/>
+                                          </p:stCondLst>
+                                        </p:cTn>
+                                        <p:tgtEl>
+                                          <p:spTgt spid="4"/>
+                                        </p:tgtEl>
+                                        <p:attrNameLst>
+                                          <p:attrName>style.visibility</p:attrName>
+                                        </p:attrNameLst>
+                                      </p:cBhvr>
+                                      <p:to>
+                                        <p:strVal val="visible"/>
+                                      </p:to>
+                                    </p:set>
+                                    <p:animEffect transition="in" filter="fade">
+                                      <p:cBhvr>
+                                        <p:cTn id="7" dur="500"/>
+                                        <p:tgtEl>
+                                          <p:spTgt spid="4"/>
+                                        </p:tgtEl>
+                                      </p:cBhvr>
+                                    </p:animEffect>
+                                  </p:childTnLst>
+                                </p:cTn>
+                              </p:par>
+                              <p:par>
+                                <p:cTn id="8" presetID="10" presetClass="entr" presetSubtype="0" fill="hold" grpId="0" nodeType="withEffect">
+                                  <p:stCondLst>
+                                    <p:cond delay="2750"/>
+                                  </p:stCondLst>
+                                  <p:childTnLst>
+                                    <p:set>
+                                      <p:cBhvr>
+                                        <p:cTn id="9" dur="1" fill="hold">
+                                          <p:stCondLst>
+                                            <p:cond delay="0"/>
+                                          </p:stCondLst>
+                                        </p:cTn>
+                                        <p:tgtEl>
+                                          <p:spTgt spid="18"/>
+                                        </p:tgtEl>
+                                        <p:attrNameLst>
+                                          <p:attrName>style.visibility</p:attrName>
+                                        </p:attrNameLst>
+                                      </p:cBhvr>
+                                      <p:to>
+                                        <p:strVal val="visible"/>
+                                      </p:to>
+                                    </p:set>
+                                    <p:animEffect transition="in" filter="fade">
+                                      <p:cBhvr>
+                                        <p:cTn id="10" dur="500"/>
+                                        <p:tgtEl>
+                                          <p:spTgt spid="18"/>
+                                        </p:tgtEl>
+                                      </p:cBhvr>
+                                    </p:animEffect>
+                                  </p:childTnLst>
+                                </p:cTn>
+                              </p:par>
+                              <p:par>
+                                <p:cTn id="11" presetID="10" presetClass="entr" presetSubtype="0" fill="hold" grpId="0" nodeType="withEffect">
+                                  <p:stCondLst>
+                                    <p:cond delay="2750"/>
+                                  </p:stCondLst>
+                                  <p:childTnLst>
+                                    <p:set>
+                                      <p:cBhvr>
+                                        <p:cTn id="12" dur="1" fill="hold">
+                                          <p:stCondLst>
+                                            <p:cond delay="0"/>
+                                          </p:stCondLst>
+                                        </p:cTn>
+                                        <p:tgtEl>
+                                          <p:spTgt spid="16"/>
+                                        </p:tgtEl>
+                                        <p:attrNameLst>
+                                          <p:attrName>style.visibility</p:attrName>
+                                        </p:attrNameLst>
+                                      </p:cBhvr>
+                                      <p:to>
+                                        <p:strVal val="visible"/>
+                                      </p:to>
+                                    </p:set>
+                                    <p:animEffect transition="in" filter="fade">
+                                      <p:cBhvr>
+                                        <p:cTn id="13" dur="500"/>
+                                        <p:tgtEl>
+                                          <p:spTgt spid="16"/>
+                                        </p:tgtEl>
+                                      </p:cBhvr>
+                                    </p:animEffect>
+                                  </p:childTnLst>
+                                </p:cTn>
+                              </p:par>
+                              <p:par>
+                                <p:cTn id="14" presetID="10" presetClass="entr" presetSubtype="0" fill="hold" grpId="0" nodeType="withEffect">
+                                  <p:stCondLst>
+                                    <p:cond delay="2750"/>
+                                  </p:stCondLst>
+                                  <p:childTnLst>
+                                    <p:set>
+                                      <p:cBhvr>
+                                        <p:cTn id="15" dur="1" fill="hold">
+                                          <p:stCondLst>
+                                            <p:cond delay="0"/>
+                                          </p:stCondLst>
+                                        </p:cTn>
+                                        <p:tgtEl>
+                                          <p:spTgt spid="6"/>
+                                        </p:tgtEl>
+                                        <p:attrNameLst>
+                                          <p:attrName>style.visibility</p:attrName>
+                                        </p:attrNameLst>
+                                      </p:cBhvr>
+                                      <p:to>
+                                        <p:strVal val="visible"/>
+                                      </p:to>
+                                    </p:set>
+                                    <p:animEffect transition="in" filter="fade">
+                                      <p:cBhvr>
+                                        <p:cTn id="16" dur="500"/>
+                                        <p:tgtEl>
+                                          <p:spTgt spid="6"/>
+                                        </p:tgtEl>
+                                      </p:cBhvr>
+                                    </p:animEffect>
+                                  </p:childTnLst>
+                                </p:cTn>
+                              </p:par>
+                              <p:par>
+                                <p:cTn id="17" presetID="10" presetClass="entr" presetSubtype="0" fill="hold" grpId="0" nodeType="withEffect">
+                                  <p:stCondLst>
+                                    <p:cond delay="2750"/>
+                                  </p:stCondLst>
+                                  <p:childTnLst>
+                                    <p:set>
+                                      <p:cBhvr>
+                                        <p:cTn id="18" dur="1" fill="hold">
+                                          <p:stCondLst>
+                                            <p:cond delay="0"/>
+                                          </p:stCondLst>
+                                        </p:cTn>
+                                        <p:tgtEl>
+                                          <p:spTgt spid="5"/>
+                                        </p:tgtEl>
+                                        <p:attrNameLst>
+                                          <p:attrName>style.visibility</p:attrName>
+                                        </p:attrNameLst>
+                                      </p:cBhvr>
+                                      <p:to>
+                                        <p:strVal val="visible"/>
+                                      </p:to>
+                                    </p:set>
+                                    <p:animEffect transition="in" filter="fade">
+                                      <p:cBhvr>
+                                        <p:cTn id="19" dur="500"/>
+                                        <p:tgtEl>
+                                          <p:spTgt spid="5"/>
+                                        </p:tgtEl>
+                                      </p:cBhvr>
+                                    </p:animEffect>
+                                  </p:childTnLst>
+                                </p:cTn>
+                              </p:par>
+                              <p:par>
+                                <p:cTn id="20" presetID="10" presetClass="entr" presetSubtype="0" fill="hold" grpId="0" nodeType="withEffect">
+                                  <p:stCondLst>
+                                    <p:cond delay="2750"/>
+                                  </p:stCondLst>
+                                  <p:childTnLst>
+                                    <p:set>
+                                      <p:cBhvr>
+                                        <p:cTn id="21" dur="1" fill="hold">
+                                          <p:stCondLst>
+                                            <p:cond delay="0"/>
+                                          </p:stCondLst>
+                                        </p:cTn>
+                                        <p:tgtEl>
+                                          <p:spTgt spid="8"/>
+                                        </p:tgtEl>
+                                        <p:attrNameLst>
+                                          <p:attrName>style.visibility</p:attrName>
+                                        </p:attrNameLst>
+                                      </p:cBhvr>
+                                      <p:to>
+                                        <p:strVal val="visible"/>
+                                      </p:to>
+                                    </p:set>
+                                    <p:animEffect transition="in" filter="fade">
+                                      <p:cBhvr>
+                                        <p:cTn id="22" dur="500"/>
+                                        <p:tgtEl>
+                                          <p:spTgt spid="8"/>
+                                        </p:tgtEl>
+                                      </p:cBhvr>
+                                    </p:animEffect>
+                                  </p:childTnLst>
+                                </p:cTn>
+                              </p:par>
+                              <p:par>
+                                <p:cTn id="23" presetID="10" presetClass="entr" presetSubtype="0" fill="hold" grpId="0" nodeType="withEffect">
+                                  <p:stCondLst>
+                                    <p:cond delay="2750"/>
+                                  </p:stCondLst>
+                                  <p:childTnLst>
+                                    <p:set>
+                                      <p:cBhvr>
+                                        <p:cTn id="24" dur="1" fill="hold">
+                                          <p:stCondLst>
+                                            <p:cond delay="0"/>
+                                          </p:stCondLst>
+                                        </p:cTn>
+                                        <p:tgtEl>
+                                          <p:spTgt spid="19"/>
+                                        </p:tgtEl>
+                                        <p:attrNameLst>
+                                          <p:attrName>style.visibility</p:attrName>
+                                        </p:attrNameLst>
+                                      </p:cBhvr>
+                                      <p:to>
+                                        <p:strVal val="visible"/>
+                                      </p:to>
+                                    </p:set>
+                                    <p:animEffect transition="in" filter="fade">
+                                      <p:cBhvr>
+                                        <p:cTn id="25" dur="500"/>
+                                        <p:tgtEl>
+                                          <p:spTgt spid="19"/>
+                                        </p:tgtEl>
+                                      </p:cBhvr>
+                                    </p:animEffect>
+                                  </p:childTnLst>
+                                </p:cTn>
+                              </p:par>
+                              <p:par>
+                                <p:cTn id="26" presetID="10" presetClass="entr" presetSubtype="0" fill="hold" grpId="0" nodeType="withEffect">
+                                  <p:stCondLst>
+                                    <p:cond delay="2750"/>
+                                  </p:stCondLst>
+                                  <p:childTnLst>
+                                    <p:set>
+                                      <p:cBhvr>
+                                        <p:cTn id="27" dur="1" fill="hold">
+                                          <p:stCondLst>
+                                            <p:cond delay="0"/>
+                                          </p:stCondLst>
+                                        </p:cTn>
+                                        <p:tgtEl>
+                                          <p:spTgt spid="17"/>
+                                        </p:tgtEl>
+                                        <p:attrNameLst>
+                                          <p:attrName>style.visibility</p:attrName>
+                                        </p:attrNameLst>
+                                      </p:cBhvr>
+                                      <p:to>
+                                        <p:strVal val="visible"/>
+                                      </p:to>
+                                    </p:set>
+                                    <p:animEffect transition="in" filter="fade">
+                                      <p:cBhvr>
+                                        <p:cTn id="28" dur="500"/>
+                                        <p:tgtEl>
+                                          <p:spTgt spid="17"/>
+                                        </p:tgtEl>
+                                      </p:cBhvr>
+                                    </p:animEffect>
+                                  </p:childTnLst>
+                                </p:cTn>
+                              </p:par>
+                              <p:par>
+                                <p:cTn id="29" presetID="10" presetClass="entr" presetSubtype="0" fill="hold" grpId="0" nodeType="withEffect">
+                                  <p:stCondLst>
+                                    <p:cond delay="2750"/>
+                                  </p:stCondLst>
+                                  <p:childTnLst>
+                                    <p:set>
+                                      <p:cBhvr>
+                                        <p:cTn id="30" dur="1" fill="hold">
+                                          <p:stCondLst>
+                                            <p:cond delay="0"/>
+                                          </p:stCondLst>
+                                        </p:cTn>
+                                        <p:tgtEl>
+                                          <p:spTgt spid="11"/>
+                                        </p:tgtEl>
+                                        <p:attrNameLst>
+                                          <p:attrName>style.visibility</p:attrName>
+                                        </p:attrNameLst>
+                                      </p:cBhvr>
+                                      <p:to>
+                                        <p:strVal val="visible"/>
+                                      </p:to>
+                                    </p:set>
+                                    <p:animEffect transition="in" filter="fade">
+                                      <p:cBhvr>
+                                        <p:cTn id="31" dur="500"/>
+                                        <p:tgtEl>
+                                          <p:spTgt spid="11"/>
+                                        </p:tgtEl>
+                                      </p:cBhvr>
+                                    </p:animEffect>
+                                  </p:childTnLst>
+                                </p:cTn>
+                              </p:par>
+                              <p:par>
+                                <p:cTn id="32" presetID="10" presetClass="entr" presetSubtype="0" fill="hold" grpId="0" nodeType="withEffect">
+                                  <p:stCondLst>
+                                    <p:cond delay="2750"/>
+                                  </p:stCondLst>
+                                  <p:childTnLst>
+                                    <p:set>
+                                      <p:cBhvr>
+                                        <p:cTn id="33" dur="1" fill="hold">
+                                          <p:stCondLst>
+                                            <p:cond delay="0"/>
+                                          </p:stCondLst>
+                                        </p:cTn>
+                                        <p:tgtEl>
+                                          <p:spTgt spid="12"/>
+                                        </p:tgtEl>
+                                        <p:attrNameLst>
+                                          <p:attrName>style.visibility</p:attrName>
+                                        </p:attrNameLst>
+                                      </p:cBhvr>
+                                      <p:to>
+                                        <p:strVal val="visible"/>
+                                      </p:to>
+                                    </p:set>
+                                    <p:animEffect transition="in" filter="fade">
+                                      <p:cBhvr>
+                                        <p:cTn id="34" dur="500"/>
+                                        <p:tgtEl>
+                                          <p:spTgt spid="12"/>
+                                        </p:tgtEl>
+                                      </p:cBhvr>
+                                    </p:animEffect>
+                                  </p:childTnLst>
+                                </p:cTn>
+                              </p:par>
+                              <p:par>
+                                <p:cTn id="35" presetID="10" presetClass="entr" presetSubtype="0" fill="hold" grpId="0" nodeType="withEffect">
+                                  <p:stCondLst>
+                                    <p:cond delay="2750"/>
+                                  </p:stCondLst>
+                                  <p:childTnLst>
+                                    <p:set>
+                                      <p:cBhvr>
+                                        <p:cTn id="36" dur="1" fill="hold">
+                                          <p:stCondLst>
+                                            <p:cond delay="0"/>
+                                          </p:stCondLst>
+                                        </p:cTn>
+                                        <p:tgtEl>
+                                          <p:spTgt spid="10"/>
+                                        </p:tgtEl>
+                                        <p:attrNameLst>
+                                          <p:attrName>style.visibility</p:attrName>
+                                        </p:attrNameLst>
+                                      </p:cBhvr>
+                                      <p:to>
+                                        <p:strVal val="visible"/>
+                                      </p:to>
+                                    </p:set>
+                                    <p:animEffect transition="in" filter="fade">
+                                      <p:cBhvr>
+                                        <p:cTn id="37" dur="500"/>
+                                        <p:tgtEl>
+                                          <p:spTgt spid="10"/>
+                                        </p:tgtEl>
+                                      </p:cBhvr>
+                                    </p:animEffect>
+                                  </p:childTnLst>
+                                </p:cTn>
+                              </p:par>
+                              <p:par>
+                                <p:cTn id="38" presetID="10" presetClass="entr" presetSubtype="0" fill="hold" grpId="0" nodeType="withEffect">
+                                  <p:stCondLst>
+                                    <p:cond delay="2750"/>
+                                  </p:stCondLst>
+                                  <p:childTnLst>
+                                    <p:set>
+                                      <p:cBhvr>
+                                        <p:cTn id="39" dur="1" fill="hold">
+                                          <p:stCondLst>
+                                            <p:cond delay="0"/>
+                                          </p:stCondLst>
+                                        </p:cTn>
+                                        <p:tgtEl>
+                                          <p:spTgt spid="9"/>
+                                        </p:tgtEl>
+                                        <p:attrNameLst>
+                                          <p:attrName>style.visibility</p:attrName>
+                                        </p:attrNameLst>
+                                      </p:cBhvr>
+                                      <p:to>
+                                        <p:strVal val="visible"/>
+                                      </p:to>
+                                    </p:set>
+                                    <p:animEffect transition="in" filter="fade">
+                                      <p:cBhvr>
+                                        <p:cTn id="40" dur="500"/>
+                                        <p:tgtEl>
+                                          <p:spTgt spid="9"/>
+                                        </p:tgtEl>
+                                      </p:cBhvr>
+                                    </p:animEffect>
+                                  </p:childTnLst>
+                                </p:cTn>
+                              </p:par>
+                              <p:par>
+                                <p:cTn id="41" presetID="10" presetClass="entr" presetSubtype="0" fill="hold" grpId="0" nodeType="withEffect">
+                                  <p:stCondLst>
+                                    <p:cond delay="2750"/>
+                                  </p:stCondLst>
+                                  <p:childTnLst>
+                                    <p:set>
+                                      <p:cBhvr>
+                                        <p:cTn id="42" dur="1" fill="hold">
+                                          <p:stCondLst>
+                                            <p:cond delay="0"/>
+                                          </p:stCondLst>
+                                        </p:cTn>
+                                        <p:tgtEl>
+                                          <p:spTgt spid="14"/>
+                                        </p:tgtEl>
+                                        <p:attrNameLst>
+                                          <p:attrName>style.visibility</p:attrName>
+                                        </p:attrNameLst>
+                                      </p:cBhvr>
+                                      <p:to>
+                                        <p:strVal val="visible"/>
+                                      </p:to>
+                                    </p:set>
+                                    <p:animEffect transition="in" filter="fade">
+                                      <p:cBhvr>
+                                        <p:cTn id="43" dur="500"/>
+                                        <p:tgtEl>
+                                          <p:spTgt spid="14"/>
+                                        </p:tgtEl>
+                                      </p:cBhvr>
+                                    </p:animEffect>
+                                  </p:childTnLst>
+                                </p:cTn>
+                              </p:par>
+                              <p:par>
+                                <p:cTn id="44" presetID="10" presetClass="entr" presetSubtype="0" fill="hold" grpId="0" nodeType="withEffect">
+                                  <p:stCondLst>
+                                    <p:cond delay="2750"/>
+                                  </p:stCondLst>
+                                  <p:childTnLst>
+                                    <p:set>
+                                      <p:cBhvr>
+                                        <p:cTn id="45" dur="1" fill="hold">
+                                          <p:stCondLst>
+                                            <p:cond delay="0"/>
+                                          </p:stCondLst>
+                                        </p:cTn>
+                                        <p:tgtEl>
+                                          <p:spTgt spid="13"/>
+                                        </p:tgtEl>
+                                        <p:attrNameLst>
+                                          <p:attrName>style.visibility</p:attrName>
+                                        </p:attrNameLst>
+                                      </p:cBhvr>
+                                      <p:to>
+                                        <p:strVal val="visible"/>
+                                      </p:to>
+                                    </p:set>
+                                    <p:animEffect transition="in" filter="fade">
+                                      <p:cBhvr>
+                                        <p:cTn id="46" dur="500"/>
+                                        <p:tgtEl>
+                                          <p:spTgt spid="13"/>
+                                        </p:tgtEl>
+                                      </p:cBhvr>
+                                    </p:animEffect>
+                                  </p:childTnLst>
+                                </p:cTn>
+                              </p:par>
+                              <p:par>
+                                <p:cTn id="47" presetID="10" presetClass="entr" presetSubtype="0" fill="hold" grpId="0" nodeType="withEffect">
+                                  <p:stCondLst>
+                                    <p:cond delay="2750"/>
+                                  </p:stCondLst>
+                                  <p:childTnLst>
+                                    <p:set>
+                                      <p:cBhvr>
+                                        <p:cTn id="48" dur="1" fill="hold">
+                                          <p:stCondLst>
+                                            <p:cond delay="0"/>
+                                          </p:stCondLst>
+                                        </p:cTn>
+                                        <p:tgtEl>
+                                          <p:spTgt spid="15"/>
+                                        </p:tgtEl>
+                                        <p:attrNameLst>
+                                          <p:attrName>style.visibility</p:attrName>
+                                        </p:attrNameLst>
+                                      </p:cBhvr>
+                                      <p:to>
+                                        <p:strVal val="visible"/>
+                                      </p:to>
+                                    </p:set>
+                                    <p:animEffect transition="in" filter="fade">
+                                      <p:cBhvr>
+                                        <p:cTn id="49" dur="500"/>
+                                        <p:tgtEl>
+                                          <p:spTgt spid="15"/>
+                                        </p:tgtEl>
+                                      </p:cBhvr>
+                                    </p:animEffect>
+                                  </p:childTnLst>
+                                </p:cTn>
+                              </p:par>
+                              <p:par>
+                                <p:cTn id="50" presetID="10" presetClass="entr" presetSubtype="0" fill="hold" grpId="0" nodeType="withEffect">
+                                  <p:stCondLst>
+                                    <p:cond delay="2750"/>
+                                  </p:stCondLst>
+                                  <p:childTnLst>
+                                    <p:set>
+                                      <p:cBhvr>
+                                        <p:cTn id="51" dur="1" fill="hold">
+                                          <p:stCondLst>
+                                            <p:cond delay="0"/>
+                                          </p:stCondLst>
+                                        </p:cTn>
+                                        <p:tgtEl>
+                                          <p:spTgt spid="20"/>
+                                        </p:tgtEl>
+                                        <p:attrNameLst>
+                                          <p:attrName>style.visibility</p:attrName>
+                                        </p:attrNameLst>
+                                      </p:cBhvr>
+                                      <p:to>
+                                        <p:strVal val="visible"/>
+                                      </p:to>
+                                    </p:set>
+                                    <p:animEffect transition="in" filter="fade">
+                                      <p:cBhvr>
+                                        <p:cTn id="52" dur="500"/>
+                                        <p:tgtEl>
+                                          <p:spTgt spid="20"/>
+                                        </p:tgtEl>
+                                      </p:cBhvr>
+                                    </p:animEffect>
+                                  </p:childTnLst>
+                                </p:cTn>
+                              </p:par>
+                              <p:par>
+                                <p:cTn id="53" presetID="10" presetClass="entr" presetSubtype="0" fill="hold" grpId="0" nodeType="withEffect">
+                                  <p:stCondLst>
+                                    <p:cond delay="2750"/>
+                                  </p:stCondLst>
+                                  <p:childTnLst>
+                                    <p:set>
+                                      <p:cBhvr>
+                                        <p:cTn id="54" dur="1" fill="hold">
+                                          <p:stCondLst>
+                                            <p:cond delay="0"/>
+                                          </p:stCondLst>
+                                        </p:cTn>
+                                        <p:tgtEl>
+                                          <p:spTgt spid="7"/>
+                                        </p:tgtEl>
+                                        <p:attrNameLst>
+                                          <p:attrName>style.visibility</p:attrName>
+                                        </p:attrNameLst>
+                                      </p:cBhvr>
+                                      <p:to>
+                                        <p:strVal val="visible"/>
+                                      </p:to>
+                                    </p:set>
+                                    <p:animEffect transition="in" filter="fade">
+                                      <p:cBhvr>
+                                        <p:cTn id="55" dur="500"/>
+                                        <p:tgtEl>
+                                          <p:spTgt spid="7"/>
+                                        </p:tgtEl>
+                                      </p:cBhvr>
+                                    </p:animEffect>
+                                  </p:childTnLst>
+                                </p:cTn>
+                              </p:par>
+                            </p:childTnLst>
+                          </p:cTn>
+                        </p:par>
+                        <p:par>
+                          <p:cTn id="56" fill="hold">
+                            <p:stCondLst>
+                              <p:cond delay="3250"/>
+                            </p:stCondLst>
+                            <p:childTnLst>
+                              <p:par>
+                                <p:cTn id="57" presetID="10" presetClass="entr" presetSubtype="0" fill="hold" grpId="1" nodeType="afterEffect">
+                                  <p:stCondLst>
+                                    <p:cond delay="0"/>
+                                  </p:stCondLst>
+                                  <p:childTnLst>
+                                    <p:set>
+                                      <p:cBhvr>
+                                        <p:cTn id="58" dur="1" fill="hold">
+                                          <p:stCondLst>
+                                            <p:cond delay="0"/>
+                                          </p:stCondLst>
+                                        </p:cTn>
+                                        <p:tgtEl>
+                                          <p:spTgt spid="24"/>
+                                        </p:tgtEl>
+                                        <p:attrNameLst>
+                                          <p:attrName>style.visibility</p:attrName>
+                                        </p:attrNameLst>
+                                      </p:cBhvr>
+                                      <p:to>
+                                        <p:strVal val="visible"/>
+                                      </p:to>
+                                    </p:set>
+                                    <p:animEffect transition="in" filter="fade">
+                                      <p:cBhvr>
+                                        <p:cTn id="59" dur="10"/>
+                                        <p:tgtEl>
+                                          <p:spTgt spid="24"/>
+                                        </p:tgtEl>
+                                      </p:cBhvr>
+                                    </p:animEffect>
+                                  </p:childTnLst>
+                                </p:cTn>
+                              </p:par>
+                              <p:par>
+                                <p:cTn id="60" presetID="42" presetClass="path" presetSubtype="0" accel="50000" decel="50000" fill="hold" grpId="0" nodeType="withEffect">
+                                  <p:stCondLst>
+                                    <p:cond delay="0"/>
+                                  </p:stCondLst>
+                                  <p:childTnLst>
+                                    <p:animMotion origin="layout" path="M 2.5E-6 2.96296E-6 L -0.00052 0.14375 " pathEditMode="relative" rAng="0" ptsTypes="AA">
+                                      <p:cBhvr>
+                                        <p:cTn id="61" dur="2750" fill="hold"/>
+                                        <p:tgtEl>
+                                          <p:spTgt spid="24"/>
+                                        </p:tgtEl>
+                                        <p:attrNameLst>
+                                          <p:attrName>ppt_x</p:attrName>
+                                          <p:attrName>ppt_y</p:attrName>
+                                        </p:attrNameLst>
+                                      </p:cBhvr>
+                                      <p:rCtr x="-26" y="7176"/>
+                                    </p:animMotion>
+                                  </p:childTnLst>
+                                </p:cTn>
+                              </p:par>
+                              <p:par>
+                                <p:cTn id="62" presetID="42" presetClass="path" presetSubtype="0" accel="50000" decel="50000" fill="hold" grpId="0" nodeType="withEffect">
+                                  <p:stCondLst>
+                                    <p:cond delay="0"/>
+                                  </p:stCondLst>
+                                  <p:childTnLst>
+                                    <p:animMotion origin="layout" path="M 3.125E-6 4.44444E-6 L -0.09805 -0.00579 " pathEditMode="relative" rAng="0" ptsTypes="AA">
+                                      <p:cBhvr>
+                                        <p:cTn id="63" dur="2750" fill="hold"/>
+                                        <p:tgtEl>
+                                          <p:spTgt spid="23"/>
+                                        </p:tgtEl>
+                                        <p:attrNameLst>
+                                          <p:attrName>ppt_x</p:attrName>
+                                          <p:attrName>ppt_y</p:attrName>
+                                        </p:attrNameLst>
+                                      </p:cBhvr>
+                                      <p:rCtr x="-4909" y="-301"/>
+                                    </p:animMotion>
+                                  </p:childTnLst>
+                                </p:cTn>
+                              </p:par>
+                              <p:par>
+                                <p:cTn id="64" presetID="10" presetClass="entr" presetSubtype="0" fill="hold" grpId="1" nodeType="withEffect">
+                                  <p:stCondLst>
+                                    <p:cond delay="0"/>
+                                  </p:stCondLst>
+                                  <p:childTnLst>
+                                    <p:set>
+                                      <p:cBhvr>
+                                        <p:cTn id="65" dur="1" fill="hold">
+                                          <p:stCondLst>
+                                            <p:cond delay="0"/>
+                                          </p:stCondLst>
+                                        </p:cTn>
+                                        <p:tgtEl>
+                                          <p:spTgt spid="22"/>
+                                        </p:tgtEl>
+                                        <p:attrNameLst>
+                                          <p:attrName>style.visibility</p:attrName>
+                                        </p:attrNameLst>
+                                      </p:cBhvr>
+                                      <p:to>
+                                        <p:strVal val="visible"/>
+                                      </p:to>
+                                    </p:set>
+                                    <p:animEffect transition="in" filter="fade">
+                                      <p:cBhvr>
+                                        <p:cTn id="66" dur="10"/>
+                                        <p:tgtEl>
+                                          <p:spTgt spid="22"/>
+                                        </p:tgtEl>
+                                      </p:cBhvr>
+                                    </p:animEffect>
+                                  </p:childTnLst>
+                                </p:cTn>
+                              </p:par>
+                              <p:par>
+                                <p:cTn id="67" presetID="42" presetClass="path" presetSubtype="0" accel="50000" decel="50000" fill="hold" grpId="0" nodeType="withEffect">
+                                  <p:stCondLst>
+                                    <p:cond delay="0"/>
+                                  </p:stCondLst>
+                                  <p:childTnLst>
+                                    <p:animMotion origin="layout" path="M -2.70833E-6 -4.07407E-6 L 0.09831 -4.07407E-6 " pathEditMode="relative" rAng="0" ptsTypes="AA">
+                                      <p:cBhvr>
+                                        <p:cTn id="68" dur="2750" fill="hold"/>
+                                        <p:tgtEl>
+                                          <p:spTgt spid="22"/>
+                                        </p:tgtEl>
+                                        <p:attrNameLst>
+                                          <p:attrName>ppt_x</p:attrName>
+                                          <p:attrName>ppt_y</p:attrName>
+                                        </p:attrNameLst>
+                                      </p:cBhvr>
+                                      <p:rCtr x="4909" y="0"/>
+                                    </p:animMotion>
+                                  </p:childTnLst>
+                                </p:cTn>
+                              </p:par>
+                            </p:childTnLst>
+                          </p:cTn>
+                        </p:par>
+                        <p:par>
+                          <p:cTn id="69" fill="hold">
+                            <p:stCondLst>
+                              <p:cond delay="6000"/>
+                            </p:stCondLst>
+                            <p:childTnLst>
+                              <p:par>
+                                <p:cTn id="70" presetID="10" presetClass="entr" presetSubtype="0" fill="hold" grpId="0" nodeType="afterEffect">
+                                  <p:stCondLst>
+                                    <p:cond delay="500"/>
+                                  </p:stCondLst>
+                                  <p:childTnLst>
+                                    <p:set>
+                                      <p:cBhvr>
+                                        <p:cTn id="71" dur="1" fill="hold">
+                                          <p:stCondLst>
+                                            <p:cond delay="0"/>
+                                          </p:stCondLst>
+                                        </p:cTn>
+                                        <p:tgtEl>
+                                          <p:spTgt spid="25"/>
+                                        </p:tgtEl>
+                                        <p:attrNameLst>
+                                          <p:attrName>style.visibility</p:attrName>
+                                        </p:attrNameLst>
+                                      </p:cBhvr>
+                                      <p:to>
+                                        <p:strVal val="visible"/>
+                                      </p:to>
+                                    </p:set>
+                                    <p:animEffect transition="in" filter="fade">
+                                      <p:cBhvr>
+                                        <p:cTn id="72" dur="500"/>
+                                        <p:tgtEl>
+                                          <p:spTgt spid="25"/>
+                                        </p:tgtEl>
+                                      </p:cBhvr>
+                                    </p:animEffect>
+                                  </p:childTnLst>
+                                </p:cTn>
+                              </p:par>
+                            </p:childTnLst>
+                          </p:cTn>
+                        </p:par>
+                      </p:childTnLst>
+                    </p:cTn>
+                  </p:par>
+                </p:childTnLst>
+              </p:cTn>
+              <p:prevCondLst>
+                <p:cond evt="onPrev" delay="0">
+                  <p:tgtEl>
+                    <p:sldTgt/>
+                  </p:tgtEl>
+                </p:cond>
+              </p:prevCondLst>
+              <p:nextCondLst>
+                <p:cond evt="onNext" delay="0">
+                  <p:tgtEl>
+                    <p:sldTgt/>
+                  </p:tgtEl>
+                </p:cond>
+              </p:nextCondLst>
+            </p:seq>
+          </p:childTnLst>
+        </p:cTn>
+      </p:par>
+    </p:tnLst>
+    <p:bldLst>
+      <p:bldP spid="4" grpId="0" animBg="1"/>
+      <p:bldP spid="5" grpId="0" animBg="1"/>
+      <p:bldP spid="6" grpId="0" animBg="1"/>
+      <p:bldP spid="7" grpId="0" animBg="1"/>
+      <p:bldP spid="8" grpId="0" animBg="1"/>
+      <p:bldP spid="9" grpId="0" animBg="1"/>
+      <p:bldP spid="10" grpId="0" animBg="1"/>
+      <p:bldP spid="11" grpId="0" animBg="1"/>
+      <p:bldP spid="12" grpId="0" animBg="1"/>
+      <p:bldP spid="13" grpId="0" animBg="1"/>
+      <p:bldP spid="14" grpId="0" animBg="1"/>
+      <p:bldP spid="15" grpId="0" animBg="1"/>
+      <p:bldP spid="16" grpId="0" animBg="1"/>
+      <p:bldP spid="17" grpId="0" animBg="1"/>
+      <p:bldP spid="18" grpId="0" animBg="1"/>
+      <p:bldP spid="19" grpId="0" animBg="1"/>
+      <p:bldP spid="20" grpId="0" animBg="1"/>
+      <p:bldP spid="22" grpId="0" animBg="1"/>
+      <p:bldP spid="22" grpId="1" animBg="1"/>
+      <p:bldP spid="23" grpId="0" animBg="1"/>
+      <p:bldP spid="24" grpId="0" animBg="1"/>
+      <p:bldP spid="24" grpId="1" animBg="1"/>
+      <p:bldP spid="25" grpId="0" animBg="1"/>
+    </p:bldLst>
+  </p:timing>
+</p:sld>
+</file>
+
+<file path=ppt/slides/slide6.xml><?xml version="1.0" encoding="utf-8"?>
+<p:sld xmlns:a="http://schemas.openxmlformats.org/drawingml/2006/main" xmlns:r="http://schemas.openxmlformats.org/officeDocument/2006/relationships" xmlns:p="http://schemas.openxmlformats.org/presentationml/2006/main">
+  <p:cSld>
+    <p:spTree>
+      <p:nvGrpSpPr>
+        <p:cNvPr id="1" name=""/>
+        <p:cNvGrpSpPr/>
+        <p:nvPr/>
+      </p:nvGrpSpPr>
+      <p:grpSpPr>
+        <a:xfrm>
+          <a:off x="0" y="0"/>
+          <a:ext cx="0" cy="0"/>
+          <a:chOff x="0" y="0"/>
+          <a:chExt cx="0" cy="0"/>
+        </a:xfrm>
+      </p:grpSpPr>
+      <p:sp>
+        <p:nvSpPr>
+          <p:cNvPr id="2" name="Title 1"/>
+          <p:cNvSpPr>
+            <a:spLocks noGrp="1"/>
+          </p:cNvSpPr>
+          <p:nvPr>
+            <p:ph type="title"/>
+          </p:nvPr>
+        </p:nvSpPr>
+        <p:spPr>
+          <a:xfrm>
+            <a:off x="1251678" y="382385"/>
+            <a:ext cx="10178322" cy="1072789"/>
+          </a:xfrm>
+        </p:spPr>
+        <p:txBody>
+          <a:bodyPr>
+            <a:noAutofit/>
+          </a:bodyPr>
+          <a:lstStyle/>
+          <a:p>
+            <a:pPr>
+              <a:lnSpc>
+                <a:spcPct val="100000"/>
+              </a:lnSpc>
+            </a:pPr>
+            <a:r>
+              <a:rPr lang="en-CA" sz="7200" dirty="0">
+                <a:solidFill>
+                  <a:srgbClr val="2A1A00"/>
+                </a:solidFill>
+              </a:rPr>
+              <a:t>The Solution</a:t>
+            </a:r>
+            <a:endParaRPr lang="en-US" sz="7200" dirty="0">
+              <a:solidFill>
+                <a:srgbClr val="2A1A00"/>
+              </a:solidFill>
+            </a:endParaRPr>
+          </a:p>
+        </p:txBody>
+      </p:sp>
+      <p:sp>
+        <p:nvSpPr>
+          <p:cNvPr id="3" name="Content Placeholder 2"/>
+          <p:cNvSpPr>
+            <a:spLocks noGrp="1"/>
+          </p:cNvSpPr>
+          <p:nvPr>
+            <p:ph idx="1"/>
+          </p:nvPr>
+        </p:nvSpPr>
+        <p:spPr>
+          <a:xfrm>
+            <a:off x="1251678" y="2168015"/>
+            <a:ext cx="10178322" cy="3947650"/>
+          </a:xfrm>
+        </p:spPr>
+        <p:txBody>
+          <a:bodyPr>
+            <a:noAutofit/>
+          </a:bodyPr>
+          <a:lstStyle/>
+          <a:p>
+            <a:r>
+              <a:rPr lang="en-CA" sz="4400" dirty="0">
+                <a:solidFill>
+                  <a:srgbClr val="2A1A00"/>
+                </a:solidFill>
+              </a:rPr>
+              <a:t> Intersection control system</a:t>
+            </a:r>
+          </a:p>
+          <a:p>
+            <a:pPr lvl="1"/>
+            <a:r>
+              <a:rPr lang="en-CA" sz="4200" dirty="0">
+                <a:solidFill>
+                  <a:srgbClr val="2A1A00"/>
+                </a:solidFill>
+              </a:rPr>
+              <a:t> Decides which vehicle goes first</a:t>
+            </a:r>
+            <a:r>
+              <a:rPr lang="en-CA" sz="4400" dirty="0">
+                <a:solidFill>
+                  <a:srgbClr val="2A1A00"/>
+                </a:solidFill>
+              </a:rPr>
+              <a:t> </a:t>
+            </a:r>
+          </a:p>
+          <a:p>
+            <a:pPr lvl="1"/>
+            <a:r>
+              <a:rPr lang="en-CA" sz="4400" dirty="0">
+                <a:solidFill>
+                  <a:srgbClr val="2A1A00"/>
+                </a:solidFill>
+              </a:rPr>
+              <a:t> Eliminates need for general consensus</a:t>
+            </a:r>
+          </a:p>
+          <a:p>
+            <a:pPr lvl="1"/>
+            <a:r>
+              <a:rPr lang="en-CA" sz="4400" dirty="0">
+                <a:solidFill>
+                  <a:srgbClr val="2A1A00"/>
+                </a:solidFill>
+              </a:rPr>
+              <a:t> Communicates decision to vehicles</a:t>
+            </a:r>
+            <a:endParaRPr lang="en-US" sz="4400" dirty="0">
+              <a:solidFill>
+                <a:srgbClr val="2A1A00"/>
+              </a:solidFill>
+            </a:endParaRPr>
+          </a:p>
+        </p:txBody>
+      </p:sp>
+    </p:spTree>
+    <p:extLst>
+      <p:ext uri="{BB962C8B-B14F-4D97-AF65-F5344CB8AC3E}">
+        <p14:creationId xmlns:p14="http://schemas.microsoft.com/office/powerpoint/2010/main" val="1419696287"/>
+      </p:ext>
+    </p:extLst>
+  </p:cSld>
+  <p:clrMapOvr>
+    <a:masterClrMapping/>
+  </p:clrMapOvr>
+</p:sld>
+</file>
+
+<file path=ppt/slides/slide7.xml><?xml version="1.0" encoding="utf-8"?>
 <p:sld xmlns:a="http://schemas.openxmlformats.org/drawingml/2006/main" xmlns:r="http://schemas.openxmlformats.org/officeDocument/2006/relationships" xmlns:p="http://schemas.openxmlformats.org/presentationml/2006/main" showMasterSp="0">
   <p:cSld>
     <p:bg>
@@ -14082,7 +18417,7 @@
 </p:sld>
 </file>
 
-<file path=ppt/slides/slide6.xml><?xml version="1.0" encoding="utf-8"?>
+<file path=ppt/slides/slide8.xml><?xml version="1.0" encoding="utf-8"?>
 <p:sld xmlns:a="http://schemas.openxmlformats.org/drawingml/2006/main" xmlns:r="http://schemas.openxmlformats.org/officeDocument/2006/relationships" xmlns:p="http://schemas.openxmlformats.org/presentationml/2006/main">
   <p:cSld>
     <p:bg>
@@ -14129,7 +18464,7 @@
         </p:blipFill>
         <p:spPr>
           <a:xfrm>
-            <a:off x="5959730" y="1469428"/>
+            <a:off x="6341806" y="1502421"/>
             <a:ext cx="5511853" cy="3279552"/>
           </a:xfrm>
           <a:prstGeom prst="rect">
@@ -14149,8 +18484,38 @@
         </p:nvSpPr>
         <p:spPr>
           <a:xfrm>
-            <a:off x="1251677" y="645105"/>
-            <a:ext cx="4357499" cy="1320855"/>
+            <a:off x="1061177" y="649146"/>
+            <a:ext cx="7346223" cy="1320855"/>
+          </a:xfrm>
+        </p:spPr>
+        <p:txBody>
+          <a:bodyPr>
+            <a:noAutofit/>
+          </a:bodyPr>
+          <a:lstStyle/>
+          <a:p>
+            <a:r>
+              <a:rPr lang="en-CA" sz="7200" dirty="0"/>
+              <a:t>System Overview</a:t>
+            </a:r>
+            <a:endParaRPr lang="en-US" sz="7200" dirty="0"/>
+          </a:p>
+        </p:txBody>
+      </p:sp>
+      <p:sp>
+        <p:nvSpPr>
+          <p:cNvPr id="3" name="Content Placeholder 2"/>
+          <p:cNvSpPr>
+            <a:spLocks noGrp="1"/>
+          </p:cNvSpPr>
+          <p:nvPr>
+            <p:ph idx="1"/>
+          </p:nvPr>
+        </p:nvSpPr>
+        <p:spPr>
+          <a:xfrm>
+            <a:off x="1251677" y="2437582"/>
+            <a:ext cx="9740789" cy="3800167"/>
           </a:xfrm>
         </p:spPr>
         <p:txBody>
@@ -14160,58 +18525,45 @@
           <a:lstStyle/>
           <a:p>
             <a:r>
-              <a:rPr lang="en-CA" sz="4400"/>
-              <a:t>The System - IC and VC </a:t>
-            </a:r>
-            <a:endParaRPr lang="en-US" sz="4400"/>
-          </a:p>
-        </p:txBody>
-      </p:sp>
-      <p:sp>
-        <p:nvSpPr>
-          <p:cNvPr id="3" name="Content Placeholder 2"/>
-          <p:cNvSpPr>
-            <a:spLocks noGrp="1"/>
-          </p:cNvSpPr>
-          <p:nvPr>
-            <p:ph idx="1"/>
-          </p:nvPr>
-        </p:nvSpPr>
-        <p:spPr>
-          <a:xfrm>
-            <a:off x="1251678" y="2286001"/>
-            <a:ext cx="4363595" cy="3593591"/>
-          </a:xfrm>
-        </p:spPr>
-        <p:txBody>
-          <a:bodyPr>
-            <a:normAutofit/>
-          </a:bodyPr>
-          <a:lstStyle/>
-          <a:p>
-            <a:r>
-              <a:rPr lang="en-CA" dirty="0" smtClean="0">
+              <a:rPr lang="en-CA" sz="4200" dirty="0">
                 <a:solidFill>
                   <a:schemeClr val="tx1"/>
                 </a:solidFill>
               </a:rPr>
-              <a:t>IC – Intersection Controller</a:t>
-            </a:r>
-          </a:p>
-          <a:p>
-            <a:r>
-              <a:rPr lang="en-CA" dirty="0" smtClean="0">
+              <a:t> Intersection Controller </a:t>
+            </a:r>
+          </a:p>
+          <a:p>
+            <a:pPr lvl="1"/>
+            <a:r>
+              <a:rPr lang="en-CA" sz="4000" dirty="0">
                 <a:solidFill>
                   <a:schemeClr val="tx1"/>
                 </a:solidFill>
               </a:rPr>
-              <a:t>VC – Vehicle Controller </a:t>
-            </a:r>
-            <a:endParaRPr lang="en-CA" dirty="0">
-              <a:solidFill>
-                <a:schemeClr val="tx1"/>
-              </a:solidFill>
-            </a:endParaRPr>
+              <a:t> Manages traffic flow</a:t>
+            </a:r>
+          </a:p>
+          <a:p>
+            <a:r>
+              <a:rPr lang="en-CA" sz="4200" dirty="0">
+                <a:solidFill>
+                  <a:schemeClr val="tx1"/>
+                </a:solidFill>
+              </a:rPr>
+              <a:t> Vehicle Controller </a:t>
+            </a:r>
+          </a:p>
+          <a:p>
+            <a:pPr lvl="1"/>
+            <a:r>
+              <a:rPr lang="en-CA" sz="4000" dirty="0">
+                <a:solidFill>
+                  <a:schemeClr val="tx1"/>
+                </a:solidFill>
+              </a:rPr>
+              <a:t> Manages track and intersection navigation</a:t>
+            </a:r>
           </a:p>
         </p:txBody>
       </p:sp>
@@ -14219,240 +18571,6 @@
     <p:extLst>
       <p:ext uri="{BB962C8B-B14F-4D97-AF65-F5344CB8AC3E}">
         <p14:creationId xmlns:p14="http://schemas.microsoft.com/office/powerpoint/2010/main" val="1626411998"/>
-      </p:ext>
-    </p:extLst>
-  </p:cSld>
-  <p:clrMapOvr>
-    <a:masterClrMapping/>
-  </p:clrMapOvr>
-</p:sld>
-</file>
-
-<file path=ppt/slides/slide7.xml><?xml version="1.0" encoding="utf-8"?>
-<p:sld xmlns:a="http://schemas.openxmlformats.org/drawingml/2006/main" xmlns:r="http://schemas.openxmlformats.org/officeDocument/2006/relationships" xmlns:p="http://schemas.openxmlformats.org/presentationml/2006/main">
-  <p:cSld>
-    <p:spTree>
-      <p:nvGrpSpPr>
-        <p:cNvPr id="1" name=""/>
-        <p:cNvGrpSpPr/>
-        <p:nvPr/>
-      </p:nvGrpSpPr>
-      <p:grpSpPr>
-        <a:xfrm>
-          <a:off x="0" y="0"/>
-          <a:ext cx="0" cy="0"/>
-          <a:chOff x="0" y="0"/>
-          <a:chExt cx="0" cy="0"/>
-        </a:xfrm>
-      </p:grpSpPr>
-      <p:sp>
-        <p:nvSpPr>
-          <p:cNvPr id="2" name="Title 1"/>
-          <p:cNvSpPr>
-            <a:spLocks noGrp="1"/>
-          </p:cNvSpPr>
-          <p:nvPr>
-            <p:ph type="title"/>
-          </p:nvPr>
-        </p:nvSpPr>
-        <p:spPr>
-          <a:xfrm>
-            <a:off x="1465038" y="301105"/>
-            <a:ext cx="10178322" cy="1492132"/>
-          </a:xfrm>
-        </p:spPr>
-        <p:txBody>
-          <a:bodyPr/>
-          <a:lstStyle/>
-          <a:p>
-            <a:r>
-              <a:rPr lang="en-CA" dirty="0"/>
-              <a:t>Vehicle Controller</a:t>
-            </a:r>
-            <a:endParaRPr lang="en-US" dirty="0"/>
-          </a:p>
-        </p:txBody>
-      </p:sp>
-      <p:sp>
-        <p:nvSpPr>
-          <p:cNvPr id="3" name="Content Placeholder 2"/>
-          <p:cNvSpPr>
-            <a:spLocks noGrp="1"/>
-          </p:cNvSpPr>
-          <p:nvPr>
-            <p:ph idx="1"/>
-          </p:nvPr>
-        </p:nvSpPr>
-        <p:spPr>
-          <a:xfrm>
-            <a:off x="1271998" y="1259841"/>
-            <a:ext cx="10178322" cy="2296159"/>
-          </a:xfrm>
-        </p:spPr>
-        <p:txBody>
-          <a:bodyPr>
-            <a:normAutofit/>
-          </a:bodyPr>
-          <a:lstStyle/>
-          <a:p>
-            <a:pPr marL="0" indent="0">
-              <a:buNone/>
-            </a:pPr>
-            <a:r>
-              <a:rPr lang="en-US" b="1" dirty="0" smtClean="0"/>
-              <a:t>Four Main </a:t>
-            </a:r>
-            <a:r>
-              <a:rPr lang="en-US" b="1" dirty="0" smtClean="0"/>
-              <a:t>Components</a:t>
-            </a:r>
-          </a:p>
-          <a:p>
-            <a:pPr marL="0" indent="0">
-              <a:buNone/>
-            </a:pPr>
-            <a:endParaRPr lang="en-US" b="1" dirty="0" smtClean="0"/>
-          </a:p>
-          <a:p>
-            <a:pPr marL="342900" indent="-342900">
-              <a:buAutoNum type="arabicPeriod"/>
-            </a:pPr>
-            <a:r>
-              <a:rPr lang="en-US" sz="1800" b="1" dirty="0" smtClean="0"/>
-              <a:t>Vehicle Navigation</a:t>
-            </a:r>
-          </a:p>
-          <a:p>
-            <a:pPr marL="342900" indent="-342900">
-              <a:buAutoNum type="arabicPeriod"/>
-            </a:pPr>
-            <a:r>
-              <a:rPr lang="en-US" sz="1800" b="1" dirty="0" smtClean="0"/>
-              <a:t>Communication </a:t>
-            </a:r>
-            <a:endParaRPr lang="en-US" sz="1800" b="1" dirty="0" smtClean="0"/>
-          </a:p>
-        </p:txBody>
-      </p:sp>
-    </p:spTree>
-    <p:extLst>
-      <p:ext uri="{BB962C8B-B14F-4D97-AF65-F5344CB8AC3E}">
-        <p14:creationId xmlns:p14="http://schemas.microsoft.com/office/powerpoint/2010/main" val="3940846537"/>
-      </p:ext>
-    </p:extLst>
-  </p:cSld>
-  <p:clrMapOvr>
-    <a:masterClrMapping/>
-  </p:clrMapOvr>
-</p:sld>
-</file>
-
-<file path=ppt/slides/slide8.xml><?xml version="1.0" encoding="utf-8"?>
-<p:sld xmlns:a="http://schemas.openxmlformats.org/drawingml/2006/main" xmlns:r="http://schemas.openxmlformats.org/officeDocument/2006/relationships" xmlns:p="http://schemas.openxmlformats.org/presentationml/2006/main">
-  <p:cSld>
-    <p:spTree>
-      <p:nvGrpSpPr>
-        <p:cNvPr id="1" name=""/>
-        <p:cNvGrpSpPr/>
-        <p:nvPr/>
-      </p:nvGrpSpPr>
-      <p:grpSpPr>
-        <a:xfrm>
-          <a:off x="0" y="0"/>
-          <a:ext cx="0" cy="0"/>
-          <a:chOff x="0" y="0"/>
-          <a:chExt cx="0" cy="0"/>
-        </a:xfrm>
-      </p:grpSpPr>
-      <p:sp>
-        <p:nvSpPr>
-          <p:cNvPr id="2" name="Title 1"/>
-          <p:cNvSpPr>
-            <a:spLocks noGrp="1"/>
-          </p:cNvSpPr>
-          <p:nvPr>
-            <p:ph type="title"/>
-          </p:nvPr>
-        </p:nvSpPr>
-        <p:spPr/>
-        <p:txBody>
-          <a:bodyPr/>
-          <a:lstStyle/>
-          <a:p>
-            <a:r>
-              <a:rPr lang="en-CA" dirty="0"/>
-              <a:t>Vehicle </a:t>
-            </a:r>
-            <a:r>
-              <a:rPr lang="en-CA" dirty="0" smtClean="0"/>
-              <a:t>Controller</a:t>
-            </a:r>
-            <a:br>
-              <a:rPr lang="en-CA" dirty="0" smtClean="0"/>
-            </a:br>
-            <a:endParaRPr lang="en-CA" dirty="0"/>
-          </a:p>
-        </p:txBody>
-      </p:sp>
-      <p:sp>
-        <p:nvSpPr>
-          <p:cNvPr id="3" name="Content Placeholder 2"/>
-          <p:cNvSpPr>
-            <a:spLocks noGrp="1"/>
-          </p:cNvSpPr>
-          <p:nvPr>
-            <p:ph idx="1"/>
-          </p:nvPr>
-        </p:nvSpPr>
-        <p:spPr/>
-        <p:txBody>
-          <a:bodyPr/>
-          <a:lstStyle/>
-          <a:p>
-            <a:pPr marL="0" indent="0">
-              <a:buNone/>
-            </a:pPr>
-            <a:r>
-              <a:rPr lang="en-US" b="1" dirty="0" smtClean="0"/>
-              <a:t>3. Image </a:t>
-            </a:r>
-            <a:r>
-              <a:rPr lang="en-US" b="1" dirty="0"/>
-              <a:t>processing </a:t>
-            </a:r>
-            <a:endParaRPr lang="en-US" b="1" dirty="0" smtClean="0"/>
-          </a:p>
-          <a:p>
-            <a:pPr marL="0" indent="0">
-              <a:buNone/>
-            </a:pPr>
-            <a:r>
-              <a:rPr lang="en-US" b="1" dirty="0" smtClean="0"/>
-              <a:t>4. Hardware </a:t>
-            </a:r>
-            <a:r>
-              <a:rPr lang="en-US" b="1" dirty="0"/>
-              <a:t>Interfacing (servo, speed, ultrasonic sensor)</a:t>
-            </a:r>
-          </a:p>
-          <a:p>
-            <a:pPr marL="0" indent="0">
-              <a:buNone/>
-            </a:pPr>
-            <a:endParaRPr lang="en-US" b="1" dirty="0"/>
-          </a:p>
-          <a:p>
-            <a:pPr marL="0" indent="0">
-              <a:buNone/>
-            </a:pPr>
-            <a:endParaRPr lang="en-CA" dirty="0"/>
-          </a:p>
-        </p:txBody>
-      </p:sp>
-    </p:spTree>
-    <p:extLst>
-      <p:ext uri="{BB962C8B-B14F-4D97-AF65-F5344CB8AC3E}">
-        <p14:creationId xmlns:p14="http://schemas.microsoft.com/office/powerpoint/2010/main" val="1196771545"/>
       </p:ext>
     </p:extLst>
   </p:cSld>
@@ -14489,14 +18607,19 @@
             <p:ph type="title"/>
           </p:nvPr>
         </p:nvSpPr>
-        <p:spPr/>
+        <p:spPr>
+          <a:xfrm>
+            <a:off x="1465038" y="301105"/>
+            <a:ext cx="10178322" cy="1492132"/>
+          </a:xfrm>
+        </p:spPr>
         <p:txBody>
           <a:bodyPr/>
           <a:lstStyle/>
           <a:p>
             <a:r>
               <a:rPr lang="en-CA" dirty="0"/>
-              <a:t>Video of car driving</a:t>
+              <a:t>Vehicle Controller</a:t>
             </a:r>
             <a:endParaRPr lang="en-US" dirty="0"/>
           </a:p>
@@ -14512,19 +18635,56 @@
             <p:ph idx="1"/>
           </p:nvPr>
         </p:nvSpPr>
-        <p:spPr/>
+        <p:spPr>
+          <a:xfrm>
+            <a:off x="1271998" y="1259841"/>
+            <a:ext cx="10178322" cy="2296159"/>
+          </a:xfrm>
+        </p:spPr>
         <p:txBody>
-          <a:bodyPr/>
+          <a:bodyPr>
+            <a:normAutofit/>
+          </a:bodyPr>
           <a:lstStyle/>
           <a:p>
-            <a:endParaRPr lang="en-US"/>
+            <a:pPr marL="0" indent="0">
+              <a:buNone/>
+            </a:pPr>
+            <a:r>
+              <a:rPr lang="en-US" b="1" dirty="0"/>
+              <a:t>Four Main Components</a:t>
+            </a:r>
+          </a:p>
+          <a:p>
+            <a:pPr marL="0" indent="0">
+              <a:buNone/>
+            </a:pPr>
+            <a:endParaRPr lang="en-US" b="1" dirty="0"/>
+          </a:p>
+          <a:p>
+            <a:pPr marL="342900" indent="-342900">
+              <a:buAutoNum type="arabicPeriod"/>
+            </a:pPr>
+            <a:r>
+              <a:rPr lang="en-US" sz="1800" b="1" dirty="0"/>
+              <a:t>Vehicle Navigation</a:t>
+            </a:r>
+          </a:p>
+          <a:p>
+            <a:pPr marL="342900" indent="-342900">
+              <a:buAutoNum type="arabicPeriod"/>
+            </a:pPr>
+            <a:r>
+              <a:rPr lang="en-US" sz="1800" b="1" dirty="0"/>
+              <a:t>Communication </a:t>
+            </a:r>
           </a:p>
         </p:txBody>
       </p:sp>
     </p:spTree>
     <p:extLst>
       <p:ext uri="{BB962C8B-B14F-4D97-AF65-F5344CB8AC3E}">
-        <p14:creationId xmlns:p14="http://schemas.microsoft.com/office/powerpoint/2010/main" val="1157409652"/>
+        <p14:creationId xmlns:p14="http://schemas.microsoft.com/office/powerpoint/2010/main" val="3940846537"/>
       </p:ext>
     </p:extLst>
   </p:cSld>

--- a/Presentation/Vehicle-Intersection-Control-Presentation.pptx
+++ b/Presentation/Vehicle-Intersection-Control-Presentation.pptx
@@ -9,21 +9,21 @@
   </p:notesMasterIdLst>
   <p:sldIdLst>
     <p:sldId id="279" r:id="rId2"/>
-    <p:sldId id="296" r:id="rId3"/>
-    <p:sldId id="309" r:id="rId4"/>
-    <p:sldId id="308" r:id="rId5"/>
-    <p:sldId id="300" r:id="rId6"/>
-    <p:sldId id="310" r:id="rId7"/>
-    <p:sldId id="292" r:id="rId8"/>
-    <p:sldId id="297" r:id="rId9"/>
-    <p:sldId id="299" r:id="rId10"/>
-    <p:sldId id="306" r:id="rId11"/>
-    <p:sldId id="302" r:id="rId12"/>
-    <p:sldId id="301" r:id="rId13"/>
-    <p:sldId id="303" r:id="rId14"/>
+    <p:sldId id="309" r:id="rId3"/>
+    <p:sldId id="300" r:id="rId4"/>
+    <p:sldId id="310" r:id="rId5"/>
+    <p:sldId id="292" r:id="rId6"/>
+    <p:sldId id="301" r:id="rId7"/>
+    <p:sldId id="303" r:id="rId8"/>
+    <p:sldId id="315" r:id="rId9"/>
+    <p:sldId id="311" r:id="rId10"/>
+    <p:sldId id="313" r:id="rId11"/>
+    <p:sldId id="312" r:id="rId12"/>
+    <p:sldId id="299" r:id="rId13"/>
+    <p:sldId id="302" r:id="rId14"/>
     <p:sldId id="304" r:id="rId15"/>
-    <p:sldId id="307" r:id="rId16"/>
-    <p:sldId id="305" r:id="rId17"/>
+    <p:sldId id="305" r:id="rId16"/>
+    <p:sldId id="316" r:id="rId17"/>
     <p:sldId id="282" r:id="rId18"/>
   </p:sldIdLst>
   <p:sldSz cx="12192000" cy="6858000"/>
@@ -585,7 +585,7 @@
           <a:p>
             <a:fld id="{9FDAE4FC-73CE-4995-A7FF-7ADA8F1DA8FB}" type="slidenum">
               <a:rPr lang="en-US" smtClean="0"/>
-              <a:t>5</a:t>
+              <a:t>3</a:t>
             </a:fld>
             <a:endParaRPr lang="en-US"/>
           </a:p>
@@ -649,9 +649,10 @@
           <a:lstStyle/>
           <a:p>
             <a:r>
-              <a:rPr lang="en-US" dirty="0"/>
-              <a:t>Radhika</a:t>
+              <a:rPr lang="en-CA" dirty="0" smtClean="0"/>
+              <a:t>Justin</a:t>
             </a:r>
+            <a:endParaRPr lang="en-CA" dirty="0"/>
           </a:p>
         </p:txBody>
       </p:sp>
@@ -672,16 +673,16 @@
           <a:p>
             <a:fld id="{9FDAE4FC-73CE-4995-A7FF-7ADA8F1DA8FB}" type="slidenum">
               <a:rPr lang="en-US" smtClean="0"/>
-              <a:t>14</a:t>
+              <a:t>12</a:t>
             </a:fld>
-            <a:endParaRPr lang="en-US"/>
+            <a:endParaRPr lang="en-US" dirty="0"/>
           </a:p>
         </p:txBody>
       </p:sp>
     </p:spTree>
     <p:extLst>
       <p:ext uri="{BB962C8B-B14F-4D97-AF65-F5344CB8AC3E}">
-        <p14:creationId xmlns:p14="http://schemas.microsoft.com/office/powerpoint/2010/main" val="1964087912"/>
+        <p14:creationId xmlns:p14="http://schemas.microsoft.com/office/powerpoint/2010/main" val="894387723"/>
       </p:ext>
     </p:extLst>
   </p:cSld>
@@ -736,9 +737,10 @@
           <a:lstStyle/>
           <a:p>
             <a:r>
-              <a:rPr lang="en-US" dirty="0"/>
+              <a:rPr lang="en-US" dirty="0" smtClean="0"/>
               <a:t>Justin</a:t>
             </a:r>
+            <a:endParaRPr lang="en-US" dirty="0"/>
           </a:p>
         </p:txBody>
       </p:sp>
@@ -759,16 +761,16 @@
           <a:p>
             <a:fld id="{9FDAE4FC-73CE-4995-A7FF-7ADA8F1DA8FB}" type="slidenum">
               <a:rPr lang="en-US" smtClean="0"/>
-              <a:t>15</a:t>
+              <a:t>13</a:t>
             </a:fld>
-            <a:endParaRPr lang="en-US"/>
+            <a:endParaRPr lang="en-US" dirty="0"/>
           </a:p>
         </p:txBody>
       </p:sp>
     </p:spTree>
     <p:extLst>
       <p:ext uri="{BB962C8B-B14F-4D97-AF65-F5344CB8AC3E}">
-        <p14:creationId xmlns:p14="http://schemas.microsoft.com/office/powerpoint/2010/main" val="1547747992"/>
+        <p14:creationId xmlns:p14="http://schemas.microsoft.com/office/powerpoint/2010/main" val="2703337078"/>
       </p:ext>
     </p:extLst>
   </p:cSld>
@@ -824,7 +826,7 @@
           <a:p>
             <a:r>
               <a:rPr lang="en-US" dirty="0"/>
-              <a:t>Radhika </a:t>
+              <a:t>Radhika</a:t>
             </a:r>
           </a:p>
         </p:txBody>
@@ -846,7 +848,94 @@
           <a:p>
             <a:fld id="{9FDAE4FC-73CE-4995-A7FF-7ADA8F1DA8FB}" type="slidenum">
               <a:rPr lang="en-US" smtClean="0"/>
-              <a:t>16</a:t>
+              <a:t>14</a:t>
+            </a:fld>
+            <a:endParaRPr lang="en-US"/>
+          </a:p>
+        </p:txBody>
+      </p:sp>
+    </p:spTree>
+    <p:extLst>
+      <p:ext uri="{BB962C8B-B14F-4D97-AF65-F5344CB8AC3E}">
+        <p14:creationId xmlns:p14="http://schemas.microsoft.com/office/powerpoint/2010/main" val="1964087912"/>
+      </p:ext>
+    </p:extLst>
+  </p:cSld>
+  <p:clrMapOvr>
+    <a:masterClrMapping/>
+  </p:clrMapOvr>
+</p:notes>
+</file>
+
+<file path=ppt/notesSlides/notesSlide13.xml><?xml version="1.0" encoding="utf-8"?>
+<p:notes xmlns:a="http://schemas.openxmlformats.org/drawingml/2006/main" xmlns:r="http://schemas.openxmlformats.org/officeDocument/2006/relationships" xmlns:p="http://schemas.openxmlformats.org/presentationml/2006/main">
+  <p:cSld>
+    <p:spTree>
+      <p:nvGrpSpPr>
+        <p:cNvPr id="1" name=""/>
+        <p:cNvGrpSpPr/>
+        <p:nvPr/>
+      </p:nvGrpSpPr>
+      <p:grpSpPr>
+        <a:xfrm>
+          <a:off x="0" y="0"/>
+          <a:ext cx="0" cy="0"/>
+          <a:chOff x="0" y="0"/>
+          <a:chExt cx="0" cy="0"/>
+        </a:xfrm>
+      </p:grpSpPr>
+      <p:sp>
+        <p:nvSpPr>
+          <p:cNvPr id="2" name="Slide Image Placeholder 1"/>
+          <p:cNvSpPr>
+            <a:spLocks noGrp="1" noRot="1" noChangeAspect="1"/>
+          </p:cNvSpPr>
+          <p:nvPr>
+            <p:ph type="sldImg"/>
+          </p:nvPr>
+        </p:nvSpPr>
+        <p:spPr/>
+      </p:sp>
+      <p:sp>
+        <p:nvSpPr>
+          <p:cNvPr id="3" name="Notes Placeholder 2"/>
+          <p:cNvSpPr>
+            <a:spLocks noGrp="1"/>
+          </p:cNvSpPr>
+          <p:nvPr>
+            <p:ph type="body" idx="1"/>
+          </p:nvPr>
+        </p:nvSpPr>
+        <p:spPr/>
+        <p:txBody>
+          <a:bodyPr/>
+          <a:lstStyle/>
+          <a:p>
+            <a:r>
+              <a:rPr lang="en-US" dirty="0"/>
+              <a:t>Radhika </a:t>
+            </a:r>
+          </a:p>
+        </p:txBody>
+      </p:sp>
+      <p:sp>
+        <p:nvSpPr>
+          <p:cNvPr id="4" name="Slide Number Placeholder 3"/>
+          <p:cNvSpPr>
+            <a:spLocks noGrp="1"/>
+          </p:cNvSpPr>
+          <p:nvPr>
+            <p:ph type="sldNum" sz="quarter" idx="10"/>
+          </p:nvPr>
+        </p:nvSpPr>
+        <p:spPr/>
+        <p:txBody>
+          <a:bodyPr/>
+          <a:lstStyle/>
+          <a:p>
+            <a:fld id="{9FDAE4FC-73CE-4995-A7FF-7ADA8F1DA8FB}" type="slidenum">
+              <a:rPr lang="en-US" smtClean="0"/>
+              <a:t>15</a:t>
             </a:fld>
             <a:endParaRPr lang="en-US"/>
           </a:p>
@@ -865,7 +954,7 @@
 </p:notes>
 </file>
 
-<file path=ppt/notesSlides/notesSlide13.xml><?xml version="1.0" encoding="utf-8"?>
+<file path=ppt/notesSlides/notesSlide14.xml><?xml version="1.0" encoding="utf-8"?>
 <p:notes xmlns:a="http://schemas.openxmlformats.org/drawingml/2006/main" xmlns:r="http://schemas.openxmlformats.org/officeDocument/2006/relationships" xmlns:p="http://schemas.openxmlformats.org/presentationml/2006/main">
   <p:cSld>
     <p:spTree>
@@ -1066,6 +1155,76 @@
             <a:endParaRPr lang="en-US" baseline="0" dirty="0"/>
           </a:p>
           <a:p>
+            <a:endParaRPr lang="en-US" dirty="0" smtClean="0"/>
+          </a:p>
+          <a:p>
+            <a:endParaRPr lang="en-US" dirty="0" smtClean="0"/>
+          </a:p>
+          <a:p>
+            <a:r>
+              <a:rPr lang="en-US" dirty="0" smtClean="0"/>
+              <a:t>Zach</a:t>
+            </a:r>
+          </a:p>
+          <a:p>
+            <a:pPr marL="171450" indent="-171450">
+              <a:buFontTx/>
+              <a:buChar char="-"/>
+            </a:pPr>
+            <a:r>
+              <a:rPr lang="en-CA" dirty="0" smtClean="0"/>
+              <a:t>Animation</a:t>
+            </a:r>
+            <a:r>
+              <a:rPr lang="en-CA" baseline="0" dirty="0" smtClean="0"/>
+              <a:t> shows that there is two parts too the system</a:t>
+            </a:r>
+            <a:r>
+              <a:rPr lang="en-US" baseline="0" dirty="0" smtClean="0"/>
+              <a:t> (Intersection component and vehicle component)</a:t>
+            </a:r>
+          </a:p>
+          <a:p>
+            <a:pPr marL="171450" indent="-171450">
+              <a:buFontTx/>
+              <a:buChar char="-"/>
+            </a:pPr>
+            <a:r>
+              <a:rPr lang="en-CA" baseline="0" dirty="0" smtClean="0"/>
+              <a:t>The intersection controller is responsible for managing traffic flow and monitoring the intersection</a:t>
+            </a:r>
+          </a:p>
+          <a:p>
+            <a:pPr marL="171450" indent="-171450">
+              <a:buFontTx/>
+              <a:buChar char="-"/>
+            </a:pPr>
+            <a:r>
+              <a:rPr lang="en-CA" baseline="0" dirty="0" smtClean="0"/>
+              <a:t>This communicates with the vehicle controller</a:t>
+            </a:r>
+          </a:p>
+          <a:p>
+            <a:pPr marL="628650" lvl="1" indent="-171450">
+              <a:buFontTx/>
+              <a:buChar char="-"/>
+            </a:pPr>
+            <a:r>
+              <a:rPr lang="en-CA" baseline="0" dirty="0" smtClean="0"/>
+              <a:t>Vehicle controller sends requests and intersection controller sends back over Bluetooth communication </a:t>
+            </a:r>
+          </a:p>
+          <a:p>
+            <a:pPr marL="171450" lvl="0" indent="-171450">
+              <a:buFontTx/>
+              <a:buChar char="-"/>
+            </a:pPr>
+            <a:r>
+              <a:rPr lang="en-CA" baseline="0" dirty="0" smtClean="0"/>
+              <a:t>Vehicle controller is also for managing and navigating the vehicle on the track </a:t>
+            </a:r>
+          </a:p>
+          <a:p>
             <a:endParaRPr lang="en-US" dirty="0"/>
           </a:p>
         </p:txBody>
@@ -1087,7 +1246,7 @@
           <a:p>
             <a:fld id="{9FDAE4FC-73CE-4995-A7FF-7ADA8F1DA8FB}" type="slidenum">
               <a:rPr lang="en-US" smtClean="0"/>
-              <a:t>6</a:t>
+              <a:t>4</a:t>
             </a:fld>
             <a:endParaRPr lang="en-US"/>
           </a:p>
@@ -1174,7 +1333,7 @@
           <a:p>
             <a:fld id="{9FDAE4FC-73CE-4995-A7FF-7ADA8F1DA8FB}" type="slidenum">
               <a:rPr lang="en-US" smtClean="0"/>
-              <a:t>7</a:t>
+              <a:t>5</a:t>
             </a:fld>
             <a:endParaRPr lang="en-US"/>
           </a:p>
@@ -1239,71 +1398,8 @@
           <a:p>
             <a:r>
               <a:rPr lang="en-US" dirty="0"/>
-              <a:t>Zach</a:t>
+              <a:t>Radhika</a:t>
             </a:r>
-          </a:p>
-          <a:p>
-            <a:pPr marL="171450" indent="-171450">
-              <a:buFontTx/>
-              <a:buChar char="-"/>
-            </a:pPr>
-            <a:r>
-              <a:rPr lang="en-CA" dirty="0"/>
-              <a:t>Animation</a:t>
-            </a:r>
-            <a:r>
-              <a:rPr lang="en-CA" baseline="0" dirty="0"/>
-              <a:t> shows that there is two parts too the system</a:t>
-            </a:r>
-            <a:r>
-              <a:rPr lang="en-US" baseline="0" dirty="0"/>
-              <a:t> (Intersection component and vehicle component)</a:t>
-            </a:r>
-          </a:p>
-          <a:p>
-            <a:pPr marL="171450" indent="-171450">
-              <a:buFontTx/>
-              <a:buChar char="-"/>
-            </a:pPr>
-            <a:r>
-              <a:rPr lang="en-CA" baseline="0" dirty="0"/>
-              <a:t>The intersection controller is responsible for managing traffic flow and monitoring the intersection</a:t>
-            </a:r>
-          </a:p>
-          <a:p>
-            <a:pPr marL="171450" indent="-171450">
-              <a:buFontTx/>
-              <a:buChar char="-"/>
-            </a:pPr>
-            <a:r>
-              <a:rPr lang="en-CA" baseline="0" dirty="0"/>
-              <a:t>This communicates with the vehicle controller</a:t>
-            </a:r>
-          </a:p>
-          <a:p>
-            <a:pPr marL="628650" lvl="1" indent="-171450">
-              <a:buFontTx/>
-              <a:buChar char="-"/>
-            </a:pPr>
-            <a:r>
-              <a:rPr lang="en-CA" baseline="0" dirty="0"/>
-              <a:t>Vehicle controller sends requests and intersection controller sends back over Bluetooth communication </a:t>
-            </a:r>
-          </a:p>
-          <a:p>
-            <a:pPr marL="171450" lvl="0" indent="-171450">
-              <a:buFontTx/>
-              <a:buChar char="-"/>
-            </a:pPr>
-            <a:r>
-              <a:rPr lang="en-CA" baseline="0" dirty="0"/>
-              <a:t>Vehicle controller is also for managing and navigating the vehicle on </a:t>
-            </a:r>
-            <a:r>
-              <a:rPr lang="en-CA" baseline="0"/>
-              <a:t>the track </a:t>
-            </a:r>
-            <a:endParaRPr lang="en-CA" baseline="0" dirty="0"/>
           </a:p>
         </p:txBody>
       </p:sp>
@@ -1324,16 +1420,16 @@
           <a:p>
             <a:fld id="{9FDAE4FC-73CE-4995-A7FF-7ADA8F1DA8FB}" type="slidenum">
               <a:rPr lang="en-US" smtClean="0"/>
-              <a:t>8</a:t>
+              <a:t>6</a:t>
             </a:fld>
-            <a:endParaRPr lang="en-US"/>
+            <a:endParaRPr lang="en-US" dirty="0"/>
           </a:p>
         </p:txBody>
       </p:sp>
     </p:spTree>
     <p:extLst>
       <p:ext uri="{BB962C8B-B14F-4D97-AF65-F5344CB8AC3E}">
-        <p14:creationId xmlns:p14="http://schemas.microsoft.com/office/powerpoint/2010/main" val="192350919"/>
+        <p14:creationId xmlns:p14="http://schemas.microsoft.com/office/powerpoint/2010/main" val="4118394120"/>
       </p:ext>
     </p:extLst>
   </p:cSld>
@@ -1388,12 +1484,9 @@
           <a:lstStyle/>
           <a:p>
             <a:r>
-              <a:rPr lang="en-CA" dirty="0"/>
-              <a:t>Alex</a:t>
+              <a:rPr lang="en-US" dirty="0"/>
+              <a:t>Radhika</a:t>
             </a:r>
-          </a:p>
-          <a:p>
-            <a:endParaRPr lang="en-CA" dirty="0"/>
           </a:p>
         </p:txBody>
       </p:sp>
@@ -1414,16 +1507,16 @@
           <a:p>
             <a:fld id="{9FDAE4FC-73CE-4995-A7FF-7ADA8F1DA8FB}" type="slidenum">
               <a:rPr lang="en-US" smtClean="0"/>
-              <a:t>9</a:t>
+              <a:t>7</a:t>
             </a:fld>
-            <a:endParaRPr lang="en-US"/>
+            <a:endParaRPr lang="en-US" dirty="0"/>
           </a:p>
         </p:txBody>
       </p:sp>
     </p:spTree>
     <p:extLst>
       <p:ext uri="{BB962C8B-B14F-4D97-AF65-F5344CB8AC3E}">
-        <p14:creationId xmlns:p14="http://schemas.microsoft.com/office/powerpoint/2010/main" val="894387723"/>
+        <p14:creationId xmlns:p14="http://schemas.microsoft.com/office/powerpoint/2010/main" val="365591214"/>
       </p:ext>
     </p:extLst>
   </p:cSld>
@@ -1478,9 +1571,10 @@
           <a:lstStyle/>
           <a:p>
             <a:r>
-              <a:rPr lang="en-US" dirty="0"/>
-              <a:t>Justin</a:t>
+              <a:rPr lang="en-CA" dirty="0" smtClean="0"/>
+              <a:t>Alex</a:t>
             </a:r>
+            <a:endParaRPr lang="en-CA" dirty="0"/>
           </a:p>
         </p:txBody>
       </p:sp>
@@ -1501,7 +1595,7 @@
           <a:p>
             <a:fld id="{9FDAE4FC-73CE-4995-A7FF-7ADA8F1DA8FB}" type="slidenum">
               <a:rPr lang="en-US" smtClean="0"/>
-              <a:t>10</a:t>
+              <a:t>8</a:t>
             </a:fld>
             <a:endParaRPr lang="en-US"/>
           </a:p>
@@ -1510,7 +1604,7 @@
     </p:spTree>
     <p:extLst>
       <p:ext uri="{BB962C8B-B14F-4D97-AF65-F5344CB8AC3E}">
-        <p14:creationId xmlns:p14="http://schemas.microsoft.com/office/powerpoint/2010/main" val="1092220228"/>
+        <p14:creationId xmlns:p14="http://schemas.microsoft.com/office/powerpoint/2010/main" val="2214125718"/>
       </p:ext>
     </p:extLst>
   </p:cSld>
@@ -1565,9 +1659,12 @@
           <a:lstStyle/>
           <a:p>
             <a:r>
-              <a:rPr lang="en-US" dirty="0"/>
+              <a:rPr lang="en-CA" dirty="0" smtClean="0"/>
               <a:t>Alex</a:t>
             </a:r>
+          </a:p>
+          <a:p>
+            <a:endParaRPr lang="en-CA" dirty="0"/>
           </a:p>
         </p:txBody>
       </p:sp>
@@ -1588,7 +1685,7 @@
           <a:p>
             <a:fld id="{9FDAE4FC-73CE-4995-A7FF-7ADA8F1DA8FB}" type="slidenum">
               <a:rPr lang="en-US" smtClean="0"/>
-              <a:t>11</a:t>
+              <a:t>9</a:t>
             </a:fld>
             <a:endParaRPr lang="en-US"/>
           </a:p>
@@ -1597,7 +1694,7 @@
     </p:spTree>
     <p:extLst>
       <p:ext uri="{BB962C8B-B14F-4D97-AF65-F5344CB8AC3E}">
-        <p14:creationId xmlns:p14="http://schemas.microsoft.com/office/powerpoint/2010/main" val="2703337078"/>
+        <p14:creationId xmlns:p14="http://schemas.microsoft.com/office/powerpoint/2010/main" val="1384290344"/>
       </p:ext>
     </p:extLst>
   </p:cSld>
@@ -1652,9 +1749,10 @@
           <a:lstStyle/>
           <a:p>
             <a:r>
-              <a:rPr lang="en-US" dirty="0"/>
-              <a:t>Radhika</a:t>
+              <a:rPr lang="en-CA" dirty="0" smtClean="0"/>
+              <a:t>Justin</a:t>
             </a:r>
+            <a:endParaRPr lang="en-CA" dirty="0"/>
           </a:p>
         </p:txBody>
       </p:sp>
@@ -1675,7 +1773,7 @@
           <a:p>
             <a:fld id="{9FDAE4FC-73CE-4995-A7FF-7ADA8F1DA8FB}" type="slidenum">
               <a:rPr lang="en-US" smtClean="0"/>
-              <a:t>12</a:t>
+              <a:t>10</a:t>
             </a:fld>
             <a:endParaRPr lang="en-US"/>
           </a:p>
@@ -1684,7 +1782,7 @@
     </p:spTree>
     <p:extLst>
       <p:ext uri="{BB962C8B-B14F-4D97-AF65-F5344CB8AC3E}">
-        <p14:creationId xmlns:p14="http://schemas.microsoft.com/office/powerpoint/2010/main" val="4118394120"/>
+        <p14:creationId xmlns:p14="http://schemas.microsoft.com/office/powerpoint/2010/main" val="3763195157"/>
       </p:ext>
     </p:extLst>
   </p:cSld>
@@ -1739,9 +1837,10 @@
           <a:lstStyle/>
           <a:p>
             <a:r>
-              <a:rPr lang="en-US" dirty="0"/>
-              <a:t>Radhika</a:t>
+              <a:rPr lang="en-CA" dirty="0" smtClean="0"/>
+              <a:t>Justin</a:t>
             </a:r>
+            <a:endParaRPr lang="en-CA" dirty="0"/>
           </a:p>
         </p:txBody>
       </p:sp>
@@ -1762,7 +1861,7 @@
           <a:p>
             <a:fld id="{9FDAE4FC-73CE-4995-A7FF-7ADA8F1DA8FB}" type="slidenum">
               <a:rPr lang="en-US" smtClean="0"/>
-              <a:t>13</a:t>
+              <a:t>11</a:t>
             </a:fld>
             <a:endParaRPr lang="en-US"/>
           </a:p>
@@ -1771,7 +1870,7 @@
     </p:spTree>
     <p:extLst>
       <p:ext uri="{BB962C8B-B14F-4D97-AF65-F5344CB8AC3E}">
-        <p14:creationId xmlns:p14="http://schemas.microsoft.com/office/powerpoint/2010/main" val="365591214"/>
+        <p14:creationId xmlns:p14="http://schemas.microsoft.com/office/powerpoint/2010/main" val="3445560544"/>
       </p:ext>
     </p:extLst>
   </p:cSld>
@@ -8502,7 +8601,7 @@
           <p:nvPr>
             <p:extLst>
               <p:ext uri="{386F3935-93C4-4BCD-93E2-E3B085C9AB24}">
-                <p16:designElem xmlns:p16="http://schemas.microsoft.com/office/powerpoint/2015/main" val="1"/>
+                <p16:designElem xmlns:p16="http://schemas.microsoft.com/office/powerpoint/2015/main" xmlns="" val="1"/>
               </p:ext>
             </p:extLst>
           </p:nvPr>
@@ -8652,7 +8751,7 @@
           <p:nvPr>
             <p:extLst>
               <p:ext uri="{386F3935-93C4-4BCD-93E2-E3B085C9AB24}">
-                <p16:designElem xmlns:p16="http://schemas.microsoft.com/office/powerpoint/2015/main" val="1"/>
+                <p16:designElem xmlns:p16="http://schemas.microsoft.com/office/powerpoint/2015/main" xmlns="" val="1"/>
               </p:ext>
             </p:extLst>
           </p:nvPr>
@@ -9124,7 +9223,7 @@
           <p:nvPr>
             <p:extLst>
               <p:ext uri="{386F3935-93C4-4BCD-93E2-E3B085C9AB24}">
-                <p16:designElem xmlns:p16="http://schemas.microsoft.com/office/powerpoint/2015/main" val="1"/>
+                <p16:designElem xmlns:p16="http://schemas.microsoft.com/office/powerpoint/2015/main" xmlns="" val="1"/>
               </p:ext>
             </p:extLst>
           </p:nvPr>
@@ -10222,6 +10321,13 @@
   <p:clrMapOvr>
     <a:masterClrMapping/>
   </p:clrMapOvr>
+  <p:timing>
+    <p:tnLst>
+      <p:par>
+        <p:cTn id="1" dur="indefinite" restart="never" nodeType="tmRoot"/>
+      </p:par>
+    </p:tnLst>
+  </p:timing>
 </p:sld>
 </file>
 
@@ -10258,11 +10364,15 @@
           <a:lstStyle/>
           <a:p>
             <a:r>
-              <a:rPr lang="en-CA" dirty="0"/>
-              <a:t>Vehicle Controller</a:t>
+              <a:rPr lang="en-US" b="1" dirty="0" smtClean="0"/>
+              <a:t> VC - Image processing</a:t>
+            </a:r>
+            <a:r>
+              <a:rPr lang="en-US" b="1" dirty="0"/>
+              <a:t/>
             </a:r>
             <a:br>
-              <a:rPr lang="en-CA" dirty="0"/>
+              <a:rPr lang="en-US" b="1" dirty="0"/>
             </a:br>
             <a:endParaRPr lang="en-CA" dirty="0"/>
           </a:p>
@@ -10283,33 +10393,10 @@
           <a:bodyPr/>
           <a:lstStyle/>
           <a:p>
-            <a:pPr marL="0" indent="0">
-              <a:buNone/>
-            </a:pPr>
             <a:r>
-              <a:rPr lang="en-US" b="1" dirty="0"/>
-              <a:t>3. Image processing </a:t>
+              <a:rPr lang="en-CA" dirty="0" smtClean="0"/>
+              <a:t>TODO</a:t>
             </a:r>
-          </a:p>
-          <a:p>
-            <a:pPr marL="0" indent="0">
-              <a:buNone/>
-            </a:pPr>
-            <a:r>
-              <a:rPr lang="en-US" b="1" dirty="0"/>
-              <a:t>4. Hardware Interfacing (servo, speed, ultrasonic sensor)</a:t>
-            </a:r>
-          </a:p>
-          <a:p>
-            <a:pPr marL="0" indent="0">
-              <a:buNone/>
-            </a:pPr>
-            <a:endParaRPr lang="en-US" b="1" dirty="0"/>
-          </a:p>
-          <a:p>
-            <a:pPr marL="0" indent="0">
-              <a:buNone/>
-            </a:pPr>
             <a:endParaRPr lang="en-CA" dirty="0"/>
           </a:p>
         </p:txBody>
@@ -10317,7 +10404,7 @@
     </p:spTree>
     <p:extLst>
       <p:ext uri="{BB962C8B-B14F-4D97-AF65-F5344CB8AC3E}">
-        <p14:creationId xmlns:p14="http://schemas.microsoft.com/office/powerpoint/2010/main" val="1196771545"/>
+        <p14:creationId xmlns:p14="http://schemas.microsoft.com/office/powerpoint/2010/main" val="2985287176"/>
       </p:ext>
     </p:extLst>
   </p:cSld>
@@ -10356,14 +10443,23 @@
         </p:nvSpPr>
         <p:spPr/>
         <p:txBody>
-          <a:bodyPr/>
+          <a:bodyPr>
+            <a:noAutofit/>
+          </a:bodyPr>
           <a:lstStyle/>
           <a:p>
             <a:r>
-              <a:rPr lang="en-CA" dirty="0"/>
-              <a:t>Video of car driving</a:t>
+              <a:rPr lang="en-US" b="1" dirty="0" smtClean="0"/>
+              <a:t>VC - Hardware </a:t>
             </a:r>
-            <a:endParaRPr lang="en-US" dirty="0"/>
+            <a:r>
+              <a:rPr lang="en-US" b="1" dirty="0"/>
+              <a:t>Interfacing </a:t>
+            </a:r>
+            <a:br>
+              <a:rPr lang="en-US" b="1" dirty="0"/>
+            </a:br>
+            <a:endParaRPr lang="en-CA" dirty="0"/>
           </a:p>
         </p:txBody>
       </p:sp>
@@ -10377,19 +10473,231 @@
             <p:ph idx="1"/>
           </p:nvPr>
         </p:nvSpPr>
-        <p:spPr/>
+        <p:spPr>
+          <a:xfrm>
+            <a:off x="1251678" y="1755423"/>
+            <a:ext cx="10178322" cy="3593591"/>
+          </a:xfrm>
+        </p:spPr>
         <p:txBody>
-          <a:bodyPr/>
+          <a:bodyPr>
+            <a:normAutofit/>
+          </a:bodyPr>
           <a:lstStyle/>
           <a:p>
-            <a:endParaRPr lang="en-US"/>
+            <a:r>
+              <a:rPr lang="en-CA" sz="2800" dirty="0" smtClean="0">
+                <a:solidFill>
+                  <a:schemeClr val="tx1"/>
+                </a:solidFill>
+              </a:rPr>
+              <a:t>Raspberry Pi 3</a:t>
+            </a:r>
+          </a:p>
+          <a:p>
+            <a:r>
+              <a:rPr lang="en-CA" sz="2800" dirty="0" smtClean="0">
+                <a:solidFill>
+                  <a:schemeClr val="tx1"/>
+                </a:solidFill>
+              </a:rPr>
+              <a:t>Servo </a:t>
+            </a:r>
+          </a:p>
+          <a:p>
+            <a:r>
+              <a:rPr lang="en-CA" sz="2800" dirty="0" smtClean="0">
+                <a:solidFill>
+                  <a:schemeClr val="tx1"/>
+                </a:solidFill>
+              </a:rPr>
+              <a:t>Speed Controller</a:t>
+            </a:r>
+          </a:p>
+          <a:p>
+            <a:r>
+              <a:rPr lang="en-CA" sz="2800" dirty="0" smtClean="0">
+                <a:solidFill>
+                  <a:schemeClr val="tx1"/>
+                </a:solidFill>
+              </a:rPr>
+              <a:t>Ultrasonic Sensor (HC-SR04)</a:t>
+            </a:r>
           </a:p>
         </p:txBody>
       </p:sp>
+      <p:sp>
+        <p:nvSpPr>
+          <p:cNvPr id="9" name="Rounded Rectangle 8"/>
+          <p:cNvSpPr/>
+          <p:nvPr/>
+        </p:nvSpPr>
+        <p:spPr>
+          <a:xfrm>
+            <a:off x="927817" y="4095946"/>
+            <a:ext cx="10826044" cy="2506133"/>
+          </a:xfrm>
+          <a:prstGeom prst="roundRect">
+            <a:avLst/>
+          </a:prstGeom>
+          <a:solidFill>
+            <a:schemeClr val="bg1"/>
+          </a:solidFill>
+          <a:ln>
+            <a:solidFill>
+              <a:schemeClr val="tx1"/>
+            </a:solidFill>
+          </a:ln>
+        </p:spPr>
+        <p:style>
+          <a:lnRef idx="2">
+            <a:schemeClr val="accent1">
+              <a:shade val="50000"/>
+            </a:schemeClr>
+          </a:lnRef>
+          <a:fillRef idx="1">
+            <a:schemeClr val="accent1"/>
+          </a:fillRef>
+          <a:effectRef idx="0">
+            <a:schemeClr val="accent1"/>
+          </a:effectRef>
+          <a:fontRef idx="minor">
+            <a:schemeClr val="lt1"/>
+          </a:fontRef>
+        </p:style>
+        <p:txBody>
+          <a:bodyPr rtlCol="0" anchor="ctr"/>
+          <a:lstStyle/>
+          <a:p>
+            <a:pPr algn="ctr"/>
+            <a:endParaRPr lang="en-CA"/>
+          </a:p>
+        </p:txBody>
+      </p:sp>
+      <p:pic>
+        <p:nvPicPr>
+          <p:cNvPr id="4" name="Picture 3"/>
+          <p:cNvPicPr>
+            <a:picLocks noChangeAspect="1"/>
+          </p:cNvPicPr>
+          <p:nvPr/>
+        </p:nvPicPr>
+        <p:blipFill>
+          <a:blip r:embed="rId3">
+            <a:extLst>
+              <a:ext uri="{28A0092B-C50C-407E-A947-70E740481C1C}">
+                <a14:useLocalDpi xmlns:a14="http://schemas.microsoft.com/office/drawing/2010/main" val="0"/>
+              </a:ext>
+            </a:extLst>
+          </a:blip>
+          <a:stretch>
+            <a:fillRect/>
+          </a:stretch>
+        </p:blipFill>
+        <p:spPr>
+          <a:xfrm>
+            <a:off x="9028112" y="4700939"/>
+            <a:ext cx="2548644" cy="1515173"/>
+          </a:xfrm>
+          <a:prstGeom prst="rect">
+            <a:avLst/>
+          </a:prstGeom>
+        </p:spPr>
+      </p:pic>
+      <p:pic>
+        <p:nvPicPr>
+          <p:cNvPr id="5" name="Picture 4"/>
+          <p:cNvPicPr>
+            <a:picLocks noChangeAspect="1"/>
+          </p:cNvPicPr>
+          <p:nvPr/>
+        </p:nvPicPr>
+        <p:blipFill>
+          <a:blip r:embed="rId4">
+            <a:extLst>
+              <a:ext uri="{28A0092B-C50C-407E-A947-70E740481C1C}">
+                <a14:useLocalDpi xmlns:a14="http://schemas.microsoft.com/office/drawing/2010/main" val="0"/>
+              </a:ext>
+            </a:extLst>
+          </a:blip>
+          <a:stretch>
+            <a:fillRect/>
+          </a:stretch>
+        </p:blipFill>
+        <p:spPr>
+          <a:xfrm>
+            <a:off x="4039671" y="4576844"/>
+            <a:ext cx="2301168" cy="1544339"/>
+          </a:xfrm>
+          <a:prstGeom prst="rect">
+            <a:avLst/>
+          </a:prstGeom>
+        </p:spPr>
+      </p:pic>
+      <p:pic>
+        <p:nvPicPr>
+          <p:cNvPr id="7" name="Picture 6"/>
+          <p:cNvPicPr>
+            <a:picLocks noChangeAspect="1"/>
+          </p:cNvPicPr>
+          <p:nvPr/>
+        </p:nvPicPr>
+        <p:blipFill>
+          <a:blip r:embed="rId5">
+            <a:extLst>
+              <a:ext uri="{28A0092B-C50C-407E-A947-70E740481C1C}">
+                <a14:useLocalDpi xmlns:a14="http://schemas.microsoft.com/office/drawing/2010/main" val="0"/>
+              </a:ext>
+            </a:extLst>
+          </a:blip>
+          <a:stretch>
+            <a:fillRect/>
+          </a:stretch>
+        </p:blipFill>
+        <p:spPr>
+          <a:xfrm>
+            <a:off x="1012116" y="4301998"/>
+            <a:ext cx="3209929" cy="2153327"/>
+          </a:xfrm>
+          <a:prstGeom prst="rect">
+            <a:avLst/>
+          </a:prstGeom>
+        </p:spPr>
+      </p:pic>
+      <p:pic>
+        <p:nvPicPr>
+          <p:cNvPr id="8" name="Picture 7"/>
+          <p:cNvPicPr>
+            <a:picLocks noChangeAspect="1"/>
+          </p:cNvPicPr>
+          <p:nvPr/>
+        </p:nvPicPr>
+        <p:blipFill>
+          <a:blip r:embed="rId6">
+            <a:extLst>
+              <a:ext uri="{28A0092B-C50C-407E-A947-70E740481C1C}">
+                <a14:useLocalDpi xmlns:a14="http://schemas.microsoft.com/office/drawing/2010/main" val="0"/>
+              </a:ext>
+            </a:extLst>
+          </a:blip>
+          <a:stretch>
+            <a:fillRect/>
+          </a:stretch>
+        </p:blipFill>
+        <p:spPr>
+          <a:xfrm>
+            <a:off x="6167070" y="4461727"/>
+            <a:ext cx="2594505" cy="1993598"/>
+          </a:xfrm>
+          <a:prstGeom prst="rect">
+            <a:avLst/>
+          </a:prstGeom>
+        </p:spPr>
+      </p:pic>
     </p:spTree>
     <p:extLst>
       <p:ext uri="{BB962C8B-B14F-4D97-AF65-F5344CB8AC3E}">
-        <p14:creationId xmlns:p14="http://schemas.microsoft.com/office/powerpoint/2010/main" val="1157409652"/>
+        <p14:creationId xmlns:p14="http://schemas.microsoft.com/office/powerpoint/2010/main" val="1864993364"/>
       </p:ext>
     </p:extLst>
   </p:cSld>
@@ -10426,14 +10734,19 @@
             <p:ph type="title"/>
           </p:nvPr>
         </p:nvSpPr>
-        <p:spPr/>
+        <p:spPr>
+          <a:xfrm>
+            <a:off x="1465038" y="301105"/>
+            <a:ext cx="10178322" cy="1492132"/>
+          </a:xfrm>
+        </p:spPr>
         <p:txBody>
           <a:bodyPr/>
           <a:lstStyle/>
           <a:p>
             <a:r>
-              <a:rPr lang="en-CA" dirty="0"/>
-              <a:t>Intersection Controller</a:t>
+              <a:rPr lang="en-CA" dirty="0" smtClean="0"/>
+              <a:t>VC – Vehicle navigation</a:t>
             </a:r>
             <a:endParaRPr lang="en-US" dirty="0"/>
           </a:p>
@@ -10449,72 +10762,385 @@
             <p:ph idx="1"/>
           </p:nvPr>
         </p:nvSpPr>
-        <p:spPr/>
+        <p:spPr>
+          <a:xfrm>
+            <a:off x="1271998" y="1259841"/>
+            <a:ext cx="10178322" cy="2296159"/>
+          </a:xfrm>
+        </p:spPr>
         <p:txBody>
-          <a:bodyPr/>
+          <a:bodyPr>
+            <a:normAutofit/>
+          </a:bodyPr>
           <a:lstStyle/>
           <a:p>
+            <a:pPr marL="0" indent="0">
+              <a:buNone/>
+            </a:pPr>
+            <a:endParaRPr lang="en-US" sz="1800" b="1" dirty="0" smtClean="0"/>
+          </a:p>
+          <a:p>
+            <a:pPr marL="0" indent="0">
+              <a:buNone/>
+            </a:pPr>
+            <a:endParaRPr lang="en-US" sz="1800" b="1" dirty="0"/>
+          </a:p>
+        </p:txBody>
+      </p:sp>
+      <p:sp>
+        <p:nvSpPr>
+          <p:cNvPr id="5" name="Content Placeholder 2"/>
+          <p:cNvSpPr txBox="1">
+            <a:spLocks/>
+          </p:cNvSpPr>
+          <p:nvPr/>
+        </p:nvSpPr>
+        <p:spPr>
+          <a:xfrm>
+            <a:off x="1251678" y="1755423"/>
+            <a:ext cx="10178322" cy="3593591"/>
+          </a:xfrm>
+          <a:prstGeom prst="rect">
+            <a:avLst/>
+          </a:prstGeom>
+        </p:spPr>
+        <p:txBody>
+          <a:bodyPr vert="horz" lIns="91440" tIns="45720" rIns="91440" bIns="45720" rtlCol="0">
+            <a:normAutofit/>
+          </a:bodyPr>
+          <a:lstStyle>
+            <a:lvl1pPr marL="228600" indent="-228600" algn="l" defTabSz="914400" rtl="0" eaLnBrk="1" latinLnBrk="0" hangingPunct="1">
+              <a:lnSpc>
+                <a:spcPct val="110000"/>
+              </a:lnSpc>
+              <a:spcBef>
+                <a:spcPts val="700"/>
+              </a:spcBef>
+              <a:buClr>
+                <a:schemeClr val="tx2"/>
+              </a:buClr>
+              <a:buFont typeface="Arial" panose="020B0604020202020204" pitchFamily="34" charset="0"/>
+              <a:buChar char="•"/>
+              <a:defRPr sz="2000" kern="1200">
+                <a:solidFill>
+                  <a:schemeClr val="tx1">
+                    <a:lumMod val="65000"/>
+                    <a:lumOff val="35000"/>
+                  </a:schemeClr>
+                </a:solidFill>
+                <a:latin typeface="+mn-lt"/>
+                <a:ea typeface="+mn-ea"/>
+                <a:cs typeface="+mn-cs"/>
+              </a:defRPr>
+            </a:lvl1pPr>
+            <a:lvl2pPr marL="685800" indent="-228600" algn="l" defTabSz="914400" rtl="0" eaLnBrk="1" latinLnBrk="0" hangingPunct="1">
+              <a:lnSpc>
+                <a:spcPct val="110000"/>
+              </a:lnSpc>
+              <a:spcBef>
+                <a:spcPts val="700"/>
+              </a:spcBef>
+              <a:buClr>
+                <a:schemeClr val="tx2"/>
+              </a:buClr>
+              <a:buFont typeface="Gill Sans MT" panose="020B0502020104020203" pitchFamily="34" charset="0"/>
+              <a:buChar char="–"/>
+              <a:defRPr sz="1800" kern="1200">
+                <a:solidFill>
+                  <a:schemeClr val="tx1">
+                    <a:lumMod val="65000"/>
+                    <a:lumOff val="35000"/>
+                  </a:schemeClr>
+                </a:solidFill>
+                <a:latin typeface="+mn-lt"/>
+                <a:ea typeface="+mn-ea"/>
+                <a:cs typeface="+mn-cs"/>
+              </a:defRPr>
+            </a:lvl2pPr>
+            <a:lvl3pPr marL="1143000" indent="-228600" algn="l" defTabSz="914400" rtl="0" eaLnBrk="1" latinLnBrk="0" hangingPunct="1">
+              <a:lnSpc>
+                <a:spcPct val="110000"/>
+              </a:lnSpc>
+              <a:spcBef>
+                <a:spcPts val="700"/>
+              </a:spcBef>
+              <a:buClr>
+                <a:schemeClr val="tx2"/>
+              </a:buClr>
+              <a:buFont typeface="Arial" panose="020B0604020202020204" pitchFamily="34" charset="0"/>
+              <a:buChar char="•"/>
+              <a:defRPr sz="1600" kern="1200">
+                <a:solidFill>
+                  <a:schemeClr val="tx1">
+                    <a:lumMod val="65000"/>
+                    <a:lumOff val="35000"/>
+                  </a:schemeClr>
+                </a:solidFill>
+                <a:latin typeface="+mn-lt"/>
+                <a:ea typeface="+mn-ea"/>
+                <a:cs typeface="+mn-cs"/>
+              </a:defRPr>
+            </a:lvl3pPr>
+            <a:lvl4pPr marL="1600200" indent="-228600" algn="l" defTabSz="914400" rtl="0" eaLnBrk="1" latinLnBrk="0" hangingPunct="1">
+              <a:lnSpc>
+                <a:spcPct val="110000"/>
+              </a:lnSpc>
+              <a:spcBef>
+                <a:spcPts val="700"/>
+              </a:spcBef>
+              <a:buClr>
+                <a:schemeClr val="tx2"/>
+              </a:buClr>
+              <a:buFont typeface="Gill Sans MT" panose="020B0502020104020203" pitchFamily="34" charset="0"/>
+              <a:buChar char="–"/>
+              <a:defRPr sz="1400" kern="1200">
+                <a:solidFill>
+                  <a:schemeClr val="tx1">
+                    <a:lumMod val="65000"/>
+                    <a:lumOff val="35000"/>
+                  </a:schemeClr>
+                </a:solidFill>
+                <a:latin typeface="+mn-lt"/>
+                <a:ea typeface="+mn-ea"/>
+                <a:cs typeface="+mn-cs"/>
+              </a:defRPr>
+            </a:lvl4pPr>
+            <a:lvl5pPr marL="2057400" indent="-228600" algn="l" defTabSz="914400" rtl="0" eaLnBrk="1" latinLnBrk="0" hangingPunct="1">
+              <a:lnSpc>
+                <a:spcPct val="110000"/>
+              </a:lnSpc>
+              <a:spcBef>
+                <a:spcPts val="700"/>
+              </a:spcBef>
+              <a:buClr>
+                <a:schemeClr val="tx2"/>
+              </a:buClr>
+              <a:buFont typeface="Arial" panose="020B0604020202020204" pitchFamily="34" charset="0"/>
+              <a:buChar char="•"/>
+              <a:defRPr sz="1400" kern="1200">
+                <a:solidFill>
+                  <a:schemeClr val="tx1">
+                    <a:lumMod val="65000"/>
+                    <a:lumOff val="35000"/>
+                  </a:schemeClr>
+                </a:solidFill>
+                <a:latin typeface="+mn-lt"/>
+                <a:ea typeface="+mn-ea"/>
+                <a:cs typeface="+mn-cs"/>
+              </a:defRPr>
+            </a:lvl5pPr>
+            <a:lvl6pPr marL="2514600" indent="-228600" algn="l" defTabSz="914400" rtl="0" eaLnBrk="1" latinLnBrk="0" hangingPunct="1">
+              <a:lnSpc>
+                <a:spcPct val="110000"/>
+              </a:lnSpc>
+              <a:spcBef>
+                <a:spcPts val="700"/>
+              </a:spcBef>
+              <a:buClr>
+                <a:schemeClr val="tx2"/>
+              </a:buClr>
+              <a:buFont typeface="Gill Sans MT" panose="020B0502020104020203" pitchFamily="34" charset="0"/>
+              <a:buChar char="–"/>
+              <a:defRPr sz="1400" kern="1200">
+                <a:solidFill>
+                  <a:schemeClr val="tx1">
+                    <a:lumMod val="65000"/>
+                    <a:lumOff val="35000"/>
+                  </a:schemeClr>
+                </a:solidFill>
+                <a:latin typeface="+mn-lt"/>
+                <a:ea typeface="+mn-ea"/>
+                <a:cs typeface="+mn-cs"/>
+              </a:defRPr>
+            </a:lvl6pPr>
+            <a:lvl7pPr marL="2971800" indent="-228600" algn="l" defTabSz="914400" rtl="0" eaLnBrk="1" latinLnBrk="0" hangingPunct="1">
+              <a:lnSpc>
+                <a:spcPct val="110000"/>
+              </a:lnSpc>
+              <a:spcBef>
+                <a:spcPts val="700"/>
+              </a:spcBef>
+              <a:buClr>
+                <a:schemeClr val="tx2"/>
+              </a:buClr>
+              <a:buFont typeface="Arial" panose="020B0604020202020204" pitchFamily="34" charset="0"/>
+              <a:buChar char="•"/>
+              <a:defRPr sz="1400" kern="1200">
+                <a:solidFill>
+                  <a:schemeClr val="tx1">
+                    <a:lumMod val="65000"/>
+                    <a:lumOff val="35000"/>
+                  </a:schemeClr>
+                </a:solidFill>
+                <a:latin typeface="+mn-lt"/>
+                <a:ea typeface="+mn-ea"/>
+                <a:cs typeface="+mn-cs"/>
+              </a:defRPr>
+            </a:lvl7pPr>
+            <a:lvl8pPr marL="3429000" indent="-228600" algn="l" defTabSz="914400" rtl="0" eaLnBrk="1" latinLnBrk="0" hangingPunct="1">
+              <a:lnSpc>
+                <a:spcPct val="110000"/>
+              </a:lnSpc>
+              <a:spcBef>
+                <a:spcPts val="700"/>
+              </a:spcBef>
+              <a:buClr>
+                <a:schemeClr val="tx2"/>
+              </a:buClr>
+              <a:buFont typeface="Gill Sans MT" panose="020B0502020104020203" pitchFamily="34" charset="0"/>
+              <a:buChar char="–"/>
+              <a:defRPr sz="1400" kern="1200" baseline="0">
+                <a:solidFill>
+                  <a:schemeClr val="tx1">
+                    <a:lumMod val="65000"/>
+                    <a:lumOff val="35000"/>
+                  </a:schemeClr>
+                </a:solidFill>
+                <a:latin typeface="+mn-lt"/>
+                <a:ea typeface="+mn-ea"/>
+                <a:cs typeface="+mn-cs"/>
+              </a:defRPr>
+            </a:lvl8pPr>
+            <a:lvl9pPr marL="3886200" indent="-228600" algn="l" defTabSz="914400" rtl="0" eaLnBrk="1" latinLnBrk="0" hangingPunct="1">
+              <a:lnSpc>
+                <a:spcPct val="110000"/>
+              </a:lnSpc>
+              <a:spcBef>
+                <a:spcPts val="700"/>
+              </a:spcBef>
+              <a:buClr>
+                <a:schemeClr val="tx2"/>
+              </a:buClr>
+              <a:buFont typeface="Arial" panose="020B0604020202020204" pitchFamily="34" charset="0"/>
+              <a:buChar char="•"/>
+              <a:defRPr sz="1400" kern="1200" baseline="0">
+                <a:solidFill>
+                  <a:schemeClr val="tx1">
+                    <a:lumMod val="65000"/>
+                    <a:lumOff val="35000"/>
+                  </a:schemeClr>
+                </a:solidFill>
+                <a:latin typeface="+mn-lt"/>
+                <a:ea typeface="+mn-ea"/>
+                <a:cs typeface="+mn-cs"/>
+              </a:defRPr>
+            </a:lvl9pPr>
+          </a:lstStyle>
+          <a:p>
             <a:r>
-              <a:rPr lang="en-CA" dirty="0"/>
-              <a:t>Why an IC?</a:t>
+              <a:rPr lang="en-CA" sz="2800" dirty="0" smtClean="0">
+                <a:solidFill>
+                  <a:schemeClr val="tx1"/>
+                </a:solidFill>
+              </a:rPr>
+              <a:t>Controls wheel angle</a:t>
             </a:r>
+            <a:endParaRPr lang="en-CA" sz="2800" dirty="0">
+              <a:solidFill>
+                <a:schemeClr val="tx1"/>
+              </a:solidFill>
+            </a:endParaRPr>
           </a:p>
           <a:p>
             <a:pPr lvl="1"/>
             <a:r>
-              <a:rPr lang="en-CA" dirty="0"/>
-              <a:t>Efficient traffic flow </a:t>
+              <a:rPr lang="en-CA" sz="2600" dirty="0" smtClean="0">
+                <a:solidFill>
+                  <a:schemeClr val="tx1"/>
+                </a:solidFill>
+              </a:rPr>
+              <a:t>Utilizes two experts:</a:t>
             </a:r>
           </a:p>
           <a:p>
-            <a:pPr lvl="1"/>
+            <a:pPr lvl="2"/>
             <a:r>
-              <a:rPr lang="en-CA" dirty="0"/>
-              <a:t>Redundancy/redundant systems </a:t>
+              <a:rPr lang="en-CA" sz="2400" dirty="0" smtClean="0">
+                <a:solidFill>
+                  <a:schemeClr val="tx1"/>
+                </a:solidFill>
+              </a:rPr>
+              <a:t>Slope Expert</a:t>
             </a:r>
           </a:p>
           <a:p>
+            <a:pPr lvl="2"/>
             <a:r>
-              <a:rPr lang="en-CA" dirty="0"/>
-              <a:t>How its working</a:t>
+              <a:rPr lang="en-CA" sz="2400" dirty="0" smtClean="0">
+                <a:solidFill>
+                  <a:schemeClr val="tx1"/>
+                </a:solidFill>
+              </a:rPr>
+              <a:t>Length Expert </a:t>
             </a:r>
           </a:p>
           <a:p>
             <a:r>
-              <a:rPr lang="en-CA" dirty="0"/>
-              <a:t>Parts used</a:t>
+              <a:rPr lang="en-CA" sz="3000" dirty="0" smtClean="0">
+                <a:solidFill>
+                  <a:schemeClr val="tx1"/>
+                </a:solidFill>
+              </a:rPr>
+              <a:t>Sets speed</a:t>
             </a:r>
-          </a:p>
-          <a:p>
-            <a:r>
-              <a:rPr lang="en-CA" dirty="0"/>
-              <a:t>Communication</a:t>
-            </a:r>
-          </a:p>
-          <a:p>
-            <a:r>
-              <a:rPr lang="en-CA" dirty="0"/>
-              <a:t>Camera</a:t>
-            </a:r>
-          </a:p>
-          <a:p>
-            <a:endParaRPr lang="en-CA" dirty="0"/>
-          </a:p>
-          <a:p>
-            <a:endParaRPr lang="en-US" dirty="0"/>
+            <a:endParaRPr lang="en-CA" sz="3000" dirty="0">
+              <a:solidFill>
+                <a:schemeClr val="tx1"/>
+              </a:solidFill>
+            </a:endParaRPr>
+          </a:p>
+          <a:p>
+            <a:endParaRPr lang="en-CA" sz="2800" dirty="0" smtClean="0"/>
           </a:p>
         </p:txBody>
       </p:sp>
+      <p:pic>
+        <p:nvPicPr>
+          <p:cNvPr id="7" name="Picture 6"/>
+          <p:cNvPicPr>
+            <a:picLocks noChangeAspect="1"/>
+          </p:cNvPicPr>
+          <p:nvPr/>
+        </p:nvPicPr>
+        <p:blipFill>
+          <a:blip r:embed="rId3">
+            <a:extLst>
+              <a:ext uri="{28A0092B-C50C-407E-A947-70E740481C1C}">
+                <a14:useLocalDpi xmlns:a14="http://schemas.microsoft.com/office/drawing/2010/main" val="0"/>
+              </a:ext>
+            </a:extLst>
+          </a:blip>
+          <a:stretch>
+            <a:fillRect/>
+          </a:stretch>
+        </p:blipFill>
+        <p:spPr>
+          <a:xfrm>
+            <a:off x="6340839" y="1723259"/>
+            <a:ext cx="4877223" cy="3657917"/>
+          </a:xfrm>
+          <a:prstGeom prst="rect">
+            <a:avLst/>
+          </a:prstGeom>
+        </p:spPr>
+      </p:pic>
     </p:spTree>
     <p:extLst>
       <p:ext uri="{BB962C8B-B14F-4D97-AF65-F5344CB8AC3E}">
-        <p14:creationId xmlns:p14="http://schemas.microsoft.com/office/powerpoint/2010/main" val="3290232183"/>
+        <p14:creationId xmlns:p14="http://schemas.microsoft.com/office/powerpoint/2010/main" val="3940846537"/>
       </p:ext>
     </p:extLst>
   </p:cSld>
   <p:clrMapOvr>
     <a:masterClrMapping/>
   </p:clrMapOvr>
+  <p:timing>
+    <p:tnLst>
+      <p:par>
+        <p:cTn id="1" dur="indefinite" restart="never" nodeType="tmRoot"/>
+      </p:par>
+    </p:tnLst>
+  </p:timing>
 </p:sld>
 </file>
 
@@ -10552,7 +11178,7 @@
           <a:p>
             <a:r>
               <a:rPr lang="en-CA" dirty="0"/>
-              <a:t>Video of IC picking up car going by </a:t>
+              <a:t>Video of car driving</a:t>
             </a:r>
             <a:endParaRPr lang="en-US" dirty="0"/>
           </a:p>
@@ -10573,12 +11199,6 @@
           <a:bodyPr/>
           <a:lstStyle/>
           <a:p>
-            <a:pPr marL="0" indent="0">
-              <a:buNone/>
-            </a:pPr>
-            <a:endParaRPr lang="en-CA" dirty="0"/>
-          </a:p>
-          <a:p>
             <a:endParaRPr lang="en-US" dirty="0"/>
           </a:p>
         </p:txBody>
@@ -10586,7 +11206,7 @@
     </p:spTree>
     <p:extLst>
       <p:ext uri="{BB962C8B-B14F-4D97-AF65-F5344CB8AC3E}">
-        <p14:creationId xmlns:p14="http://schemas.microsoft.com/office/powerpoint/2010/main" val="455302734"/>
+        <p14:creationId xmlns:p14="http://schemas.microsoft.com/office/powerpoint/2010/main" val="1157409652"/>
       </p:ext>
     </p:extLst>
   </p:cSld>
@@ -10646,38 +11266,40 @@
             <p:ph idx="1"/>
           </p:nvPr>
         </p:nvSpPr>
-        <p:spPr/>
+        <p:spPr>
+          <a:xfrm>
+            <a:off x="1099278" y="2057401"/>
+            <a:ext cx="10178322" cy="3593591"/>
+          </a:xfrm>
+        </p:spPr>
         <p:txBody>
-          <a:bodyPr/>
+          <a:bodyPr>
+            <a:noAutofit/>
+          </a:bodyPr>
           <a:lstStyle/>
           <a:p>
+            <a:pPr marL="457200" lvl="1" indent="0">
+              <a:buNone/>
+            </a:pPr>
+            <a:endParaRPr lang="en-CA" sz="2400" dirty="0" smtClean="0"/>
+          </a:p>
+          <a:p>
             <a:r>
-              <a:rPr lang="en-CA" dirty="0"/>
-              <a:t>IC fails – power generator like in real life</a:t>
+              <a:rPr lang="en-CA" sz="3200" dirty="0" smtClean="0"/>
+              <a:t>Communication</a:t>
             </a:r>
           </a:p>
           <a:p>
             <a:r>
-              <a:rPr lang="en-CA" dirty="0"/>
-              <a:t>If </a:t>
+              <a:rPr lang="en-CA" sz="3200" dirty="0" smtClean="0"/>
+              <a:t>Loss of power</a:t>
             </a:r>
+          </a:p>
+          <a:p>
             <a:r>
-              <a:rPr lang="en-CA" dirty="0" err="1"/>
-              <a:t>ic</a:t>
+              <a:rPr lang="en-CA" sz="3200" dirty="0" smtClean="0"/>
+              <a:t>Software (crashes and errors)	</a:t>
             </a:r>
-            <a:r>
-              <a:rPr lang="en-CA" dirty="0"/>
-              <a:t> crashes and has power, cars will stop at the intersection</a:t>
-            </a:r>
-          </a:p>
-          <a:p>
-            <a:r>
-              <a:rPr lang="en-CA" dirty="0"/>
-              <a:t>Bluetooth failure, message resent from vehicle </a:t>
-            </a:r>
-          </a:p>
-          <a:p>
-            <a:endParaRPr lang="en-CA" dirty="0"/>
           </a:p>
         </p:txBody>
       </p:sp>
@@ -10727,9 +11349,18 @@
           <a:lstStyle/>
           <a:p>
             <a:r>
-              <a:rPr lang="en-US" dirty="0"/>
-              <a:t>Challenges </a:t>
+              <a:rPr lang="en-CA" dirty="0"/>
+              <a:t>Features </a:t>
             </a:r>
+            <a:r>
+              <a:rPr lang="en-CA" dirty="0" smtClean="0"/>
+              <a:t>to </a:t>
+            </a:r>
+            <a:r>
+              <a:rPr lang="en-CA" dirty="0"/>
+              <a:t>be implemented</a:t>
+            </a:r>
+            <a:endParaRPr lang="en-US" dirty="0"/>
           </a:p>
         </p:txBody>
       </p:sp>
@@ -10745,24 +11376,30 @@
         </p:nvSpPr>
         <p:spPr/>
         <p:txBody>
-          <a:bodyPr/>
+          <a:bodyPr>
+            <a:normAutofit/>
+          </a:bodyPr>
           <a:lstStyle/>
           <a:p>
             <a:r>
-              <a:rPr lang="en-US" dirty="0"/>
-              <a:t>Lane Following </a:t>
+              <a:rPr lang="en-CA" sz="3200" dirty="0"/>
+              <a:t>Bluetooth to other communication</a:t>
             </a:r>
           </a:p>
           <a:p>
             <a:r>
-              <a:rPr lang="en-US" dirty="0"/>
-              <a:t>Communication </a:t>
+              <a:rPr lang="en-CA" sz="3200" dirty="0"/>
+              <a:t>IC vehicle detection</a:t>
             </a:r>
           </a:p>
           <a:p>
             <a:r>
-              <a:rPr lang="en-US" dirty="0"/>
-              <a:t>Intersection Detection</a:t>
+              <a:rPr lang="en-CA" sz="3200" dirty="0"/>
+              <a:t>Obstacle </a:t>
+            </a:r>
+            <a:r>
+              <a:rPr lang="en-CA" sz="3200" dirty="0" smtClean="0"/>
+              <a:t>detection??????????????????</a:t>
             </a:r>
           </a:p>
         </p:txBody>
@@ -10770,7 +11407,7 @@
     </p:spTree>
     <p:extLst>
       <p:ext uri="{BB962C8B-B14F-4D97-AF65-F5344CB8AC3E}">
-        <p14:creationId xmlns:p14="http://schemas.microsoft.com/office/powerpoint/2010/main" val="2999449558"/>
+        <p14:creationId xmlns:p14="http://schemas.microsoft.com/office/powerpoint/2010/main" val="3886893300"/>
       </p:ext>
     </p:extLst>
   </p:cSld>
@@ -10807,60 +11444,31 @@
             <p:ph type="title"/>
           </p:nvPr>
         </p:nvSpPr>
-        <p:spPr/>
+        <p:spPr>
+          <a:xfrm>
+            <a:off x="1088393" y="2352698"/>
+            <a:ext cx="10178322" cy="1492132"/>
+          </a:xfrm>
+        </p:spPr>
         <p:txBody>
-          <a:bodyPr/>
+          <a:bodyPr>
+            <a:normAutofit/>
+          </a:bodyPr>
           <a:lstStyle/>
           <a:p>
+            <a:pPr algn="ctr"/>
             <a:r>
-              <a:rPr lang="en-CA" dirty="0"/>
-              <a:t>Features Still to be implemented</a:t>
+              <a:rPr lang="en-CA" sz="8000" dirty="0" err="1" smtClean="0"/>
+              <a:t>DEmo</a:t>
             </a:r>
-            <a:endParaRPr lang="en-US" dirty="0"/>
-          </a:p>
-        </p:txBody>
-      </p:sp>
-      <p:sp>
-        <p:nvSpPr>
-          <p:cNvPr id="3" name="Content Placeholder 2"/>
-          <p:cNvSpPr>
-            <a:spLocks noGrp="1"/>
-          </p:cNvSpPr>
-          <p:nvPr>
-            <p:ph idx="1"/>
-          </p:nvPr>
-        </p:nvSpPr>
-        <p:spPr/>
-        <p:txBody>
-          <a:bodyPr/>
-          <a:lstStyle/>
-          <a:p>
-            <a:r>
-              <a:rPr lang="en-CA" dirty="0"/>
-              <a:t>Bluetooth to other communication</a:t>
-            </a:r>
-          </a:p>
-          <a:p>
-            <a:r>
-              <a:rPr lang="en-CA" dirty="0"/>
-              <a:t>IC vehicle detection</a:t>
-            </a:r>
-          </a:p>
-          <a:p>
-            <a:r>
-              <a:rPr lang="en-CA" dirty="0"/>
-              <a:t>Obstacle detection</a:t>
-            </a:r>
-          </a:p>
-          <a:p>
-            <a:endParaRPr lang="en-CA" dirty="0"/>
+            <a:endParaRPr lang="en-CA" sz="8000" dirty="0"/>
           </a:p>
         </p:txBody>
       </p:sp>
     </p:spTree>
     <p:extLst>
       <p:ext uri="{BB962C8B-B14F-4D97-AF65-F5344CB8AC3E}">
-        <p14:creationId xmlns:p14="http://schemas.microsoft.com/office/powerpoint/2010/main" val="3886893300"/>
+        <p14:creationId xmlns:p14="http://schemas.microsoft.com/office/powerpoint/2010/main" val="3384724540"/>
       </p:ext>
     </p:extLst>
   </p:cSld>
@@ -10896,7 +11504,7 @@
           <p:nvPr>
             <p:extLst>
               <p:ext uri="{386F3935-93C4-4BCD-93E2-E3B085C9AB24}">
-                <p16:designElem xmlns:p16="http://schemas.microsoft.com/office/powerpoint/2015/main" val="1"/>
+                <p16:designElem xmlns:p16="http://schemas.microsoft.com/office/powerpoint/2015/main" xmlns="" val="1"/>
               </p:ext>
             </p:extLst>
           </p:nvPr>
@@ -10950,7 +11558,7 @@
           <p:nvPr>
             <p:extLst>
               <p:ext uri="{386F3935-93C4-4BCD-93E2-E3B085C9AB24}">
-                <p16:designElem xmlns:p16="http://schemas.microsoft.com/office/powerpoint/2015/main" val="1"/>
+                <p16:designElem xmlns:p16="http://schemas.microsoft.com/office/powerpoint/2015/main" xmlns="" val="1"/>
               </p:ext>
             </p:extLst>
           </p:nvPr>
@@ -11043,7 +11651,7 @@
           <p:nvPr>
             <p:extLst>
               <p:ext uri="{386F3935-93C4-4BCD-93E2-E3B085C9AB24}">
-                <p16:designElem xmlns:p16="http://schemas.microsoft.com/office/powerpoint/2015/main" val="1"/>
+                <p16:designElem xmlns:p16="http://schemas.microsoft.com/office/powerpoint/2015/main" xmlns="" val="1"/>
               </p:ext>
             </p:extLst>
           </p:nvPr>
@@ -11878,222 +12486,15 @@
             <p:ph type="title"/>
           </p:nvPr>
         </p:nvSpPr>
-        <p:spPr/>
-        <p:txBody>
-          <a:bodyPr/>
-          <a:lstStyle/>
-          <a:p>
-            <a:r>
-              <a:rPr lang="en-CA" dirty="0"/>
-              <a:t>Members</a:t>
-            </a:r>
-            <a:endParaRPr lang="en-US" dirty="0"/>
-          </a:p>
-        </p:txBody>
-      </p:sp>
-      <p:sp>
-        <p:nvSpPr>
-          <p:cNvPr id="3" name="Content Placeholder 2"/>
-          <p:cNvSpPr>
-            <a:spLocks noGrp="1"/>
-          </p:cNvSpPr>
-          <p:nvPr>
-            <p:ph idx="1"/>
-          </p:nvPr>
-        </p:nvSpPr>
-        <p:spPr/>
-        <p:txBody>
-          <a:bodyPr/>
-          <a:lstStyle/>
-          <a:p>
-            <a:r>
-              <a:rPr lang="en-CA" dirty="0">
-                <a:solidFill>
-                  <a:srgbClr val="2A1A00"/>
-                </a:solidFill>
-              </a:rPr>
-              <a:t>Zachary </a:t>
-            </a:r>
-            <a:r>
-              <a:rPr lang="en-CA" dirty="0" err="1">
-                <a:solidFill>
-                  <a:srgbClr val="2A1A00"/>
-                </a:solidFill>
-              </a:rPr>
-              <a:t>Bazen</a:t>
-            </a:r>
-            <a:r>
-              <a:rPr lang="en-CA" dirty="0">
-                <a:solidFill>
-                  <a:srgbClr val="2A1A00"/>
-                </a:solidFill>
-              </a:rPr>
-              <a:t> – Software Engineering </a:t>
-            </a:r>
-          </a:p>
-          <a:p>
-            <a:r>
-              <a:rPr lang="en-CA" dirty="0">
-                <a:solidFill>
-                  <a:srgbClr val="2A1A00"/>
-                </a:solidFill>
-              </a:rPr>
-              <a:t>Justin </a:t>
-            </a:r>
-            <a:r>
-              <a:rPr lang="en-CA" dirty="0" err="1">
-                <a:solidFill>
-                  <a:srgbClr val="2A1A00"/>
-                </a:solidFill>
-              </a:rPr>
-              <a:t>Kapinski</a:t>
-            </a:r>
-            <a:r>
-              <a:rPr lang="en-CA" dirty="0">
-                <a:solidFill>
-                  <a:srgbClr val="2A1A00"/>
-                </a:solidFill>
-              </a:rPr>
-              <a:t> – Software Engineering </a:t>
-            </a:r>
-          </a:p>
-          <a:p>
-            <a:r>
-              <a:rPr lang="en-CA" dirty="0">
-                <a:solidFill>
-                  <a:srgbClr val="2A1A00"/>
-                </a:solidFill>
-              </a:rPr>
-              <a:t>Alexander Jackson – Software Engineering </a:t>
-            </a:r>
-          </a:p>
-          <a:p>
-            <a:r>
-              <a:rPr lang="en-CA" dirty="0">
-                <a:solidFill>
-                  <a:srgbClr val="2A1A00"/>
-                </a:solidFill>
-              </a:rPr>
-              <a:t>Jean </a:t>
-            </a:r>
-            <a:r>
-              <a:rPr lang="en-US" dirty="0">
-                <a:solidFill>
-                  <a:srgbClr val="2A1A00"/>
-                </a:solidFill>
-              </a:rPr>
-              <a:t>Lucas Ferreira</a:t>
-            </a:r>
-            <a:r>
-              <a:rPr lang="en-CA" dirty="0">
-                <a:solidFill>
-                  <a:srgbClr val="2A1A00"/>
-                </a:solidFill>
-              </a:rPr>
-              <a:t> – Software Engineering </a:t>
-            </a:r>
-          </a:p>
-          <a:p>
-            <a:r>
-              <a:rPr lang="en-CA" dirty="0">
-                <a:solidFill>
-                  <a:srgbClr val="2A1A00"/>
-                </a:solidFill>
-              </a:rPr>
-              <a:t>Mathew </a:t>
-            </a:r>
-            <a:r>
-              <a:rPr lang="en-CA" dirty="0" err="1">
-                <a:solidFill>
-                  <a:srgbClr val="2A1A00"/>
-                </a:solidFill>
-              </a:rPr>
-              <a:t>Hobers</a:t>
-            </a:r>
-            <a:r>
-              <a:rPr lang="en-CA" dirty="0">
-                <a:solidFill>
-                  <a:srgbClr val="2A1A00"/>
-                </a:solidFill>
-              </a:rPr>
-              <a:t> – Software Engineering </a:t>
-            </a:r>
-          </a:p>
-          <a:p>
-            <a:r>
-              <a:rPr lang="en-CA" dirty="0">
-                <a:solidFill>
-                  <a:srgbClr val="2A1A00"/>
-                </a:solidFill>
-              </a:rPr>
-              <a:t>Radhika Sharma – Software Engineering and Embedded Systems </a:t>
-            </a:r>
-          </a:p>
-          <a:p>
-            <a:endParaRPr lang="en-CA" dirty="0">
-              <a:solidFill>
-                <a:srgbClr val="2A1A00"/>
-              </a:solidFill>
-            </a:endParaRPr>
-          </a:p>
-          <a:p>
-            <a:endParaRPr lang="en-US" dirty="0">
-              <a:solidFill>
-                <a:srgbClr val="2A1A00"/>
-              </a:solidFill>
-            </a:endParaRPr>
-          </a:p>
-        </p:txBody>
-      </p:sp>
-    </p:spTree>
-    <p:extLst>
-      <p:ext uri="{BB962C8B-B14F-4D97-AF65-F5344CB8AC3E}">
-        <p14:creationId xmlns:p14="http://schemas.microsoft.com/office/powerpoint/2010/main" val="1790137314"/>
-      </p:ext>
-    </p:extLst>
-  </p:cSld>
-  <p:clrMapOvr>
-    <a:masterClrMapping/>
-  </p:clrMapOvr>
-</p:sld>
-</file>
-
-<file path=ppt/slides/slide3.xml><?xml version="1.0" encoding="utf-8"?>
-<p:sld xmlns:a="http://schemas.openxmlformats.org/drawingml/2006/main" xmlns:r="http://schemas.openxmlformats.org/officeDocument/2006/relationships" xmlns:p="http://schemas.openxmlformats.org/presentationml/2006/main">
-  <p:cSld>
-    <p:spTree>
-      <p:nvGrpSpPr>
-        <p:cNvPr id="1" name=""/>
-        <p:cNvGrpSpPr/>
-        <p:nvPr/>
-      </p:nvGrpSpPr>
-      <p:grpSpPr>
-        <a:xfrm>
-          <a:off x="0" y="0"/>
-          <a:ext cx="0" cy="0"/>
-          <a:chOff x="0" y="0"/>
-          <a:chExt cx="0" cy="0"/>
-        </a:xfrm>
-      </p:grpSpPr>
-      <p:sp>
-        <p:nvSpPr>
-          <p:cNvPr id="2" name="Title 1"/>
-          <p:cNvSpPr>
-            <a:spLocks noGrp="1"/>
-          </p:cNvSpPr>
-          <p:nvPr>
-            <p:ph type="title"/>
-          </p:nvPr>
-        </p:nvSpPr>
         <p:spPr>
           <a:xfrm>
-            <a:off x="1320503" y="726514"/>
+            <a:off x="1244303" y="399942"/>
             <a:ext cx="10178322" cy="1053126"/>
           </a:xfrm>
         </p:spPr>
         <p:txBody>
           <a:bodyPr>
-            <a:normAutofit/>
+            <a:noAutofit/>
           </a:bodyPr>
           <a:lstStyle/>
           <a:p>
@@ -12103,10 +12504,10 @@
               </a:lnSpc>
             </a:pPr>
             <a:r>
-              <a:rPr lang="en-CA" dirty="0"/>
+              <a:rPr lang="en-CA" sz="7200" dirty="0"/>
               <a:t>The Team</a:t>
             </a:r>
-            <a:endParaRPr lang="en-US" dirty="0"/>
+            <a:endParaRPr lang="en-US" sz="7200" dirty="0"/>
           </a:p>
         </p:txBody>
       </p:sp>
@@ -12120,14 +12521,14 @@
             <p:ph idx="1"/>
             <p:extLst>
               <p:ext uri="{D42A27DB-BD31-4B8C-83A1-F6EECF244321}">
-                <p14:modId xmlns:p14="http://schemas.microsoft.com/office/powerpoint/2010/main" val="645670028"/>
+                <p14:modId xmlns:p14="http://schemas.microsoft.com/office/powerpoint/2010/main" val="1033927486"/>
               </p:ext>
             </p:extLst>
           </p:nvPr>
         </p:nvGraphicFramePr>
         <p:xfrm>
           <a:off x="736451" y="2266335"/>
-          <a:ext cx="11346427" cy="3474720"/>
+          <a:ext cx="11346427" cy="3108960"/>
         </p:xfrm>
         <a:graphic>
           <a:graphicData uri="http://schemas.openxmlformats.org/drawingml/2006/table">
@@ -12139,21 +12540,21 @@
                 <a:gridCol w="3500285">
                   <a:extLst>
                     <a:ext uri="{9D8B030D-6E8A-4147-A177-3AD203B41FA5}">
-                      <a16:colId xmlns:a16="http://schemas.microsoft.com/office/drawing/2014/main" val="2565215050"/>
+                      <a16:colId xmlns:a16="http://schemas.microsoft.com/office/drawing/2014/main" xmlns="" val="2565215050"/>
                     </a:ext>
                   </a:extLst>
                 </a:gridCol>
                 <a:gridCol w="394258">
                   <a:extLst>
                     <a:ext uri="{9D8B030D-6E8A-4147-A177-3AD203B41FA5}">
-                      <a16:colId xmlns:a16="http://schemas.microsoft.com/office/drawing/2014/main" val="3279567016"/>
+                      <a16:colId xmlns:a16="http://schemas.microsoft.com/office/drawing/2014/main" xmlns="" val="3279567016"/>
                     </a:ext>
                   </a:extLst>
                 </a:gridCol>
                 <a:gridCol w="7451884">
                   <a:extLst>
                     <a:ext uri="{9D8B030D-6E8A-4147-A177-3AD203B41FA5}">
-                      <a16:colId xmlns:a16="http://schemas.microsoft.com/office/drawing/2014/main" val="3702030157"/>
+                      <a16:colId xmlns:a16="http://schemas.microsoft.com/office/drawing/2014/main" xmlns="" val="3702030157"/>
                     </a:ext>
                   </a:extLst>
                 </a:gridCol>
@@ -12166,10 +12567,10 @@
                     <a:p>
                       <a:pPr algn="r"/>
                       <a:r>
-                        <a:rPr lang="en-CA" sz="3200" dirty="0"/>
+                        <a:rPr lang="en-CA" sz="2800" dirty="0"/>
                         <a:t>Zachary Bazen </a:t>
                       </a:r>
-                      <a:endParaRPr lang="en-US" sz="3200" dirty="0"/>
+                      <a:endParaRPr lang="en-US" sz="2800" dirty="0"/>
                     </a:p>
                   </a:txBody>
                   <a:tcPr>
@@ -12218,10 +12619,10 @@
                     <a:p>
                       <a:pPr algn="ctr"/>
                       <a:r>
-                        <a:rPr lang="en-CA" sz="3200" dirty="0"/>
+                        <a:rPr lang="en-CA" sz="2800" dirty="0"/>
                         <a:t>-</a:t>
                       </a:r>
-                      <a:endParaRPr lang="en-US" sz="3200" dirty="0"/>
+                      <a:endParaRPr lang="en-US" sz="2800" dirty="0"/>
                     </a:p>
                   </a:txBody>
                   <a:tcPr>
@@ -12270,14 +12671,14 @@
                     <a:p>
                       <a:pPr algn="l"/>
                       <a:r>
-                        <a:rPr lang="en-CA" sz="3200" dirty="0"/>
+                        <a:rPr lang="en-CA" sz="2800" i="1" dirty="0"/>
                         <a:t>Software Engineering</a:t>
                       </a:r>
                       <a:r>
-                        <a:rPr lang="en-CA" sz="3200" baseline="0" dirty="0"/>
+                        <a:rPr lang="en-CA" sz="2800" i="1" baseline="0" dirty="0"/>
                         <a:t> </a:t>
                       </a:r>
-                      <a:endParaRPr lang="en-US" sz="3200" dirty="0"/>
+                      <a:endParaRPr lang="en-US" sz="2800" i="1" dirty="0"/>
                     </a:p>
                   </a:txBody>
                   <a:tcPr>
@@ -12321,7 +12722,7 @@
                 </a:tc>
                 <a:extLst>
                   <a:ext uri="{0D108BD9-81ED-4DB2-BD59-A6C34878D82A}">
-                    <a16:rowId xmlns:a16="http://schemas.microsoft.com/office/drawing/2014/main" val="3950718333"/>
+                    <a16:rowId xmlns:a16="http://schemas.microsoft.com/office/drawing/2014/main" xmlns="" val="3950718333"/>
                   </a:ext>
                 </a:extLst>
               </a:tr>
@@ -12333,7 +12734,7 @@
                     <a:p>
                       <a:pPr algn="r"/>
                       <a:r>
-                        <a:rPr lang="en-CA" sz="3200" dirty="0">
+                        <a:rPr lang="en-CA" sz="2800" dirty="0">
                           <a:solidFill>
                             <a:srgbClr val="2A1A00"/>
                           </a:solidFill>
@@ -12341,7 +12742,7 @@
                         <a:t>Jean </a:t>
                       </a:r>
                       <a:r>
-                        <a:rPr lang="en-US" sz="3200" dirty="0">
+                        <a:rPr lang="en-US" sz="2800" dirty="0">
                           <a:solidFill>
                             <a:srgbClr val="2A1A00"/>
                           </a:solidFill>
@@ -12349,14 +12750,14 @@
                         <a:t>Lucas Ferreira</a:t>
                       </a:r>
                       <a:r>
-                        <a:rPr lang="en-CA" sz="3200" dirty="0">
+                        <a:rPr lang="en-CA" sz="2800" dirty="0">
                           <a:solidFill>
                             <a:srgbClr val="2A1A00"/>
                           </a:solidFill>
                         </a:rPr>
                         <a:t> </a:t>
                       </a:r>
-                      <a:endParaRPr lang="en-US" sz="3200" dirty="0"/>
+                      <a:endParaRPr lang="en-US" sz="2800" dirty="0"/>
                     </a:p>
                   </a:txBody>
                   <a:tcPr>
@@ -12405,10 +12806,10 @@
                     <a:p>
                       <a:pPr algn="ctr"/>
                       <a:r>
-                        <a:rPr lang="en-CA" sz="3200" dirty="0"/>
+                        <a:rPr lang="en-CA" sz="2800" dirty="0"/>
                         <a:t>-</a:t>
                       </a:r>
-                      <a:endParaRPr lang="en-US" sz="3200" dirty="0"/>
+                      <a:endParaRPr lang="en-US" sz="2800" dirty="0"/>
                     </a:p>
                   </a:txBody>
                   <a:tcPr>
@@ -12473,14 +12874,14 @@
                         <a:defRPr/>
                       </a:pPr>
                       <a:r>
-                        <a:rPr lang="en-CA" sz="3200" dirty="0"/>
+                        <a:rPr lang="en-CA" sz="2800" i="1" dirty="0"/>
                         <a:t>Software Engineering</a:t>
                       </a:r>
                       <a:r>
-                        <a:rPr lang="en-CA" sz="3200" baseline="0" dirty="0"/>
+                        <a:rPr lang="en-CA" sz="2800" i="1" baseline="0" dirty="0"/>
                         <a:t> </a:t>
                       </a:r>
-                      <a:endParaRPr lang="en-US" sz="3200" dirty="0"/>
+                      <a:endParaRPr lang="en-US" sz="2800" i="1" dirty="0"/>
                     </a:p>
                   </a:txBody>
                   <a:tcPr>
@@ -12524,7 +12925,7 @@
                 </a:tc>
                 <a:extLst>
                   <a:ext uri="{0D108BD9-81ED-4DB2-BD59-A6C34878D82A}">
-                    <a16:rowId xmlns:a16="http://schemas.microsoft.com/office/drawing/2014/main" val="2377837653"/>
+                    <a16:rowId xmlns:a16="http://schemas.microsoft.com/office/drawing/2014/main" xmlns="" val="2377837653"/>
                   </a:ext>
                 </a:extLst>
               </a:tr>
@@ -12536,7 +12937,7 @@
                     <a:p>
                       <a:pPr algn="r"/>
                       <a:r>
-                        <a:rPr lang="en-US" sz="3200" dirty="0"/>
+                        <a:rPr lang="en-US" sz="2800" dirty="0"/>
                         <a:t>Alexander Jackson </a:t>
                       </a:r>
                     </a:p>
@@ -12587,10 +12988,10 @@
                     <a:p>
                       <a:pPr algn="ctr"/>
                       <a:r>
-                        <a:rPr lang="en-CA" sz="3200" dirty="0"/>
+                        <a:rPr lang="en-CA" sz="2800" dirty="0"/>
                         <a:t>-</a:t>
                       </a:r>
-                      <a:endParaRPr lang="en-US" sz="3200" dirty="0"/>
+                      <a:endParaRPr lang="en-US" sz="2800" dirty="0"/>
                     </a:p>
                   </a:txBody>
                   <a:tcPr>
@@ -12639,10 +13040,10 @@
                     <a:p>
                       <a:pPr algn="l"/>
                       <a:r>
-                        <a:rPr lang="en-CA" sz="3200" dirty="0"/>
+                        <a:rPr lang="en-CA" sz="2800" i="1" dirty="0"/>
                         <a:t>Software Engineering</a:t>
                       </a:r>
-                      <a:endParaRPr lang="en-US" sz="3200" dirty="0"/>
+                      <a:endParaRPr lang="en-US" sz="2800" i="1" dirty="0"/>
                     </a:p>
                   </a:txBody>
                   <a:tcPr>
@@ -12686,7 +13087,7 @@
                 </a:tc>
                 <a:extLst>
                   <a:ext uri="{0D108BD9-81ED-4DB2-BD59-A6C34878D82A}">
-                    <a16:rowId xmlns:a16="http://schemas.microsoft.com/office/drawing/2014/main" val="817088776"/>
+                    <a16:rowId xmlns:a16="http://schemas.microsoft.com/office/drawing/2014/main" xmlns="" val="817088776"/>
                   </a:ext>
                 </a:extLst>
               </a:tr>
@@ -12698,15 +13099,15 @@
                     <a:p>
                       <a:pPr algn="r"/>
                       <a:r>
-                        <a:rPr lang="en-US" sz="3200" dirty="0"/>
+                        <a:rPr lang="en-US" sz="2800" dirty="0"/>
                         <a:t>Justin </a:t>
                       </a:r>
                       <a:r>
-                        <a:rPr lang="en-US" sz="3200" dirty="0" err="1"/>
+                        <a:rPr lang="en-US" sz="2800" dirty="0" err="1"/>
                         <a:t>Kapinski</a:t>
                       </a:r>
                       <a:r>
-                        <a:rPr lang="en-US" sz="3200" dirty="0"/>
+                        <a:rPr lang="en-US" sz="2800" dirty="0"/>
                         <a:t> </a:t>
                       </a:r>
                     </a:p>
@@ -12757,10 +13158,10 @@
                     <a:p>
                       <a:pPr algn="ctr"/>
                       <a:r>
-                        <a:rPr lang="en-CA" sz="3200" dirty="0"/>
+                        <a:rPr lang="en-CA" sz="2800" dirty="0"/>
                         <a:t>-</a:t>
                       </a:r>
-                      <a:endParaRPr lang="en-US" sz="3200" dirty="0"/>
+                      <a:endParaRPr lang="en-US" sz="2800" dirty="0"/>
                     </a:p>
                   </a:txBody>
                   <a:tcPr>
@@ -12809,10 +13210,10 @@
                     <a:p>
                       <a:pPr algn="l"/>
                       <a:r>
-                        <a:rPr lang="en-CA" sz="3200" dirty="0"/>
+                        <a:rPr lang="en-CA" sz="2800" i="1" dirty="0"/>
                         <a:t>Software Engineering</a:t>
                       </a:r>
-                      <a:endParaRPr lang="en-US" sz="3200" dirty="0"/>
+                      <a:endParaRPr lang="en-US" sz="2800" i="1" dirty="0"/>
                     </a:p>
                   </a:txBody>
                   <a:tcPr>
@@ -12856,7 +13257,7 @@
                 </a:tc>
                 <a:extLst>
                   <a:ext uri="{0D108BD9-81ED-4DB2-BD59-A6C34878D82A}">
-                    <a16:rowId xmlns:a16="http://schemas.microsoft.com/office/drawing/2014/main" val="294341159"/>
+                    <a16:rowId xmlns:a16="http://schemas.microsoft.com/office/drawing/2014/main" xmlns="" val="294341159"/>
                   </a:ext>
                 </a:extLst>
               </a:tr>
@@ -12868,14 +13269,14 @@
                     <a:p>
                       <a:pPr algn="r"/>
                       <a:r>
-                        <a:rPr lang="en-US" sz="3200" dirty="0"/>
+                        <a:rPr lang="en-US" sz="2800" dirty="0"/>
                         <a:t>Mathew </a:t>
                       </a:r>
                       <a:r>
-                        <a:rPr lang="en-US" sz="3200" dirty="0" err="1"/>
+                        <a:rPr lang="en-US" sz="2800" dirty="0" err="1"/>
                         <a:t>Hobers</a:t>
                       </a:r>
-                      <a:endParaRPr lang="en-US" sz="3200" dirty="0"/>
+                      <a:endParaRPr lang="en-US" sz="2800" dirty="0"/>
                     </a:p>
                   </a:txBody>
                   <a:tcPr>
@@ -12924,10 +13325,10 @@
                     <a:p>
                       <a:pPr algn="ctr"/>
                       <a:r>
-                        <a:rPr lang="en-CA" sz="3200" dirty="0"/>
+                        <a:rPr lang="en-CA" sz="2800" dirty="0"/>
                         <a:t>-</a:t>
                       </a:r>
-                      <a:endParaRPr lang="en-US" sz="3200" dirty="0"/>
+                      <a:endParaRPr lang="en-US" sz="2800" dirty="0"/>
                     </a:p>
                   </a:txBody>
                   <a:tcPr>
@@ -12976,10 +13377,10 @@
                     <a:p>
                       <a:pPr algn="l"/>
                       <a:r>
-                        <a:rPr lang="en-CA" sz="3200" dirty="0"/>
+                        <a:rPr lang="en-CA" sz="2800" i="1" dirty="0"/>
                         <a:t>Software Engineering</a:t>
                       </a:r>
-                      <a:endParaRPr lang="en-US" sz="3200" dirty="0"/>
+                      <a:endParaRPr lang="en-US" sz="2800" i="1" dirty="0"/>
                     </a:p>
                   </a:txBody>
                   <a:tcPr>
@@ -13023,7 +13424,7 @@
                 </a:tc>
                 <a:extLst>
                   <a:ext uri="{0D108BD9-81ED-4DB2-BD59-A6C34878D82A}">
-                    <a16:rowId xmlns:a16="http://schemas.microsoft.com/office/drawing/2014/main" val="3306447196"/>
+                    <a16:rowId xmlns:a16="http://schemas.microsoft.com/office/drawing/2014/main" xmlns="" val="3306447196"/>
                   </a:ext>
                 </a:extLst>
               </a:tr>
@@ -13035,14 +13436,14 @@
                     <a:p>
                       <a:pPr algn="r"/>
                       <a:r>
-                        <a:rPr lang="en-CA" sz="3200" dirty="0">
+                        <a:rPr lang="en-CA" sz="2800" dirty="0">
                           <a:solidFill>
                             <a:srgbClr val="2A1A00"/>
                           </a:solidFill>
                         </a:rPr>
                         <a:t>Radhika Sharma</a:t>
                       </a:r>
-                      <a:endParaRPr lang="en-US" sz="3200" dirty="0"/>
+                      <a:endParaRPr lang="en-US" sz="2800" dirty="0"/>
                     </a:p>
                   </a:txBody>
                   <a:tcPr>
@@ -13091,10 +13492,10 @@
                     <a:p>
                       <a:pPr algn="ctr"/>
                       <a:r>
-                        <a:rPr lang="en-CA" sz="3200" dirty="0"/>
+                        <a:rPr lang="en-CA" sz="2800" dirty="0"/>
                         <a:t>-</a:t>
                       </a:r>
-                      <a:endParaRPr lang="en-US" sz="3200" dirty="0"/>
+                      <a:endParaRPr lang="en-US" sz="2800" dirty="0"/>
                     </a:p>
                   </a:txBody>
                   <a:tcPr>
@@ -13143,10 +13544,10 @@
                     <a:p>
                       <a:pPr algn="l"/>
                       <a:r>
-                        <a:rPr lang="en-CA" sz="3200" dirty="0"/>
+                        <a:rPr lang="en-CA" sz="2800" i="1" dirty="0"/>
                         <a:t>Software Engineering – Embedded Systems</a:t>
                       </a:r>
-                      <a:endParaRPr lang="en-US" sz="3200" dirty="0"/>
+                      <a:endParaRPr lang="en-US" sz="2800" i="1" dirty="0"/>
                     </a:p>
                   </a:txBody>
                   <a:tcPr>
@@ -13190,7 +13591,7 @@
                 </a:tc>
                 <a:extLst>
                   <a:ext uri="{0D108BD9-81ED-4DB2-BD59-A6C34878D82A}">
-                    <a16:rowId xmlns:a16="http://schemas.microsoft.com/office/drawing/2014/main" val="2448494909"/>
+                    <a16:rowId xmlns:a16="http://schemas.microsoft.com/office/drawing/2014/main" xmlns="" val="2448494909"/>
                   </a:ext>
                 </a:extLst>
               </a:tr>
@@ -13208,791 +13609,17 @@
   <p:clrMapOvr>
     <a:masterClrMapping/>
   </p:clrMapOvr>
+  <p:timing>
+    <p:tnLst>
+      <p:par>
+        <p:cTn id="1" dur="indefinite" restart="never" nodeType="tmRoot"/>
+      </p:par>
+    </p:tnLst>
+  </p:timing>
 </p:sld>
 </file>
 
-<file path=ppt/slides/slide4.xml><?xml version="1.0" encoding="utf-8"?>
-<p:sld xmlns:a="http://schemas.openxmlformats.org/drawingml/2006/main" xmlns:r="http://schemas.openxmlformats.org/officeDocument/2006/relationships" xmlns:p="http://schemas.openxmlformats.org/presentationml/2006/main">
-  <p:cSld>
-    <p:spTree>
-      <p:nvGrpSpPr>
-        <p:cNvPr id="1" name=""/>
-        <p:cNvGrpSpPr/>
-        <p:nvPr/>
-      </p:nvGrpSpPr>
-      <p:grpSpPr>
-        <a:xfrm>
-          <a:off x="0" y="0"/>
-          <a:ext cx="0" cy="0"/>
-          <a:chOff x="0" y="0"/>
-          <a:chExt cx="0" cy="0"/>
-        </a:xfrm>
-      </p:grpSpPr>
-      <p:sp>
-        <p:nvSpPr>
-          <p:cNvPr id="4" name="Title 3"/>
-          <p:cNvSpPr>
-            <a:spLocks noGrp="1"/>
-          </p:cNvSpPr>
-          <p:nvPr>
-            <p:ph type="title"/>
-          </p:nvPr>
-        </p:nvSpPr>
-        <p:spPr>
-          <a:xfrm>
-            <a:off x="1202161" y="225068"/>
-            <a:ext cx="4236116" cy="861101"/>
-          </a:xfrm>
-        </p:spPr>
-        <p:txBody>
-          <a:bodyPr>
-            <a:normAutofit/>
-          </a:bodyPr>
-          <a:lstStyle/>
-          <a:p>
-            <a:r>
-              <a:rPr lang="en-CA" dirty="0">
-                <a:solidFill>
-                  <a:srgbClr val="2A1A00"/>
-                </a:solidFill>
-              </a:rPr>
-              <a:t>The Team</a:t>
-            </a:r>
-            <a:r>
-              <a:rPr lang="en-CA" dirty="0"/>
-              <a:t> </a:t>
-            </a:r>
-            <a:endParaRPr lang="en-US" dirty="0"/>
-          </a:p>
-        </p:txBody>
-      </p:sp>
-      <p:sp>
-        <p:nvSpPr>
-          <p:cNvPr id="5" name="Content Placeholder 4"/>
-          <p:cNvSpPr>
-            <a:spLocks noGrp="1"/>
-          </p:cNvSpPr>
-          <p:nvPr>
-            <p:ph sz="half" idx="1"/>
-          </p:nvPr>
-        </p:nvSpPr>
-        <p:spPr>
-          <a:xfrm>
-            <a:off x="1449197" y="3054251"/>
-            <a:ext cx="2679997" cy="631075"/>
-          </a:xfrm>
-        </p:spPr>
-        <p:txBody>
-          <a:bodyPr>
-            <a:noAutofit/>
-          </a:bodyPr>
-          <a:lstStyle/>
-          <a:p>
-            <a:pPr marL="0" indent="0" algn="ctr">
-              <a:lnSpc>
-                <a:spcPct val="120000"/>
-              </a:lnSpc>
-              <a:spcBef>
-                <a:spcPts val="0"/>
-              </a:spcBef>
-              <a:buNone/>
-            </a:pPr>
-            <a:r>
-              <a:rPr lang="en-CA" sz="1800" dirty="0">
-                <a:solidFill>
-                  <a:srgbClr val="2A1A00"/>
-                </a:solidFill>
-              </a:rPr>
-              <a:t>Zachary Bazen</a:t>
-            </a:r>
-          </a:p>
-          <a:p>
-            <a:pPr marL="0" indent="0" algn="ctr">
-              <a:lnSpc>
-                <a:spcPct val="120000"/>
-              </a:lnSpc>
-              <a:spcBef>
-                <a:spcPts val="0"/>
-              </a:spcBef>
-              <a:buNone/>
-            </a:pPr>
-            <a:r>
-              <a:rPr lang="en-CA" sz="1800" dirty="0">
-                <a:solidFill>
-                  <a:srgbClr val="2A1A00"/>
-                </a:solidFill>
-              </a:rPr>
-              <a:t>Software Engineering </a:t>
-            </a:r>
-          </a:p>
-        </p:txBody>
-      </p:sp>
-      <p:sp>
-        <p:nvSpPr>
-          <p:cNvPr id="19" name="Content Placeholder 4"/>
-          <p:cNvSpPr>
-            <a:spLocks noGrp="1"/>
-          </p:cNvSpPr>
-          <p:nvPr>
-            <p:ph sz="half" idx="1"/>
-          </p:nvPr>
-        </p:nvSpPr>
-        <p:spPr>
-          <a:xfrm>
-            <a:off x="8464511" y="3060502"/>
-            <a:ext cx="2679997" cy="631075"/>
-          </a:xfrm>
-        </p:spPr>
-        <p:txBody>
-          <a:bodyPr>
-            <a:noAutofit/>
-          </a:bodyPr>
-          <a:lstStyle/>
-          <a:p>
-            <a:pPr marL="0" indent="0" algn="ctr">
-              <a:lnSpc>
-                <a:spcPct val="120000"/>
-              </a:lnSpc>
-              <a:spcBef>
-                <a:spcPts val="0"/>
-              </a:spcBef>
-              <a:buNone/>
-            </a:pPr>
-            <a:r>
-              <a:rPr lang="en-CA" sz="1800" dirty="0">
-                <a:solidFill>
-                  <a:srgbClr val="2A1A00"/>
-                </a:solidFill>
-              </a:rPr>
-              <a:t>Justin </a:t>
-            </a:r>
-            <a:r>
-              <a:rPr lang="en-CA" sz="1800" dirty="0" err="1">
-                <a:solidFill>
-                  <a:srgbClr val="2A1A00"/>
-                </a:solidFill>
-              </a:rPr>
-              <a:t>Kapinski</a:t>
-            </a:r>
-            <a:r>
-              <a:rPr lang="en-CA" sz="1800" dirty="0">
-                <a:solidFill>
-                  <a:srgbClr val="2A1A00"/>
-                </a:solidFill>
-              </a:rPr>
-              <a:t> </a:t>
-            </a:r>
-          </a:p>
-          <a:p>
-            <a:pPr marL="0" indent="0" algn="ctr">
-              <a:lnSpc>
-                <a:spcPct val="120000"/>
-              </a:lnSpc>
-              <a:spcBef>
-                <a:spcPts val="0"/>
-              </a:spcBef>
-              <a:buNone/>
-            </a:pPr>
-            <a:r>
-              <a:rPr lang="en-CA" sz="1800" dirty="0">
-                <a:solidFill>
-                  <a:srgbClr val="2A1A00"/>
-                </a:solidFill>
-              </a:rPr>
-              <a:t>Software Engineering </a:t>
-            </a:r>
-          </a:p>
-        </p:txBody>
-      </p:sp>
-      <p:sp>
-        <p:nvSpPr>
-          <p:cNvPr id="25" name="Content Placeholder 4"/>
-          <p:cNvSpPr>
-            <a:spLocks noGrp="1"/>
-          </p:cNvSpPr>
-          <p:nvPr>
-            <p:ph sz="half" idx="1"/>
-          </p:nvPr>
-        </p:nvSpPr>
-        <p:spPr>
-          <a:xfrm>
-            <a:off x="4956853" y="3054251"/>
-            <a:ext cx="2679997" cy="631075"/>
-          </a:xfrm>
-        </p:spPr>
-        <p:txBody>
-          <a:bodyPr>
-            <a:noAutofit/>
-          </a:bodyPr>
-          <a:lstStyle/>
-          <a:p>
-            <a:pPr marL="0" indent="0" algn="ctr">
-              <a:lnSpc>
-                <a:spcPct val="120000"/>
-              </a:lnSpc>
-              <a:spcBef>
-                <a:spcPts val="0"/>
-              </a:spcBef>
-              <a:buNone/>
-            </a:pPr>
-            <a:r>
-              <a:rPr lang="en-CA" sz="1800" dirty="0">
-                <a:solidFill>
-                  <a:srgbClr val="2A1A00"/>
-                </a:solidFill>
-              </a:rPr>
-              <a:t>Alexander Jackson</a:t>
-            </a:r>
-          </a:p>
-          <a:p>
-            <a:pPr marL="0" indent="0" algn="ctr">
-              <a:lnSpc>
-                <a:spcPct val="120000"/>
-              </a:lnSpc>
-              <a:spcBef>
-                <a:spcPts val="0"/>
-              </a:spcBef>
-              <a:buNone/>
-            </a:pPr>
-            <a:r>
-              <a:rPr lang="en-CA" sz="1800" dirty="0">
-                <a:solidFill>
-                  <a:srgbClr val="2A1A00"/>
-                </a:solidFill>
-              </a:rPr>
-              <a:t>Software Engineering </a:t>
-            </a:r>
-          </a:p>
-        </p:txBody>
-      </p:sp>
-      <p:sp>
-        <p:nvSpPr>
-          <p:cNvPr id="26" name="Content Placeholder 4"/>
-          <p:cNvSpPr>
-            <a:spLocks noGrp="1"/>
-          </p:cNvSpPr>
-          <p:nvPr>
-            <p:ph sz="half" idx="1"/>
-          </p:nvPr>
-        </p:nvSpPr>
-        <p:spPr>
-          <a:xfrm>
-            <a:off x="1449196" y="5898410"/>
-            <a:ext cx="2679997" cy="631075"/>
-          </a:xfrm>
-        </p:spPr>
-        <p:txBody>
-          <a:bodyPr>
-            <a:noAutofit/>
-          </a:bodyPr>
-          <a:lstStyle/>
-          <a:p>
-            <a:pPr marL="0" indent="0" algn="ctr">
-              <a:lnSpc>
-                <a:spcPct val="120000"/>
-              </a:lnSpc>
-              <a:spcBef>
-                <a:spcPts val="0"/>
-              </a:spcBef>
-              <a:buNone/>
-            </a:pPr>
-            <a:r>
-              <a:rPr lang="en-CA" sz="1800" dirty="0">
-                <a:solidFill>
-                  <a:srgbClr val="2A1A00"/>
-                </a:solidFill>
-              </a:rPr>
-              <a:t>Jean </a:t>
-            </a:r>
-            <a:r>
-              <a:rPr lang="en-US" sz="1800" dirty="0">
-                <a:solidFill>
-                  <a:srgbClr val="2A1A00"/>
-                </a:solidFill>
-              </a:rPr>
-              <a:t>Lucas Ferreira </a:t>
-            </a:r>
-            <a:r>
-              <a:rPr lang="en-CA" sz="1800" dirty="0">
-                <a:solidFill>
-                  <a:srgbClr val="2A1A00"/>
-                </a:solidFill>
-              </a:rPr>
-              <a:t>Software Engineering </a:t>
-            </a:r>
-          </a:p>
-        </p:txBody>
-      </p:sp>
-      <p:sp>
-        <p:nvSpPr>
-          <p:cNvPr id="27" name="Content Placeholder 4"/>
-          <p:cNvSpPr>
-            <a:spLocks noGrp="1"/>
-          </p:cNvSpPr>
-          <p:nvPr>
-            <p:ph sz="half" idx="1"/>
-          </p:nvPr>
-        </p:nvSpPr>
-        <p:spPr>
-          <a:xfrm>
-            <a:off x="4956855" y="5898410"/>
-            <a:ext cx="2679997" cy="631075"/>
-          </a:xfrm>
-        </p:spPr>
-        <p:txBody>
-          <a:bodyPr>
-            <a:noAutofit/>
-          </a:bodyPr>
-          <a:lstStyle/>
-          <a:p>
-            <a:pPr marL="0" indent="0" algn="ctr">
-              <a:lnSpc>
-                <a:spcPct val="120000"/>
-              </a:lnSpc>
-              <a:spcBef>
-                <a:spcPts val="0"/>
-              </a:spcBef>
-              <a:buNone/>
-            </a:pPr>
-            <a:r>
-              <a:rPr lang="en-CA" sz="1800" dirty="0">
-                <a:solidFill>
-                  <a:srgbClr val="2A1A00"/>
-                </a:solidFill>
-              </a:rPr>
-              <a:t>Mathew </a:t>
-            </a:r>
-            <a:r>
-              <a:rPr lang="en-CA" sz="1800" dirty="0" err="1">
-                <a:solidFill>
-                  <a:srgbClr val="2A1A00"/>
-                </a:solidFill>
-              </a:rPr>
-              <a:t>Hobers</a:t>
-            </a:r>
-            <a:r>
-              <a:rPr lang="en-CA" sz="1800" dirty="0">
-                <a:solidFill>
-                  <a:srgbClr val="2A1A00"/>
-                </a:solidFill>
-              </a:rPr>
-              <a:t> </a:t>
-            </a:r>
-          </a:p>
-          <a:p>
-            <a:pPr marL="0" indent="0" algn="ctr">
-              <a:lnSpc>
-                <a:spcPct val="120000"/>
-              </a:lnSpc>
-              <a:spcBef>
-                <a:spcPts val="0"/>
-              </a:spcBef>
-              <a:buNone/>
-            </a:pPr>
-            <a:r>
-              <a:rPr lang="en-CA" sz="1800" dirty="0">
-                <a:solidFill>
-                  <a:srgbClr val="2A1A00"/>
-                </a:solidFill>
-              </a:rPr>
-              <a:t>Software Engineering </a:t>
-            </a:r>
-          </a:p>
-        </p:txBody>
-      </p:sp>
-      <p:sp>
-        <p:nvSpPr>
-          <p:cNvPr id="28" name="Content Placeholder 4"/>
-          <p:cNvSpPr>
-            <a:spLocks noGrp="1"/>
-          </p:cNvSpPr>
-          <p:nvPr>
-            <p:ph sz="half" idx="1"/>
-          </p:nvPr>
-        </p:nvSpPr>
-        <p:spPr>
-          <a:xfrm>
-            <a:off x="7666601" y="5892159"/>
-            <a:ext cx="4275815" cy="631075"/>
-          </a:xfrm>
-        </p:spPr>
-        <p:txBody>
-          <a:bodyPr>
-            <a:noAutofit/>
-          </a:bodyPr>
-          <a:lstStyle/>
-          <a:p>
-            <a:pPr marL="0" indent="0" algn="ctr">
-              <a:lnSpc>
-                <a:spcPct val="120000"/>
-              </a:lnSpc>
-              <a:spcBef>
-                <a:spcPts val="0"/>
-              </a:spcBef>
-              <a:buNone/>
-            </a:pPr>
-            <a:r>
-              <a:rPr lang="en-CA" sz="1800" dirty="0">
-                <a:solidFill>
-                  <a:srgbClr val="2A1A00"/>
-                </a:solidFill>
-              </a:rPr>
-              <a:t>Radhika Sharma </a:t>
-            </a:r>
-          </a:p>
-          <a:p>
-            <a:pPr marL="0" indent="0" algn="ctr">
-              <a:lnSpc>
-                <a:spcPct val="120000"/>
-              </a:lnSpc>
-              <a:spcBef>
-                <a:spcPts val="0"/>
-              </a:spcBef>
-              <a:buNone/>
-            </a:pPr>
-            <a:r>
-              <a:rPr lang="en-CA" sz="1800" dirty="0">
-                <a:solidFill>
-                  <a:srgbClr val="2A1A00"/>
-                </a:solidFill>
-              </a:rPr>
-              <a:t>Software Engineering – Embedded Systems </a:t>
-            </a:r>
-          </a:p>
-        </p:txBody>
-      </p:sp>
-      <p:pic>
-        <p:nvPicPr>
-          <p:cNvPr id="30" name="Picture 29"/>
-          <p:cNvPicPr>
-            <a:picLocks noChangeAspect="1"/>
-          </p:cNvPicPr>
-          <p:nvPr/>
-        </p:nvPicPr>
-        <p:blipFill>
-          <a:blip r:embed="rId2">
-            <a:extLst>
-              <a:ext uri="{28A0092B-C50C-407E-A947-70E740481C1C}">
-                <a14:useLocalDpi xmlns:a14="http://schemas.microsoft.com/office/drawing/2010/main" val="0"/>
-              </a:ext>
-            </a:extLst>
-          </a:blip>
-          <a:stretch>
-            <a:fillRect/>
-          </a:stretch>
-        </p:blipFill>
-        <p:spPr>
-          <a:xfrm>
-            <a:off x="1920788" y="1246887"/>
-            <a:ext cx="1717148" cy="1715472"/>
-          </a:xfrm>
-          <a:prstGeom prst="ellipse">
-            <a:avLst/>
-          </a:prstGeom>
-          <a:ln w="190500" cap="rnd">
-            <a:solidFill>
-              <a:srgbClr val="2A1A00"/>
-            </a:solidFill>
-            <a:prstDash val="solid"/>
-          </a:ln>
-          <a:effectLst>
-            <a:outerShdw blurRad="127000" algn="bl" rotWithShape="0">
-              <a:srgbClr val="000000"/>
-            </a:outerShdw>
-          </a:effectLst>
-          <a:scene3d>
-            <a:camera prst="perspectiveFront" fov="5400000"/>
-            <a:lightRig rig="threePt" dir="t">
-              <a:rot lat="0" lon="0" rev="19200000"/>
-            </a:lightRig>
-          </a:scene3d>
-          <a:sp3d extrusionH="25400">
-            <a:bevelT w="304800" h="152400" prst="hardEdge"/>
-            <a:extrusionClr>
-              <a:srgbClr val="000000"/>
-            </a:extrusionClr>
-          </a:sp3d>
-        </p:spPr>
-      </p:pic>
-      <p:pic>
-        <p:nvPicPr>
-          <p:cNvPr id="31" name="Picture 30"/>
-          <p:cNvPicPr>
-            <a:picLocks noChangeAspect="1"/>
-          </p:cNvPicPr>
-          <p:nvPr/>
-        </p:nvPicPr>
-        <p:blipFill>
-          <a:blip r:embed="rId2">
-            <a:extLst>
-              <a:ext uri="{28A0092B-C50C-407E-A947-70E740481C1C}">
-                <a14:useLocalDpi xmlns:a14="http://schemas.microsoft.com/office/drawing/2010/main" val="0"/>
-              </a:ext>
-            </a:extLst>
-          </a:blip>
-          <a:stretch>
-            <a:fillRect/>
-          </a:stretch>
-        </p:blipFill>
-        <p:spPr>
-          <a:xfrm>
-            <a:off x="5438277" y="1246887"/>
-            <a:ext cx="1717148" cy="1715472"/>
-          </a:xfrm>
-          <a:prstGeom prst="ellipse">
-            <a:avLst/>
-          </a:prstGeom>
-          <a:ln w="190500" cap="rnd">
-            <a:solidFill>
-              <a:srgbClr val="2A1A00"/>
-            </a:solidFill>
-            <a:prstDash val="solid"/>
-          </a:ln>
-          <a:effectLst>
-            <a:outerShdw blurRad="127000" algn="bl" rotWithShape="0">
-              <a:srgbClr val="000000"/>
-            </a:outerShdw>
-          </a:effectLst>
-          <a:scene3d>
-            <a:camera prst="perspectiveFront" fov="5400000"/>
-            <a:lightRig rig="threePt" dir="t">
-              <a:rot lat="0" lon="0" rev="19200000"/>
-            </a:lightRig>
-          </a:scene3d>
-          <a:sp3d extrusionH="25400">
-            <a:bevelT w="304800" h="152400" prst="hardEdge"/>
-            <a:extrusionClr>
-              <a:srgbClr val="000000"/>
-            </a:extrusionClr>
-          </a:sp3d>
-        </p:spPr>
-      </p:pic>
-      <p:pic>
-        <p:nvPicPr>
-          <p:cNvPr id="32" name="Picture 31"/>
-          <p:cNvPicPr>
-            <a:picLocks noChangeAspect="1"/>
-          </p:cNvPicPr>
-          <p:nvPr/>
-        </p:nvPicPr>
-        <p:blipFill>
-          <a:blip r:embed="rId2">
-            <a:extLst>
-              <a:ext uri="{28A0092B-C50C-407E-A947-70E740481C1C}">
-                <a14:useLocalDpi xmlns:a14="http://schemas.microsoft.com/office/drawing/2010/main" val="0"/>
-              </a:ext>
-            </a:extLst>
-          </a:blip>
-          <a:stretch>
-            <a:fillRect/>
-          </a:stretch>
-        </p:blipFill>
-        <p:spPr>
-          <a:xfrm>
-            <a:off x="8955766" y="1246887"/>
-            <a:ext cx="1717148" cy="1715472"/>
-          </a:xfrm>
-          <a:prstGeom prst="ellipse">
-            <a:avLst/>
-          </a:prstGeom>
-          <a:ln w="190500" cap="rnd">
-            <a:solidFill>
-              <a:srgbClr val="2A1A00"/>
-            </a:solidFill>
-            <a:prstDash val="solid"/>
-          </a:ln>
-          <a:effectLst>
-            <a:outerShdw blurRad="127000" algn="bl" rotWithShape="0">
-              <a:srgbClr val="000000"/>
-            </a:outerShdw>
-          </a:effectLst>
-          <a:scene3d>
-            <a:camera prst="perspectiveFront" fov="5400000"/>
-            <a:lightRig rig="threePt" dir="t">
-              <a:rot lat="0" lon="0" rev="19200000"/>
-            </a:lightRig>
-          </a:scene3d>
-          <a:sp3d extrusionH="25400">
-            <a:bevelT w="304800" h="152400" prst="hardEdge"/>
-            <a:extrusionClr>
-              <a:srgbClr val="000000"/>
-            </a:extrusionClr>
-          </a:sp3d>
-        </p:spPr>
-      </p:pic>
-      <p:pic>
-        <p:nvPicPr>
-          <p:cNvPr id="33" name="Picture 32"/>
-          <p:cNvPicPr>
-            <a:picLocks noChangeAspect="1"/>
-          </p:cNvPicPr>
-          <p:nvPr/>
-        </p:nvPicPr>
-        <p:blipFill>
-          <a:blip r:embed="rId2">
-            <a:extLst>
-              <a:ext uri="{28A0092B-C50C-407E-A947-70E740481C1C}">
-                <a14:useLocalDpi xmlns:a14="http://schemas.microsoft.com/office/drawing/2010/main" val="0"/>
-              </a:ext>
-            </a:extLst>
-          </a:blip>
-          <a:stretch>
-            <a:fillRect/>
-          </a:stretch>
-        </p:blipFill>
-        <p:spPr>
-          <a:xfrm>
-            <a:off x="1920788" y="4155984"/>
-            <a:ext cx="1717148" cy="1715472"/>
-          </a:xfrm>
-          <a:prstGeom prst="ellipse">
-            <a:avLst/>
-          </a:prstGeom>
-          <a:ln w="190500" cap="rnd">
-            <a:solidFill>
-              <a:srgbClr val="2A1A00"/>
-            </a:solidFill>
-            <a:prstDash val="solid"/>
-          </a:ln>
-          <a:effectLst>
-            <a:outerShdw blurRad="127000" algn="bl" rotWithShape="0">
-              <a:srgbClr val="000000"/>
-            </a:outerShdw>
-          </a:effectLst>
-          <a:scene3d>
-            <a:camera prst="perspectiveFront" fov="5400000"/>
-            <a:lightRig rig="threePt" dir="t">
-              <a:rot lat="0" lon="0" rev="19200000"/>
-            </a:lightRig>
-          </a:scene3d>
-          <a:sp3d extrusionH="25400">
-            <a:bevelT w="304800" h="152400" prst="hardEdge"/>
-            <a:extrusionClr>
-              <a:srgbClr val="000000"/>
-            </a:extrusionClr>
-          </a:sp3d>
-        </p:spPr>
-      </p:pic>
-      <p:pic>
-        <p:nvPicPr>
-          <p:cNvPr id="34" name="Picture 33"/>
-          <p:cNvPicPr>
-            <a:picLocks noChangeAspect="1"/>
-          </p:cNvPicPr>
-          <p:nvPr/>
-        </p:nvPicPr>
-        <p:blipFill>
-          <a:blip r:embed="rId2">
-            <a:extLst>
-              <a:ext uri="{28A0092B-C50C-407E-A947-70E740481C1C}">
-                <a14:useLocalDpi xmlns:a14="http://schemas.microsoft.com/office/drawing/2010/main" val="0"/>
-              </a:ext>
-            </a:extLst>
-          </a:blip>
-          <a:stretch>
-            <a:fillRect/>
-          </a:stretch>
-        </p:blipFill>
-        <p:spPr>
-          <a:xfrm>
-            <a:off x="5438277" y="4155984"/>
-            <a:ext cx="1717148" cy="1715472"/>
-          </a:xfrm>
-          <a:prstGeom prst="ellipse">
-            <a:avLst/>
-          </a:prstGeom>
-          <a:ln w="190500" cap="rnd">
-            <a:solidFill>
-              <a:srgbClr val="2A1A00"/>
-            </a:solidFill>
-            <a:prstDash val="solid"/>
-          </a:ln>
-          <a:effectLst>
-            <a:outerShdw blurRad="127000" algn="bl" rotWithShape="0">
-              <a:srgbClr val="000000"/>
-            </a:outerShdw>
-          </a:effectLst>
-          <a:scene3d>
-            <a:camera prst="perspectiveFront" fov="5400000"/>
-            <a:lightRig rig="threePt" dir="t">
-              <a:rot lat="0" lon="0" rev="19200000"/>
-            </a:lightRig>
-          </a:scene3d>
-          <a:sp3d extrusionH="25400">
-            <a:bevelT w="304800" h="152400" prst="hardEdge"/>
-            <a:extrusionClr>
-              <a:srgbClr val="000000"/>
-            </a:extrusionClr>
-          </a:sp3d>
-        </p:spPr>
-      </p:pic>
-      <p:pic>
-        <p:nvPicPr>
-          <p:cNvPr id="35" name="Picture 34"/>
-          <p:cNvPicPr>
-            <a:picLocks noChangeAspect="1"/>
-          </p:cNvPicPr>
-          <p:nvPr/>
-        </p:nvPicPr>
-        <p:blipFill>
-          <a:blip r:embed="rId2">
-            <a:extLst>
-              <a:ext uri="{28A0092B-C50C-407E-A947-70E740481C1C}">
-                <a14:useLocalDpi xmlns:a14="http://schemas.microsoft.com/office/drawing/2010/main" val="0"/>
-              </a:ext>
-            </a:extLst>
-          </a:blip>
-          <a:stretch>
-            <a:fillRect/>
-          </a:stretch>
-        </p:blipFill>
-        <p:spPr>
-          <a:xfrm>
-            <a:off x="8945934" y="4155984"/>
-            <a:ext cx="1717148" cy="1715472"/>
-          </a:xfrm>
-          <a:prstGeom prst="ellipse">
-            <a:avLst/>
-          </a:prstGeom>
-          <a:ln w="190500" cap="rnd">
-            <a:solidFill>
-              <a:srgbClr val="2A1A00"/>
-            </a:solidFill>
-            <a:prstDash val="solid"/>
-          </a:ln>
-          <a:effectLst>
-            <a:outerShdw blurRad="127000" algn="bl" rotWithShape="0">
-              <a:srgbClr val="000000"/>
-            </a:outerShdw>
-          </a:effectLst>
-          <a:scene3d>
-            <a:camera prst="perspectiveFront" fov="5400000"/>
-            <a:lightRig rig="threePt" dir="t">
-              <a:rot lat="0" lon="0" rev="19200000"/>
-            </a:lightRig>
-          </a:scene3d>
-          <a:sp3d extrusionH="25400">
-            <a:bevelT w="304800" h="152400" prst="hardEdge"/>
-            <a:extrusionClr>
-              <a:srgbClr val="000000"/>
-            </a:extrusionClr>
-          </a:sp3d>
-        </p:spPr>
-      </p:pic>
-    </p:spTree>
-    <p:extLst>
-      <p:ext uri="{BB962C8B-B14F-4D97-AF65-F5344CB8AC3E}">
-        <p14:creationId xmlns:p14="http://schemas.microsoft.com/office/powerpoint/2010/main" val="443934613"/>
-      </p:ext>
-    </p:extLst>
-  </p:cSld>
-  <p:clrMapOvr>
-    <a:masterClrMapping/>
-  </p:clrMapOvr>
-</p:sld>
-</file>
-
-<file path=ppt/slides/slide5.xml><?xml version="1.0" encoding="utf-8"?>
+<file path=ppt/slides/slide3.xml><?xml version="1.0" encoding="utf-8"?>
 <p:sld xmlns:a="http://schemas.openxmlformats.org/drawingml/2006/main" xmlns:r="http://schemas.openxmlformats.org/officeDocument/2006/relationships" xmlns:p="http://schemas.openxmlformats.org/presentationml/2006/main">
   <p:cSld>
     <p:spTree>
@@ -16017,7 +15644,7 @@
 </p:sld>
 </file>
 
-<file path=ppt/slides/slide6.xml><?xml version="1.0" encoding="utf-8"?>
+<file path=ppt/slides/slide4.xml><?xml version="1.0" encoding="utf-8"?>
 <p:sld xmlns:a="http://schemas.openxmlformats.org/drawingml/2006/main" xmlns:r="http://schemas.openxmlformats.org/officeDocument/2006/relationships" xmlns:p="http://schemas.openxmlformats.org/presentationml/2006/main">
   <p:cSld>
     <p:spTree>
@@ -16034,6 +15661,36 @@
           <a:chExt cx="0" cy="0"/>
         </a:xfrm>
       </p:grpSpPr>
+      <p:pic>
+        <p:nvPicPr>
+          <p:cNvPr id="4" name="Picture 3"/>
+          <p:cNvPicPr>
+            <a:picLocks noChangeAspect="1"/>
+          </p:cNvPicPr>
+          <p:nvPr/>
+        </p:nvPicPr>
+        <p:blipFill>
+          <a:blip r:embed="rId3">
+            <a:extLst>
+              <a:ext uri="{28A0092B-C50C-407E-A947-70E740481C1C}">
+                <a14:useLocalDpi xmlns:a14="http://schemas.microsoft.com/office/drawing/2010/main" val="0"/>
+              </a:ext>
+            </a:extLst>
+          </a:blip>
+          <a:stretch>
+            <a:fillRect/>
+          </a:stretch>
+        </p:blipFill>
+        <p:spPr>
+          <a:xfrm>
+            <a:off x="6321698" y="1708475"/>
+            <a:ext cx="5238929" cy="3117162"/>
+          </a:xfrm>
+          <a:prstGeom prst="rect">
+            <a:avLst/>
+          </a:prstGeom>
+        </p:spPr>
+      </p:pic>
       <p:sp>
         <p:nvSpPr>
           <p:cNvPr id="2" name="Title 1"/>
@@ -16062,12 +15719,12 @@
               </a:lnSpc>
             </a:pPr>
             <a:r>
-              <a:rPr lang="en-CA" sz="7200" dirty="0">
+              <a:rPr lang="en-CA" sz="7200" dirty="0" smtClean="0">
                 <a:solidFill>
                   <a:srgbClr val="2A1A00"/>
                 </a:solidFill>
               </a:rPr>
-              <a:t>The Solution</a:t>
+              <a:t>OUR Solution</a:t>
             </a:r>
             <a:endParaRPr lang="en-US" sz="7200" dirty="0">
               <a:solidFill>
@@ -16089,8 +15746,8 @@
         </p:nvSpPr>
         <p:spPr>
           <a:xfrm>
-            <a:off x="1251678" y="2168015"/>
-            <a:ext cx="10178322" cy="3947650"/>
+            <a:off x="1251678" y="2179304"/>
+            <a:ext cx="9811433" cy="2358829"/>
           </a:xfrm>
         </p:spPr>
         <p:txBody>
@@ -16100,55 +15757,109 @@
           <a:lstStyle/>
           <a:p>
             <a:r>
-              <a:rPr lang="en-CA" sz="4400" dirty="0">
-                <a:solidFill>
-                  <a:srgbClr val="2A1A00"/>
-                </a:solidFill>
-              </a:rPr>
-              <a:t> Intersection control system</a:t>
-            </a:r>
-          </a:p>
-          <a:p>
-            <a:pPr lvl="1"/>
-            <a:r>
-              <a:rPr lang="en-CA" sz="4200" dirty="0">
-                <a:solidFill>
-                  <a:srgbClr val="2A1A00"/>
-                </a:solidFill>
-              </a:rPr>
-              <a:t> Decides which vehicle goes first</a:t>
-            </a:r>
-            <a:r>
-              <a:rPr lang="en-CA" sz="4400" dirty="0">
+              <a:rPr lang="en-CA" sz="3200" dirty="0">
                 <a:solidFill>
                   <a:srgbClr val="2A1A00"/>
                 </a:solidFill>
               </a:rPr>
               <a:t> </a:t>
             </a:r>
-          </a:p>
-          <a:p>
-            <a:pPr lvl="1"/>
             <a:r>
-              <a:rPr lang="en-CA" sz="4400" dirty="0">
+              <a:rPr lang="en-CA" sz="3600" dirty="0">
                 <a:solidFill>
                   <a:srgbClr val="2A1A00"/>
                 </a:solidFill>
               </a:rPr>
-              <a:t> Eliminates need for general consensus</a:t>
+              <a:t>Intersection </a:t>
             </a:r>
-          </a:p>
-          <a:p>
-            <a:pPr lvl="1"/>
             <a:r>
-              <a:rPr lang="en-CA" sz="4400" dirty="0">
+              <a:rPr lang="en-CA" sz="3600" dirty="0" smtClean="0">
                 <a:solidFill>
                   <a:srgbClr val="2A1A00"/>
                 </a:solidFill>
               </a:rPr>
-              <a:t> Communicates decision to vehicles</a:t>
+              <a:t>Controller (IC)</a:t>
             </a:r>
-            <a:endParaRPr lang="en-US" sz="4400" dirty="0">
+            <a:endParaRPr lang="en-CA" sz="3600" dirty="0">
+              <a:solidFill>
+                <a:srgbClr val="2A1A00"/>
+              </a:solidFill>
+            </a:endParaRPr>
+          </a:p>
+          <a:p>
+            <a:pPr lvl="1"/>
+            <a:r>
+              <a:rPr lang="en-CA" sz="3200" dirty="0">
+                <a:solidFill>
+                  <a:srgbClr val="2A1A00"/>
+                </a:solidFill>
+              </a:rPr>
+              <a:t> </a:t>
+            </a:r>
+            <a:r>
+              <a:rPr lang="en-CA" sz="3200" dirty="0">
+                <a:solidFill>
+                  <a:schemeClr val="tx1"/>
+                </a:solidFill>
+              </a:rPr>
+              <a:t> Manages traffic flow</a:t>
+            </a:r>
+          </a:p>
+          <a:p>
+            <a:pPr marL="457200" lvl="1" indent="0">
+              <a:buNone/>
+            </a:pPr>
+            <a:endParaRPr lang="en-CA" sz="3200" dirty="0" smtClean="0">
+              <a:solidFill>
+                <a:srgbClr val="2A1A00"/>
+              </a:solidFill>
+            </a:endParaRPr>
+          </a:p>
+          <a:p>
+            <a:r>
+              <a:rPr lang="en-CA" sz="3600" dirty="0">
+                <a:solidFill>
+                  <a:schemeClr val="tx1"/>
+                </a:solidFill>
+              </a:rPr>
+              <a:t>Vehicle Controller </a:t>
+            </a:r>
+            <a:r>
+              <a:rPr lang="en-CA" sz="3600" dirty="0" smtClean="0">
+                <a:solidFill>
+                  <a:schemeClr val="tx1"/>
+                </a:solidFill>
+              </a:rPr>
+              <a:t>(VC)</a:t>
+            </a:r>
+            <a:endParaRPr lang="en-CA" sz="3600" dirty="0">
+              <a:solidFill>
+                <a:schemeClr val="tx1"/>
+              </a:solidFill>
+            </a:endParaRPr>
+          </a:p>
+          <a:p>
+            <a:pPr lvl="1"/>
+            <a:r>
+              <a:rPr lang="en-CA" sz="3600" dirty="0">
+                <a:solidFill>
+                  <a:schemeClr val="tx1"/>
+                </a:solidFill>
+              </a:rPr>
+              <a:t> </a:t>
+            </a:r>
+            <a:r>
+              <a:rPr lang="en-CA" sz="3200" dirty="0">
+                <a:solidFill>
+                  <a:schemeClr val="tx1"/>
+                </a:solidFill>
+              </a:rPr>
+              <a:t>Manages track and intersection navigation</a:t>
+            </a:r>
+          </a:p>
+          <a:p>
+            <a:pPr lvl="1"/>
+            <a:endParaRPr lang="en-US" sz="2800" dirty="0">
               <a:solidFill>
                 <a:srgbClr val="2A1A00"/>
               </a:solidFill>
@@ -16166,10 +15877,17 @@
   <p:clrMapOvr>
     <a:masterClrMapping/>
   </p:clrMapOvr>
+  <p:timing>
+    <p:tnLst>
+      <p:par>
+        <p:cTn id="1" dur="indefinite" restart="never" nodeType="tmRoot"/>
+      </p:par>
+    </p:tnLst>
+  </p:timing>
 </p:sld>
 </file>
 
-<file path=ppt/slides/slide7.xml><?xml version="1.0" encoding="utf-8"?>
+<file path=ppt/slides/slide5.xml><?xml version="1.0" encoding="utf-8"?>
 <p:sld xmlns:a="http://schemas.openxmlformats.org/drawingml/2006/main" xmlns:r="http://schemas.openxmlformats.org/officeDocument/2006/relationships" xmlns:p="http://schemas.openxmlformats.org/presentationml/2006/main" showMasterSp="0">
   <p:cSld>
     <p:bg>
@@ -18417,17 +18135,9 @@
 </p:sld>
 </file>
 
-<file path=ppt/slides/slide8.xml><?xml version="1.0" encoding="utf-8"?>
+<file path=ppt/slides/slide6.xml><?xml version="1.0" encoding="utf-8"?>
 <p:sld xmlns:a="http://schemas.openxmlformats.org/drawingml/2006/main" xmlns:r="http://schemas.openxmlformats.org/officeDocument/2006/relationships" xmlns:p="http://schemas.openxmlformats.org/presentationml/2006/main">
   <p:cSld>
-    <p:bg>
-      <p:bgPr>
-        <a:solidFill>
-          <a:srgbClr val="F3F3F2"/>
-        </a:solidFill>
-        <a:effectLst/>
-      </p:bgPr>
-    </p:bg>
     <p:spTree>
       <p:nvGrpSpPr>
         <p:cNvPr id="1" name=""/>
@@ -18444,13 +18154,13 @@
       </p:grpSpPr>
       <p:pic>
         <p:nvPicPr>
-          <p:cNvPr id="4" name="Picture 3"/>
+          <p:cNvPr id="4" name="Content Placeholder 3"/>
           <p:cNvPicPr>
             <a:picLocks noChangeAspect="1"/>
           </p:cNvPicPr>
           <p:nvPr/>
         </p:nvPicPr>
-        <p:blipFill>
+        <p:blipFill rotWithShape="1">
           <a:blip r:embed="rId3">
             <a:extLst>
               <a:ext uri="{28A0092B-C50C-407E-A947-70E740481C1C}">
@@ -18458,14 +18168,13 @@
               </a:ext>
             </a:extLst>
           </a:blip>
-          <a:stretch>
-            <a:fillRect/>
-          </a:stretch>
+          <a:srcRect l="2027" t="2834" r="2886" b="4489"/>
+          <a:stretch/>
         </p:blipFill>
         <p:spPr>
           <a:xfrm>
-            <a:off x="6341806" y="1502421"/>
-            <a:ext cx="5511853" cy="3279552"/>
+            <a:off x="5194509" y="2100944"/>
+            <a:ext cx="6148405" cy="2795454"/>
           </a:xfrm>
           <a:prstGeom prst="rect">
             <a:avLst/>
@@ -18482,23 +18191,18 @@
             <p:ph type="title"/>
           </p:nvPr>
         </p:nvSpPr>
-        <p:spPr>
-          <a:xfrm>
-            <a:off x="1061177" y="649146"/>
-            <a:ext cx="7346223" cy="1320855"/>
-          </a:xfrm>
-        </p:spPr>
+        <p:spPr/>
         <p:txBody>
           <a:bodyPr>
-            <a:noAutofit/>
+            <a:normAutofit/>
           </a:bodyPr>
           <a:lstStyle/>
           <a:p>
             <a:r>
-              <a:rPr lang="en-CA" sz="7200" dirty="0"/>
-              <a:t>System Overview</a:t>
+              <a:rPr lang="en-CA" sz="5400" dirty="0"/>
+              <a:t>Intersection Controller</a:t>
             </a:r>
-            <a:endParaRPr lang="en-US" sz="7200" dirty="0"/>
+            <a:endParaRPr lang="en-US" sz="5400" dirty="0"/>
           </a:p>
         </p:txBody>
       </p:sp>
@@ -18514,8 +18218,8 @@
         </p:nvSpPr>
         <p:spPr>
           <a:xfrm>
-            <a:off x="1251677" y="2437582"/>
-            <a:ext cx="9740789" cy="3800167"/>
+            <a:off x="1164592" y="2394859"/>
+            <a:ext cx="10178322" cy="3593591"/>
           </a:xfrm>
         </p:spPr>
         <p:txBody>
@@ -18525,52 +18229,381 @@
           <a:lstStyle/>
           <a:p>
             <a:r>
-              <a:rPr lang="en-CA" sz="4200" dirty="0">
+              <a:rPr lang="en-CA" sz="3200" dirty="0" smtClean="0">
                 <a:solidFill>
-                  <a:schemeClr val="tx1"/>
+                  <a:srgbClr val="2A1A00"/>
                 </a:solidFill>
               </a:rPr>
-              <a:t> Intersection Controller </a:t>
+              <a:t>Why </a:t>
             </a:r>
+            <a:r>
+              <a:rPr lang="en-CA" sz="3200" dirty="0">
+                <a:solidFill>
+                  <a:srgbClr val="2A1A00"/>
+                </a:solidFill>
+              </a:rPr>
+              <a:t>an IC? </a:t>
+            </a:r>
+            <a:endParaRPr lang="en-CA" sz="3200" dirty="0" smtClean="0">
+              <a:solidFill>
+                <a:srgbClr val="2A1A00"/>
+              </a:solidFill>
+            </a:endParaRPr>
           </a:p>
           <a:p>
             <a:pPr lvl="1"/>
             <a:r>
-              <a:rPr lang="en-CA" sz="4000" dirty="0">
+              <a:rPr lang="en-CA" sz="2800" dirty="0" smtClean="0">
                 <a:solidFill>
-                  <a:schemeClr val="tx1"/>
+                  <a:srgbClr val="2A1A00"/>
                 </a:solidFill>
               </a:rPr>
-              <a:t> Manages traffic flow</a:t>
+              <a:t>Efficient </a:t>
             </a:r>
-          </a:p>
-          <a:p>
             <a:r>
-              <a:rPr lang="en-CA" sz="4200" dirty="0">
+              <a:rPr lang="en-CA" sz="2800" dirty="0">
                 <a:solidFill>
-                  <a:schemeClr val="tx1"/>
+                  <a:srgbClr val="2A1A00"/>
                 </a:solidFill>
               </a:rPr>
-              <a:t> Vehicle Controller </a:t>
+              <a:t>traffic flow </a:t>
             </a:r>
+            <a:endParaRPr lang="en-CA" sz="2800" dirty="0">
+              <a:solidFill>
+                <a:srgbClr val="2A1A00"/>
+              </a:solidFill>
+            </a:endParaRPr>
           </a:p>
           <a:p>
             <a:pPr lvl="1"/>
             <a:r>
-              <a:rPr lang="en-CA" sz="4000" dirty="0">
+              <a:rPr lang="en-CA" sz="2800" dirty="0" smtClean="0">
                 <a:solidFill>
-                  <a:schemeClr val="tx1"/>
+                  <a:srgbClr val="2A1A00"/>
                 </a:solidFill>
               </a:rPr>
-              <a:t> Manages track and intersection navigation</a:t>
+              <a:t>Redundancy</a:t>
             </a:r>
+          </a:p>
+          <a:p>
+            <a:pPr marL="457200" lvl="1" indent="0">
+              <a:buNone/>
+            </a:pPr>
+            <a:endParaRPr lang="en-CA" sz="2800" dirty="0" smtClean="0">
+              <a:solidFill>
+                <a:srgbClr val="2A1A00"/>
+              </a:solidFill>
+            </a:endParaRPr>
+          </a:p>
+          <a:p>
+            <a:pPr marL="0" indent="0">
+              <a:buNone/>
+            </a:pPr>
+            <a:endParaRPr lang="en-CA" sz="2800" dirty="0">
+              <a:solidFill>
+                <a:srgbClr val="2A1A00"/>
+              </a:solidFill>
+            </a:endParaRPr>
+          </a:p>
+          <a:p>
+            <a:endParaRPr lang="en-US" sz="2800" dirty="0">
+              <a:solidFill>
+                <a:srgbClr val="2A1A00"/>
+              </a:solidFill>
+            </a:endParaRPr>
           </a:p>
         </p:txBody>
       </p:sp>
     </p:spTree>
     <p:extLst>
       <p:ext uri="{BB962C8B-B14F-4D97-AF65-F5344CB8AC3E}">
-        <p14:creationId xmlns:p14="http://schemas.microsoft.com/office/powerpoint/2010/main" val="1626411998"/>
+        <p14:creationId xmlns:p14="http://schemas.microsoft.com/office/powerpoint/2010/main" val="3290232183"/>
+      </p:ext>
+    </p:extLst>
+  </p:cSld>
+  <p:clrMapOvr>
+    <a:masterClrMapping/>
+  </p:clrMapOvr>
+</p:sld>
+</file>
+
+<file path=ppt/slides/slide7.xml><?xml version="1.0" encoding="utf-8"?>
+<p:sld xmlns:a="http://schemas.openxmlformats.org/drawingml/2006/main" xmlns:r="http://schemas.openxmlformats.org/officeDocument/2006/relationships" xmlns:p="http://schemas.openxmlformats.org/presentationml/2006/main">
+  <p:cSld>
+    <p:spTree>
+      <p:nvGrpSpPr>
+        <p:cNvPr id="1" name=""/>
+        <p:cNvGrpSpPr/>
+        <p:nvPr/>
+      </p:nvGrpSpPr>
+      <p:grpSpPr>
+        <a:xfrm>
+          <a:off x="0" y="0"/>
+          <a:ext cx="0" cy="0"/>
+          <a:chOff x="0" y="0"/>
+          <a:chExt cx="0" cy="0"/>
+        </a:xfrm>
+      </p:grpSpPr>
+      <p:sp>
+        <p:nvSpPr>
+          <p:cNvPr id="2" name="Title 1"/>
+          <p:cNvSpPr>
+            <a:spLocks noGrp="1"/>
+          </p:cNvSpPr>
+          <p:nvPr>
+            <p:ph type="title"/>
+          </p:nvPr>
+        </p:nvSpPr>
+        <p:spPr/>
+        <p:txBody>
+          <a:bodyPr/>
+          <a:lstStyle/>
+          <a:p>
+            <a:r>
+              <a:rPr lang="en-CA" dirty="0"/>
+              <a:t>Video of IC picking up car going by </a:t>
+            </a:r>
+            <a:endParaRPr lang="en-US" dirty="0"/>
+          </a:p>
+        </p:txBody>
+      </p:sp>
+      <p:sp>
+        <p:nvSpPr>
+          <p:cNvPr id="3" name="Content Placeholder 2"/>
+          <p:cNvSpPr>
+            <a:spLocks noGrp="1"/>
+          </p:cNvSpPr>
+          <p:nvPr>
+            <p:ph idx="1"/>
+          </p:nvPr>
+        </p:nvSpPr>
+        <p:spPr/>
+        <p:txBody>
+          <a:bodyPr/>
+          <a:lstStyle/>
+          <a:p>
+            <a:pPr marL="0" indent="0">
+              <a:buNone/>
+            </a:pPr>
+            <a:endParaRPr lang="en-CA" dirty="0"/>
+          </a:p>
+          <a:p>
+            <a:endParaRPr lang="en-US" dirty="0"/>
+          </a:p>
+        </p:txBody>
+      </p:sp>
+    </p:spTree>
+    <p:extLst>
+      <p:ext uri="{BB962C8B-B14F-4D97-AF65-F5344CB8AC3E}">
+        <p14:creationId xmlns:p14="http://schemas.microsoft.com/office/powerpoint/2010/main" val="455302734"/>
+      </p:ext>
+    </p:extLst>
+  </p:cSld>
+  <p:clrMapOvr>
+    <a:masterClrMapping/>
+  </p:clrMapOvr>
+</p:sld>
+</file>
+
+<file path=ppt/slides/slide8.xml><?xml version="1.0" encoding="utf-8"?>
+<p:sld xmlns:a="http://schemas.openxmlformats.org/drawingml/2006/main" xmlns:r="http://schemas.openxmlformats.org/officeDocument/2006/relationships" xmlns:p="http://schemas.openxmlformats.org/presentationml/2006/main">
+  <p:cSld>
+    <p:spTree>
+      <p:nvGrpSpPr>
+        <p:cNvPr id="1" name=""/>
+        <p:cNvGrpSpPr/>
+        <p:nvPr/>
+      </p:nvGrpSpPr>
+      <p:grpSpPr>
+        <a:xfrm>
+          <a:off x="0" y="0"/>
+          <a:ext cx="0" cy="0"/>
+          <a:chOff x="0" y="0"/>
+          <a:chExt cx="0" cy="0"/>
+        </a:xfrm>
+      </p:grpSpPr>
+      <p:sp>
+        <p:nvSpPr>
+          <p:cNvPr id="2" name="Title 1"/>
+          <p:cNvSpPr>
+            <a:spLocks noGrp="1"/>
+          </p:cNvSpPr>
+          <p:nvPr>
+            <p:ph type="title"/>
+          </p:nvPr>
+        </p:nvSpPr>
+        <p:spPr>
+          <a:xfrm>
+            <a:off x="1251678" y="382385"/>
+            <a:ext cx="10178322" cy="869472"/>
+          </a:xfrm>
+        </p:spPr>
+        <p:txBody>
+          <a:bodyPr/>
+          <a:lstStyle/>
+          <a:p>
+            <a:pPr algn="ctr"/>
+            <a:r>
+              <a:rPr lang="en-CA" dirty="0" smtClean="0"/>
+              <a:t>Communication</a:t>
+            </a:r>
+            <a:endParaRPr lang="en-CA" dirty="0"/>
+          </a:p>
+        </p:txBody>
+      </p:sp>
+      <p:pic>
+        <p:nvPicPr>
+          <p:cNvPr id="7" name="Content Placeholder 6"/>
+          <p:cNvPicPr>
+            <a:picLocks noGrp="1" noChangeAspect="1"/>
+          </p:cNvPicPr>
+          <p:nvPr>
+            <p:ph sz="half" idx="2"/>
+          </p:nvPr>
+        </p:nvPicPr>
+        <p:blipFill rotWithShape="1">
+          <a:blip r:embed="rId3">
+            <a:extLst>
+              <a:ext uri="{28A0092B-C50C-407E-A947-70E740481C1C}">
+                <a14:useLocalDpi xmlns:a14="http://schemas.microsoft.com/office/drawing/2010/main" val="0"/>
+              </a:ext>
+            </a:extLst>
+          </a:blip>
+          <a:srcRect l="3295" t="13682" r="3927" b="13571"/>
+          <a:stretch/>
+        </p:blipFill>
+        <p:spPr>
+          <a:xfrm>
+            <a:off x="2841170" y="2068285"/>
+            <a:ext cx="6988630" cy="4446073"/>
+          </a:xfrm>
+          <a:ln>
+            <a:noFill/>
+          </a:ln>
+        </p:spPr>
+      </p:pic>
+      <p:sp>
+        <p:nvSpPr>
+          <p:cNvPr id="5" name="Title 1"/>
+          <p:cNvSpPr txBox="1">
+            <a:spLocks/>
+          </p:cNvSpPr>
+          <p:nvPr/>
+        </p:nvSpPr>
+        <p:spPr>
+          <a:xfrm>
+            <a:off x="1123118" y="1572983"/>
+            <a:ext cx="4798712" cy="843646"/>
+          </a:xfrm>
+          <a:prstGeom prst="rect">
+            <a:avLst/>
+          </a:prstGeom>
+        </p:spPr>
+        <p:txBody>
+          <a:bodyPr vert="horz" lIns="91440" tIns="45720" rIns="91440" bIns="45720" rtlCol="0" anchor="t">
+            <a:normAutofit fontScale="62500" lnSpcReduction="20000"/>
+          </a:bodyPr>
+          <a:lstStyle>
+            <a:lvl1pPr algn="l" defTabSz="914400" rtl="0" eaLnBrk="1" latinLnBrk="0" hangingPunct="1">
+              <a:lnSpc>
+                <a:spcPct val="90000"/>
+              </a:lnSpc>
+              <a:spcBef>
+                <a:spcPct val="0"/>
+              </a:spcBef>
+              <a:buNone/>
+              <a:defRPr sz="5100" kern="1200" cap="all" spc="200" baseline="0">
+                <a:solidFill>
+                  <a:schemeClr val="tx2"/>
+                </a:solidFill>
+                <a:latin typeface="+mj-lt"/>
+                <a:ea typeface="+mj-ea"/>
+                <a:cs typeface="+mj-cs"/>
+              </a:defRPr>
+            </a:lvl1pPr>
+          </a:lstStyle>
+          <a:p>
+            <a:pPr algn="ctr"/>
+            <a:r>
+              <a:rPr lang="en-CA" dirty="0"/>
+              <a:t>Vehicle </a:t>
+            </a:r>
+            <a:r>
+              <a:rPr lang="en-CA" dirty="0" smtClean="0"/>
+              <a:t/>
+            </a:r>
+            <a:br>
+              <a:rPr lang="en-CA" dirty="0" smtClean="0"/>
+            </a:br>
+            <a:r>
+              <a:rPr lang="en-CA" dirty="0" smtClean="0"/>
+              <a:t>Controller</a:t>
+            </a:r>
+            <a:endParaRPr lang="en-CA" dirty="0"/>
+          </a:p>
+        </p:txBody>
+      </p:sp>
+      <p:sp>
+        <p:nvSpPr>
+          <p:cNvPr id="6" name="Title 1"/>
+          <p:cNvSpPr txBox="1">
+            <a:spLocks/>
+          </p:cNvSpPr>
+          <p:nvPr/>
+        </p:nvSpPr>
+        <p:spPr>
+          <a:xfrm>
+            <a:off x="6047305" y="1572983"/>
+            <a:ext cx="4849296" cy="843646"/>
+          </a:xfrm>
+          <a:prstGeom prst="rect">
+            <a:avLst/>
+          </a:prstGeom>
+        </p:spPr>
+        <p:txBody>
+          <a:bodyPr vert="horz" lIns="91440" tIns="45720" rIns="91440" bIns="45720" rtlCol="0" anchor="t">
+            <a:normAutofit fontScale="62500" lnSpcReduction="20000"/>
+          </a:bodyPr>
+          <a:lstStyle>
+            <a:lvl1pPr algn="l" defTabSz="914400" rtl="0" eaLnBrk="1" latinLnBrk="0" hangingPunct="1">
+              <a:lnSpc>
+                <a:spcPct val="90000"/>
+              </a:lnSpc>
+              <a:spcBef>
+                <a:spcPct val="0"/>
+              </a:spcBef>
+              <a:buNone/>
+              <a:defRPr sz="5100" kern="1200" cap="all" spc="200" baseline="0">
+                <a:solidFill>
+                  <a:schemeClr val="tx2"/>
+                </a:solidFill>
+                <a:latin typeface="+mj-lt"/>
+                <a:ea typeface="+mj-ea"/>
+                <a:cs typeface="+mj-cs"/>
+              </a:defRPr>
+            </a:lvl1pPr>
+          </a:lstStyle>
+          <a:p>
+            <a:pPr algn="ctr"/>
+            <a:r>
+              <a:rPr lang="en-CA" dirty="0" smtClean="0"/>
+              <a:t>INTERSECTION </a:t>
+            </a:r>
+            <a:br>
+              <a:rPr lang="en-CA" dirty="0" smtClean="0"/>
+            </a:br>
+            <a:r>
+              <a:rPr lang="en-CA" dirty="0" smtClean="0"/>
+              <a:t>Controller</a:t>
+            </a:r>
+            <a:endParaRPr lang="en-CA" dirty="0"/>
+          </a:p>
+        </p:txBody>
+      </p:sp>
+    </p:spTree>
+    <p:extLst>
+      <p:ext uri="{BB962C8B-B14F-4D97-AF65-F5344CB8AC3E}">
+        <p14:creationId xmlns:p14="http://schemas.microsoft.com/office/powerpoint/2010/main" val="3025070548"/>
       </p:ext>
     </p:extLst>
   </p:cSld>
@@ -18607,12 +18640,7 @@
             <p:ph type="title"/>
           </p:nvPr>
         </p:nvSpPr>
-        <p:spPr>
-          <a:xfrm>
-            <a:off x="1465038" y="301105"/>
-            <a:ext cx="10178322" cy="1492132"/>
-          </a:xfrm>
-        </p:spPr>
+        <p:spPr/>
         <p:txBody>
           <a:bodyPr/>
           <a:lstStyle/>
@@ -18621,70 +18649,45 @@
               <a:rPr lang="en-CA" dirty="0"/>
               <a:t>Vehicle Controller</a:t>
             </a:r>
-            <a:endParaRPr lang="en-US" dirty="0"/>
+            <a:br>
+              <a:rPr lang="en-CA" dirty="0"/>
+            </a:br>
+            <a:endParaRPr lang="en-CA" dirty="0"/>
           </a:p>
         </p:txBody>
       </p:sp>
-      <p:sp>
-        <p:nvSpPr>
-          <p:cNvPr id="3" name="Content Placeholder 2"/>
-          <p:cNvSpPr>
-            <a:spLocks noGrp="1"/>
-          </p:cNvSpPr>
+      <p:pic>
+        <p:nvPicPr>
+          <p:cNvPr id="9" name="Content Placeholder 8"/>
+          <p:cNvPicPr>
+            <a:picLocks noGrp="1" noChangeAspect="1"/>
+          </p:cNvPicPr>
           <p:nvPr>
             <p:ph idx="1"/>
           </p:nvPr>
-        </p:nvSpPr>
+        </p:nvPicPr>
+        <p:blipFill rotWithShape="1">
+          <a:blip r:embed="rId3" cstate="print">
+            <a:extLst>
+              <a:ext uri="{28A0092B-C50C-407E-A947-70E740481C1C}">
+                <a14:useLocalDpi xmlns:a14="http://schemas.microsoft.com/office/drawing/2010/main" val="0"/>
+              </a:ext>
+            </a:extLst>
+          </a:blip>
+          <a:srcRect l="1624" r="2245"/>
+          <a:stretch/>
+        </p:blipFill>
         <p:spPr>
           <a:xfrm>
-            <a:off x="1271998" y="1259841"/>
-            <a:ext cx="10178322" cy="2296159"/>
+            <a:off x="2122714" y="1015196"/>
+            <a:ext cx="8382000" cy="5722761"/>
           </a:xfrm>
         </p:spPr>
-        <p:txBody>
-          <a:bodyPr>
-            <a:normAutofit/>
-          </a:bodyPr>
-          <a:lstStyle/>
-          <a:p>
-            <a:pPr marL="0" indent="0">
-              <a:buNone/>
-            </a:pPr>
-            <a:r>
-              <a:rPr lang="en-US" b="1" dirty="0"/>
-              <a:t>Four Main Components</a:t>
-            </a:r>
-          </a:p>
-          <a:p>
-            <a:pPr marL="0" indent="0">
-              <a:buNone/>
-            </a:pPr>
-            <a:endParaRPr lang="en-US" b="1" dirty="0"/>
-          </a:p>
-          <a:p>
-            <a:pPr marL="342900" indent="-342900">
-              <a:buAutoNum type="arabicPeriod"/>
-            </a:pPr>
-            <a:r>
-              <a:rPr lang="en-US" sz="1800" b="1" dirty="0"/>
-              <a:t>Vehicle Navigation</a:t>
-            </a:r>
-          </a:p>
-          <a:p>
-            <a:pPr marL="342900" indent="-342900">
-              <a:buAutoNum type="arabicPeriod"/>
-            </a:pPr>
-            <a:r>
-              <a:rPr lang="en-US" sz="1800" b="1" dirty="0"/>
-              <a:t>Communication </a:t>
-            </a:r>
-          </a:p>
-        </p:txBody>
-      </p:sp>
+      </p:pic>
     </p:spTree>
     <p:extLst>
       <p:ext uri="{BB962C8B-B14F-4D97-AF65-F5344CB8AC3E}">
-        <p14:creationId xmlns:p14="http://schemas.microsoft.com/office/powerpoint/2010/main" val="3940846537"/>
+        <p14:creationId xmlns:p14="http://schemas.microsoft.com/office/powerpoint/2010/main" val="279744705"/>
       </p:ext>
     </p:extLst>
   </p:cSld>

--- a/Presentation/Vehicle-Intersection-Control-Presentation.pptx
+++ b/Presentation/Vehicle-Intersection-Control-Presentation.pptx
@@ -5,7 +5,7 @@
     <p:sldMasterId id="2147483759" r:id="rId1"/>
   </p:sldMasterIdLst>
   <p:notesMasterIdLst>
-    <p:notesMasterId r:id="rId19"/>
+    <p:notesMasterId r:id="rId22"/>
   </p:notesMasterIdLst>
   <p:sldIdLst>
     <p:sldId id="279" r:id="rId2"/>
@@ -17,14 +17,17 @@
     <p:sldId id="303" r:id="rId8"/>
     <p:sldId id="315" r:id="rId9"/>
     <p:sldId id="311" r:id="rId10"/>
-    <p:sldId id="313" r:id="rId11"/>
-    <p:sldId id="312" r:id="rId12"/>
-    <p:sldId id="299" r:id="rId13"/>
-    <p:sldId id="302" r:id="rId14"/>
-    <p:sldId id="304" r:id="rId15"/>
-    <p:sldId id="305" r:id="rId16"/>
-    <p:sldId id="316" r:id="rId17"/>
-    <p:sldId id="282" r:id="rId18"/>
+    <p:sldId id="317" r:id="rId11"/>
+    <p:sldId id="318" r:id="rId12"/>
+    <p:sldId id="319" r:id="rId13"/>
+    <p:sldId id="313" r:id="rId14"/>
+    <p:sldId id="299" r:id="rId15"/>
+    <p:sldId id="312" r:id="rId16"/>
+    <p:sldId id="302" r:id="rId17"/>
+    <p:sldId id="304" r:id="rId18"/>
+    <p:sldId id="305" r:id="rId19"/>
+    <p:sldId id="316" r:id="rId20"/>
+    <p:sldId id="282" r:id="rId21"/>
   </p:sldIdLst>
   <p:sldSz cx="12192000" cy="6858000"/>
   <p:notesSz cx="6858000" cy="9144000"/>
@@ -649,10 +652,9 @@
           <a:lstStyle/>
           <a:p>
             <a:r>
-              <a:rPr lang="en-CA" dirty="0" smtClean="0"/>
+              <a:rPr lang="en-CA" dirty="0"/>
               <a:t>Justin</a:t>
             </a:r>
-            <a:endParaRPr lang="en-CA" dirty="0"/>
           </a:p>
         </p:txBody>
       </p:sp>
@@ -675,14 +677,14 @@
               <a:rPr lang="en-US" smtClean="0"/>
               <a:t>12</a:t>
             </a:fld>
-            <a:endParaRPr lang="en-US" dirty="0"/>
+            <a:endParaRPr lang="en-US"/>
           </a:p>
         </p:txBody>
       </p:sp>
     </p:spTree>
     <p:extLst>
       <p:ext uri="{BB962C8B-B14F-4D97-AF65-F5344CB8AC3E}">
-        <p14:creationId xmlns:p14="http://schemas.microsoft.com/office/powerpoint/2010/main" val="894387723"/>
+        <p14:creationId xmlns:p14="http://schemas.microsoft.com/office/powerpoint/2010/main" val="3450741393"/>
       </p:ext>
     </p:extLst>
   </p:cSld>
@@ -737,10 +739,9 @@
           <a:lstStyle/>
           <a:p>
             <a:r>
-              <a:rPr lang="en-US" dirty="0" smtClean="0"/>
+              <a:rPr lang="en-CA" dirty="0"/>
               <a:t>Justin</a:t>
             </a:r>
-            <a:endParaRPr lang="en-US" dirty="0"/>
           </a:p>
         </p:txBody>
       </p:sp>
@@ -763,14 +764,14 @@
               <a:rPr lang="en-US" smtClean="0"/>
               <a:t>13</a:t>
             </a:fld>
-            <a:endParaRPr lang="en-US" dirty="0"/>
+            <a:endParaRPr lang="en-US"/>
           </a:p>
         </p:txBody>
       </p:sp>
     </p:spTree>
     <p:extLst>
       <p:ext uri="{BB962C8B-B14F-4D97-AF65-F5344CB8AC3E}">
-        <p14:creationId xmlns:p14="http://schemas.microsoft.com/office/powerpoint/2010/main" val="2703337078"/>
+        <p14:creationId xmlns:p14="http://schemas.microsoft.com/office/powerpoint/2010/main" val="3763195157"/>
       </p:ext>
     </p:extLst>
   </p:cSld>
@@ -825,8 +826,8 @@
           <a:lstStyle/>
           <a:p>
             <a:r>
-              <a:rPr lang="en-US" dirty="0"/>
-              <a:t>Radhika</a:t>
+              <a:rPr lang="en-CA" dirty="0"/>
+              <a:t>Justin</a:t>
             </a:r>
           </a:p>
         </p:txBody>
@@ -850,14 +851,14 @@
               <a:rPr lang="en-US" smtClean="0"/>
               <a:t>14</a:t>
             </a:fld>
-            <a:endParaRPr lang="en-US"/>
+            <a:endParaRPr lang="en-US" dirty="0"/>
           </a:p>
         </p:txBody>
       </p:sp>
     </p:spTree>
     <p:extLst>
       <p:ext uri="{BB962C8B-B14F-4D97-AF65-F5344CB8AC3E}">
-        <p14:creationId xmlns:p14="http://schemas.microsoft.com/office/powerpoint/2010/main" val="1964087912"/>
+        <p14:creationId xmlns:p14="http://schemas.microsoft.com/office/powerpoint/2010/main" val="894387723"/>
       </p:ext>
     </p:extLst>
   </p:cSld>
@@ -912,8 +913,8 @@
           <a:lstStyle/>
           <a:p>
             <a:r>
-              <a:rPr lang="en-US" dirty="0"/>
-              <a:t>Radhika </a:t>
+              <a:rPr lang="en-CA" dirty="0"/>
+              <a:t>Justin</a:t>
             </a:r>
           </a:p>
         </p:txBody>
@@ -937,14 +938,14 @@
               <a:rPr lang="en-US" smtClean="0"/>
               <a:t>15</a:t>
             </a:fld>
-            <a:endParaRPr lang="en-US"/>
+            <a:endParaRPr lang="en-US" dirty="0"/>
           </a:p>
         </p:txBody>
       </p:sp>
     </p:spTree>
     <p:extLst>
       <p:ext uri="{BB962C8B-B14F-4D97-AF65-F5344CB8AC3E}">
-        <p14:creationId xmlns:p14="http://schemas.microsoft.com/office/powerpoint/2010/main" val="4015082169"/>
+        <p14:creationId xmlns:p14="http://schemas.microsoft.com/office/powerpoint/2010/main" val="3445560544"/>
       </p:ext>
     </p:extLst>
   </p:cSld>
@@ -998,7 +999,10 @@
           <a:bodyPr/>
           <a:lstStyle/>
           <a:p>
-            <a:endParaRPr lang="en-CA"/>
+            <a:r>
+              <a:rPr lang="en-US" dirty="0"/>
+              <a:t>Alex</a:t>
+            </a:r>
           </a:p>
         </p:txBody>
       </p:sp>
@@ -1019,7 +1023,265 @@
           <a:p>
             <a:fld id="{9FDAE4FC-73CE-4995-A7FF-7ADA8F1DA8FB}" type="slidenum">
               <a:rPr lang="en-US" smtClean="0"/>
+              <a:t>16</a:t>
+            </a:fld>
+            <a:endParaRPr lang="en-US" dirty="0"/>
+          </a:p>
+        </p:txBody>
+      </p:sp>
+    </p:spTree>
+    <p:extLst>
+      <p:ext uri="{BB962C8B-B14F-4D97-AF65-F5344CB8AC3E}">
+        <p14:creationId xmlns:p14="http://schemas.microsoft.com/office/powerpoint/2010/main" val="2703337078"/>
+      </p:ext>
+    </p:extLst>
+  </p:cSld>
+  <p:clrMapOvr>
+    <a:masterClrMapping/>
+  </p:clrMapOvr>
+</p:notes>
+</file>
+
+<file path=ppt/notesSlides/notesSlide15.xml><?xml version="1.0" encoding="utf-8"?>
+<p:notes xmlns:a="http://schemas.openxmlformats.org/drawingml/2006/main" xmlns:r="http://schemas.openxmlformats.org/officeDocument/2006/relationships" xmlns:p="http://schemas.openxmlformats.org/presentationml/2006/main">
+  <p:cSld>
+    <p:spTree>
+      <p:nvGrpSpPr>
+        <p:cNvPr id="1" name=""/>
+        <p:cNvGrpSpPr/>
+        <p:nvPr/>
+      </p:nvGrpSpPr>
+      <p:grpSpPr>
+        <a:xfrm>
+          <a:off x="0" y="0"/>
+          <a:ext cx="0" cy="0"/>
+          <a:chOff x="0" y="0"/>
+          <a:chExt cx="0" cy="0"/>
+        </a:xfrm>
+      </p:grpSpPr>
+      <p:sp>
+        <p:nvSpPr>
+          <p:cNvPr id="2" name="Slide Image Placeholder 1"/>
+          <p:cNvSpPr>
+            <a:spLocks noGrp="1" noRot="1" noChangeAspect="1"/>
+          </p:cNvSpPr>
+          <p:nvPr>
+            <p:ph type="sldImg"/>
+          </p:nvPr>
+        </p:nvSpPr>
+        <p:spPr/>
+      </p:sp>
+      <p:sp>
+        <p:nvSpPr>
+          <p:cNvPr id="3" name="Notes Placeholder 2"/>
+          <p:cNvSpPr>
+            <a:spLocks noGrp="1"/>
+          </p:cNvSpPr>
+          <p:nvPr>
+            <p:ph type="body" idx="1"/>
+          </p:nvPr>
+        </p:nvSpPr>
+        <p:spPr/>
+        <p:txBody>
+          <a:bodyPr/>
+          <a:lstStyle/>
+          <a:p>
+            <a:r>
+              <a:rPr lang="en-US" dirty="0"/>
+              <a:t>Radhika</a:t>
+            </a:r>
+          </a:p>
+        </p:txBody>
+      </p:sp>
+      <p:sp>
+        <p:nvSpPr>
+          <p:cNvPr id="4" name="Slide Number Placeholder 3"/>
+          <p:cNvSpPr>
+            <a:spLocks noGrp="1"/>
+          </p:cNvSpPr>
+          <p:nvPr>
+            <p:ph type="sldNum" sz="quarter" idx="10"/>
+          </p:nvPr>
+        </p:nvSpPr>
+        <p:spPr/>
+        <p:txBody>
+          <a:bodyPr/>
+          <a:lstStyle/>
+          <a:p>
+            <a:fld id="{9FDAE4FC-73CE-4995-A7FF-7ADA8F1DA8FB}" type="slidenum">
+              <a:rPr lang="en-US" smtClean="0"/>
               <a:t>17</a:t>
+            </a:fld>
+            <a:endParaRPr lang="en-US"/>
+          </a:p>
+        </p:txBody>
+      </p:sp>
+    </p:spTree>
+    <p:extLst>
+      <p:ext uri="{BB962C8B-B14F-4D97-AF65-F5344CB8AC3E}">
+        <p14:creationId xmlns:p14="http://schemas.microsoft.com/office/powerpoint/2010/main" val="1964087912"/>
+      </p:ext>
+    </p:extLst>
+  </p:cSld>
+  <p:clrMapOvr>
+    <a:masterClrMapping/>
+  </p:clrMapOvr>
+</p:notes>
+</file>
+
+<file path=ppt/notesSlides/notesSlide16.xml><?xml version="1.0" encoding="utf-8"?>
+<p:notes xmlns:a="http://schemas.openxmlformats.org/drawingml/2006/main" xmlns:r="http://schemas.openxmlformats.org/officeDocument/2006/relationships" xmlns:p="http://schemas.openxmlformats.org/presentationml/2006/main">
+  <p:cSld>
+    <p:spTree>
+      <p:nvGrpSpPr>
+        <p:cNvPr id="1" name=""/>
+        <p:cNvGrpSpPr/>
+        <p:nvPr/>
+      </p:nvGrpSpPr>
+      <p:grpSpPr>
+        <a:xfrm>
+          <a:off x="0" y="0"/>
+          <a:ext cx="0" cy="0"/>
+          <a:chOff x="0" y="0"/>
+          <a:chExt cx="0" cy="0"/>
+        </a:xfrm>
+      </p:grpSpPr>
+      <p:sp>
+        <p:nvSpPr>
+          <p:cNvPr id="2" name="Slide Image Placeholder 1"/>
+          <p:cNvSpPr>
+            <a:spLocks noGrp="1" noRot="1" noChangeAspect="1"/>
+          </p:cNvSpPr>
+          <p:nvPr>
+            <p:ph type="sldImg"/>
+          </p:nvPr>
+        </p:nvSpPr>
+        <p:spPr/>
+      </p:sp>
+      <p:sp>
+        <p:nvSpPr>
+          <p:cNvPr id="3" name="Notes Placeholder 2"/>
+          <p:cNvSpPr>
+            <a:spLocks noGrp="1"/>
+          </p:cNvSpPr>
+          <p:nvPr>
+            <p:ph type="body" idx="1"/>
+          </p:nvPr>
+        </p:nvSpPr>
+        <p:spPr/>
+        <p:txBody>
+          <a:bodyPr/>
+          <a:lstStyle/>
+          <a:p>
+            <a:r>
+              <a:rPr lang="en-US" dirty="0"/>
+              <a:t>Radhika </a:t>
+            </a:r>
+          </a:p>
+        </p:txBody>
+      </p:sp>
+      <p:sp>
+        <p:nvSpPr>
+          <p:cNvPr id="4" name="Slide Number Placeholder 3"/>
+          <p:cNvSpPr>
+            <a:spLocks noGrp="1"/>
+          </p:cNvSpPr>
+          <p:nvPr>
+            <p:ph type="sldNum" sz="quarter" idx="10"/>
+          </p:nvPr>
+        </p:nvSpPr>
+        <p:spPr/>
+        <p:txBody>
+          <a:bodyPr/>
+          <a:lstStyle/>
+          <a:p>
+            <a:fld id="{9FDAE4FC-73CE-4995-A7FF-7ADA8F1DA8FB}" type="slidenum">
+              <a:rPr lang="en-US" smtClean="0"/>
+              <a:t>18</a:t>
+            </a:fld>
+            <a:endParaRPr lang="en-US"/>
+          </a:p>
+        </p:txBody>
+      </p:sp>
+    </p:spTree>
+    <p:extLst>
+      <p:ext uri="{BB962C8B-B14F-4D97-AF65-F5344CB8AC3E}">
+        <p14:creationId xmlns:p14="http://schemas.microsoft.com/office/powerpoint/2010/main" val="4015082169"/>
+      </p:ext>
+    </p:extLst>
+  </p:cSld>
+  <p:clrMapOvr>
+    <a:masterClrMapping/>
+  </p:clrMapOvr>
+</p:notes>
+</file>
+
+<file path=ppt/notesSlides/notesSlide17.xml><?xml version="1.0" encoding="utf-8"?>
+<p:notes xmlns:a="http://schemas.openxmlformats.org/drawingml/2006/main" xmlns:r="http://schemas.openxmlformats.org/officeDocument/2006/relationships" xmlns:p="http://schemas.openxmlformats.org/presentationml/2006/main">
+  <p:cSld>
+    <p:spTree>
+      <p:nvGrpSpPr>
+        <p:cNvPr id="1" name=""/>
+        <p:cNvGrpSpPr/>
+        <p:nvPr/>
+      </p:nvGrpSpPr>
+      <p:grpSpPr>
+        <a:xfrm>
+          <a:off x="0" y="0"/>
+          <a:ext cx="0" cy="0"/>
+          <a:chOff x="0" y="0"/>
+          <a:chExt cx="0" cy="0"/>
+        </a:xfrm>
+      </p:grpSpPr>
+      <p:sp>
+        <p:nvSpPr>
+          <p:cNvPr id="2" name="Slide Image Placeholder 1"/>
+          <p:cNvSpPr>
+            <a:spLocks noGrp="1" noRot="1" noChangeAspect="1"/>
+          </p:cNvSpPr>
+          <p:nvPr>
+            <p:ph type="sldImg"/>
+          </p:nvPr>
+        </p:nvSpPr>
+        <p:spPr/>
+      </p:sp>
+      <p:sp>
+        <p:nvSpPr>
+          <p:cNvPr id="3" name="Notes Placeholder 2"/>
+          <p:cNvSpPr>
+            <a:spLocks noGrp="1"/>
+          </p:cNvSpPr>
+          <p:nvPr>
+            <p:ph type="body" idx="1"/>
+          </p:nvPr>
+        </p:nvSpPr>
+        <p:spPr/>
+        <p:txBody>
+          <a:bodyPr/>
+          <a:lstStyle/>
+          <a:p>
+            <a:endParaRPr lang="en-CA"/>
+          </a:p>
+        </p:txBody>
+      </p:sp>
+      <p:sp>
+        <p:nvSpPr>
+          <p:cNvPr id="4" name="Slide Number Placeholder 3"/>
+          <p:cNvSpPr>
+            <a:spLocks noGrp="1"/>
+          </p:cNvSpPr>
+          <p:nvPr>
+            <p:ph type="sldNum" sz="quarter" idx="10"/>
+          </p:nvPr>
+        </p:nvSpPr>
+        <p:spPr/>
+        <p:txBody>
+          <a:bodyPr/>
+          <a:lstStyle/>
+          <a:p>
+            <a:fld id="{9FDAE4FC-73CE-4995-A7FF-7ADA8F1DA8FB}" type="slidenum">
+              <a:rPr lang="en-US" smtClean="0"/>
+              <a:t>20</a:t>
             </a:fld>
             <a:endParaRPr lang="en-US"/>
           </a:p>
@@ -1155,14 +1417,14 @@
             <a:endParaRPr lang="en-US" baseline="0" dirty="0"/>
           </a:p>
           <a:p>
-            <a:endParaRPr lang="en-US" dirty="0" smtClean="0"/>
-          </a:p>
-          <a:p>
-            <a:endParaRPr lang="en-US" dirty="0" smtClean="0"/>
+            <a:endParaRPr lang="en-US" dirty="0"/>
+          </a:p>
+          <a:p>
+            <a:endParaRPr lang="en-US" dirty="0"/>
           </a:p>
           <a:p>
             <a:r>
-              <a:rPr lang="en-US" dirty="0" smtClean="0"/>
+              <a:rPr lang="en-US" dirty="0"/>
               <a:t>Zach</a:t>
             </a:r>
           </a:p>
@@ -1172,15 +1434,15 @@
               <a:buChar char="-"/>
             </a:pPr>
             <a:r>
-              <a:rPr lang="en-CA" dirty="0" smtClean="0"/>
+              <a:rPr lang="en-CA" dirty="0"/>
               <a:t>Animation</a:t>
             </a:r>
             <a:r>
-              <a:rPr lang="en-CA" baseline="0" dirty="0" smtClean="0"/>
+              <a:rPr lang="en-CA" baseline="0" dirty="0"/>
               <a:t> shows that there is two parts too the system</a:t>
             </a:r>
             <a:r>
-              <a:rPr lang="en-US" baseline="0" dirty="0" smtClean="0"/>
+              <a:rPr lang="en-US" baseline="0" dirty="0"/>
               <a:t> (Intersection component and vehicle component)</a:t>
             </a:r>
           </a:p>
@@ -1190,7 +1452,7 @@
               <a:buChar char="-"/>
             </a:pPr>
             <a:r>
-              <a:rPr lang="en-CA" baseline="0" dirty="0" smtClean="0"/>
+              <a:rPr lang="en-CA" baseline="0" dirty="0"/>
               <a:t>The intersection controller is responsible for managing traffic flow and monitoring the intersection</a:t>
             </a:r>
           </a:p>
@@ -1200,7 +1462,7 @@
               <a:buChar char="-"/>
             </a:pPr>
             <a:r>
-              <a:rPr lang="en-CA" baseline="0" dirty="0" smtClean="0"/>
+              <a:rPr lang="en-CA" baseline="0" dirty="0"/>
               <a:t>This communicates with the vehicle controller</a:t>
             </a:r>
           </a:p>
@@ -1210,7 +1472,7 @@
               <a:buChar char="-"/>
             </a:pPr>
             <a:r>
-              <a:rPr lang="en-CA" baseline="0" dirty="0" smtClean="0"/>
+              <a:rPr lang="en-CA" baseline="0" dirty="0"/>
               <a:t>Vehicle controller sends requests and intersection controller sends back over Bluetooth communication </a:t>
             </a:r>
           </a:p>
@@ -1220,7 +1482,7 @@
               <a:buChar char="-"/>
             </a:pPr>
             <a:r>
-              <a:rPr lang="en-CA" baseline="0" dirty="0" smtClean="0"/>
+              <a:rPr lang="en-CA" baseline="0" dirty="0"/>
               <a:t>Vehicle controller is also for managing and navigating the vehicle on the track </a:t>
             </a:r>
           </a:p>
@@ -1571,10 +1833,9 @@
           <a:lstStyle/>
           <a:p>
             <a:r>
-              <a:rPr lang="en-CA" dirty="0" smtClean="0"/>
+              <a:rPr lang="en-CA" dirty="0"/>
               <a:t>Alex</a:t>
             </a:r>
-            <a:endParaRPr lang="en-CA" dirty="0"/>
           </a:p>
         </p:txBody>
       </p:sp>
@@ -1659,7 +1920,7 @@
           <a:lstStyle/>
           <a:p>
             <a:r>
-              <a:rPr lang="en-CA" dirty="0" smtClean="0"/>
+              <a:rPr lang="en-CA" dirty="0"/>
               <a:t>Alex</a:t>
             </a:r>
           </a:p>
@@ -1749,10 +2010,9 @@
           <a:lstStyle/>
           <a:p>
             <a:r>
-              <a:rPr lang="en-CA" dirty="0" smtClean="0"/>
+              <a:rPr lang="en-CA" dirty="0"/>
               <a:t>Justin</a:t>
             </a:r>
-            <a:endParaRPr lang="en-CA" dirty="0"/>
           </a:p>
         </p:txBody>
       </p:sp>
@@ -1782,7 +2042,7 @@
     </p:spTree>
     <p:extLst>
       <p:ext uri="{BB962C8B-B14F-4D97-AF65-F5344CB8AC3E}">
-        <p14:creationId xmlns:p14="http://schemas.microsoft.com/office/powerpoint/2010/main" val="3763195157"/>
+        <p14:creationId xmlns:p14="http://schemas.microsoft.com/office/powerpoint/2010/main" val="2243502296"/>
       </p:ext>
     </p:extLst>
   </p:cSld>
@@ -1837,10 +2097,9 @@
           <a:lstStyle/>
           <a:p>
             <a:r>
-              <a:rPr lang="en-CA" dirty="0" smtClean="0"/>
+              <a:rPr lang="en-CA" dirty="0"/>
               <a:t>Justin</a:t>
             </a:r>
-            <a:endParaRPr lang="en-CA" dirty="0"/>
           </a:p>
         </p:txBody>
       </p:sp>
@@ -1870,7 +2129,7 @@
     </p:spTree>
     <p:extLst>
       <p:ext uri="{BB962C8B-B14F-4D97-AF65-F5344CB8AC3E}">
-        <p14:creationId xmlns:p14="http://schemas.microsoft.com/office/powerpoint/2010/main" val="3445560544"/>
+        <p14:creationId xmlns:p14="http://schemas.microsoft.com/office/powerpoint/2010/main" val="1466382255"/>
       </p:ext>
     </p:extLst>
   </p:cSld>
@@ -8601,7 +8860,7 @@
           <p:nvPr>
             <p:extLst>
               <p:ext uri="{386F3935-93C4-4BCD-93E2-E3B085C9AB24}">
-                <p16:designElem xmlns:p16="http://schemas.microsoft.com/office/powerpoint/2015/main" xmlns="" val="1"/>
+                <p16:designElem xmlns:p16="http://schemas.microsoft.com/office/powerpoint/2015/main" val="1"/>
               </p:ext>
             </p:extLst>
           </p:nvPr>
@@ -8751,7 +9010,7 @@
           <p:nvPr>
             <p:extLst>
               <p:ext uri="{386F3935-93C4-4BCD-93E2-E3B085C9AB24}">
-                <p16:designElem xmlns:p16="http://schemas.microsoft.com/office/powerpoint/2015/main" xmlns="" val="1"/>
+                <p16:designElem xmlns:p16="http://schemas.microsoft.com/office/powerpoint/2015/main" val="1"/>
               </p:ext>
             </p:extLst>
           </p:nvPr>
@@ -9223,7 +9482,7 @@
           <p:nvPr>
             <p:extLst>
               <p:ext uri="{386F3935-93C4-4BCD-93E2-E3B085C9AB24}">
-                <p16:designElem xmlns:p16="http://schemas.microsoft.com/office/powerpoint/2015/main" xmlns="" val="1"/>
+                <p16:designElem xmlns:p16="http://schemas.microsoft.com/office/powerpoint/2015/main" val="1"/>
               </p:ext>
             </p:extLst>
           </p:nvPr>
@@ -9930,7 +10189,7 @@
         </p:nvSpPr>
         <p:spPr>
           <a:xfrm>
-            <a:off x="406648" y="263130"/>
+            <a:off x="406648" y="212330"/>
             <a:ext cx="3749342" cy="2283863"/>
           </a:xfrm>
           <a:prstGeom prst="rect">
@@ -10175,8 +10434,21 @@
                   <a:srgbClr val="2A1A00"/>
                 </a:solidFill>
               </a:rPr>
-              <a:t>Alex Jackson</a:t>
+              <a:t>Zachary </a:t>
             </a:r>
+            <a:r>
+              <a:rPr lang="en-CA" sz="1600" dirty="0" err="1">
+                <a:solidFill>
+                  <a:srgbClr val="2A1A00"/>
+                </a:solidFill>
+              </a:rPr>
+              <a:t>Bazen</a:t>
+            </a:r>
+            <a:endParaRPr lang="en-US" sz="1600" dirty="0">
+              <a:solidFill>
+                <a:srgbClr val="2A1A00"/>
+              </a:solidFill>
+            </a:endParaRPr>
           </a:p>
           <a:p>
             <a:r>
@@ -10185,7 +10457,17 @@
                   <a:srgbClr val="2A1A00"/>
                 </a:solidFill>
               </a:rPr>
-              <a:t>Jean Lucas Ferreira</a:t>
+              <a:t>Jean-Lucas Ferreira</a:t>
+            </a:r>
+          </a:p>
+          <a:p>
+            <a:r>
+              <a:rPr lang="en-CA" sz="1600" dirty="0">
+                <a:solidFill>
+                  <a:srgbClr val="2A1A00"/>
+                </a:solidFill>
+              </a:rPr>
+              <a:t>Alex Jackson</a:t>
             </a:r>
           </a:p>
           <a:p>
@@ -10205,8 +10487,21 @@
                   <a:srgbClr val="2A1A00"/>
                 </a:solidFill>
               </a:rPr>
-              <a:t>Mathew Hobers</a:t>
+              <a:t>Mathew </a:t>
             </a:r>
+            <a:r>
+              <a:rPr lang="en-CA" sz="1600" dirty="0" err="1">
+                <a:solidFill>
+                  <a:srgbClr val="2A1A00"/>
+                </a:solidFill>
+              </a:rPr>
+              <a:t>Hobers</a:t>
+            </a:r>
+            <a:endParaRPr lang="en-CA" sz="1600" dirty="0">
+              <a:solidFill>
+                <a:srgbClr val="2A1A00"/>
+              </a:solidFill>
+            </a:endParaRPr>
           </a:p>
           <a:p>
             <a:r>
@@ -10217,21 +10512,6 @@
               </a:rPr>
               <a:t>Radhika Sharma</a:t>
             </a:r>
-          </a:p>
-          <a:p>
-            <a:r>
-              <a:rPr lang="en-CA" sz="1600" dirty="0">
-                <a:solidFill>
-                  <a:srgbClr val="2A1A00"/>
-                </a:solidFill>
-              </a:rPr>
-              <a:t>Zachary Bazen</a:t>
-            </a:r>
-            <a:endParaRPr lang="en-US" sz="1600" dirty="0">
-              <a:solidFill>
-                <a:srgbClr val="2A1A00"/>
-              </a:solidFill>
-            </a:endParaRPr>
           </a:p>
         </p:txBody>
       </p:sp>
@@ -10321,13 +10601,6 @@
   <p:clrMapOvr>
     <a:masterClrMapping/>
   </p:clrMapOvr>
-  <p:timing>
-    <p:tnLst>
-      <p:par>
-        <p:cTn id="1" dur="indefinite" restart="never" nodeType="tmRoot"/>
-      </p:par>
-    </p:tnLst>
-  </p:timing>
 </p:sld>
 </file>
 
@@ -10364,38 +10637,127 @@
           <a:lstStyle/>
           <a:p>
             <a:r>
-              <a:rPr lang="en-US" b="1" dirty="0" smtClean="0"/>
-              <a:t> VC - Image processing</a:t>
+              <a:rPr lang="en-CA" dirty="0"/>
+              <a:t>VC – Image Processing (1)</a:t>
             </a:r>
+          </a:p>
+        </p:txBody>
+      </p:sp>
+      <p:pic>
+        <p:nvPicPr>
+          <p:cNvPr id="6" name="Content Placeholder 5"/>
+          <p:cNvPicPr>
+            <a:picLocks noGrp="1" noChangeAspect="1"/>
+          </p:cNvPicPr>
+          <p:nvPr>
+            <p:ph sz="half" idx="1"/>
+          </p:nvPr>
+        </p:nvPicPr>
+        <p:blipFill>
+          <a:blip r:embed="rId3">
+            <a:extLst>
+              <a:ext uri="{28A0092B-C50C-407E-A947-70E740481C1C}">
+                <a14:useLocalDpi xmlns:a14="http://schemas.microsoft.com/office/drawing/2010/main" val="0"/>
+              </a:ext>
+            </a:extLst>
+          </a:blip>
+          <a:stretch>
+            <a:fillRect/>
+          </a:stretch>
+        </p:blipFill>
+        <p:spPr>
+          <a:xfrm>
+            <a:off x="1257300" y="2295525"/>
+            <a:ext cx="4800600" cy="3600450"/>
+          </a:xfrm>
+        </p:spPr>
+      </p:pic>
+      <p:pic>
+        <p:nvPicPr>
+          <p:cNvPr id="8" name="Content Placeholder 7"/>
+          <p:cNvPicPr>
+            <a:picLocks noGrp="1" noChangeAspect="1"/>
+          </p:cNvPicPr>
+          <p:nvPr>
+            <p:ph sz="half" idx="2"/>
+          </p:nvPr>
+        </p:nvPicPr>
+        <p:blipFill>
+          <a:blip r:embed="rId4">
+            <a:extLst>
+              <a:ext uri="{28A0092B-C50C-407E-A947-70E740481C1C}">
+                <a14:useLocalDpi xmlns:a14="http://schemas.microsoft.com/office/drawing/2010/main" val="0"/>
+              </a:ext>
+            </a:extLst>
+          </a:blip>
+          <a:stretch>
+            <a:fillRect/>
+          </a:stretch>
+        </p:blipFill>
+        <p:spPr>
+          <a:xfrm>
+            <a:off x="6648450" y="2925604"/>
+            <a:ext cx="4800600" cy="2340292"/>
+          </a:xfrm>
+        </p:spPr>
+      </p:pic>
+      <p:sp>
+        <p:nvSpPr>
+          <p:cNvPr id="9" name="TextBox 8"/>
+          <p:cNvSpPr txBox="1"/>
+          <p:nvPr/>
+        </p:nvSpPr>
+        <p:spPr>
+          <a:xfrm>
+            <a:off x="2402864" y="1833860"/>
+            <a:ext cx="2509470" cy="461665"/>
+          </a:xfrm>
+          <a:prstGeom prst="rect">
+            <a:avLst/>
+          </a:prstGeom>
+          <a:noFill/>
+        </p:spPr>
+        <p:txBody>
+          <a:bodyPr wrap="none" rtlCol="0">
+            <a:spAutoFit/>
+          </a:bodyPr>
+          <a:lstStyle/>
+          <a:p>
+            <a:pPr algn="ctr"/>
             <a:r>
-              <a:rPr lang="en-US" b="1" dirty="0"/>
-              <a:t/>
+              <a:rPr lang="en-CA" sz="2400" dirty="0"/>
+              <a:t>1) Captured Image</a:t>
             </a:r>
-            <a:br>
-              <a:rPr lang="en-US" b="1" dirty="0"/>
-            </a:br>
             <a:endParaRPr lang="en-CA" dirty="0"/>
           </a:p>
         </p:txBody>
       </p:sp>
       <p:sp>
         <p:nvSpPr>
-          <p:cNvPr id="3" name="Content Placeholder 2"/>
-          <p:cNvSpPr>
-            <a:spLocks noGrp="1"/>
-          </p:cNvSpPr>
-          <p:nvPr>
-            <p:ph idx="1"/>
-          </p:nvPr>
-        </p:nvSpPr>
-        <p:spPr/>
-        <p:txBody>
-          <a:bodyPr/>
+          <p:cNvPr id="11" name="TextBox 10"/>
+          <p:cNvSpPr txBox="1"/>
+          <p:nvPr/>
+        </p:nvSpPr>
+        <p:spPr>
+          <a:xfrm>
+            <a:off x="7825338" y="1833859"/>
+            <a:ext cx="2446824" cy="461665"/>
+          </a:xfrm>
+          <a:prstGeom prst="rect">
+            <a:avLst/>
+          </a:prstGeom>
+          <a:noFill/>
+        </p:spPr>
+        <p:txBody>
+          <a:bodyPr wrap="none" rtlCol="0">
+            <a:spAutoFit/>
+          </a:bodyPr>
           <a:lstStyle/>
           <a:p>
+            <a:pPr algn="ctr"/>
             <a:r>
-              <a:rPr lang="en-CA" dirty="0" smtClean="0"/>
-              <a:t>TODO</a:t>
+              <a:rPr lang="en-CA" sz="2400" dirty="0"/>
+              <a:t>2) Cropped Image</a:t>
             </a:r>
             <a:endParaRPr lang="en-CA" dirty="0"/>
           </a:p>
@@ -10404,7 +10766,7 @@
     </p:spTree>
     <p:extLst>
       <p:ext uri="{BB962C8B-B14F-4D97-AF65-F5344CB8AC3E}">
-        <p14:creationId xmlns:p14="http://schemas.microsoft.com/office/powerpoint/2010/main" val="2985287176"/>
+        <p14:creationId xmlns:p14="http://schemas.microsoft.com/office/powerpoint/2010/main" val="3139489090"/>
       </p:ext>
     </p:extLst>
   </p:cSld>
@@ -10443,144 +10805,25 @@
         </p:nvSpPr>
         <p:spPr/>
         <p:txBody>
-          <a:bodyPr>
-            <a:noAutofit/>
-          </a:bodyPr>
+          <a:bodyPr/>
           <a:lstStyle/>
           <a:p>
             <a:r>
-              <a:rPr lang="en-US" b="1" dirty="0" smtClean="0"/>
-              <a:t>VC - Hardware </a:t>
+              <a:rPr lang="en-CA" dirty="0"/>
+              <a:t>VC – Image Processing (2)</a:t>
             </a:r>
-            <a:r>
-              <a:rPr lang="en-US" b="1" dirty="0"/>
-              <a:t>Interfacing </a:t>
-            </a:r>
-            <a:br>
-              <a:rPr lang="en-US" b="1" dirty="0"/>
-            </a:br>
-            <a:endParaRPr lang="en-CA" dirty="0"/>
-          </a:p>
-        </p:txBody>
-      </p:sp>
-      <p:sp>
-        <p:nvSpPr>
-          <p:cNvPr id="3" name="Content Placeholder 2"/>
-          <p:cNvSpPr>
-            <a:spLocks noGrp="1"/>
-          </p:cNvSpPr>
+          </a:p>
+        </p:txBody>
+      </p:sp>
+      <p:pic>
+        <p:nvPicPr>
+          <p:cNvPr id="5" name="Content Placeholder 4"/>
+          <p:cNvPicPr>
+            <a:picLocks noGrp="1" noChangeAspect="1"/>
+          </p:cNvPicPr>
           <p:nvPr>
             <p:ph idx="1"/>
           </p:nvPr>
-        </p:nvSpPr>
-        <p:spPr>
-          <a:xfrm>
-            <a:off x="1251678" y="1755423"/>
-            <a:ext cx="10178322" cy="3593591"/>
-          </a:xfrm>
-        </p:spPr>
-        <p:txBody>
-          <a:bodyPr>
-            <a:normAutofit/>
-          </a:bodyPr>
-          <a:lstStyle/>
-          <a:p>
-            <a:r>
-              <a:rPr lang="en-CA" sz="2800" dirty="0" smtClean="0">
-                <a:solidFill>
-                  <a:schemeClr val="tx1"/>
-                </a:solidFill>
-              </a:rPr>
-              <a:t>Raspberry Pi 3</a:t>
-            </a:r>
-          </a:p>
-          <a:p>
-            <a:r>
-              <a:rPr lang="en-CA" sz="2800" dirty="0" smtClean="0">
-                <a:solidFill>
-                  <a:schemeClr val="tx1"/>
-                </a:solidFill>
-              </a:rPr>
-              <a:t>Servo </a:t>
-            </a:r>
-          </a:p>
-          <a:p>
-            <a:r>
-              <a:rPr lang="en-CA" sz="2800" dirty="0" smtClean="0">
-                <a:solidFill>
-                  <a:schemeClr val="tx1"/>
-                </a:solidFill>
-              </a:rPr>
-              <a:t>Speed Controller</a:t>
-            </a:r>
-          </a:p>
-          <a:p>
-            <a:r>
-              <a:rPr lang="en-CA" sz="2800" dirty="0" smtClean="0">
-                <a:solidFill>
-                  <a:schemeClr val="tx1"/>
-                </a:solidFill>
-              </a:rPr>
-              <a:t>Ultrasonic Sensor (HC-SR04)</a:t>
-            </a:r>
-          </a:p>
-        </p:txBody>
-      </p:sp>
-      <p:sp>
-        <p:nvSpPr>
-          <p:cNvPr id="9" name="Rounded Rectangle 8"/>
-          <p:cNvSpPr/>
-          <p:nvPr/>
-        </p:nvSpPr>
-        <p:spPr>
-          <a:xfrm>
-            <a:off x="927817" y="4095946"/>
-            <a:ext cx="10826044" cy="2506133"/>
-          </a:xfrm>
-          <a:prstGeom prst="roundRect">
-            <a:avLst/>
-          </a:prstGeom>
-          <a:solidFill>
-            <a:schemeClr val="bg1"/>
-          </a:solidFill>
-          <a:ln>
-            <a:solidFill>
-              <a:schemeClr val="tx1"/>
-            </a:solidFill>
-          </a:ln>
-        </p:spPr>
-        <p:style>
-          <a:lnRef idx="2">
-            <a:schemeClr val="accent1">
-              <a:shade val="50000"/>
-            </a:schemeClr>
-          </a:lnRef>
-          <a:fillRef idx="1">
-            <a:schemeClr val="accent1"/>
-          </a:fillRef>
-          <a:effectRef idx="0">
-            <a:schemeClr val="accent1"/>
-          </a:effectRef>
-          <a:fontRef idx="minor">
-            <a:schemeClr val="lt1"/>
-          </a:fontRef>
-        </p:style>
-        <p:txBody>
-          <a:bodyPr rtlCol="0" anchor="ctr"/>
-          <a:lstStyle/>
-          <a:p>
-            <a:pPr algn="ctr"/>
-            <a:endParaRPr lang="en-CA"/>
-          </a:p>
-        </p:txBody>
-      </p:sp>
-      <p:pic>
-        <p:nvPicPr>
-          <p:cNvPr id="4" name="Picture 3"/>
-          <p:cNvPicPr>
-            <a:picLocks noChangeAspect="1"/>
-          </p:cNvPicPr>
-          <p:nvPr/>
         </p:nvPicPr>
         <p:blipFill>
           <a:blip r:embed="rId3">
@@ -10596,108 +10839,46 @@
         </p:blipFill>
         <p:spPr>
           <a:xfrm>
-            <a:off x="9028112" y="4700939"/>
-            <a:ext cx="2548644" cy="1515173"/>
+            <a:off x="3292475" y="2597150"/>
+            <a:ext cx="6096000" cy="2971800"/>
+          </a:xfrm>
+        </p:spPr>
+      </p:pic>
+      <p:sp>
+        <p:nvSpPr>
+          <p:cNvPr id="6" name="TextBox 5"/>
+          <p:cNvSpPr txBox="1"/>
+          <p:nvPr/>
+        </p:nvSpPr>
+        <p:spPr>
+          <a:xfrm>
+            <a:off x="5100391" y="2005001"/>
+            <a:ext cx="2480167" cy="461665"/>
           </a:xfrm>
           <a:prstGeom prst="rect">
             <a:avLst/>
           </a:prstGeom>
+          <a:noFill/>
         </p:spPr>
-      </p:pic>
-      <p:pic>
-        <p:nvPicPr>
-          <p:cNvPr id="5" name="Picture 4"/>
-          <p:cNvPicPr>
-            <a:picLocks noChangeAspect="1"/>
-          </p:cNvPicPr>
-          <p:nvPr/>
-        </p:nvPicPr>
-        <p:blipFill>
-          <a:blip r:embed="rId4">
-            <a:extLst>
-              <a:ext uri="{28A0092B-C50C-407E-A947-70E740481C1C}">
-                <a14:useLocalDpi xmlns:a14="http://schemas.microsoft.com/office/drawing/2010/main" val="0"/>
-              </a:ext>
-            </a:extLst>
-          </a:blip>
-          <a:stretch>
-            <a:fillRect/>
-          </a:stretch>
-        </p:blipFill>
-        <p:spPr>
-          <a:xfrm>
-            <a:off x="4039671" y="4576844"/>
-            <a:ext cx="2301168" cy="1544339"/>
-          </a:xfrm>
-          <a:prstGeom prst="rect">
-            <a:avLst/>
-          </a:prstGeom>
-        </p:spPr>
-      </p:pic>
-      <p:pic>
-        <p:nvPicPr>
-          <p:cNvPr id="7" name="Picture 6"/>
-          <p:cNvPicPr>
-            <a:picLocks noChangeAspect="1"/>
-          </p:cNvPicPr>
-          <p:nvPr/>
-        </p:nvPicPr>
-        <p:blipFill>
-          <a:blip r:embed="rId5">
-            <a:extLst>
-              <a:ext uri="{28A0092B-C50C-407E-A947-70E740481C1C}">
-                <a14:useLocalDpi xmlns:a14="http://schemas.microsoft.com/office/drawing/2010/main" val="0"/>
-              </a:ext>
-            </a:extLst>
-          </a:blip>
-          <a:stretch>
-            <a:fillRect/>
-          </a:stretch>
-        </p:blipFill>
-        <p:spPr>
-          <a:xfrm>
-            <a:off x="1012116" y="4301998"/>
-            <a:ext cx="3209929" cy="2153327"/>
-          </a:xfrm>
-          <a:prstGeom prst="rect">
-            <a:avLst/>
-          </a:prstGeom>
-        </p:spPr>
-      </p:pic>
-      <p:pic>
-        <p:nvPicPr>
-          <p:cNvPr id="8" name="Picture 7"/>
-          <p:cNvPicPr>
-            <a:picLocks noChangeAspect="1"/>
-          </p:cNvPicPr>
-          <p:nvPr/>
-        </p:nvPicPr>
-        <p:blipFill>
-          <a:blip r:embed="rId6">
-            <a:extLst>
-              <a:ext uri="{28A0092B-C50C-407E-A947-70E740481C1C}">
-                <a14:useLocalDpi xmlns:a14="http://schemas.microsoft.com/office/drawing/2010/main" val="0"/>
-              </a:ext>
-            </a:extLst>
-          </a:blip>
-          <a:stretch>
-            <a:fillRect/>
-          </a:stretch>
-        </p:blipFill>
-        <p:spPr>
-          <a:xfrm>
-            <a:off x="6167070" y="4461727"/>
-            <a:ext cx="2594505" cy="1993598"/>
-          </a:xfrm>
-          <a:prstGeom prst="rect">
-            <a:avLst/>
-          </a:prstGeom>
-        </p:spPr>
-      </p:pic>
+        <p:txBody>
+          <a:bodyPr wrap="none" rtlCol="0">
+            <a:spAutoFit/>
+          </a:bodyPr>
+          <a:lstStyle/>
+          <a:p>
+            <a:pPr algn="ctr"/>
+            <a:r>
+              <a:rPr lang="en-CA" sz="2400" dirty="0"/>
+              <a:t>3) Binarized Image</a:t>
+            </a:r>
+            <a:endParaRPr lang="en-CA" dirty="0"/>
+          </a:p>
+        </p:txBody>
+      </p:sp>
     </p:spTree>
     <p:extLst>
       <p:ext uri="{BB962C8B-B14F-4D97-AF65-F5344CB8AC3E}">
-        <p14:creationId xmlns:p14="http://schemas.microsoft.com/office/powerpoint/2010/main" val="1864993364"/>
+        <p14:creationId xmlns:p14="http://schemas.microsoft.com/office/powerpoint/2010/main" val="2802468919"/>
       </p:ext>
     </p:extLst>
   </p:cSld>
@@ -10734,21 +10915,131 @@
             <p:ph type="title"/>
           </p:nvPr>
         </p:nvSpPr>
+        <p:spPr/>
+        <p:txBody>
+          <a:bodyPr/>
+          <a:lstStyle/>
+          <a:p>
+            <a:r>
+              <a:rPr lang="en-CA" dirty="0"/>
+              <a:t>VC – Image Processing (3)</a:t>
+            </a:r>
+          </a:p>
+        </p:txBody>
+      </p:sp>
+      <p:pic>
+        <p:nvPicPr>
+          <p:cNvPr id="5" name="Content Placeholder 4"/>
+          <p:cNvPicPr>
+            <a:picLocks noGrp="1" noChangeAspect="1"/>
+          </p:cNvPicPr>
+          <p:nvPr>
+            <p:ph idx="1"/>
+          </p:nvPr>
+        </p:nvPicPr>
+        <p:blipFill>
+          <a:blip r:embed="rId3">
+            <a:extLst>
+              <a:ext uri="{28A0092B-C50C-407E-A947-70E740481C1C}">
+                <a14:useLocalDpi xmlns:a14="http://schemas.microsoft.com/office/drawing/2010/main" val="0"/>
+              </a:ext>
+            </a:extLst>
+          </a:blip>
+          <a:stretch>
+            <a:fillRect/>
+          </a:stretch>
+        </p:blipFill>
         <p:spPr>
           <a:xfrm>
-            <a:off x="1465038" y="301105"/>
-            <a:ext cx="10178322" cy="1492132"/>
+            <a:off x="3292475" y="2597150"/>
+            <a:ext cx="6096000" cy="2971800"/>
           </a:xfrm>
         </p:spPr>
+      </p:pic>
+      <p:sp>
+        <p:nvSpPr>
+          <p:cNvPr id="6" name="TextBox 5"/>
+          <p:cNvSpPr txBox="1"/>
+          <p:nvPr/>
+        </p:nvSpPr>
+        <p:spPr>
+          <a:xfrm>
+            <a:off x="5113215" y="2005001"/>
+            <a:ext cx="2454519" cy="461665"/>
+          </a:xfrm>
+          <a:prstGeom prst="rect">
+            <a:avLst/>
+          </a:prstGeom>
+          <a:noFill/>
+        </p:spPr>
+        <p:txBody>
+          <a:bodyPr wrap="none" rtlCol="0">
+            <a:spAutoFit/>
+          </a:bodyPr>
+          <a:lstStyle/>
+          <a:p>
+            <a:pPr algn="ctr"/>
+            <a:r>
+              <a:rPr lang="en-CA" sz="2400" dirty="0"/>
+              <a:t>4) Edge Detection</a:t>
+            </a:r>
+            <a:endParaRPr lang="en-CA" dirty="0"/>
+          </a:p>
+        </p:txBody>
+      </p:sp>
+    </p:spTree>
+    <p:extLst>
+      <p:ext uri="{BB962C8B-B14F-4D97-AF65-F5344CB8AC3E}">
+        <p14:creationId xmlns:p14="http://schemas.microsoft.com/office/powerpoint/2010/main" val="1412961137"/>
+      </p:ext>
+    </p:extLst>
+  </p:cSld>
+  <p:clrMapOvr>
+    <a:masterClrMapping/>
+  </p:clrMapOvr>
+</p:sld>
+</file>
+
+<file path=ppt/slides/slide13.xml><?xml version="1.0" encoding="utf-8"?>
+<p:sld xmlns:a="http://schemas.openxmlformats.org/drawingml/2006/main" xmlns:r="http://schemas.openxmlformats.org/officeDocument/2006/relationships" xmlns:p="http://schemas.openxmlformats.org/presentationml/2006/main">
+  <p:cSld>
+    <p:spTree>
+      <p:nvGrpSpPr>
+        <p:cNvPr id="1" name=""/>
+        <p:cNvGrpSpPr/>
+        <p:nvPr/>
+      </p:nvGrpSpPr>
+      <p:grpSpPr>
+        <a:xfrm>
+          <a:off x="0" y="0"/>
+          <a:ext cx="0" cy="0"/>
+          <a:chOff x="0" y="0"/>
+          <a:chExt cx="0" cy="0"/>
+        </a:xfrm>
+      </p:grpSpPr>
+      <p:sp>
+        <p:nvSpPr>
+          <p:cNvPr id="2" name="Title 1"/>
+          <p:cNvSpPr>
+            <a:spLocks noGrp="1"/>
+          </p:cNvSpPr>
+          <p:nvPr>
+            <p:ph type="title"/>
+          </p:nvPr>
+        </p:nvSpPr>
+        <p:spPr/>
         <p:txBody>
           <a:bodyPr/>
           <a:lstStyle/>
           <a:p>
             <a:r>
-              <a:rPr lang="en-CA" dirty="0" smtClean="0"/>
-              <a:t>VC – Vehicle navigation</a:t>
+              <a:rPr lang="en-US" dirty="0"/>
+              <a:t> VC – Image processing (4)</a:t>
             </a:r>
-            <a:endParaRPr lang="en-US" dirty="0"/>
+            <a:br>
+              <a:rPr lang="en-US" b="1" dirty="0"/>
+            </a:br>
+            <a:endParaRPr lang="en-CA" dirty="0"/>
           </a:p>
         </p:txBody>
       </p:sp>
@@ -10764,6 +11055,210 @@
         </p:nvSpPr>
         <p:spPr>
           <a:xfrm>
+            <a:off x="1014612" y="1874517"/>
+            <a:ext cx="4962855" cy="4005075"/>
+          </a:xfrm>
+        </p:spPr>
+        <p:txBody>
+          <a:bodyPr>
+            <a:noAutofit/>
+          </a:bodyPr>
+          <a:lstStyle/>
+          <a:p>
+            <a:r>
+              <a:rPr lang="en-CA" sz="2800" dirty="0">
+                <a:solidFill>
+                  <a:schemeClr val="tx1"/>
+                </a:solidFill>
+              </a:rPr>
+              <a:t>Binarization</a:t>
+            </a:r>
+          </a:p>
+          <a:p>
+            <a:r>
+              <a:rPr lang="en-CA" sz="2800" dirty="0">
+                <a:solidFill>
+                  <a:schemeClr val="tx1"/>
+                </a:solidFill>
+              </a:rPr>
+              <a:t>Canny Edge Detection</a:t>
+            </a:r>
+          </a:p>
+          <a:p>
+            <a:r>
+              <a:rPr lang="en-CA" sz="2800" dirty="0">
+                <a:solidFill>
+                  <a:schemeClr val="tx1"/>
+                </a:solidFill>
+              </a:rPr>
+              <a:t>Probabilistic Hough Line Transform</a:t>
+            </a:r>
+          </a:p>
+          <a:p>
+            <a:pPr lvl="1"/>
+            <a:r>
+              <a:rPr lang="en-CA" sz="2800" dirty="0">
+                <a:solidFill>
+                  <a:schemeClr val="tx1"/>
+                </a:solidFill>
+              </a:rPr>
+              <a:t>Average line angle</a:t>
+            </a:r>
+          </a:p>
+          <a:p>
+            <a:pPr lvl="1"/>
+            <a:r>
+              <a:rPr lang="en-CA" sz="2800" dirty="0">
+                <a:solidFill>
+                  <a:schemeClr val="tx1"/>
+                </a:solidFill>
+              </a:rPr>
+              <a:t>Average left and right distance</a:t>
+            </a:r>
+          </a:p>
+          <a:p>
+            <a:r>
+              <a:rPr lang="en-CA" sz="2800" dirty="0">
+                <a:solidFill>
+                  <a:schemeClr val="tx1"/>
+                </a:solidFill>
+              </a:rPr>
+              <a:t>Intersection detection</a:t>
+            </a:r>
+          </a:p>
+        </p:txBody>
+      </p:sp>
+      <p:pic>
+        <p:nvPicPr>
+          <p:cNvPr id="5" name="Picture 4"/>
+          <p:cNvPicPr>
+            <a:picLocks noChangeAspect="1"/>
+          </p:cNvPicPr>
+          <p:nvPr/>
+        </p:nvPicPr>
+        <p:blipFill>
+          <a:blip r:embed="rId3">
+            <a:extLst>
+              <a:ext uri="{28A0092B-C50C-407E-A947-70E740481C1C}">
+                <a14:useLocalDpi xmlns:a14="http://schemas.microsoft.com/office/drawing/2010/main" val="0"/>
+              </a:ext>
+            </a:extLst>
+          </a:blip>
+          <a:stretch>
+            <a:fillRect/>
+          </a:stretch>
+        </p:blipFill>
+        <p:spPr>
+          <a:xfrm>
+            <a:off x="5571066" y="1880749"/>
+            <a:ext cx="6096000" cy="2971800"/>
+          </a:xfrm>
+          <a:prstGeom prst="rect">
+            <a:avLst/>
+          </a:prstGeom>
+        </p:spPr>
+      </p:pic>
+      <p:sp>
+        <p:nvSpPr>
+          <p:cNvPr id="6" name="TextBox 5"/>
+          <p:cNvSpPr txBox="1"/>
+          <p:nvPr/>
+        </p:nvSpPr>
+        <p:spPr>
+          <a:xfrm>
+            <a:off x="7391807" y="4904405"/>
+            <a:ext cx="2121093" cy="461665"/>
+          </a:xfrm>
+          <a:prstGeom prst="rect">
+            <a:avLst/>
+          </a:prstGeom>
+          <a:noFill/>
+        </p:spPr>
+        <p:txBody>
+          <a:bodyPr wrap="none" rtlCol="0">
+            <a:spAutoFit/>
+          </a:bodyPr>
+          <a:lstStyle/>
+          <a:p>
+            <a:pPr algn="ctr"/>
+            <a:r>
+              <a:rPr lang="en-CA" sz="2400" dirty="0"/>
+              <a:t>5) Finding Lines</a:t>
+            </a:r>
+            <a:endParaRPr lang="en-CA" dirty="0"/>
+          </a:p>
+        </p:txBody>
+      </p:sp>
+    </p:spTree>
+    <p:extLst>
+      <p:ext uri="{BB962C8B-B14F-4D97-AF65-F5344CB8AC3E}">
+        <p14:creationId xmlns:p14="http://schemas.microsoft.com/office/powerpoint/2010/main" val="2985287176"/>
+      </p:ext>
+    </p:extLst>
+  </p:cSld>
+  <p:clrMapOvr>
+    <a:masterClrMapping/>
+  </p:clrMapOvr>
+</p:sld>
+</file>
+
+<file path=ppt/slides/slide14.xml><?xml version="1.0" encoding="utf-8"?>
+<p:sld xmlns:a="http://schemas.openxmlformats.org/drawingml/2006/main" xmlns:r="http://schemas.openxmlformats.org/officeDocument/2006/relationships" xmlns:p="http://schemas.openxmlformats.org/presentationml/2006/main">
+  <p:cSld>
+    <p:spTree>
+      <p:nvGrpSpPr>
+        <p:cNvPr id="1" name=""/>
+        <p:cNvGrpSpPr/>
+        <p:nvPr/>
+      </p:nvGrpSpPr>
+      <p:grpSpPr>
+        <a:xfrm>
+          <a:off x="0" y="0"/>
+          <a:ext cx="0" cy="0"/>
+          <a:chOff x="0" y="0"/>
+          <a:chExt cx="0" cy="0"/>
+        </a:xfrm>
+      </p:grpSpPr>
+      <p:sp>
+        <p:nvSpPr>
+          <p:cNvPr id="2" name="Title 1"/>
+          <p:cNvSpPr>
+            <a:spLocks noGrp="1"/>
+          </p:cNvSpPr>
+          <p:nvPr>
+            <p:ph type="title"/>
+          </p:nvPr>
+        </p:nvSpPr>
+        <p:spPr>
+          <a:xfrm>
+            <a:off x="1465038" y="301105"/>
+            <a:ext cx="10178322" cy="1492132"/>
+          </a:xfrm>
+        </p:spPr>
+        <p:txBody>
+          <a:bodyPr/>
+          <a:lstStyle/>
+          <a:p>
+            <a:r>
+              <a:rPr lang="en-CA" dirty="0"/>
+              <a:t>VC – Vehicle navigation</a:t>
+            </a:r>
+            <a:endParaRPr lang="en-US" dirty="0"/>
+          </a:p>
+        </p:txBody>
+      </p:sp>
+      <p:sp>
+        <p:nvSpPr>
+          <p:cNvPr id="3" name="Content Placeholder 2"/>
+          <p:cNvSpPr>
+            <a:spLocks noGrp="1"/>
+          </p:cNvSpPr>
+          <p:nvPr>
+            <p:ph idx="1"/>
+          </p:nvPr>
+        </p:nvSpPr>
+        <p:spPr>
+          <a:xfrm>
             <a:off x="1271998" y="1259841"/>
             <a:ext cx="10178322" cy="2296159"/>
           </a:xfrm>
@@ -10777,7 +11272,7 @@
             <a:pPr marL="0" indent="0">
               <a:buNone/>
             </a:pPr>
-            <a:endParaRPr lang="en-US" sz="1800" b="1" dirty="0" smtClean="0"/>
+            <a:endParaRPr lang="en-US" sz="1800" b="1" dirty="0"/>
           </a:p>
           <a:p>
             <a:pPr marL="0" indent="0">
@@ -11028,23 +11523,18 @@
           </a:lstStyle>
           <a:p>
             <a:r>
-              <a:rPr lang="en-CA" sz="2800" dirty="0" smtClean="0">
+              <a:rPr lang="en-CA" sz="2800" dirty="0">
                 <a:solidFill>
                   <a:schemeClr val="tx1"/>
                 </a:solidFill>
               </a:rPr>
               <a:t>Controls wheel angle</a:t>
             </a:r>
-            <a:endParaRPr lang="en-CA" sz="2800" dirty="0">
-              <a:solidFill>
-                <a:schemeClr val="tx1"/>
-              </a:solidFill>
-            </a:endParaRPr>
           </a:p>
           <a:p>
             <a:pPr lvl="1"/>
             <a:r>
-              <a:rPr lang="en-CA" sz="2600" dirty="0" smtClean="0">
+              <a:rPr lang="en-CA" sz="2800" dirty="0">
                 <a:solidFill>
                   <a:schemeClr val="tx1"/>
                 </a:solidFill>
@@ -11055,7 +11545,7 @@
           <a:p>
             <a:pPr lvl="2"/>
             <a:r>
-              <a:rPr lang="en-CA" sz="2400" dirty="0" smtClean="0">
+              <a:rPr lang="en-CA" sz="2800" dirty="0">
                 <a:solidFill>
                   <a:schemeClr val="tx1"/>
                 </a:solidFill>
@@ -11066,7 +11556,7 @@
           <a:p>
             <a:pPr lvl="2"/>
             <a:r>
-              <a:rPr lang="en-CA" sz="2400" dirty="0" smtClean="0">
+              <a:rPr lang="en-CA" sz="2800" dirty="0">
                 <a:solidFill>
                   <a:schemeClr val="tx1"/>
                 </a:solidFill>
@@ -11076,21 +11566,16 @@
           </a:p>
           <a:p>
             <a:r>
-              <a:rPr lang="en-CA" sz="3000" dirty="0" smtClean="0">
+              <a:rPr lang="en-CA" sz="2800" dirty="0">
                 <a:solidFill>
                   <a:schemeClr val="tx1"/>
                 </a:solidFill>
               </a:rPr>
               <a:t>Sets speed</a:t>
             </a:r>
-            <a:endParaRPr lang="en-CA" sz="3000" dirty="0">
-              <a:solidFill>
-                <a:schemeClr val="tx1"/>
-              </a:solidFill>
-            </a:endParaRPr>
-          </a:p>
-          <a:p>
-            <a:endParaRPr lang="en-CA" sz="2800" dirty="0" smtClean="0"/>
+          </a:p>
+          <a:p>
+            <a:endParaRPr lang="en-CA" sz="2800" dirty="0"/>
           </a:p>
         </p:txBody>
       </p:sp>
@@ -11116,8 +11601,8 @@
         </p:blipFill>
         <p:spPr>
           <a:xfrm>
-            <a:off x="6340839" y="1723259"/>
-            <a:ext cx="4877223" cy="3657917"/>
+            <a:off x="6340839" y="2363394"/>
+            <a:ext cx="4877223" cy="2377646"/>
           </a:xfrm>
           <a:prstGeom prst="rect">
             <a:avLst/>
@@ -11128,185 +11613,6 @@
     <p:extLst>
       <p:ext uri="{BB962C8B-B14F-4D97-AF65-F5344CB8AC3E}">
         <p14:creationId xmlns:p14="http://schemas.microsoft.com/office/powerpoint/2010/main" val="3940846537"/>
-      </p:ext>
-    </p:extLst>
-  </p:cSld>
-  <p:clrMapOvr>
-    <a:masterClrMapping/>
-  </p:clrMapOvr>
-  <p:timing>
-    <p:tnLst>
-      <p:par>
-        <p:cTn id="1" dur="indefinite" restart="never" nodeType="tmRoot"/>
-      </p:par>
-    </p:tnLst>
-  </p:timing>
-</p:sld>
-</file>
-
-<file path=ppt/slides/slide13.xml><?xml version="1.0" encoding="utf-8"?>
-<p:sld xmlns:a="http://schemas.openxmlformats.org/drawingml/2006/main" xmlns:r="http://schemas.openxmlformats.org/officeDocument/2006/relationships" xmlns:p="http://schemas.openxmlformats.org/presentationml/2006/main">
-  <p:cSld>
-    <p:spTree>
-      <p:nvGrpSpPr>
-        <p:cNvPr id="1" name=""/>
-        <p:cNvGrpSpPr/>
-        <p:nvPr/>
-      </p:nvGrpSpPr>
-      <p:grpSpPr>
-        <a:xfrm>
-          <a:off x="0" y="0"/>
-          <a:ext cx="0" cy="0"/>
-          <a:chOff x="0" y="0"/>
-          <a:chExt cx="0" cy="0"/>
-        </a:xfrm>
-      </p:grpSpPr>
-      <p:sp>
-        <p:nvSpPr>
-          <p:cNvPr id="2" name="Title 1"/>
-          <p:cNvSpPr>
-            <a:spLocks noGrp="1"/>
-          </p:cNvSpPr>
-          <p:nvPr>
-            <p:ph type="title"/>
-          </p:nvPr>
-        </p:nvSpPr>
-        <p:spPr/>
-        <p:txBody>
-          <a:bodyPr/>
-          <a:lstStyle/>
-          <a:p>
-            <a:r>
-              <a:rPr lang="en-CA" dirty="0"/>
-              <a:t>Video of car driving</a:t>
-            </a:r>
-            <a:endParaRPr lang="en-US" dirty="0"/>
-          </a:p>
-        </p:txBody>
-      </p:sp>
-      <p:sp>
-        <p:nvSpPr>
-          <p:cNvPr id="3" name="Content Placeholder 2"/>
-          <p:cNvSpPr>
-            <a:spLocks noGrp="1"/>
-          </p:cNvSpPr>
-          <p:nvPr>
-            <p:ph idx="1"/>
-          </p:nvPr>
-        </p:nvSpPr>
-        <p:spPr/>
-        <p:txBody>
-          <a:bodyPr/>
-          <a:lstStyle/>
-          <a:p>
-            <a:endParaRPr lang="en-US" dirty="0"/>
-          </a:p>
-        </p:txBody>
-      </p:sp>
-    </p:spTree>
-    <p:extLst>
-      <p:ext uri="{BB962C8B-B14F-4D97-AF65-F5344CB8AC3E}">
-        <p14:creationId xmlns:p14="http://schemas.microsoft.com/office/powerpoint/2010/main" val="1157409652"/>
-      </p:ext>
-    </p:extLst>
-  </p:cSld>
-  <p:clrMapOvr>
-    <a:masterClrMapping/>
-  </p:clrMapOvr>
-</p:sld>
-</file>
-
-<file path=ppt/slides/slide14.xml><?xml version="1.0" encoding="utf-8"?>
-<p:sld xmlns:a="http://schemas.openxmlformats.org/drawingml/2006/main" xmlns:r="http://schemas.openxmlformats.org/officeDocument/2006/relationships" xmlns:p="http://schemas.openxmlformats.org/presentationml/2006/main">
-  <p:cSld>
-    <p:spTree>
-      <p:nvGrpSpPr>
-        <p:cNvPr id="1" name=""/>
-        <p:cNvGrpSpPr/>
-        <p:nvPr/>
-      </p:nvGrpSpPr>
-      <p:grpSpPr>
-        <a:xfrm>
-          <a:off x="0" y="0"/>
-          <a:ext cx="0" cy="0"/>
-          <a:chOff x="0" y="0"/>
-          <a:chExt cx="0" cy="0"/>
-        </a:xfrm>
-      </p:grpSpPr>
-      <p:sp>
-        <p:nvSpPr>
-          <p:cNvPr id="2" name="Title 1"/>
-          <p:cNvSpPr>
-            <a:spLocks noGrp="1"/>
-          </p:cNvSpPr>
-          <p:nvPr>
-            <p:ph type="title"/>
-          </p:nvPr>
-        </p:nvSpPr>
-        <p:spPr/>
-        <p:txBody>
-          <a:bodyPr/>
-          <a:lstStyle/>
-          <a:p>
-            <a:r>
-              <a:rPr lang="en-CA" dirty="0"/>
-              <a:t>Hazard mitigation</a:t>
-            </a:r>
-            <a:endParaRPr lang="en-US" dirty="0"/>
-          </a:p>
-        </p:txBody>
-      </p:sp>
-      <p:sp>
-        <p:nvSpPr>
-          <p:cNvPr id="3" name="Content Placeholder 2"/>
-          <p:cNvSpPr>
-            <a:spLocks noGrp="1"/>
-          </p:cNvSpPr>
-          <p:nvPr>
-            <p:ph idx="1"/>
-          </p:nvPr>
-        </p:nvSpPr>
-        <p:spPr>
-          <a:xfrm>
-            <a:off x="1099278" y="2057401"/>
-            <a:ext cx="10178322" cy="3593591"/>
-          </a:xfrm>
-        </p:spPr>
-        <p:txBody>
-          <a:bodyPr>
-            <a:noAutofit/>
-          </a:bodyPr>
-          <a:lstStyle/>
-          <a:p>
-            <a:pPr marL="457200" lvl="1" indent="0">
-              <a:buNone/>
-            </a:pPr>
-            <a:endParaRPr lang="en-CA" sz="2400" dirty="0" smtClean="0"/>
-          </a:p>
-          <a:p>
-            <a:r>
-              <a:rPr lang="en-CA" sz="3200" dirty="0" smtClean="0"/>
-              <a:t>Communication</a:t>
-            </a:r>
-          </a:p>
-          <a:p>
-            <a:r>
-              <a:rPr lang="en-CA" sz="3200" dirty="0" smtClean="0"/>
-              <a:t>Loss of power</a:t>
-            </a:r>
-          </a:p>
-          <a:p>
-            <a:r>
-              <a:rPr lang="en-CA" sz="3200" dirty="0" smtClean="0"/>
-              <a:t>Software (crashes and errors)	</a:t>
-            </a:r>
-          </a:p>
-        </p:txBody>
-      </p:sp>
-    </p:spTree>
-    <p:extLst>
-      <p:ext uri="{BB962C8B-B14F-4D97-AF65-F5344CB8AC3E}">
-        <p14:creationId xmlns:p14="http://schemas.microsoft.com/office/powerpoint/2010/main" val="3982056765"/>
       </p:ext>
     </p:extLst>
   </p:cSld>
@@ -11345,22 +11651,19 @@
         </p:nvSpPr>
         <p:spPr/>
         <p:txBody>
-          <a:bodyPr/>
+          <a:bodyPr>
+            <a:noAutofit/>
+          </a:bodyPr>
           <a:lstStyle/>
           <a:p>
             <a:r>
-              <a:rPr lang="en-CA" dirty="0"/>
-              <a:t>Features </a:t>
+              <a:rPr lang="en-US" dirty="0"/>
+              <a:t>VC – Hardware Interfacing </a:t>
             </a:r>
-            <a:r>
-              <a:rPr lang="en-CA" dirty="0" smtClean="0"/>
-              <a:t>to </a:t>
-            </a:r>
-            <a:r>
-              <a:rPr lang="en-CA" dirty="0"/>
-              <a:t>be implemented</a:t>
-            </a:r>
-            <a:endParaRPr lang="en-US" dirty="0"/>
+            <a:br>
+              <a:rPr lang="en-US" b="1" dirty="0"/>
+            </a:br>
+            <a:endParaRPr lang="en-CA" dirty="0"/>
           </a:p>
         </p:txBody>
       </p:sp>
@@ -11374,7 +11677,12 @@
             <p:ph idx="1"/>
           </p:nvPr>
         </p:nvSpPr>
-        <p:spPr/>
+        <p:spPr>
+          <a:xfrm>
+            <a:off x="1251678" y="1755423"/>
+            <a:ext cx="10178322" cy="3593591"/>
+          </a:xfrm>
+        </p:spPr>
         <p:txBody>
           <a:bodyPr>
             <a:normAutofit/>
@@ -11382,32 +11690,218 @@
           <a:lstStyle/>
           <a:p>
             <a:r>
-              <a:rPr lang="en-CA" sz="3200" dirty="0"/>
-              <a:t>Bluetooth to other communication</a:t>
+              <a:rPr lang="en-CA" sz="2800" dirty="0">
+                <a:solidFill>
+                  <a:schemeClr val="tx1"/>
+                </a:solidFill>
+              </a:rPr>
+              <a:t>Raspberry Pi 3</a:t>
             </a:r>
           </a:p>
           <a:p>
             <a:r>
-              <a:rPr lang="en-CA" sz="3200" dirty="0"/>
-              <a:t>IC vehicle detection</a:t>
+              <a:rPr lang="en-CA" sz="2800" dirty="0">
+                <a:solidFill>
+                  <a:schemeClr val="tx1"/>
+                </a:solidFill>
+              </a:rPr>
+              <a:t>Servo </a:t>
             </a:r>
           </a:p>
           <a:p>
             <a:r>
-              <a:rPr lang="en-CA" sz="3200" dirty="0"/>
-              <a:t>Obstacle </a:t>
+              <a:rPr lang="en-CA" sz="2800" dirty="0">
+                <a:solidFill>
+                  <a:schemeClr val="tx1"/>
+                </a:solidFill>
+              </a:rPr>
+              <a:t>Speed Controller</a:t>
             </a:r>
+          </a:p>
+          <a:p>
             <a:r>
-              <a:rPr lang="en-CA" sz="3200" dirty="0" smtClean="0"/>
-              <a:t>detection??????????????????</a:t>
+              <a:rPr lang="en-CA" sz="2800" dirty="0">
+                <a:solidFill>
+                  <a:schemeClr val="tx1"/>
+                </a:solidFill>
+              </a:rPr>
+              <a:t>Ultrasonic Sensor (HC-SR04)</a:t>
             </a:r>
           </a:p>
         </p:txBody>
       </p:sp>
+      <p:sp>
+        <p:nvSpPr>
+          <p:cNvPr id="9" name="Rounded Rectangle 8"/>
+          <p:cNvSpPr/>
+          <p:nvPr/>
+        </p:nvSpPr>
+        <p:spPr>
+          <a:xfrm>
+            <a:off x="927817" y="4095946"/>
+            <a:ext cx="10826044" cy="2506133"/>
+          </a:xfrm>
+          <a:prstGeom prst="roundRect">
+            <a:avLst/>
+          </a:prstGeom>
+          <a:solidFill>
+            <a:schemeClr val="bg1"/>
+          </a:solidFill>
+          <a:ln>
+            <a:solidFill>
+              <a:schemeClr val="tx1"/>
+            </a:solidFill>
+          </a:ln>
+        </p:spPr>
+        <p:style>
+          <a:lnRef idx="2">
+            <a:schemeClr val="accent1">
+              <a:shade val="50000"/>
+            </a:schemeClr>
+          </a:lnRef>
+          <a:fillRef idx="1">
+            <a:schemeClr val="accent1"/>
+          </a:fillRef>
+          <a:effectRef idx="0">
+            <a:schemeClr val="accent1"/>
+          </a:effectRef>
+          <a:fontRef idx="minor">
+            <a:schemeClr val="lt1"/>
+          </a:fontRef>
+        </p:style>
+        <p:txBody>
+          <a:bodyPr rtlCol="0" anchor="ctr"/>
+          <a:lstStyle/>
+          <a:p>
+            <a:pPr algn="ctr"/>
+            <a:endParaRPr lang="en-CA" dirty="0"/>
+          </a:p>
+        </p:txBody>
+      </p:sp>
+      <p:pic>
+        <p:nvPicPr>
+          <p:cNvPr id="4" name="Picture 3"/>
+          <p:cNvPicPr>
+            <a:picLocks noChangeAspect="1"/>
+          </p:cNvPicPr>
+          <p:nvPr/>
+        </p:nvPicPr>
+        <p:blipFill>
+          <a:blip r:embed="rId3">
+            <a:extLst>
+              <a:ext uri="{28A0092B-C50C-407E-A947-70E740481C1C}">
+                <a14:useLocalDpi xmlns:a14="http://schemas.microsoft.com/office/drawing/2010/main" val="0"/>
+              </a:ext>
+            </a:extLst>
+          </a:blip>
+          <a:stretch>
+            <a:fillRect/>
+          </a:stretch>
+        </p:blipFill>
+        <p:spPr>
+          <a:xfrm>
+            <a:off x="9028112" y="4700939"/>
+            <a:ext cx="2548644" cy="1515173"/>
+          </a:xfrm>
+          <a:prstGeom prst="rect">
+            <a:avLst/>
+          </a:prstGeom>
+        </p:spPr>
+      </p:pic>
+      <p:pic>
+        <p:nvPicPr>
+          <p:cNvPr id="5" name="Picture 4"/>
+          <p:cNvPicPr>
+            <a:picLocks noChangeAspect="1"/>
+          </p:cNvPicPr>
+          <p:nvPr/>
+        </p:nvPicPr>
+        <p:blipFill>
+          <a:blip r:embed="rId4">
+            <a:extLst>
+              <a:ext uri="{28A0092B-C50C-407E-A947-70E740481C1C}">
+                <a14:useLocalDpi xmlns:a14="http://schemas.microsoft.com/office/drawing/2010/main" val="0"/>
+              </a:ext>
+            </a:extLst>
+          </a:blip>
+          <a:stretch>
+            <a:fillRect/>
+          </a:stretch>
+        </p:blipFill>
+        <p:spPr>
+          <a:xfrm>
+            <a:off x="4039671" y="4576844"/>
+            <a:ext cx="2301168" cy="1544339"/>
+          </a:xfrm>
+          <a:prstGeom prst="rect">
+            <a:avLst/>
+          </a:prstGeom>
+        </p:spPr>
+      </p:pic>
+      <p:pic>
+        <p:nvPicPr>
+          <p:cNvPr id="7" name="Picture 6"/>
+          <p:cNvPicPr>
+            <a:picLocks noChangeAspect="1"/>
+          </p:cNvPicPr>
+          <p:nvPr/>
+        </p:nvPicPr>
+        <p:blipFill>
+          <a:blip r:embed="rId5">
+            <a:extLst>
+              <a:ext uri="{28A0092B-C50C-407E-A947-70E740481C1C}">
+                <a14:useLocalDpi xmlns:a14="http://schemas.microsoft.com/office/drawing/2010/main" val="0"/>
+              </a:ext>
+            </a:extLst>
+          </a:blip>
+          <a:stretch>
+            <a:fillRect/>
+          </a:stretch>
+        </p:blipFill>
+        <p:spPr>
+          <a:xfrm>
+            <a:off x="1012116" y="4301998"/>
+            <a:ext cx="3209929" cy="2153327"/>
+          </a:xfrm>
+          <a:prstGeom prst="rect">
+            <a:avLst/>
+          </a:prstGeom>
+        </p:spPr>
+      </p:pic>
+      <p:pic>
+        <p:nvPicPr>
+          <p:cNvPr id="8" name="Picture 7"/>
+          <p:cNvPicPr>
+            <a:picLocks noChangeAspect="1"/>
+          </p:cNvPicPr>
+          <p:nvPr/>
+        </p:nvPicPr>
+        <p:blipFill>
+          <a:blip r:embed="rId6">
+            <a:extLst>
+              <a:ext uri="{28A0092B-C50C-407E-A947-70E740481C1C}">
+                <a14:useLocalDpi xmlns:a14="http://schemas.microsoft.com/office/drawing/2010/main" val="0"/>
+              </a:ext>
+            </a:extLst>
+          </a:blip>
+          <a:stretch>
+            <a:fillRect/>
+          </a:stretch>
+        </p:blipFill>
+        <p:spPr>
+          <a:xfrm>
+            <a:off x="6167070" y="4461727"/>
+            <a:ext cx="2594505" cy="1993598"/>
+          </a:xfrm>
+          <a:prstGeom prst="rect">
+            <a:avLst/>
+          </a:prstGeom>
+        </p:spPr>
+      </p:pic>
     </p:spTree>
     <p:extLst>
       <p:ext uri="{BB962C8B-B14F-4D97-AF65-F5344CB8AC3E}">
-        <p14:creationId xmlns:p14="http://schemas.microsoft.com/office/powerpoint/2010/main" val="3886893300"/>
+        <p14:creationId xmlns:p14="http://schemas.microsoft.com/office/powerpoint/2010/main" val="1864993364"/>
       </p:ext>
     </p:extLst>
   </p:cSld>
@@ -11444,31 +11938,42 @@
             <p:ph type="title"/>
           </p:nvPr>
         </p:nvSpPr>
-        <p:spPr>
-          <a:xfrm>
-            <a:off x="1088393" y="2352698"/>
-            <a:ext cx="10178322" cy="1492132"/>
-          </a:xfrm>
-        </p:spPr>
-        <p:txBody>
-          <a:bodyPr>
-            <a:normAutofit/>
-          </a:bodyPr>
+        <p:spPr/>
+        <p:txBody>
+          <a:bodyPr/>
           <a:lstStyle/>
           <a:p>
-            <a:pPr algn="ctr"/>
             <a:r>
-              <a:rPr lang="en-CA" sz="8000" dirty="0" err="1" smtClean="0"/>
-              <a:t>DEmo</a:t>
+              <a:rPr lang="en-CA" dirty="0"/>
+              <a:t>Video of car driving</a:t>
             </a:r>
-            <a:endParaRPr lang="en-CA" sz="8000" dirty="0"/>
+            <a:endParaRPr lang="en-US" dirty="0"/>
+          </a:p>
+        </p:txBody>
+      </p:sp>
+      <p:sp>
+        <p:nvSpPr>
+          <p:cNvPr id="3" name="Content Placeholder 2"/>
+          <p:cNvSpPr>
+            <a:spLocks noGrp="1"/>
+          </p:cNvSpPr>
+          <p:nvPr>
+            <p:ph idx="1"/>
+          </p:nvPr>
+        </p:nvSpPr>
+        <p:spPr/>
+        <p:txBody>
+          <a:bodyPr/>
+          <a:lstStyle/>
+          <a:p>
+            <a:endParaRPr lang="en-US" dirty="0"/>
           </a:p>
         </p:txBody>
       </p:sp>
     </p:spTree>
     <p:extLst>
       <p:ext uri="{BB962C8B-B14F-4D97-AF65-F5344CB8AC3E}">
-        <p14:creationId xmlns:p14="http://schemas.microsoft.com/office/powerpoint/2010/main" val="3384724540"/>
+        <p14:creationId xmlns:p14="http://schemas.microsoft.com/office/powerpoint/2010/main" val="1157409652"/>
       </p:ext>
     </p:extLst>
   </p:cSld>
@@ -11497,6 +12002,1461 @@
       </p:grpSpPr>
       <p:sp>
         <p:nvSpPr>
+          <p:cNvPr id="2" name="Title 1"/>
+          <p:cNvSpPr>
+            <a:spLocks noGrp="1"/>
+          </p:cNvSpPr>
+          <p:nvPr>
+            <p:ph type="title"/>
+          </p:nvPr>
+        </p:nvSpPr>
+        <p:spPr/>
+        <p:txBody>
+          <a:bodyPr/>
+          <a:lstStyle/>
+          <a:p>
+            <a:r>
+              <a:rPr lang="en-CA" dirty="0"/>
+              <a:t>Hazard mitigation</a:t>
+            </a:r>
+            <a:endParaRPr lang="en-US" dirty="0"/>
+          </a:p>
+        </p:txBody>
+      </p:sp>
+      <p:sp>
+        <p:nvSpPr>
+          <p:cNvPr id="3" name="Content Placeholder 2"/>
+          <p:cNvSpPr>
+            <a:spLocks noGrp="1"/>
+          </p:cNvSpPr>
+          <p:nvPr>
+            <p:ph idx="1"/>
+          </p:nvPr>
+        </p:nvSpPr>
+        <p:spPr>
+          <a:xfrm>
+            <a:off x="1099278" y="2057401"/>
+            <a:ext cx="10178322" cy="3593591"/>
+          </a:xfrm>
+        </p:spPr>
+        <p:txBody>
+          <a:bodyPr>
+            <a:noAutofit/>
+          </a:bodyPr>
+          <a:lstStyle/>
+          <a:p>
+            <a:pPr marL="457200" lvl="1" indent="0">
+              <a:buNone/>
+            </a:pPr>
+            <a:endParaRPr lang="en-CA" sz="2400" dirty="0">
+              <a:solidFill>
+                <a:schemeClr val="tx1"/>
+              </a:solidFill>
+            </a:endParaRPr>
+          </a:p>
+          <a:p>
+            <a:r>
+              <a:rPr lang="en-CA" sz="3200" dirty="0">
+                <a:solidFill>
+                  <a:schemeClr val="tx1"/>
+                </a:solidFill>
+              </a:rPr>
+              <a:t>Communication</a:t>
+            </a:r>
+          </a:p>
+          <a:p>
+            <a:r>
+              <a:rPr lang="en-CA" sz="3200" dirty="0">
+                <a:solidFill>
+                  <a:schemeClr val="tx1"/>
+                </a:solidFill>
+              </a:rPr>
+              <a:t>Loss of power</a:t>
+            </a:r>
+          </a:p>
+          <a:p>
+            <a:r>
+              <a:rPr lang="en-CA" sz="3200" dirty="0">
+                <a:solidFill>
+                  <a:schemeClr val="tx1"/>
+                </a:solidFill>
+              </a:rPr>
+              <a:t>Software (crashes and errors)	</a:t>
+            </a:r>
+          </a:p>
+        </p:txBody>
+      </p:sp>
+    </p:spTree>
+    <p:extLst>
+      <p:ext uri="{BB962C8B-B14F-4D97-AF65-F5344CB8AC3E}">
+        <p14:creationId xmlns:p14="http://schemas.microsoft.com/office/powerpoint/2010/main" val="3982056765"/>
+      </p:ext>
+    </p:extLst>
+  </p:cSld>
+  <p:clrMapOvr>
+    <a:masterClrMapping/>
+  </p:clrMapOvr>
+</p:sld>
+</file>
+
+<file path=ppt/slides/slide18.xml><?xml version="1.0" encoding="utf-8"?>
+<p:sld xmlns:a="http://schemas.openxmlformats.org/drawingml/2006/main" xmlns:r="http://schemas.openxmlformats.org/officeDocument/2006/relationships" xmlns:p="http://schemas.openxmlformats.org/presentationml/2006/main">
+  <p:cSld>
+    <p:spTree>
+      <p:nvGrpSpPr>
+        <p:cNvPr id="1" name=""/>
+        <p:cNvGrpSpPr/>
+        <p:nvPr/>
+      </p:nvGrpSpPr>
+      <p:grpSpPr>
+        <a:xfrm>
+          <a:off x="0" y="0"/>
+          <a:ext cx="0" cy="0"/>
+          <a:chOff x="0" y="0"/>
+          <a:chExt cx="0" cy="0"/>
+        </a:xfrm>
+      </p:grpSpPr>
+      <p:sp>
+        <p:nvSpPr>
+          <p:cNvPr id="2" name="Title 1"/>
+          <p:cNvSpPr>
+            <a:spLocks noGrp="1"/>
+          </p:cNvSpPr>
+          <p:nvPr>
+            <p:ph type="title"/>
+          </p:nvPr>
+        </p:nvSpPr>
+        <p:spPr/>
+        <p:txBody>
+          <a:bodyPr/>
+          <a:lstStyle/>
+          <a:p>
+            <a:r>
+              <a:rPr lang="en-CA" dirty="0"/>
+              <a:t>Features to be implemented</a:t>
+            </a:r>
+            <a:endParaRPr lang="en-US" dirty="0"/>
+          </a:p>
+        </p:txBody>
+      </p:sp>
+      <p:sp>
+        <p:nvSpPr>
+          <p:cNvPr id="3" name="Content Placeholder 2"/>
+          <p:cNvSpPr>
+            <a:spLocks noGrp="1"/>
+          </p:cNvSpPr>
+          <p:nvPr>
+            <p:ph idx="1"/>
+          </p:nvPr>
+        </p:nvSpPr>
+        <p:spPr/>
+        <p:txBody>
+          <a:bodyPr>
+            <a:normAutofit/>
+          </a:bodyPr>
+          <a:lstStyle/>
+          <a:p>
+            <a:r>
+              <a:rPr lang="en-CA" sz="3200" dirty="0">
+                <a:solidFill>
+                  <a:schemeClr val="tx1"/>
+                </a:solidFill>
+              </a:rPr>
+              <a:t>Bluetooth to other communication</a:t>
+            </a:r>
+          </a:p>
+          <a:p>
+            <a:r>
+              <a:rPr lang="en-CA" sz="3200" dirty="0">
+                <a:solidFill>
+                  <a:schemeClr val="tx1"/>
+                </a:solidFill>
+              </a:rPr>
+              <a:t>IC vehicle detection</a:t>
+            </a:r>
+          </a:p>
+          <a:p>
+            <a:r>
+              <a:rPr lang="en-CA" sz="3200" dirty="0">
+                <a:solidFill>
+                  <a:schemeClr val="tx1"/>
+                </a:solidFill>
+              </a:rPr>
+              <a:t>Obstacle detection??????????????????</a:t>
+            </a:r>
+          </a:p>
+        </p:txBody>
+      </p:sp>
+    </p:spTree>
+    <p:extLst>
+      <p:ext uri="{BB962C8B-B14F-4D97-AF65-F5344CB8AC3E}">
+        <p14:creationId xmlns:p14="http://schemas.microsoft.com/office/powerpoint/2010/main" val="3886893300"/>
+      </p:ext>
+    </p:extLst>
+  </p:cSld>
+  <p:clrMapOvr>
+    <a:masterClrMapping/>
+  </p:clrMapOvr>
+</p:sld>
+</file>
+
+<file path=ppt/slides/slide19.xml><?xml version="1.0" encoding="utf-8"?>
+<p:sld xmlns:a="http://schemas.openxmlformats.org/drawingml/2006/main" xmlns:r="http://schemas.openxmlformats.org/officeDocument/2006/relationships" xmlns:p="http://schemas.openxmlformats.org/presentationml/2006/main">
+  <p:cSld>
+    <p:spTree>
+      <p:nvGrpSpPr>
+        <p:cNvPr id="1" name=""/>
+        <p:cNvGrpSpPr/>
+        <p:nvPr/>
+      </p:nvGrpSpPr>
+      <p:grpSpPr>
+        <a:xfrm>
+          <a:off x="0" y="0"/>
+          <a:ext cx="0" cy="0"/>
+          <a:chOff x="0" y="0"/>
+          <a:chExt cx="0" cy="0"/>
+        </a:xfrm>
+      </p:grpSpPr>
+      <p:sp>
+        <p:nvSpPr>
+          <p:cNvPr id="2" name="Title 1"/>
+          <p:cNvSpPr>
+            <a:spLocks noGrp="1"/>
+          </p:cNvSpPr>
+          <p:nvPr>
+            <p:ph type="title"/>
+          </p:nvPr>
+        </p:nvSpPr>
+        <p:spPr>
+          <a:xfrm>
+            <a:off x="1088393" y="2352698"/>
+            <a:ext cx="10178322" cy="1492132"/>
+          </a:xfrm>
+        </p:spPr>
+        <p:txBody>
+          <a:bodyPr>
+            <a:normAutofit/>
+          </a:bodyPr>
+          <a:lstStyle/>
+          <a:p>
+            <a:pPr algn="ctr"/>
+            <a:r>
+              <a:rPr lang="en-CA" sz="8000" dirty="0" err="1"/>
+              <a:t>DEmo</a:t>
+            </a:r>
+            <a:endParaRPr lang="en-CA" sz="8000" dirty="0"/>
+          </a:p>
+        </p:txBody>
+      </p:sp>
+    </p:spTree>
+    <p:extLst>
+      <p:ext uri="{BB962C8B-B14F-4D97-AF65-F5344CB8AC3E}">
+        <p14:creationId xmlns:p14="http://schemas.microsoft.com/office/powerpoint/2010/main" val="3384724540"/>
+      </p:ext>
+    </p:extLst>
+  </p:cSld>
+  <p:clrMapOvr>
+    <a:masterClrMapping/>
+  </p:clrMapOvr>
+</p:sld>
+</file>
+
+<file path=ppt/slides/slide2.xml><?xml version="1.0" encoding="utf-8"?>
+<p:sld xmlns:a="http://schemas.openxmlformats.org/drawingml/2006/main" xmlns:r="http://schemas.openxmlformats.org/officeDocument/2006/relationships" xmlns:p="http://schemas.openxmlformats.org/presentationml/2006/main">
+  <p:cSld>
+    <p:spTree>
+      <p:nvGrpSpPr>
+        <p:cNvPr id="1" name=""/>
+        <p:cNvGrpSpPr/>
+        <p:nvPr/>
+      </p:nvGrpSpPr>
+      <p:grpSpPr>
+        <a:xfrm>
+          <a:off x="0" y="0"/>
+          <a:ext cx="0" cy="0"/>
+          <a:chOff x="0" y="0"/>
+          <a:chExt cx="0" cy="0"/>
+        </a:xfrm>
+      </p:grpSpPr>
+      <p:sp>
+        <p:nvSpPr>
+          <p:cNvPr id="2" name="Title 1"/>
+          <p:cNvSpPr>
+            <a:spLocks noGrp="1"/>
+          </p:cNvSpPr>
+          <p:nvPr>
+            <p:ph type="title"/>
+          </p:nvPr>
+        </p:nvSpPr>
+        <p:spPr>
+          <a:xfrm>
+            <a:off x="1244303" y="399942"/>
+            <a:ext cx="10178322" cy="1053126"/>
+          </a:xfrm>
+        </p:spPr>
+        <p:txBody>
+          <a:bodyPr>
+            <a:noAutofit/>
+          </a:bodyPr>
+          <a:lstStyle/>
+          <a:p>
+            <a:pPr>
+              <a:lnSpc>
+                <a:spcPct val="100000"/>
+              </a:lnSpc>
+            </a:pPr>
+            <a:r>
+              <a:rPr lang="en-CA" sz="7200" dirty="0"/>
+              <a:t>The Team</a:t>
+            </a:r>
+            <a:endParaRPr lang="en-US" sz="7200" dirty="0"/>
+          </a:p>
+        </p:txBody>
+      </p:sp>
+      <p:graphicFrame>
+        <p:nvGraphicFramePr>
+          <p:cNvPr id="4" name="Content Placeholder 3"/>
+          <p:cNvGraphicFramePr>
+            <a:graphicFrameLocks noGrp="1"/>
+          </p:cNvGraphicFramePr>
+          <p:nvPr>
+            <p:ph idx="1"/>
+            <p:extLst>
+              <p:ext uri="{D42A27DB-BD31-4B8C-83A1-F6EECF244321}">
+                <p14:modId xmlns:p14="http://schemas.microsoft.com/office/powerpoint/2010/main" val="1010300937"/>
+              </p:ext>
+            </p:extLst>
+          </p:nvPr>
+        </p:nvGraphicFramePr>
+        <p:xfrm>
+          <a:off x="736451" y="2266335"/>
+          <a:ext cx="11346427" cy="3108960"/>
+        </p:xfrm>
+        <a:graphic>
+          <a:graphicData uri="http://schemas.openxmlformats.org/drawingml/2006/table">
+            <a:tbl>
+              <a:tblPr firstRow="1" bandRow="1">
+                <a:tableStyleId>{2D5ABB26-0587-4C30-8999-92F81FD0307C}</a:tableStyleId>
+              </a:tblPr>
+              <a:tblGrid>
+                <a:gridCol w="3500285">
+                  <a:extLst>
+                    <a:ext uri="{9D8B030D-6E8A-4147-A177-3AD203B41FA5}">
+                      <a16:colId xmlns:a16="http://schemas.microsoft.com/office/drawing/2014/main" val="2565215050"/>
+                    </a:ext>
+                  </a:extLst>
+                </a:gridCol>
+                <a:gridCol w="394258">
+                  <a:extLst>
+                    <a:ext uri="{9D8B030D-6E8A-4147-A177-3AD203B41FA5}">
+                      <a16:colId xmlns:a16="http://schemas.microsoft.com/office/drawing/2014/main" val="3279567016"/>
+                    </a:ext>
+                  </a:extLst>
+                </a:gridCol>
+                <a:gridCol w="7451884">
+                  <a:extLst>
+                    <a:ext uri="{9D8B030D-6E8A-4147-A177-3AD203B41FA5}">
+                      <a16:colId xmlns:a16="http://schemas.microsoft.com/office/drawing/2014/main" val="3702030157"/>
+                    </a:ext>
+                  </a:extLst>
+                </a:gridCol>
+              </a:tblGrid>
+              <a:tr h="370840">
+                <a:tc>
+                  <a:txBody>
+                    <a:bodyPr/>
+                    <a:lstStyle/>
+                    <a:p>
+                      <a:pPr algn="r"/>
+                      <a:r>
+                        <a:rPr lang="en-CA" sz="2800" dirty="0"/>
+                        <a:t>Zachary Bazen </a:t>
+                      </a:r>
+                      <a:endParaRPr lang="en-US" sz="2800" dirty="0"/>
+                    </a:p>
+                  </a:txBody>
+                  <a:tcPr>
+                    <a:lnL w="12700" cap="flat" cmpd="sng" algn="ctr">
+                      <a:noFill/>
+                      <a:prstDash val="solid"/>
+                      <a:round/>
+                      <a:headEnd type="none" w="med" len="med"/>
+                      <a:tailEnd type="none" w="med" len="med"/>
+                    </a:lnL>
+                    <a:lnR w="12700" cap="flat" cmpd="sng" algn="ctr">
+                      <a:noFill/>
+                      <a:prstDash val="solid"/>
+                      <a:round/>
+                      <a:headEnd type="none" w="med" len="med"/>
+                      <a:tailEnd type="none" w="med" len="med"/>
+                    </a:lnR>
+                    <a:lnT w="12700" cap="flat" cmpd="sng" algn="ctr">
+                      <a:noFill/>
+                      <a:prstDash val="solid"/>
+                      <a:round/>
+                      <a:headEnd type="none" w="med" len="med"/>
+                      <a:tailEnd type="none" w="med" len="med"/>
+                    </a:lnT>
+                    <a:lnB w="12700" cap="flat" cmpd="sng" algn="ctr">
+                      <a:noFill/>
+                      <a:prstDash val="solid"/>
+                      <a:round/>
+                      <a:headEnd type="none" w="med" len="med"/>
+                      <a:tailEnd type="none" w="med" len="med"/>
+                    </a:lnB>
+                    <a:lnTlToBr w="12700" cmpd="sng">
+                      <a:noFill/>
+                      <a:prstDash val="solid"/>
+                    </a:lnTlToBr>
+                    <a:lnBlToTr w="12700" cmpd="sng">
+                      <a:noFill/>
+                      <a:prstDash val="solid"/>
+                    </a:lnBlToTr>
+                  </a:tcPr>
+                </a:tc>
+                <a:tc>
+                  <a:txBody>
+                    <a:bodyPr/>
+                    <a:lstStyle/>
+                    <a:p>
+                      <a:pPr algn="ctr"/>
+                      <a:r>
+                        <a:rPr lang="en-CA" sz="2800" dirty="0"/>
+                        <a:t>-</a:t>
+                      </a:r>
+                      <a:endParaRPr lang="en-US" sz="2800" dirty="0"/>
+                    </a:p>
+                  </a:txBody>
+                  <a:tcPr>
+                    <a:lnL w="12700" cap="flat" cmpd="sng" algn="ctr">
+                      <a:noFill/>
+                      <a:prstDash val="solid"/>
+                      <a:round/>
+                      <a:headEnd type="none" w="med" len="med"/>
+                      <a:tailEnd type="none" w="med" len="med"/>
+                    </a:lnL>
+                    <a:lnR w="12700" cap="flat" cmpd="sng" algn="ctr">
+                      <a:noFill/>
+                      <a:prstDash val="solid"/>
+                      <a:round/>
+                      <a:headEnd type="none" w="med" len="med"/>
+                      <a:tailEnd type="none" w="med" len="med"/>
+                    </a:lnR>
+                    <a:lnT w="12700" cap="flat" cmpd="sng" algn="ctr">
+                      <a:noFill/>
+                      <a:prstDash val="solid"/>
+                      <a:round/>
+                      <a:headEnd type="none" w="med" len="med"/>
+                      <a:tailEnd type="none" w="med" len="med"/>
+                    </a:lnT>
+                    <a:lnB w="12700" cap="flat" cmpd="sng" algn="ctr">
+                      <a:noFill/>
+                      <a:prstDash val="solid"/>
+                      <a:round/>
+                      <a:headEnd type="none" w="med" len="med"/>
+                      <a:tailEnd type="none" w="med" len="med"/>
+                    </a:lnB>
+                    <a:lnTlToBr w="12700" cmpd="sng">
+                      <a:noFill/>
+                      <a:prstDash val="solid"/>
+                    </a:lnTlToBr>
+                    <a:lnBlToTr w="12700" cmpd="sng">
+                      <a:noFill/>
+                      <a:prstDash val="solid"/>
+                    </a:lnBlToTr>
+                  </a:tcPr>
+                </a:tc>
+                <a:tc>
+                  <a:txBody>
+                    <a:bodyPr/>
+                    <a:lstStyle/>
+                    <a:p>
+                      <a:pPr algn="l"/>
+                      <a:r>
+                        <a:rPr lang="en-CA" sz="2800" i="1" dirty="0"/>
+                        <a:t>Software Engineering</a:t>
+                      </a:r>
+                      <a:r>
+                        <a:rPr lang="en-CA" sz="2800" i="1" baseline="0" dirty="0"/>
+                        <a:t> </a:t>
+                      </a:r>
+                      <a:endParaRPr lang="en-US" sz="2800" i="1" dirty="0"/>
+                    </a:p>
+                  </a:txBody>
+                  <a:tcPr>
+                    <a:lnL w="12700" cap="flat" cmpd="sng" algn="ctr">
+                      <a:noFill/>
+                      <a:prstDash val="solid"/>
+                      <a:round/>
+                      <a:headEnd type="none" w="med" len="med"/>
+                      <a:tailEnd type="none" w="med" len="med"/>
+                    </a:lnL>
+                    <a:lnR w="12700" cap="flat" cmpd="sng" algn="ctr">
+                      <a:noFill/>
+                      <a:prstDash val="solid"/>
+                      <a:round/>
+                      <a:headEnd type="none" w="med" len="med"/>
+                      <a:tailEnd type="none" w="med" len="med"/>
+                    </a:lnR>
+                    <a:lnT w="12700" cap="flat" cmpd="sng" algn="ctr">
+                      <a:noFill/>
+                      <a:prstDash val="solid"/>
+                      <a:round/>
+                      <a:headEnd type="none" w="med" len="med"/>
+                      <a:tailEnd type="none" w="med" len="med"/>
+                    </a:lnT>
+                    <a:lnB w="12700" cap="flat" cmpd="sng" algn="ctr">
+                      <a:noFill/>
+                      <a:prstDash val="solid"/>
+                      <a:round/>
+                      <a:headEnd type="none" w="med" len="med"/>
+                      <a:tailEnd type="none" w="med" len="med"/>
+                    </a:lnB>
+                    <a:lnTlToBr w="12700" cmpd="sng">
+                      <a:noFill/>
+                      <a:prstDash val="solid"/>
+                    </a:lnTlToBr>
+                    <a:lnBlToTr w="12700" cmpd="sng">
+                      <a:noFill/>
+                      <a:prstDash val="solid"/>
+                    </a:lnBlToTr>
+                  </a:tcPr>
+                </a:tc>
+                <a:extLst>
+                  <a:ext uri="{0D108BD9-81ED-4DB2-BD59-A6C34878D82A}">
+                    <a16:rowId xmlns:a16="http://schemas.microsoft.com/office/drawing/2014/main" val="3950718333"/>
+                  </a:ext>
+                </a:extLst>
+              </a:tr>
+              <a:tr h="370840">
+                <a:tc>
+                  <a:txBody>
+                    <a:bodyPr/>
+                    <a:lstStyle/>
+                    <a:p>
+                      <a:pPr algn="r"/>
+                      <a:r>
+                        <a:rPr lang="en-CA" sz="2800" dirty="0">
+                          <a:solidFill>
+                            <a:schemeClr val="tx1"/>
+                          </a:solidFill>
+                        </a:rPr>
+                        <a:t>Jean-</a:t>
+                      </a:r>
+                      <a:r>
+                        <a:rPr lang="en-US" sz="2800" dirty="0">
+                          <a:solidFill>
+                            <a:schemeClr val="tx1"/>
+                          </a:solidFill>
+                        </a:rPr>
+                        <a:t>Lucas Ferreira</a:t>
+                      </a:r>
+                      <a:r>
+                        <a:rPr lang="en-CA" sz="2800" dirty="0">
+                          <a:solidFill>
+                            <a:schemeClr val="tx1"/>
+                          </a:solidFill>
+                        </a:rPr>
+                        <a:t> </a:t>
+                      </a:r>
+                      <a:endParaRPr lang="en-US" sz="2800" dirty="0">
+                        <a:solidFill>
+                          <a:schemeClr val="tx1"/>
+                        </a:solidFill>
+                      </a:endParaRPr>
+                    </a:p>
+                  </a:txBody>
+                  <a:tcPr>
+                    <a:lnL w="12700" cap="flat" cmpd="sng" algn="ctr">
+                      <a:noFill/>
+                      <a:prstDash val="solid"/>
+                      <a:round/>
+                      <a:headEnd type="none" w="med" len="med"/>
+                      <a:tailEnd type="none" w="med" len="med"/>
+                    </a:lnL>
+                    <a:lnR w="12700" cap="flat" cmpd="sng" algn="ctr">
+                      <a:noFill/>
+                      <a:prstDash val="solid"/>
+                      <a:round/>
+                      <a:headEnd type="none" w="med" len="med"/>
+                      <a:tailEnd type="none" w="med" len="med"/>
+                    </a:lnR>
+                    <a:lnT w="12700" cap="flat" cmpd="sng" algn="ctr">
+                      <a:noFill/>
+                      <a:prstDash val="solid"/>
+                      <a:round/>
+                      <a:headEnd type="none" w="med" len="med"/>
+                      <a:tailEnd type="none" w="med" len="med"/>
+                    </a:lnT>
+                    <a:lnB w="12700" cap="flat" cmpd="sng" algn="ctr">
+                      <a:noFill/>
+                      <a:prstDash val="solid"/>
+                      <a:round/>
+                      <a:headEnd type="none" w="med" len="med"/>
+                      <a:tailEnd type="none" w="med" len="med"/>
+                    </a:lnB>
+                    <a:lnTlToBr w="12700" cmpd="sng">
+                      <a:noFill/>
+                      <a:prstDash val="solid"/>
+                    </a:lnTlToBr>
+                    <a:lnBlToTr w="12700" cmpd="sng">
+                      <a:noFill/>
+                      <a:prstDash val="solid"/>
+                    </a:lnBlToTr>
+                  </a:tcPr>
+                </a:tc>
+                <a:tc>
+                  <a:txBody>
+                    <a:bodyPr/>
+                    <a:lstStyle/>
+                    <a:p>
+                      <a:pPr algn="ctr"/>
+                      <a:r>
+                        <a:rPr lang="en-CA" sz="2800" dirty="0">
+                          <a:solidFill>
+                            <a:schemeClr val="tx1"/>
+                          </a:solidFill>
+                        </a:rPr>
+                        <a:t>-</a:t>
+                      </a:r>
+                      <a:endParaRPr lang="en-US" sz="2800" dirty="0">
+                        <a:solidFill>
+                          <a:schemeClr val="tx1"/>
+                        </a:solidFill>
+                      </a:endParaRPr>
+                    </a:p>
+                  </a:txBody>
+                  <a:tcPr>
+                    <a:lnL w="12700" cap="flat" cmpd="sng" algn="ctr">
+                      <a:noFill/>
+                      <a:prstDash val="solid"/>
+                      <a:round/>
+                      <a:headEnd type="none" w="med" len="med"/>
+                      <a:tailEnd type="none" w="med" len="med"/>
+                    </a:lnL>
+                    <a:lnR w="12700" cap="flat" cmpd="sng" algn="ctr">
+                      <a:noFill/>
+                      <a:prstDash val="solid"/>
+                      <a:round/>
+                      <a:headEnd type="none" w="med" len="med"/>
+                      <a:tailEnd type="none" w="med" len="med"/>
+                    </a:lnR>
+                    <a:lnT w="12700" cap="flat" cmpd="sng" algn="ctr">
+                      <a:noFill/>
+                      <a:prstDash val="solid"/>
+                      <a:round/>
+                      <a:headEnd type="none" w="med" len="med"/>
+                      <a:tailEnd type="none" w="med" len="med"/>
+                    </a:lnT>
+                    <a:lnB w="12700" cap="flat" cmpd="sng" algn="ctr">
+                      <a:noFill/>
+                      <a:prstDash val="solid"/>
+                      <a:round/>
+                      <a:headEnd type="none" w="med" len="med"/>
+                      <a:tailEnd type="none" w="med" len="med"/>
+                    </a:lnB>
+                    <a:lnTlToBr w="12700" cmpd="sng">
+                      <a:noFill/>
+                      <a:prstDash val="solid"/>
+                    </a:lnTlToBr>
+                    <a:lnBlToTr w="12700" cmpd="sng">
+                      <a:noFill/>
+                      <a:prstDash val="solid"/>
+                    </a:lnBlToTr>
+                  </a:tcPr>
+                </a:tc>
+                <a:tc>
+                  <a:txBody>
+                    <a:bodyPr/>
+                    <a:lstStyle/>
+                    <a:p>
+                      <a:pPr marL="0" marR="0" lvl="0" indent="0" algn="l" defTabSz="914400" rtl="0" eaLnBrk="1" fontAlgn="auto" latinLnBrk="0" hangingPunct="1">
+                        <a:lnSpc>
+                          <a:spcPct val="100000"/>
+                        </a:lnSpc>
+                        <a:spcBef>
+                          <a:spcPts val="0"/>
+                        </a:spcBef>
+                        <a:spcAft>
+                          <a:spcPts val="0"/>
+                        </a:spcAft>
+                        <a:buClrTx/>
+                        <a:buSzTx/>
+                        <a:buFontTx/>
+                        <a:buNone/>
+                        <a:tabLst/>
+                        <a:defRPr/>
+                      </a:pPr>
+                      <a:r>
+                        <a:rPr lang="en-CA" sz="2800" i="1" dirty="0">
+                          <a:solidFill>
+                            <a:schemeClr val="tx1"/>
+                          </a:solidFill>
+                        </a:rPr>
+                        <a:t>Software Engineering</a:t>
+                      </a:r>
+                      <a:r>
+                        <a:rPr lang="en-CA" sz="2800" i="1" baseline="0" dirty="0">
+                          <a:solidFill>
+                            <a:schemeClr val="tx1"/>
+                          </a:solidFill>
+                        </a:rPr>
+                        <a:t> </a:t>
+                      </a:r>
+                      <a:endParaRPr lang="en-US" sz="2800" i="1" dirty="0">
+                        <a:solidFill>
+                          <a:schemeClr val="tx1"/>
+                        </a:solidFill>
+                      </a:endParaRPr>
+                    </a:p>
+                  </a:txBody>
+                  <a:tcPr>
+                    <a:lnL w="12700" cap="flat" cmpd="sng" algn="ctr">
+                      <a:noFill/>
+                      <a:prstDash val="solid"/>
+                      <a:round/>
+                      <a:headEnd type="none" w="med" len="med"/>
+                      <a:tailEnd type="none" w="med" len="med"/>
+                    </a:lnL>
+                    <a:lnR w="12700" cap="flat" cmpd="sng" algn="ctr">
+                      <a:noFill/>
+                      <a:prstDash val="solid"/>
+                      <a:round/>
+                      <a:headEnd type="none" w="med" len="med"/>
+                      <a:tailEnd type="none" w="med" len="med"/>
+                    </a:lnR>
+                    <a:lnT w="12700" cap="flat" cmpd="sng" algn="ctr">
+                      <a:noFill/>
+                      <a:prstDash val="solid"/>
+                      <a:round/>
+                      <a:headEnd type="none" w="med" len="med"/>
+                      <a:tailEnd type="none" w="med" len="med"/>
+                    </a:lnT>
+                    <a:lnB w="12700" cap="flat" cmpd="sng" algn="ctr">
+                      <a:noFill/>
+                      <a:prstDash val="solid"/>
+                      <a:round/>
+                      <a:headEnd type="none" w="med" len="med"/>
+                      <a:tailEnd type="none" w="med" len="med"/>
+                    </a:lnB>
+                    <a:lnTlToBr w="12700" cmpd="sng">
+                      <a:noFill/>
+                      <a:prstDash val="solid"/>
+                    </a:lnTlToBr>
+                    <a:lnBlToTr w="12700" cmpd="sng">
+                      <a:noFill/>
+                      <a:prstDash val="solid"/>
+                    </a:lnBlToTr>
+                  </a:tcPr>
+                </a:tc>
+                <a:extLst>
+                  <a:ext uri="{0D108BD9-81ED-4DB2-BD59-A6C34878D82A}">
+                    <a16:rowId xmlns:a16="http://schemas.microsoft.com/office/drawing/2014/main" val="2377837653"/>
+                  </a:ext>
+                </a:extLst>
+              </a:tr>
+              <a:tr h="370840">
+                <a:tc>
+                  <a:txBody>
+                    <a:bodyPr/>
+                    <a:lstStyle/>
+                    <a:p>
+                      <a:pPr algn="r"/>
+                      <a:r>
+                        <a:rPr lang="en-US" sz="2800" dirty="0"/>
+                        <a:t>Alexander Jackson </a:t>
+                      </a:r>
+                    </a:p>
+                  </a:txBody>
+                  <a:tcPr>
+                    <a:lnL w="12700" cap="flat" cmpd="sng" algn="ctr">
+                      <a:noFill/>
+                      <a:prstDash val="solid"/>
+                      <a:round/>
+                      <a:headEnd type="none" w="med" len="med"/>
+                      <a:tailEnd type="none" w="med" len="med"/>
+                    </a:lnL>
+                    <a:lnR w="12700" cap="flat" cmpd="sng" algn="ctr">
+                      <a:noFill/>
+                      <a:prstDash val="solid"/>
+                      <a:round/>
+                      <a:headEnd type="none" w="med" len="med"/>
+                      <a:tailEnd type="none" w="med" len="med"/>
+                    </a:lnR>
+                    <a:lnT w="12700" cap="flat" cmpd="sng" algn="ctr">
+                      <a:noFill/>
+                      <a:prstDash val="solid"/>
+                      <a:round/>
+                      <a:headEnd type="none" w="med" len="med"/>
+                      <a:tailEnd type="none" w="med" len="med"/>
+                    </a:lnT>
+                    <a:lnB w="12700" cap="flat" cmpd="sng" algn="ctr">
+                      <a:noFill/>
+                      <a:prstDash val="solid"/>
+                      <a:round/>
+                      <a:headEnd type="none" w="med" len="med"/>
+                      <a:tailEnd type="none" w="med" len="med"/>
+                    </a:lnB>
+                    <a:lnTlToBr w="12700" cmpd="sng">
+                      <a:noFill/>
+                      <a:prstDash val="solid"/>
+                    </a:lnTlToBr>
+                    <a:lnBlToTr w="12700" cmpd="sng">
+                      <a:noFill/>
+                      <a:prstDash val="solid"/>
+                    </a:lnBlToTr>
+                  </a:tcPr>
+                </a:tc>
+                <a:tc>
+                  <a:txBody>
+                    <a:bodyPr/>
+                    <a:lstStyle/>
+                    <a:p>
+                      <a:pPr algn="ctr"/>
+                      <a:r>
+                        <a:rPr lang="en-CA" sz="2800" dirty="0"/>
+                        <a:t>-</a:t>
+                      </a:r>
+                      <a:endParaRPr lang="en-US" sz="2800" dirty="0"/>
+                    </a:p>
+                  </a:txBody>
+                  <a:tcPr>
+                    <a:lnL w="12700" cap="flat" cmpd="sng" algn="ctr">
+                      <a:noFill/>
+                      <a:prstDash val="solid"/>
+                      <a:round/>
+                      <a:headEnd type="none" w="med" len="med"/>
+                      <a:tailEnd type="none" w="med" len="med"/>
+                    </a:lnL>
+                    <a:lnR w="12700" cap="flat" cmpd="sng" algn="ctr">
+                      <a:noFill/>
+                      <a:prstDash val="solid"/>
+                      <a:round/>
+                      <a:headEnd type="none" w="med" len="med"/>
+                      <a:tailEnd type="none" w="med" len="med"/>
+                    </a:lnR>
+                    <a:lnT w="12700" cap="flat" cmpd="sng" algn="ctr">
+                      <a:noFill/>
+                      <a:prstDash val="solid"/>
+                      <a:round/>
+                      <a:headEnd type="none" w="med" len="med"/>
+                      <a:tailEnd type="none" w="med" len="med"/>
+                    </a:lnT>
+                    <a:lnB w="12700" cap="flat" cmpd="sng" algn="ctr">
+                      <a:noFill/>
+                      <a:prstDash val="solid"/>
+                      <a:round/>
+                      <a:headEnd type="none" w="med" len="med"/>
+                      <a:tailEnd type="none" w="med" len="med"/>
+                    </a:lnB>
+                    <a:lnTlToBr w="12700" cmpd="sng">
+                      <a:noFill/>
+                      <a:prstDash val="solid"/>
+                    </a:lnTlToBr>
+                    <a:lnBlToTr w="12700" cmpd="sng">
+                      <a:noFill/>
+                      <a:prstDash val="solid"/>
+                    </a:lnBlToTr>
+                  </a:tcPr>
+                </a:tc>
+                <a:tc>
+                  <a:txBody>
+                    <a:bodyPr/>
+                    <a:lstStyle/>
+                    <a:p>
+                      <a:pPr algn="l"/>
+                      <a:r>
+                        <a:rPr lang="en-CA" sz="2800" i="1" dirty="0"/>
+                        <a:t>Software Engineering</a:t>
+                      </a:r>
+                      <a:endParaRPr lang="en-US" sz="2800" i="1" dirty="0"/>
+                    </a:p>
+                  </a:txBody>
+                  <a:tcPr>
+                    <a:lnL w="12700" cap="flat" cmpd="sng" algn="ctr">
+                      <a:noFill/>
+                      <a:prstDash val="solid"/>
+                      <a:round/>
+                      <a:headEnd type="none" w="med" len="med"/>
+                      <a:tailEnd type="none" w="med" len="med"/>
+                    </a:lnL>
+                    <a:lnR w="12700" cap="flat" cmpd="sng" algn="ctr">
+                      <a:noFill/>
+                      <a:prstDash val="solid"/>
+                      <a:round/>
+                      <a:headEnd type="none" w="med" len="med"/>
+                      <a:tailEnd type="none" w="med" len="med"/>
+                    </a:lnR>
+                    <a:lnT w="12700" cap="flat" cmpd="sng" algn="ctr">
+                      <a:noFill/>
+                      <a:prstDash val="solid"/>
+                      <a:round/>
+                      <a:headEnd type="none" w="med" len="med"/>
+                      <a:tailEnd type="none" w="med" len="med"/>
+                    </a:lnT>
+                    <a:lnB w="12700" cap="flat" cmpd="sng" algn="ctr">
+                      <a:noFill/>
+                      <a:prstDash val="solid"/>
+                      <a:round/>
+                      <a:headEnd type="none" w="med" len="med"/>
+                      <a:tailEnd type="none" w="med" len="med"/>
+                    </a:lnB>
+                    <a:lnTlToBr w="12700" cmpd="sng">
+                      <a:noFill/>
+                      <a:prstDash val="solid"/>
+                    </a:lnTlToBr>
+                    <a:lnBlToTr w="12700" cmpd="sng">
+                      <a:noFill/>
+                      <a:prstDash val="solid"/>
+                    </a:lnBlToTr>
+                  </a:tcPr>
+                </a:tc>
+                <a:extLst>
+                  <a:ext uri="{0D108BD9-81ED-4DB2-BD59-A6C34878D82A}">
+                    <a16:rowId xmlns:a16="http://schemas.microsoft.com/office/drawing/2014/main" val="817088776"/>
+                  </a:ext>
+                </a:extLst>
+              </a:tr>
+              <a:tr h="370840">
+                <a:tc>
+                  <a:txBody>
+                    <a:bodyPr/>
+                    <a:lstStyle/>
+                    <a:p>
+                      <a:pPr algn="r"/>
+                      <a:r>
+                        <a:rPr lang="en-US" sz="2800" dirty="0"/>
+                        <a:t>Justin </a:t>
+                      </a:r>
+                      <a:r>
+                        <a:rPr lang="en-US" sz="2800" dirty="0" err="1"/>
+                        <a:t>Kapinski</a:t>
+                      </a:r>
+                      <a:r>
+                        <a:rPr lang="en-US" sz="2800" dirty="0"/>
+                        <a:t> </a:t>
+                      </a:r>
+                    </a:p>
+                  </a:txBody>
+                  <a:tcPr>
+                    <a:lnL w="12700" cap="flat" cmpd="sng" algn="ctr">
+                      <a:noFill/>
+                      <a:prstDash val="solid"/>
+                      <a:round/>
+                      <a:headEnd type="none" w="med" len="med"/>
+                      <a:tailEnd type="none" w="med" len="med"/>
+                    </a:lnL>
+                    <a:lnR w="12700" cap="flat" cmpd="sng" algn="ctr">
+                      <a:noFill/>
+                      <a:prstDash val="solid"/>
+                      <a:round/>
+                      <a:headEnd type="none" w="med" len="med"/>
+                      <a:tailEnd type="none" w="med" len="med"/>
+                    </a:lnR>
+                    <a:lnT w="12700" cap="flat" cmpd="sng" algn="ctr">
+                      <a:noFill/>
+                      <a:prstDash val="solid"/>
+                      <a:round/>
+                      <a:headEnd type="none" w="med" len="med"/>
+                      <a:tailEnd type="none" w="med" len="med"/>
+                    </a:lnT>
+                    <a:lnB w="12700" cap="flat" cmpd="sng" algn="ctr">
+                      <a:noFill/>
+                      <a:prstDash val="solid"/>
+                      <a:round/>
+                      <a:headEnd type="none" w="med" len="med"/>
+                      <a:tailEnd type="none" w="med" len="med"/>
+                    </a:lnB>
+                    <a:lnTlToBr w="12700" cmpd="sng">
+                      <a:noFill/>
+                      <a:prstDash val="solid"/>
+                    </a:lnTlToBr>
+                    <a:lnBlToTr w="12700" cmpd="sng">
+                      <a:noFill/>
+                      <a:prstDash val="solid"/>
+                    </a:lnBlToTr>
+                  </a:tcPr>
+                </a:tc>
+                <a:tc>
+                  <a:txBody>
+                    <a:bodyPr/>
+                    <a:lstStyle/>
+                    <a:p>
+                      <a:pPr algn="ctr"/>
+                      <a:r>
+                        <a:rPr lang="en-CA" sz="2800" dirty="0"/>
+                        <a:t>-</a:t>
+                      </a:r>
+                      <a:endParaRPr lang="en-US" sz="2800" dirty="0"/>
+                    </a:p>
+                  </a:txBody>
+                  <a:tcPr>
+                    <a:lnL w="12700" cap="flat" cmpd="sng" algn="ctr">
+                      <a:noFill/>
+                      <a:prstDash val="solid"/>
+                      <a:round/>
+                      <a:headEnd type="none" w="med" len="med"/>
+                      <a:tailEnd type="none" w="med" len="med"/>
+                    </a:lnL>
+                    <a:lnR w="12700" cap="flat" cmpd="sng" algn="ctr">
+                      <a:noFill/>
+                      <a:prstDash val="solid"/>
+                      <a:round/>
+                      <a:headEnd type="none" w="med" len="med"/>
+                      <a:tailEnd type="none" w="med" len="med"/>
+                    </a:lnR>
+                    <a:lnT w="12700" cap="flat" cmpd="sng" algn="ctr">
+                      <a:noFill/>
+                      <a:prstDash val="solid"/>
+                      <a:round/>
+                      <a:headEnd type="none" w="med" len="med"/>
+                      <a:tailEnd type="none" w="med" len="med"/>
+                    </a:lnT>
+                    <a:lnB w="12700" cap="flat" cmpd="sng" algn="ctr">
+                      <a:noFill/>
+                      <a:prstDash val="solid"/>
+                      <a:round/>
+                      <a:headEnd type="none" w="med" len="med"/>
+                      <a:tailEnd type="none" w="med" len="med"/>
+                    </a:lnB>
+                    <a:lnTlToBr w="12700" cmpd="sng">
+                      <a:noFill/>
+                      <a:prstDash val="solid"/>
+                    </a:lnTlToBr>
+                    <a:lnBlToTr w="12700" cmpd="sng">
+                      <a:noFill/>
+                      <a:prstDash val="solid"/>
+                    </a:lnBlToTr>
+                  </a:tcPr>
+                </a:tc>
+                <a:tc>
+                  <a:txBody>
+                    <a:bodyPr/>
+                    <a:lstStyle/>
+                    <a:p>
+                      <a:pPr algn="l"/>
+                      <a:r>
+                        <a:rPr lang="en-CA" sz="2800" i="1" dirty="0"/>
+                        <a:t>Software Engineering</a:t>
+                      </a:r>
+                      <a:endParaRPr lang="en-US" sz="2800" i="1" dirty="0"/>
+                    </a:p>
+                  </a:txBody>
+                  <a:tcPr>
+                    <a:lnL w="12700" cap="flat" cmpd="sng" algn="ctr">
+                      <a:noFill/>
+                      <a:prstDash val="solid"/>
+                      <a:round/>
+                      <a:headEnd type="none" w="med" len="med"/>
+                      <a:tailEnd type="none" w="med" len="med"/>
+                    </a:lnL>
+                    <a:lnR w="12700" cap="flat" cmpd="sng" algn="ctr">
+                      <a:noFill/>
+                      <a:prstDash val="solid"/>
+                      <a:round/>
+                      <a:headEnd type="none" w="med" len="med"/>
+                      <a:tailEnd type="none" w="med" len="med"/>
+                    </a:lnR>
+                    <a:lnT w="12700" cap="flat" cmpd="sng" algn="ctr">
+                      <a:noFill/>
+                      <a:prstDash val="solid"/>
+                      <a:round/>
+                      <a:headEnd type="none" w="med" len="med"/>
+                      <a:tailEnd type="none" w="med" len="med"/>
+                    </a:lnT>
+                    <a:lnB w="12700" cap="flat" cmpd="sng" algn="ctr">
+                      <a:noFill/>
+                      <a:prstDash val="solid"/>
+                      <a:round/>
+                      <a:headEnd type="none" w="med" len="med"/>
+                      <a:tailEnd type="none" w="med" len="med"/>
+                    </a:lnB>
+                    <a:lnTlToBr w="12700" cmpd="sng">
+                      <a:noFill/>
+                      <a:prstDash val="solid"/>
+                    </a:lnTlToBr>
+                    <a:lnBlToTr w="12700" cmpd="sng">
+                      <a:noFill/>
+                      <a:prstDash val="solid"/>
+                    </a:lnBlToTr>
+                  </a:tcPr>
+                </a:tc>
+                <a:extLst>
+                  <a:ext uri="{0D108BD9-81ED-4DB2-BD59-A6C34878D82A}">
+                    <a16:rowId xmlns:a16="http://schemas.microsoft.com/office/drawing/2014/main" val="294341159"/>
+                  </a:ext>
+                </a:extLst>
+              </a:tr>
+              <a:tr h="370840">
+                <a:tc>
+                  <a:txBody>
+                    <a:bodyPr/>
+                    <a:lstStyle/>
+                    <a:p>
+                      <a:pPr algn="r"/>
+                      <a:r>
+                        <a:rPr lang="en-US" sz="2800" dirty="0"/>
+                        <a:t>Mathew </a:t>
+                      </a:r>
+                      <a:r>
+                        <a:rPr lang="en-US" sz="2800" dirty="0" err="1"/>
+                        <a:t>Hobers</a:t>
+                      </a:r>
+                      <a:endParaRPr lang="en-US" sz="2800" dirty="0"/>
+                    </a:p>
+                  </a:txBody>
+                  <a:tcPr>
+                    <a:lnL w="12700" cap="flat" cmpd="sng" algn="ctr">
+                      <a:noFill/>
+                      <a:prstDash val="solid"/>
+                      <a:round/>
+                      <a:headEnd type="none" w="med" len="med"/>
+                      <a:tailEnd type="none" w="med" len="med"/>
+                    </a:lnL>
+                    <a:lnR w="12700" cap="flat" cmpd="sng" algn="ctr">
+                      <a:noFill/>
+                      <a:prstDash val="solid"/>
+                      <a:round/>
+                      <a:headEnd type="none" w="med" len="med"/>
+                      <a:tailEnd type="none" w="med" len="med"/>
+                    </a:lnR>
+                    <a:lnT w="12700" cap="flat" cmpd="sng" algn="ctr">
+                      <a:noFill/>
+                      <a:prstDash val="solid"/>
+                      <a:round/>
+                      <a:headEnd type="none" w="med" len="med"/>
+                      <a:tailEnd type="none" w="med" len="med"/>
+                    </a:lnT>
+                    <a:lnB w="12700" cap="flat" cmpd="sng" algn="ctr">
+                      <a:noFill/>
+                      <a:prstDash val="solid"/>
+                      <a:round/>
+                      <a:headEnd type="none" w="med" len="med"/>
+                      <a:tailEnd type="none" w="med" len="med"/>
+                    </a:lnB>
+                    <a:lnTlToBr w="12700" cmpd="sng">
+                      <a:noFill/>
+                      <a:prstDash val="solid"/>
+                    </a:lnTlToBr>
+                    <a:lnBlToTr w="12700" cmpd="sng">
+                      <a:noFill/>
+                      <a:prstDash val="solid"/>
+                    </a:lnBlToTr>
+                  </a:tcPr>
+                </a:tc>
+                <a:tc>
+                  <a:txBody>
+                    <a:bodyPr/>
+                    <a:lstStyle/>
+                    <a:p>
+                      <a:pPr algn="ctr"/>
+                      <a:r>
+                        <a:rPr lang="en-CA" sz="2800" dirty="0"/>
+                        <a:t>-</a:t>
+                      </a:r>
+                      <a:endParaRPr lang="en-US" sz="2800" dirty="0"/>
+                    </a:p>
+                  </a:txBody>
+                  <a:tcPr>
+                    <a:lnL w="12700" cap="flat" cmpd="sng" algn="ctr">
+                      <a:noFill/>
+                      <a:prstDash val="solid"/>
+                      <a:round/>
+                      <a:headEnd type="none" w="med" len="med"/>
+                      <a:tailEnd type="none" w="med" len="med"/>
+                    </a:lnL>
+                    <a:lnR w="12700" cap="flat" cmpd="sng" algn="ctr">
+                      <a:noFill/>
+                      <a:prstDash val="solid"/>
+                      <a:round/>
+                      <a:headEnd type="none" w="med" len="med"/>
+                      <a:tailEnd type="none" w="med" len="med"/>
+                    </a:lnR>
+                    <a:lnT w="12700" cap="flat" cmpd="sng" algn="ctr">
+                      <a:noFill/>
+                      <a:prstDash val="solid"/>
+                      <a:round/>
+                      <a:headEnd type="none" w="med" len="med"/>
+                      <a:tailEnd type="none" w="med" len="med"/>
+                    </a:lnT>
+                    <a:lnB w="12700" cap="flat" cmpd="sng" algn="ctr">
+                      <a:noFill/>
+                      <a:prstDash val="solid"/>
+                      <a:round/>
+                      <a:headEnd type="none" w="med" len="med"/>
+                      <a:tailEnd type="none" w="med" len="med"/>
+                    </a:lnB>
+                    <a:lnTlToBr w="12700" cmpd="sng">
+                      <a:noFill/>
+                      <a:prstDash val="solid"/>
+                    </a:lnTlToBr>
+                    <a:lnBlToTr w="12700" cmpd="sng">
+                      <a:noFill/>
+                      <a:prstDash val="solid"/>
+                    </a:lnBlToTr>
+                  </a:tcPr>
+                </a:tc>
+                <a:tc>
+                  <a:txBody>
+                    <a:bodyPr/>
+                    <a:lstStyle/>
+                    <a:p>
+                      <a:pPr algn="l"/>
+                      <a:r>
+                        <a:rPr lang="en-CA" sz="2800" i="1" dirty="0"/>
+                        <a:t>Software Engineering</a:t>
+                      </a:r>
+                      <a:endParaRPr lang="en-US" sz="2800" i="1" dirty="0"/>
+                    </a:p>
+                  </a:txBody>
+                  <a:tcPr>
+                    <a:lnL w="12700" cap="flat" cmpd="sng" algn="ctr">
+                      <a:noFill/>
+                      <a:prstDash val="solid"/>
+                      <a:round/>
+                      <a:headEnd type="none" w="med" len="med"/>
+                      <a:tailEnd type="none" w="med" len="med"/>
+                    </a:lnL>
+                    <a:lnR w="12700" cap="flat" cmpd="sng" algn="ctr">
+                      <a:noFill/>
+                      <a:prstDash val="solid"/>
+                      <a:round/>
+                      <a:headEnd type="none" w="med" len="med"/>
+                      <a:tailEnd type="none" w="med" len="med"/>
+                    </a:lnR>
+                    <a:lnT w="12700" cap="flat" cmpd="sng" algn="ctr">
+                      <a:noFill/>
+                      <a:prstDash val="solid"/>
+                      <a:round/>
+                      <a:headEnd type="none" w="med" len="med"/>
+                      <a:tailEnd type="none" w="med" len="med"/>
+                    </a:lnT>
+                    <a:lnB w="12700" cap="flat" cmpd="sng" algn="ctr">
+                      <a:noFill/>
+                      <a:prstDash val="solid"/>
+                      <a:round/>
+                      <a:headEnd type="none" w="med" len="med"/>
+                      <a:tailEnd type="none" w="med" len="med"/>
+                    </a:lnB>
+                    <a:lnTlToBr w="12700" cmpd="sng">
+                      <a:noFill/>
+                      <a:prstDash val="solid"/>
+                    </a:lnTlToBr>
+                    <a:lnBlToTr w="12700" cmpd="sng">
+                      <a:noFill/>
+                      <a:prstDash val="solid"/>
+                    </a:lnBlToTr>
+                  </a:tcPr>
+                </a:tc>
+                <a:extLst>
+                  <a:ext uri="{0D108BD9-81ED-4DB2-BD59-A6C34878D82A}">
+                    <a16:rowId xmlns:a16="http://schemas.microsoft.com/office/drawing/2014/main" val="3306447196"/>
+                  </a:ext>
+                </a:extLst>
+              </a:tr>
+              <a:tr h="370840">
+                <a:tc>
+                  <a:txBody>
+                    <a:bodyPr/>
+                    <a:lstStyle/>
+                    <a:p>
+                      <a:pPr algn="r"/>
+                      <a:r>
+                        <a:rPr lang="en-CA" sz="2800" dirty="0">
+                          <a:solidFill>
+                            <a:srgbClr val="2A1A00"/>
+                          </a:solidFill>
+                        </a:rPr>
+                        <a:t>Radhika Sharma</a:t>
+                      </a:r>
+                      <a:endParaRPr lang="en-US" sz="2800" dirty="0"/>
+                    </a:p>
+                  </a:txBody>
+                  <a:tcPr>
+                    <a:lnL w="12700" cap="flat" cmpd="sng" algn="ctr">
+                      <a:noFill/>
+                      <a:prstDash val="solid"/>
+                      <a:round/>
+                      <a:headEnd type="none" w="med" len="med"/>
+                      <a:tailEnd type="none" w="med" len="med"/>
+                    </a:lnL>
+                    <a:lnR w="12700" cap="flat" cmpd="sng" algn="ctr">
+                      <a:noFill/>
+                      <a:prstDash val="solid"/>
+                      <a:round/>
+                      <a:headEnd type="none" w="med" len="med"/>
+                      <a:tailEnd type="none" w="med" len="med"/>
+                    </a:lnR>
+                    <a:lnT w="12700" cap="flat" cmpd="sng" algn="ctr">
+                      <a:noFill/>
+                      <a:prstDash val="solid"/>
+                      <a:round/>
+                      <a:headEnd type="none" w="med" len="med"/>
+                      <a:tailEnd type="none" w="med" len="med"/>
+                    </a:lnT>
+                    <a:lnB w="12700" cap="flat" cmpd="sng" algn="ctr">
+                      <a:noFill/>
+                      <a:prstDash val="solid"/>
+                      <a:round/>
+                      <a:headEnd type="none" w="med" len="med"/>
+                      <a:tailEnd type="none" w="med" len="med"/>
+                    </a:lnB>
+                    <a:lnTlToBr w="12700" cmpd="sng">
+                      <a:noFill/>
+                      <a:prstDash val="solid"/>
+                    </a:lnTlToBr>
+                    <a:lnBlToTr w="12700" cmpd="sng">
+                      <a:noFill/>
+                      <a:prstDash val="solid"/>
+                    </a:lnBlToTr>
+                  </a:tcPr>
+                </a:tc>
+                <a:tc>
+                  <a:txBody>
+                    <a:bodyPr/>
+                    <a:lstStyle/>
+                    <a:p>
+                      <a:pPr algn="ctr"/>
+                      <a:r>
+                        <a:rPr lang="en-CA" sz="2800" dirty="0"/>
+                        <a:t>-</a:t>
+                      </a:r>
+                      <a:endParaRPr lang="en-US" sz="2800" dirty="0"/>
+                    </a:p>
+                  </a:txBody>
+                  <a:tcPr>
+                    <a:lnL w="12700" cap="flat" cmpd="sng" algn="ctr">
+                      <a:noFill/>
+                      <a:prstDash val="solid"/>
+                      <a:round/>
+                      <a:headEnd type="none" w="med" len="med"/>
+                      <a:tailEnd type="none" w="med" len="med"/>
+                    </a:lnL>
+                    <a:lnR w="12700" cap="flat" cmpd="sng" algn="ctr">
+                      <a:noFill/>
+                      <a:prstDash val="solid"/>
+                      <a:round/>
+                      <a:headEnd type="none" w="med" len="med"/>
+                      <a:tailEnd type="none" w="med" len="med"/>
+                    </a:lnR>
+                    <a:lnT w="12700" cap="flat" cmpd="sng" algn="ctr">
+                      <a:noFill/>
+                      <a:prstDash val="solid"/>
+                      <a:round/>
+                      <a:headEnd type="none" w="med" len="med"/>
+                      <a:tailEnd type="none" w="med" len="med"/>
+                    </a:lnT>
+                    <a:lnB w="12700" cap="flat" cmpd="sng" algn="ctr">
+                      <a:noFill/>
+                      <a:prstDash val="solid"/>
+                      <a:round/>
+                      <a:headEnd type="none" w="med" len="med"/>
+                      <a:tailEnd type="none" w="med" len="med"/>
+                    </a:lnB>
+                    <a:lnTlToBr w="12700" cmpd="sng">
+                      <a:noFill/>
+                      <a:prstDash val="solid"/>
+                    </a:lnTlToBr>
+                    <a:lnBlToTr w="12700" cmpd="sng">
+                      <a:noFill/>
+                      <a:prstDash val="solid"/>
+                    </a:lnBlToTr>
+                  </a:tcPr>
+                </a:tc>
+                <a:tc>
+                  <a:txBody>
+                    <a:bodyPr/>
+                    <a:lstStyle/>
+                    <a:p>
+                      <a:pPr algn="l"/>
+                      <a:r>
+                        <a:rPr lang="en-CA" sz="2800" i="1" dirty="0"/>
+                        <a:t>Software Engineering – Embedded Systems</a:t>
+                      </a:r>
+                      <a:endParaRPr lang="en-US" sz="2800" i="1" dirty="0"/>
+                    </a:p>
+                  </a:txBody>
+                  <a:tcPr>
+                    <a:lnL w="12700" cap="flat" cmpd="sng" algn="ctr">
+                      <a:noFill/>
+                      <a:prstDash val="solid"/>
+                      <a:round/>
+                      <a:headEnd type="none" w="med" len="med"/>
+                      <a:tailEnd type="none" w="med" len="med"/>
+                    </a:lnL>
+                    <a:lnR w="12700" cap="flat" cmpd="sng" algn="ctr">
+                      <a:noFill/>
+                      <a:prstDash val="solid"/>
+                      <a:round/>
+                      <a:headEnd type="none" w="med" len="med"/>
+                      <a:tailEnd type="none" w="med" len="med"/>
+                    </a:lnR>
+                    <a:lnT w="12700" cap="flat" cmpd="sng" algn="ctr">
+                      <a:noFill/>
+                      <a:prstDash val="solid"/>
+                      <a:round/>
+                      <a:headEnd type="none" w="med" len="med"/>
+                      <a:tailEnd type="none" w="med" len="med"/>
+                    </a:lnT>
+                    <a:lnB w="12700" cap="flat" cmpd="sng" algn="ctr">
+                      <a:noFill/>
+                      <a:prstDash val="solid"/>
+                      <a:round/>
+                      <a:headEnd type="none" w="med" len="med"/>
+                      <a:tailEnd type="none" w="med" len="med"/>
+                    </a:lnB>
+                    <a:lnTlToBr w="12700" cmpd="sng">
+                      <a:noFill/>
+                      <a:prstDash val="solid"/>
+                    </a:lnTlToBr>
+                    <a:lnBlToTr w="12700" cmpd="sng">
+                      <a:noFill/>
+                      <a:prstDash val="solid"/>
+                    </a:lnBlToTr>
+                  </a:tcPr>
+                </a:tc>
+                <a:extLst>
+                  <a:ext uri="{0D108BD9-81ED-4DB2-BD59-A6C34878D82A}">
+                    <a16:rowId xmlns:a16="http://schemas.microsoft.com/office/drawing/2014/main" val="2448494909"/>
+                  </a:ext>
+                </a:extLst>
+              </a:tr>
+            </a:tbl>
+          </a:graphicData>
+        </a:graphic>
+      </p:graphicFrame>
+    </p:spTree>
+    <p:extLst>
+      <p:ext uri="{BB962C8B-B14F-4D97-AF65-F5344CB8AC3E}">
+        <p14:creationId xmlns:p14="http://schemas.microsoft.com/office/powerpoint/2010/main" val="1390596968"/>
+      </p:ext>
+    </p:extLst>
+  </p:cSld>
+  <p:clrMapOvr>
+    <a:masterClrMapping/>
+  </p:clrMapOvr>
+</p:sld>
+</file>
+
+<file path=ppt/slides/slide20.xml><?xml version="1.0" encoding="utf-8"?>
+<p:sld xmlns:a="http://schemas.openxmlformats.org/drawingml/2006/main" xmlns:r="http://schemas.openxmlformats.org/officeDocument/2006/relationships" xmlns:p="http://schemas.openxmlformats.org/presentationml/2006/main">
+  <p:cSld>
+    <p:spTree>
+      <p:nvGrpSpPr>
+        <p:cNvPr id="1" name=""/>
+        <p:cNvGrpSpPr/>
+        <p:nvPr/>
+      </p:nvGrpSpPr>
+      <p:grpSpPr>
+        <a:xfrm>
+          <a:off x="0" y="0"/>
+          <a:ext cx="0" cy="0"/>
+          <a:chOff x="0" y="0"/>
+          <a:chExt cx="0" cy="0"/>
+        </a:xfrm>
+      </p:grpSpPr>
+      <p:sp>
+        <p:nvSpPr>
           <p:cNvPr id="10" name="Rectangle 6"/>
           <p:cNvSpPr>
             <a:spLocks noGrp="1" noRot="1" noChangeAspect="1" noMove="1" noResize="1" noEditPoints="1" noAdjustHandles="1" noChangeArrowheads="1" noChangeShapeType="1" noTextEdit="1"/>
@@ -11504,7 +13464,7 @@
           <p:nvPr>
             <p:extLst>
               <p:ext uri="{386F3935-93C4-4BCD-93E2-E3B085C9AB24}">
-                <p16:designElem xmlns:p16="http://schemas.microsoft.com/office/powerpoint/2015/main" xmlns="" val="1"/>
+                <p16:designElem xmlns:p16="http://schemas.microsoft.com/office/powerpoint/2015/main" val="1"/>
               </p:ext>
             </p:extLst>
           </p:nvPr>
@@ -11558,7 +13518,7 @@
           <p:nvPr>
             <p:extLst>
               <p:ext uri="{386F3935-93C4-4BCD-93E2-E3B085C9AB24}">
-                <p16:designElem xmlns:p16="http://schemas.microsoft.com/office/powerpoint/2015/main" xmlns="" val="1"/>
+                <p16:designElem xmlns:p16="http://schemas.microsoft.com/office/powerpoint/2015/main" val="1"/>
               </p:ext>
             </p:extLst>
           </p:nvPr>
@@ -11651,7 +13611,7 @@
           <p:nvPr>
             <p:extLst>
               <p:ext uri="{386F3935-93C4-4BCD-93E2-E3B085C9AB24}">
-                <p16:designElem xmlns:p16="http://schemas.microsoft.com/office/powerpoint/2015/main" xmlns="" val="1"/>
+                <p16:designElem xmlns:p16="http://schemas.microsoft.com/office/powerpoint/2015/main" val="1"/>
               </p:ext>
             </p:extLst>
           </p:nvPr>
@@ -12456,1166 +14416,6 @@
   <p:clrMapOvr>
     <a:masterClrMapping/>
   </p:clrMapOvr>
-</p:sld>
-</file>
-
-<file path=ppt/slides/slide2.xml><?xml version="1.0" encoding="utf-8"?>
-<p:sld xmlns:a="http://schemas.openxmlformats.org/drawingml/2006/main" xmlns:r="http://schemas.openxmlformats.org/officeDocument/2006/relationships" xmlns:p="http://schemas.openxmlformats.org/presentationml/2006/main">
-  <p:cSld>
-    <p:spTree>
-      <p:nvGrpSpPr>
-        <p:cNvPr id="1" name=""/>
-        <p:cNvGrpSpPr/>
-        <p:nvPr/>
-      </p:nvGrpSpPr>
-      <p:grpSpPr>
-        <a:xfrm>
-          <a:off x="0" y="0"/>
-          <a:ext cx="0" cy="0"/>
-          <a:chOff x="0" y="0"/>
-          <a:chExt cx="0" cy="0"/>
-        </a:xfrm>
-      </p:grpSpPr>
-      <p:sp>
-        <p:nvSpPr>
-          <p:cNvPr id="2" name="Title 1"/>
-          <p:cNvSpPr>
-            <a:spLocks noGrp="1"/>
-          </p:cNvSpPr>
-          <p:nvPr>
-            <p:ph type="title"/>
-          </p:nvPr>
-        </p:nvSpPr>
-        <p:spPr>
-          <a:xfrm>
-            <a:off x="1244303" y="399942"/>
-            <a:ext cx="10178322" cy="1053126"/>
-          </a:xfrm>
-        </p:spPr>
-        <p:txBody>
-          <a:bodyPr>
-            <a:noAutofit/>
-          </a:bodyPr>
-          <a:lstStyle/>
-          <a:p>
-            <a:pPr>
-              <a:lnSpc>
-                <a:spcPct val="100000"/>
-              </a:lnSpc>
-            </a:pPr>
-            <a:r>
-              <a:rPr lang="en-CA" sz="7200" dirty="0"/>
-              <a:t>The Team</a:t>
-            </a:r>
-            <a:endParaRPr lang="en-US" sz="7200" dirty="0"/>
-          </a:p>
-        </p:txBody>
-      </p:sp>
-      <p:graphicFrame>
-        <p:nvGraphicFramePr>
-          <p:cNvPr id="4" name="Content Placeholder 3"/>
-          <p:cNvGraphicFramePr>
-            <a:graphicFrameLocks noGrp="1"/>
-          </p:cNvGraphicFramePr>
-          <p:nvPr>
-            <p:ph idx="1"/>
-            <p:extLst>
-              <p:ext uri="{D42A27DB-BD31-4B8C-83A1-F6EECF244321}">
-                <p14:modId xmlns:p14="http://schemas.microsoft.com/office/powerpoint/2010/main" val="1033927486"/>
-              </p:ext>
-            </p:extLst>
-          </p:nvPr>
-        </p:nvGraphicFramePr>
-        <p:xfrm>
-          <a:off x="736451" y="2266335"/>
-          <a:ext cx="11346427" cy="3108960"/>
-        </p:xfrm>
-        <a:graphic>
-          <a:graphicData uri="http://schemas.openxmlformats.org/drawingml/2006/table">
-            <a:tbl>
-              <a:tblPr firstRow="1" bandRow="1">
-                <a:tableStyleId>{2D5ABB26-0587-4C30-8999-92F81FD0307C}</a:tableStyleId>
-              </a:tblPr>
-              <a:tblGrid>
-                <a:gridCol w="3500285">
-                  <a:extLst>
-                    <a:ext uri="{9D8B030D-6E8A-4147-A177-3AD203B41FA5}">
-                      <a16:colId xmlns:a16="http://schemas.microsoft.com/office/drawing/2014/main" xmlns="" val="2565215050"/>
-                    </a:ext>
-                  </a:extLst>
-                </a:gridCol>
-                <a:gridCol w="394258">
-                  <a:extLst>
-                    <a:ext uri="{9D8B030D-6E8A-4147-A177-3AD203B41FA5}">
-                      <a16:colId xmlns:a16="http://schemas.microsoft.com/office/drawing/2014/main" xmlns="" val="3279567016"/>
-                    </a:ext>
-                  </a:extLst>
-                </a:gridCol>
-                <a:gridCol w="7451884">
-                  <a:extLst>
-                    <a:ext uri="{9D8B030D-6E8A-4147-A177-3AD203B41FA5}">
-                      <a16:colId xmlns:a16="http://schemas.microsoft.com/office/drawing/2014/main" xmlns="" val="3702030157"/>
-                    </a:ext>
-                  </a:extLst>
-                </a:gridCol>
-              </a:tblGrid>
-              <a:tr h="370840">
-                <a:tc>
-                  <a:txBody>
-                    <a:bodyPr/>
-                    <a:lstStyle/>
-                    <a:p>
-                      <a:pPr algn="r"/>
-                      <a:r>
-                        <a:rPr lang="en-CA" sz="2800" dirty="0"/>
-                        <a:t>Zachary Bazen </a:t>
-                      </a:r>
-                      <a:endParaRPr lang="en-US" sz="2800" dirty="0"/>
-                    </a:p>
-                  </a:txBody>
-                  <a:tcPr>
-                    <a:lnL w="12700" cap="flat" cmpd="sng" algn="ctr">
-                      <a:noFill/>
-                      <a:prstDash val="solid"/>
-                      <a:round/>
-                      <a:headEnd type="none" w="med" len="med"/>
-                      <a:tailEnd type="none" w="med" len="med"/>
-                    </a:lnL>
-                    <a:lnR w="12700" cap="flat" cmpd="sng" algn="ctr">
-                      <a:noFill/>
-                      <a:prstDash val="solid"/>
-                      <a:round/>
-                      <a:headEnd type="none" w="med" len="med"/>
-                      <a:tailEnd type="none" w="med" len="med"/>
-                    </a:lnR>
-                    <a:lnT w="12700" cap="flat" cmpd="sng" algn="ctr">
-                      <a:noFill/>
-                      <a:prstDash val="solid"/>
-                      <a:round/>
-                      <a:headEnd type="none" w="med" len="med"/>
-                      <a:tailEnd type="none" w="med" len="med"/>
-                    </a:lnT>
-                    <a:lnB w="12700" cap="flat" cmpd="sng" algn="ctr">
-                      <a:noFill/>
-                      <a:prstDash val="solid"/>
-                      <a:round/>
-                      <a:headEnd type="none" w="med" len="med"/>
-                      <a:tailEnd type="none" w="med" len="med"/>
-                    </a:lnB>
-                    <a:lnTlToBr w="12700" cmpd="sng">
-                      <a:noFill/>
-                      <a:prstDash val="solid"/>
-                    </a:lnTlToBr>
-                    <a:lnBlToTr w="12700" cmpd="sng">
-                      <a:noFill/>
-                      <a:prstDash val="solid"/>
-                    </a:lnBlToTr>
-                  </a:tcPr>
-                </a:tc>
-                <a:tc>
-                  <a:txBody>
-                    <a:bodyPr/>
-                    <a:lstStyle/>
-                    <a:p>
-                      <a:pPr algn="ctr"/>
-                      <a:r>
-                        <a:rPr lang="en-CA" sz="2800" dirty="0"/>
-                        <a:t>-</a:t>
-                      </a:r>
-                      <a:endParaRPr lang="en-US" sz="2800" dirty="0"/>
-                    </a:p>
-                  </a:txBody>
-                  <a:tcPr>
-                    <a:lnL w="12700" cap="flat" cmpd="sng" algn="ctr">
-                      <a:noFill/>
-                      <a:prstDash val="solid"/>
-                      <a:round/>
-                      <a:headEnd type="none" w="med" len="med"/>
-                      <a:tailEnd type="none" w="med" len="med"/>
-                    </a:lnL>
-                    <a:lnR w="12700" cap="flat" cmpd="sng" algn="ctr">
-                      <a:noFill/>
-                      <a:prstDash val="solid"/>
-                      <a:round/>
-                      <a:headEnd type="none" w="med" len="med"/>
-                      <a:tailEnd type="none" w="med" len="med"/>
-                    </a:lnR>
-                    <a:lnT w="12700" cap="flat" cmpd="sng" algn="ctr">
-                      <a:noFill/>
-                      <a:prstDash val="solid"/>
-                      <a:round/>
-                      <a:headEnd type="none" w="med" len="med"/>
-                      <a:tailEnd type="none" w="med" len="med"/>
-                    </a:lnT>
-                    <a:lnB w="12700" cap="flat" cmpd="sng" algn="ctr">
-                      <a:noFill/>
-                      <a:prstDash val="solid"/>
-                      <a:round/>
-                      <a:headEnd type="none" w="med" len="med"/>
-                      <a:tailEnd type="none" w="med" len="med"/>
-                    </a:lnB>
-                    <a:lnTlToBr w="12700" cmpd="sng">
-                      <a:noFill/>
-                      <a:prstDash val="solid"/>
-                    </a:lnTlToBr>
-                    <a:lnBlToTr w="12700" cmpd="sng">
-                      <a:noFill/>
-                      <a:prstDash val="solid"/>
-                    </a:lnBlToTr>
-                  </a:tcPr>
-                </a:tc>
-                <a:tc>
-                  <a:txBody>
-                    <a:bodyPr/>
-                    <a:lstStyle/>
-                    <a:p>
-                      <a:pPr algn="l"/>
-                      <a:r>
-                        <a:rPr lang="en-CA" sz="2800" i="1" dirty="0"/>
-                        <a:t>Software Engineering</a:t>
-                      </a:r>
-                      <a:r>
-                        <a:rPr lang="en-CA" sz="2800" i="1" baseline="0" dirty="0"/>
-                        <a:t> </a:t>
-                      </a:r>
-                      <a:endParaRPr lang="en-US" sz="2800" i="1" dirty="0"/>
-                    </a:p>
-                  </a:txBody>
-                  <a:tcPr>
-                    <a:lnL w="12700" cap="flat" cmpd="sng" algn="ctr">
-                      <a:noFill/>
-                      <a:prstDash val="solid"/>
-                      <a:round/>
-                      <a:headEnd type="none" w="med" len="med"/>
-                      <a:tailEnd type="none" w="med" len="med"/>
-                    </a:lnL>
-                    <a:lnR w="12700" cap="flat" cmpd="sng" algn="ctr">
-                      <a:noFill/>
-                      <a:prstDash val="solid"/>
-                      <a:round/>
-                      <a:headEnd type="none" w="med" len="med"/>
-                      <a:tailEnd type="none" w="med" len="med"/>
-                    </a:lnR>
-                    <a:lnT w="12700" cap="flat" cmpd="sng" algn="ctr">
-                      <a:noFill/>
-                      <a:prstDash val="solid"/>
-                      <a:round/>
-                      <a:headEnd type="none" w="med" len="med"/>
-                      <a:tailEnd type="none" w="med" len="med"/>
-                    </a:lnT>
-                    <a:lnB w="12700" cap="flat" cmpd="sng" algn="ctr">
-                      <a:noFill/>
-                      <a:prstDash val="solid"/>
-                      <a:round/>
-                      <a:headEnd type="none" w="med" len="med"/>
-                      <a:tailEnd type="none" w="med" len="med"/>
-                    </a:lnB>
-                    <a:lnTlToBr w="12700" cmpd="sng">
-                      <a:noFill/>
-                      <a:prstDash val="solid"/>
-                    </a:lnTlToBr>
-                    <a:lnBlToTr w="12700" cmpd="sng">
-                      <a:noFill/>
-                      <a:prstDash val="solid"/>
-                    </a:lnBlToTr>
-                  </a:tcPr>
-                </a:tc>
-                <a:extLst>
-                  <a:ext uri="{0D108BD9-81ED-4DB2-BD59-A6C34878D82A}">
-                    <a16:rowId xmlns:a16="http://schemas.microsoft.com/office/drawing/2014/main" xmlns="" val="3950718333"/>
-                  </a:ext>
-                </a:extLst>
-              </a:tr>
-              <a:tr h="370840">
-                <a:tc>
-                  <a:txBody>
-                    <a:bodyPr/>
-                    <a:lstStyle/>
-                    <a:p>
-                      <a:pPr algn="r"/>
-                      <a:r>
-                        <a:rPr lang="en-CA" sz="2800" dirty="0">
-                          <a:solidFill>
-                            <a:srgbClr val="2A1A00"/>
-                          </a:solidFill>
-                        </a:rPr>
-                        <a:t>Jean </a:t>
-                      </a:r>
-                      <a:r>
-                        <a:rPr lang="en-US" sz="2800" dirty="0">
-                          <a:solidFill>
-                            <a:srgbClr val="2A1A00"/>
-                          </a:solidFill>
-                        </a:rPr>
-                        <a:t>Lucas Ferreira</a:t>
-                      </a:r>
-                      <a:r>
-                        <a:rPr lang="en-CA" sz="2800" dirty="0">
-                          <a:solidFill>
-                            <a:srgbClr val="2A1A00"/>
-                          </a:solidFill>
-                        </a:rPr>
-                        <a:t> </a:t>
-                      </a:r>
-                      <a:endParaRPr lang="en-US" sz="2800" dirty="0"/>
-                    </a:p>
-                  </a:txBody>
-                  <a:tcPr>
-                    <a:lnL w="12700" cap="flat" cmpd="sng" algn="ctr">
-                      <a:noFill/>
-                      <a:prstDash val="solid"/>
-                      <a:round/>
-                      <a:headEnd type="none" w="med" len="med"/>
-                      <a:tailEnd type="none" w="med" len="med"/>
-                    </a:lnL>
-                    <a:lnR w="12700" cap="flat" cmpd="sng" algn="ctr">
-                      <a:noFill/>
-                      <a:prstDash val="solid"/>
-                      <a:round/>
-                      <a:headEnd type="none" w="med" len="med"/>
-                      <a:tailEnd type="none" w="med" len="med"/>
-                    </a:lnR>
-                    <a:lnT w="12700" cap="flat" cmpd="sng" algn="ctr">
-                      <a:noFill/>
-                      <a:prstDash val="solid"/>
-                      <a:round/>
-                      <a:headEnd type="none" w="med" len="med"/>
-                      <a:tailEnd type="none" w="med" len="med"/>
-                    </a:lnT>
-                    <a:lnB w="12700" cap="flat" cmpd="sng" algn="ctr">
-                      <a:noFill/>
-                      <a:prstDash val="solid"/>
-                      <a:round/>
-                      <a:headEnd type="none" w="med" len="med"/>
-                      <a:tailEnd type="none" w="med" len="med"/>
-                    </a:lnB>
-                    <a:lnTlToBr w="12700" cmpd="sng">
-                      <a:noFill/>
-                      <a:prstDash val="solid"/>
-                    </a:lnTlToBr>
-                    <a:lnBlToTr w="12700" cmpd="sng">
-                      <a:noFill/>
-                      <a:prstDash val="solid"/>
-                    </a:lnBlToTr>
-                  </a:tcPr>
-                </a:tc>
-                <a:tc>
-                  <a:txBody>
-                    <a:bodyPr/>
-                    <a:lstStyle/>
-                    <a:p>
-                      <a:pPr algn="ctr"/>
-                      <a:r>
-                        <a:rPr lang="en-CA" sz="2800" dirty="0"/>
-                        <a:t>-</a:t>
-                      </a:r>
-                      <a:endParaRPr lang="en-US" sz="2800" dirty="0"/>
-                    </a:p>
-                  </a:txBody>
-                  <a:tcPr>
-                    <a:lnL w="12700" cap="flat" cmpd="sng" algn="ctr">
-                      <a:noFill/>
-                      <a:prstDash val="solid"/>
-                      <a:round/>
-                      <a:headEnd type="none" w="med" len="med"/>
-                      <a:tailEnd type="none" w="med" len="med"/>
-                    </a:lnL>
-                    <a:lnR w="12700" cap="flat" cmpd="sng" algn="ctr">
-                      <a:noFill/>
-                      <a:prstDash val="solid"/>
-                      <a:round/>
-                      <a:headEnd type="none" w="med" len="med"/>
-                      <a:tailEnd type="none" w="med" len="med"/>
-                    </a:lnR>
-                    <a:lnT w="12700" cap="flat" cmpd="sng" algn="ctr">
-                      <a:noFill/>
-                      <a:prstDash val="solid"/>
-                      <a:round/>
-                      <a:headEnd type="none" w="med" len="med"/>
-                      <a:tailEnd type="none" w="med" len="med"/>
-                    </a:lnT>
-                    <a:lnB w="12700" cap="flat" cmpd="sng" algn="ctr">
-                      <a:noFill/>
-                      <a:prstDash val="solid"/>
-                      <a:round/>
-                      <a:headEnd type="none" w="med" len="med"/>
-                      <a:tailEnd type="none" w="med" len="med"/>
-                    </a:lnB>
-                    <a:lnTlToBr w="12700" cmpd="sng">
-                      <a:noFill/>
-                      <a:prstDash val="solid"/>
-                    </a:lnTlToBr>
-                    <a:lnBlToTr w="12700" cmpd="sng">
-                      <a:noFill/>
-                      <a:prstDash val="solid"/>
-                    </a:lnBlToTr>
-                  </a:tcPr>
-                </a:tc>
-                <a:tc>
-                  <a:txBody>
-                    <a:bodyPr/>
-                    <a:lstStyle/>
-                    <a:p>
-                      <a:pPr marL="0" marR="0" lvl="0" indent="0" algn="l" defTabSz="914400" rtl="0" eaLnBrk="1" fontAlgn="auto" latinLnBrk="0" hangingPunct="1">
-                        <a:lnSpc>
-                          <a:spcPct val="100000"/>
-                        </a:lnSpc>
-                        <a:spcBef>
-                          <a:spcPts val="0"/>
-                        </a:spcBef>
-                        <a:spcAft>
-                          <a:spcPts val="0"/>
-                        </a:spcAft>
-                        <a:buClrTx/>
-                        <a:buSzTx/>
-                        <a:buFontTx/>
-                        <a:buNone/>
-                        <a:tabLst/>
-                        <a:defRPr/>
-                      </a:pPr>
-                      <a:r>
-                        <a:rPr lang="en-CA" sz="2800" i="1" dirty="0"/>
-                        <a:t>Software Engineering</a:t>
-                      </a:r>
-                      <a:r>
-                        <a:rPr lang="en-CA" sz="2800" i="1" baseline="0" dirty="0"/>
-                        <a:t> </a:t>
-                      </a:r>
-                      <a:endParaRPr lang="en-US" sz="2800" i="1" dirty="0"/>
-                    </a:p>
-                  </a:txBody>
-                  <a:tcPr>
-                    <a:lnL w="12700" cap="flat" cmpd="sng" algn="ctr">
-                      <a:noFill/>
-                      <a:prstDash val="solid"/>
-                      <a:round/>
-                      <a:headEnd type="none" w="med" len="med"/>
-                      <a:tailEnd type="none" w="med" len="med"/>
-                    </a:lnL>
-                    <a:lnR w="12700" cap="flat" cmpd="sng" algn="ctr">
-                      <a:noFill/>
-                      <a:prstDash val="solid"/>
-                      <a:round/>
-                      <a:headEnd type="none" w="med" len="med"/>
-                      <a:tailEnd type="none" w="med" len="med"/>
-                    </a:lnR>
-                    <a:lnT w="12700" cap="flat" cmpd="sng" algn="ctr">
-                      <a:noFill/>
-                      <a:prstDash val="solid"/>
-                      <a:round/>
-                      <a:headEnd type="none" w="med" len="med"/>
-                      <a:tailEnd type="none" w="med" len="med"/>
-                    </a:lnT>
-                    <a:lnB w="12700" cap="flat" cmpd="sng" algn="ctr">
-                      <a:noFill/>
-                      <a:prstDash val="solid"/>
-                      <a:round/>
-                      <a:headEnd type="none" w="med" len="med"/>
-                      <a:tailEnd type="none" w="med" len="med"/>
-                    </a:lnB>
-                    <a:lnTlToBr w="12700" cmpd="sng">
-                      <a:noFill/>
-                      <a:prstDash val="solid"/>
-                    </a:lnTlToBr>
-                    <a:lnBlToTr w="12700" cmpd="sng">
-                      <a:noFill/>
-                      <a:prstDash val="solid"/>
-                    </a:lnBlToTr>
-                  </a:tcPr>
-                </a:tc>
-                <a:extLst>
-                  <a:ext uri="{0D108BD9-81ED-4DB2-BD59-A6C34878D82A}">
-                    <a16:rowId xmlns:a16="http://schemas.microsoft.com/office/drawing/2014/main" xmlns="" val="2377837653"/>
-                  </a:ext>
-                </a:extLst>
-              </a:tr>
-              <a:tr h="370840">
-                <a:tc>
-                  <a:txBody>
-                    <a:bodyPr/>
-                    <a:lstStyle/>
-                    <a:p>
-                      <a:pPr algn="r"/>
-                      <a:r>
-                        <a:rPr lang="en-US" sz="2800" dirty="0"/>
-                        <a:t>Alexander Jackson </a:t>
-                      </a:r>
-                    </a:p>
-                  </a:txBody>
-                  <a:tcPr>
-                    <a:lnL w="12700" cap="flat" cmpd="sng" algn="ctr">
-                      <a:noFill/>
-                      <a:prstDash val="solid"/>
-                      <a:round/>
-                      <a:headEnd type="none" w="med" len="med"/>
-                      <a:tailEnd type="none" w="med" len="med"/>
-                    </a:lnL>
-                    <a:lnR w="12700" cap="flat" cmpd="sng" algn="ctr">
-                      <a:noFill/>
-                      <a:prstDash val="solid"/>
-                      <a:round/>
-                      <a:headEnd type="none" w="med" len="med"/>
-                      <a:tailEnd type="none" w="med" len="med"/>
-                    </a:lnR>
-                    <a:lnT w="12700" cap="flat" cmpd="sng" algn="ctr">
-                      <a:noFill/>
-                      <a:prstDash val="solid"/>
-                      <a:round/>
-                      <a:headEnd type="none" w="med" len="med"/>
-                      <a:tailEnd type="none" w="med" len="med"/>
-                    </a:lnT>
-                    <a:lnB w="12700" cap="flat" cmpd="sng" algn="ctr">
-                      <a:noFill/>
-                      <a:prstDash val="solid"/>
-                      <a:round/>
-                      <a:headEnd type="none" w="med" len="med"/>
-                      <a:tailEnd type="none" w="med" len="med"/>
-                    </a:lnB>
-                    <a:lnTlToBr w="12700" cmpd="sng">
-                      <a:noFill/>
-                      <a:prstDash val="solid"/>
-                    </a:lnTlToBr>
-                    <a:lnBlToTr w="12700" cmpd="sng">
-                      <a:noFill/>
-                      <a:prstDash val="solid"/>
-                    </a:lnBlToTr>
-                  </a:tcPr>
-                </a:tc>
-                <a:tc>
-                  <a:txBody>
-                    <a:bodyPr/>
-                    <a:lstStyle/>
-                    <a:p>
-                      <a:pPr algn="ctr"/>
-                      <a:r>
-                        <a:rPr lang="en-CA" sz="2800" dirty="0"/>
-                        <a:t>-</a:t>
-                      </a:r>
-                      <a:endParaRPr lang="en-US" sz="2800" dirty="0"/>
-                    </a:p>
-                  </a:txBody>
-                  <a:tcPr>
-                    <a:lnL w="12700" cap="flat" cmpd="sng" algn="ctr">
-                      <a:noFill/>
-                      <a:prstDash val="solid"/>
-                      <a:round/>
-                      <a:headEnd type="none" w="med" len="med"/>
-                      <a:tailEnd type="none" w="med" len="med"/>
-                    </a:lnL>
-                    <a:lnR w="12700" cap="flat" cmpd="sng" algn="ctr">
-                      <a:noFill/>
-                      <a:prstDash val="solid"/>
-                      <a:round/>
-                      <a:headEnd type="none" w="med" len="med"/>
-                      <a:tailEnd type="none" w="med" len="med"/>
-                    </a:lnR>
-                    <a:lnT w="12700" cap="flat" cmpd="sng" algn="ctr">
-                      <a:noFill/>
-                      <a:prstDash val="solid"/>
-                      <a:round/>
-                      <a:headEnd type="none" w="med" len="med"/>
-                      <a:tailEnd type="none" w="med" len="med"/>
-                    </a:lnT>
-                    <a:lnB w="12700" cap="flat" cmpd="sng" algn="ctr">
-                      <a:noFill/>
-                      <a:prstDash val="solid"/>
-                      <a:round/>
-                      <a:headEnd type="none" w="med" len="med"/>
-                      <a:tailEnd type="none" w="med" len="med"/>
-                    </a:lnB>
-                    <a:lnTlToBr w="12700" cmpd="sng">
-                      <a:noFill/>
-                      <a:prstDash val="solid"/>
-                    </a:lnTlToBr>
-                    <a:lnBlToTr w="12700" cmpd="sng">
-                      <a:noFill/>
-                      <a:prstDash val="solid"/>
-                    </a:lnBlToTr>
-                  </a:tcPr>
-                </a:tc>
-                <a:tc>
-                  <a:txBody>
-                    <a:bodyPr/>
-                    <a:lstStyle/>
-                    <a:p>
-                      <a:pPr algn="l"/>
-                      <a:r>
-                        <a:rPr lang="en-CA" sz="2800" i="1" dirty="0"/>
-                        <a:t>Software Engineering</a:t>
-                      </a:r>
-                      <a:endParaRPr lang="en-US" sz="2800" i="1" dirty="0"/>
-                    </a:p>
-                  </a:txBody>
-                  <a:tcPr>
-                    <a:lnL w="12700" cap="flat" cmpd="sng" algn="ctr">
-                      <a:noFill/>
-                      <a:prstDash val="solid"/>
-                      <a:round/>
-                      <a:headEnd type="none" w="med" len="med"/>
-                      <a:tailEnd type="none" w="med" len="med"/>
-                    </a:lnL>
-                    <a:lnR w="12700" cap="flat" cmpd="sng" algn="ctr">
-                      <a:noFill/>
-                      <a:prstDash val="solid"/>
-                      <a:round/>
-                      <a:headEnd type="none" w="med" len="med"/>
-                      <a:tailEnd type="none" w="med" len="med"/>
-                    </a:lnR>
-                    <a:lnT w="12700" cap="flat" cmpd="sng" algn="ctr">
-                      <a:noFill/>
-                      <a:prstDash val="solid"/>
-                      <a:round/>
-                      <a:headEnd type="none" w="med" len="med"/>
-                      <a:tailEnd type="none" w="med" len="med"/>
-                    </a:lnT>
-                    <a:lnB w="12700" cap="flat" cmpd="sng" algn="ctr">
-                      <a:noFill/>
-                      <a:prstDash val="solid"/>
-                      <a:round/>
-                      <a:headEnd type="none" w="med" len="med"/>
-                      <a:tailEnd type="none" w="med" len="med"/>
-                    </a:lnB>
-                    <a:lnTlToBr w="12700" cmpd="sng">
-                      <a:noFill/>
-                      <a:prstDash val="solid"/>
-                    </a:lnTlToBr>
-                    <a:lnBlToTr w="12700" cmpd="sng">
-                      <a:noFill/>
-                      <a:prstDash val="solid"/>
-                    </a:lnBlToTr>
-                  </a:tcPr>
-                </a:tc>
-                <a:extLst>
-                  <a:ext uri="{0D108BD9-81ED-4DB2-BD59-A6C34878D82A}">
-                    <a16:rowId xmlns:a16="http://schemas.microsoft.com/office/drawing/2014/main" xmlns="" val="817088776"/>
-                  </a:ext>
-                </a:extLst>
-              </a:tr>
-              <a:tr h="370840">
-                <a:tc>
-                  <a:txBody>
-                    <a:bodyPr/>
-                    <a:lstStyle/>
-                    <a:p>
-                      <a:pPr algn="r"/>
-                      <a:r>
-                        <a:rPr lang="en-US" sz="2800" dirty="0"/>
-                        <a:t>Justin </a:t>
-                      </a:r>
-                      <a:r>
-                        <a:rPr lang="en-US" sz="2800" dirty="0" err="1"/>
-                        <a:t>Kapinski</a:t>
-                      </a:r>
-                      <a:r>
-                        <a:rPr lang="en-US" sz="2800" dirty="0"/>
-                        <a:t> </a:t>
-                      </a:r>
-                    </a:p>
-                  </a:txBody>
-                  <a:tcPr>
-                    <a:lnL w="12700" cap="flat" cmpd="sng" algn="ctr">
-                      <a:noFill/>
-                      <a:prstDash val="solid"/>
-                      <a:round/>
-                      <a:headEnd type="none" w="med" len="med"/>
-                      <a:tailEnd type="none" w="med" len="med"/>
-                    </a:lnL>
-                    <a:lnR w="12700" cap="flat" cmpd="sng" algn="ctr">
-                      <a:noFill/>
-                      <a:prstDash val="solid"/>
-                      <a:round/>
-                      <a:headEnd type="none" w="med" len="med"/>
-                      <a:tailEnd type="none" w="med" len="med"/>
-                    </a:lnR>
-                    <a:lnT w="12700" cap="flat" cmpd="sng" algn="ctr">
-                      <a:noFill/>
-                      <a:prstDash val="solid"/>
-                      <a:round/>
-                      <a:headEnd type="none" w="med" len="med"/>
-                      <a:tailEnd type="none" w="med" len="med"/>
-                    </a:lnT>
-                    <a:lnB w="12700" cap="flat" cmpd="sng" algn="ctr">
-                      <a:noFill/>
-                      <a:prstDash val="solid"/>
-                      <a:round/>
-                      <a:headEnd type="none" w="med" len="med"/>
-                      <a:tailEnd type="none" w="med" len="med"/>
-                    </a:lnB>
-                    <a:lnTlToBr w="12700" cmpd="sng">
-                      <a:noFill/>
-                      <a:prstDash val="solid"/>
-                    </a:lnTlToBr>
-                    <a:lnBlToTr w="12700" cmpd="sng">
-                      <a:noFill/>
-                      <a:prstDash val="solid"/>
-                    </a:lnBlToTr>
-                  </a:tcPr>
-                </a:tc>
-                <a:tc>
-                  <a:txBody>
-                    <a:bodyPr/>
-                    <a:lstStyle/>
-                    <a:p>
-                      <a:pPr algn="ctr"/>
-                      <a:r>
-                        <a:rPr lang="en-CA" sz="2800" dirty="0"/>
-                        <a:t>-</a:t>
-                      </a:r>
-                      <a:endParaRPr lang="en-US" sz="2800" dirty="0"/>
-                    </a:p>
-                  </a:txBody>
-                  <a:tcPr>
-                    <a:lnL w="12700" cap="flat" cmpd="sng" algn="ctr">
-                      <a:noFill/>
-                      <a:prstDash val="solid"/>
-                      <a:round/>
-                      <a:headEnd type="none" w="med" len="med"/>
-                      <a:tailEnd type="none" w="med" len="med"/>
-                    </a:lnL>
-                    <a:lnR w="12700" cap="flat" cmpd="sng" algn="ctr">
-                      <a:noFill/>
-                      <a:prstDash val="solid"/>
-                      <a:round/>
-                      <a:headEnd type="none" w="med" len="med"/>
-                      <a:tailEnd type="none" w="med" len="med"/>
-                    </a:lnR>
-                    <a:lnT w="12700" cap="flat" cmpd="sng" algn="ctr">
-                      <a:noFill/>
-                      <a:prstDash val="solid"/>
-                      <a:round/>
-                      <a:headEnd type="none" w="med" len="med"/>
-                      <a:tailEnd type="none" w="med" len="med"/>
-                    </a:lnT>
-                    <a:lnB w="12700" cap="flat" cmpd="sng" algn="ctr">
-                      <a:noFill/>
-                      <a:prstDash val="solid"/>
-                      <a:round/>
-                      <a:headEnd type="none" w="med" len="med"/>
-                      <a:tailEnd type="none" w="med" len="med"/>
-                    </a:lnB>
-                    <a:lnTlToBr w="12700" cmpd="sng">
-                      <a:noFill/>
-                      <a:prstDash val="solid"/>
-                    </a:lnTlToBr>
-                    <a:lnBlToTr w="12700" cmpd="sng">
-                      <a:noFill/>
-                      <a:prstDash val="solid"/>
-                    </a:lnBlToTr>
-                  </a:tcPr>
-                </a:tc>
-                <a:tc>
-                  <a:txBody>
-                    <a:bodyPr/>
-                    <a:lstStyle/>
-                    <a:p>
-                      <a:pPr algn="l"/>
-                      <a:r>
-                        <a:rPr lang="en-CA" sz="2800" i="1" dirty="0"/>
-                        <a:t>Software Engineering</a:t>
-                      </a:r>
-                      <a:endParaRPr lang="en-US" sz="2800" i="1" dirty="0"/>
-                    </a:p>
-                  </a:txBody>
-                  <a:tcPr>
-                    <a:lnL w="12700" cap="flat" cmpd="sng" algn="ctr">
-                      <a:noFill/>
-                      <a:prstDash val="solid"/>
-                      <a:round/>
-                      <a:headEnd type="none" w="med" len="med"/>
-                      <a:tailEnd type="none" w="med" len="med"/>
-                    </a:lnL>
-                    <a:lnR w="12700" cap="flat" cmpd="sng" algn="ctr">
-                      <a:noFill/>
-                      <a:prstDash val="solid"/>
-                      <a:round/>
-                      <a:headEnd type="none" w="med" len="med"/>
-                      <a:tailEnd type="none" w="med" len="med"/>
-                    </a:lnR>
-                    <a:lnT w="12700" cap="flat" cmpd="sng" algn="ctr">
-                      <a:noFill/>
-                      <a:prstDash val="solid"/>
-                      <a:round/>
-                      <a:headEnd type="none" w="med" len="med"/>
-                      <a:tailEnd type="none" w="med" len="med"/>
-                    </a:lnT>
-                    <a:lnB w="12700" cap="flat" cmpd="sng" algn="ctr">
-                      <a:noFill/>
-                      <a:prstDash val="solid"/>
-                      <a:round/>
-                      <a:headEnd type="none" w="med" len="med"/>
-                      <a:tailEnd type="none" w="med" len="med"/>
-                    </a:lnB>
-                    <a:lnTlToBr w="12700" cmpd="sng">
-                      <a:noFill/>
-                      <a:prstDash val="solid"/>
-                    </a:lnTlToBr>
-                    <a:lnBlToTr w="12700" cmpd="sng">
-                      <a:noFill/>
-                      <a:prstDash val="solid"/>
-                    </a:lnBlToTr>
-                  </a:tcPr>
-                </a:tc>
-                <a:extLst>
-                  <a:ext uri="{0D108BD9-81ED-4DB2-BD59-A6C34878D82A}">
-                    <a16:rowId xmlns:a16="http://schemas.microsoft.com/office/drawing/2014/main" xmlns="" val="294341159"/>
-                  </a:ext>
-                </a:extLst>
-              </a:tr>
-              <a:tr h="370840">
-                <a:tc>
-                  <a:txBody>
-                    <a:bodyPr/>
-                    <a:lstStyle/>
-                    <a:p>
-                      <a:pPr algn="r"/>
-                      <a:r>
-                        <a:rPr lang="en-US" sz="2800" dirty="0"/>
-                        <a:t>Mathew </a:t>
-                      </a:r>
-                      <a:r>
-                        <a:rPr lang="en-US" sz="2800" dirty="0" err="1"/>
-                        <a:t>Hobers</a:t>
-                      </a:r>
-                      <a:endParaRPr lang="en-US" sz="2800" dirty="0"/>
-                    </a:p>
-                  </a:txBody>
-                  <a:tcPr>
-                    <a:lnL w="12700" cap="flat" cmpd="sng" algn="ctr">
-                      <a:noFill/>
-                      <a:prstDash val="solid"/>
-                      <a:round/>
-                      <a:headEnd type="none" w="med" len="med"/>
-                      <a:tailEnd type="none" w="med" len="med"/>
-                    </a:lnL>
-                    <a:lnR w="12700" cap="flat" cmpd="sng" algn="ctr">
-                      <a:noFill/>
-                      <a:prstDash val="solid"/>
-                      <a:round/>
-                      <a:headEnd type="none" w="med" len="med"/>
-                      <a:tailEnd type="none" w="med" len="med"/>
-                    </a:lnR>
-                    <a:lnT w="12700" cap="flat" cmpd="sng" algn="ctr">
-                      <a:noFill/>
-                      <a:prstDash val="solid"/>
-                      <a:round/>
-                      <a:headEnd type="none" w="med" len="med"/>
-                      <a:tailEnd type="none" w="med" len="med"/>
-                    </a:lnT>
-                    <a:lnB w="12700" cap="flat" cmpd="sng" algn="ctr">
-                      <a:noFill/>
-                      <a:prstDash val="solid"/>
-                      <a:round/>
-                      <a:headEnd type="none" w="med" len="med"/>
-                      <a:tailEnd type="none" w="med" len="med"/>
-                    </a:lnB>
-                    <a:lnTlToBr w="12700" cmpd="sng">
-                      <a:noFill/>
-                      <a:prstDash val="solid"/>
-                    </a:lnTlToBr>
-                    <a:lnBlToTr w="12700" cmpd="sng">
-                      <a:noFill/>
-                      <a:prstDash val="solid"/>
-                    </a:lnBlToTr>
-                  </a:tcPr>
-                </a:tc>
-                <a:tc>
-                  <a:txBody>
-                    <a:bodyPr/>
-                    <a:lstStyle/>
-                    <a:p>
-                      <a:pPr algn="ctr"/>
-                      <a:r>
-                        <a:rPr lang="en-CA" sz="2800" dirty="0"/>
-                        <a:t>-</a:t>
-                      </a:r>
-                      <a:endParaRPr lang="en-US" sz="2800" dirty="0"/>
-                    </a:p>
-                  </a:txBody>
-                  <a:tcPr>
-                    <a:lnL w="12700" cap="flat" cmpd="sng" algn="ctr">
-                      <a:noFill/>
-                      <a:prstDash val="solid"/>
-                      <a:round/>
-                      <a:headEnd type="none" w="med" len="med"/>
-                      <a:tailEnd type="none" w="med" len="med"/>
-                    </a:lnL>
-                    <a:lnR w="12700" cap="flat" cmpd="sng" algn="ctr">
-                      <a:noFill/>
-                      <a:prstDash val="solid"/>
-                      <a:round/>
-                      <a:headEnd type="none" w="med" len="med"/>
-                      <a:tailEnd type="none" w="med" len="med"/>
-                    </a:lnR>
-                    <a:lnT w="12700" cap="flat" cmpd="sng" algn="ctr">
-                      <a:noFill/>
-                      <a:prstDash val="solid"/>
-                      <a:round/>
-                      <a:headEnd type="none" w="med" len="med"/>
-                      <a:tailEnd type="none" w="med" len="med"/>
-                    </a:lnT>
-                    <a:lnB w="12700" cap="flat" cmpd="sng" algn="ctr">
-                      <a:noFill/>
-                      <a:prstDash val="solid"/>
-                      <a:round/>
-                      <a:headEnd type="none" w="med" len="med"/>
-                      <a:tailEnd type="none" w="med" len="med"/>
-                    </a:lnB>
-                    <a:lnTlToBr w="12700" cmpd="sng">
-                      <a:noFill/>
-                      <a:prstDash val="solid"/>
-                    </a:lnTlToBr>
-                    <a:lnBlToTr w="12700" cmpd="sng">
-                      <a:noFill/>
-                      <a:prstDash val="solid"/>
-                    </a:lnBlToTr>
-                  </a:tcPr>
-                </a:tc>
-                <a:tc>
-                  <a:txBody>
-                    <a:bodyPr/>
-                    <a:lstStyle/>
-                    <a:p>
-                      <a:pPr algn="l"/>
-                      <a:r>
-                        <a:rPr lang="en-CA" sz="2800" i="1" dirty="0"/>
-                        <a:t>Software Engineering</a:t>
-                      </a:r>
-                      <a:endParaRPr lang="en-US" sz="2800" i="1" dirty="0"/>
-                    </a:p>
-                  </a:txBody>
-                  <a:tcPr>
-                    <a:lnL w="12700" cap="flat" cmpd="sng" algn="ctr">
-                      <a:noFill/>
-                      <a:prstDash val="solid"/>
-                      <a:round/>
-                      <a:headEnd type="none" w="med" len="med"/>
-                      <a:tailEnd type="none" w="med" len="med"/>
-                    </a:lnL>
-                    <a:lnR w="12700" cap="flat" cmpd="sng" algn="ctr">
-                      <a:noFill/>
-                      <a:prstDash val="solid"/>
-                      <a:round/>
-                      <a:headEnd type="none" w="med" len="med"/>
-                      <a:tailEnd type="none" w="med" len="med"/>
-                    </a:lnR>
-                    <a:lnT w="12700" cap="flat" cmpd="sng" algn="ctr">
-                      <a:noFill/>
-                      <a:prstDash val="solid"/>
-                      <a:round/>
-                      <a:headEnd type="none" w="med" len="med"/>
-                      <a:tailEnd type="none" w="med" len="med"/>
-                    </a:lnT>
-                    <a:lnB w="12700" cap="flat" cmpd="sng" algn="ctr">
-                      <a:noFill/>
-                      <a:prstDash val="solid"/>
-                      <a:round/>
-                      <a:headEnd type="none" w="med" len="med"/>
-                      <a:tailEnd type="none" w="med" len="med"/>
-                    </a:lnB>
-                    <a:lnTlToBr w="12700" cmpd="sng">
-                      <a:noFill/>
-                      <a:prstDash val="solid"/>
-                    </a:lnTlToBr>
-                    <a:lnBlToTr w="12700" cmpd="sng">
-                      <a:noFill/>
-                      <a:prstDash val="solid"/>
-                    </a:lnBlToTr>
-                  </a:tcPr>
-                </a:tc>
-                <a:extLst>
-                  <a:ext uri="{0D108BD9-81ED-4DB2-BD59-A6C34878D82A}">
-                    <a16:rowId xmlns:a16="http://schemas.microsoft.com/office/drawing/2014/main" xmlns="" val="3306447196"/>
-                  </a:ext>
-                </a:extLst>
-              </a:tr>
-              <a:tr h="370840">
-                <a:tc>
-                  <a:txBody>
-                    <a:bodyPr/>
-                    <a:lstStyle/>
-                    <a:p>
-                      <a:pPr algn="r"/>
-                      <a:r>
-                        <a:rPr lang="en-CA" sz="2800" dirty="0">
-                          <a:solidFill>
-                            <a:srgbClr val="2A1A00"/>
-                          </a:solidFill>
-                        </a:rPr>
-                        <a:t>Radhika Sharma</a:t>
-                      </a:r>
-                      <a:endParaRPr lang="en-US" sz="2800" dirty="0"/>
-                    </a:p>
-                  </a:txBody>
-                  <a:tcPr>
-                    <a:lnL w="12700" cap="flat" cmpd="sng" algn="ctr">
-                      <a:noFill/>
-                      <a:prstDash val="solid"/>
-                      <a:round/>
-                      <a:headEnd type="none" w="med" len="med"/>
-                      <a:tailEnd type="none" w="med" len="med"/>
-                    </a:lnL>
-                    <a:lnR w="12700" cap="flat" cmpd="sng" algn="ctr">
-                      <a:noFill/>
-                      <a:prstDash val="solid"/>
-                      <a:round/>
-                      <a:headEnd type="none" w="med" len="med"/>
-                      <a:tailEnd type="none" w="med" len="med"/>
-                    </a:lnR>
-                    <a:lnT w="12700" cap="flat" cmpd="sng" algn="ctr">
-                      <a:noFill/>
-                      <a:prstDash val="solid"/>
-                      <a:round/>
-                      <a:headEnd type="none" w="med" len="med"/>
-                      <a:tailEnd type="none" w="med" len="med"/>
-                    </a:lnT>
-                    <a:lnB w="12700" cap="flat" cmpd="sng" algn="ctr">
-                      <a:noFill/>
-                      <a:prstDash val="solid"/>
-                      <a:round/>
-                      <a:headEnd type="none" w="med" len="med"/>
-                      <a:tailEnd type="none" w="med" len="med"/>
-                    </a:lnB>
-                    <a:lnTlToBr w="12700" cmpd="sng">
-                      <a:noFill/>
-                      <a:prstDash val="solid"/>
-                    </a:lnTlToBr>
-                    <a:lnBlToTr w="12700" cmpd="sng">
-                      <a:noFill/>
-                      <a:prstDash val="solid"/>
-                    </a:lnBlToTr>
-                  </a:tcPr>
-                </a:tc>
-                <a:tc>
-                  <a:txBody>
-                    <a:bodyPr/>
-                    <a:lstStyle/>
-                    <a:p>
-                      <a:pPr algn="ctr"/>
-                      <a:r>
-                        <a:rPr lang="en-CA" sz="2800" dirty="0"/>
-                        <a:t>-</a:t>
-                      </a:r>
-                      <a:endParaRPr lang="en-US" sz="2800" dirty="0"/>
-                    </a:p>
-                  </a:txBody>
-                  <a:tcPr>
-                    <a:lnL w="12700" cap="flat" cmpd="sng" algn="ctr">
-                      <a:noFill/>
-                      <a:prstDash val="solid"/>
-                      <a:round/>
-                      <a:headEnd type="none" w="med" len="med"/>
-                      <a:tailEnd type="none" w="med" len="med"/>
-                    </a:lnL>
-                    <a:lnR w="12700" cap="flat" cmpd="sng" algn="ctr">
-                      <a:noFill/>
-                      <a:prstDash val="solid"/>
-                      <a:round/>
-                      <a:headEnd type="none" w="med" len="med"/>
-                      <a:tailEnd type="none" w="med" len="med"/>
-                    </a:lnR>
-                    <a:lnT w="12700" cap="flat" cmpd="sng" algn="ctr">
-                      <a:noFill/>
-                      <a:prstDash val="solid"/>
-                      <a:round/>
-                      <a:headEnd type="none" w="med" len="med"/>
-                      <a:tailEnd type="none" w="med" len="med"/>
-                    </a:lnT>
-                    <a:lnB w="12700" cap="flat" cmpd="sng" algn="ctr">
-                      <a:noFill/>
-                      <a:prstDash val="solid"/>
-                      <a:round/>
-                      <a:headEnd type="none" w="med" len="med"/>
-                      <a:tailEnd type="none" w="med" len="med"/>
-                    </a:lnB>
-                    <a:lnTlToBr w="12700" cmpd="sng">
-                      <a:noFill/>
-                      <a:prstDash val="solid"/>
-                    </a:lnTlToBr>
-                    <a:lnBlToTr w="12700" cmpd="sng">
-                      <a:noFill/>
-                      <a:prstDash val="solid"/>
-                    </a:lnBlToTr>
-                  </a:tcPr>
-                </a:tc>
-                <a:tc>
-                  <a:txBody>
-                    <a:bodyPr/>
-                    <a:lstStyle/>
-                    <a:p>
-                      <a:pPr algn="l"/>
-                      <a:r>
-                        <a:rPr lang="en-CA" sz="2800" i="1" dirty="0"/>
-                        <a:t>Software Engineering – Embedded Systems</a:t>
-                      </a:r>
-                      <a:endParaRPr lang="en-US" sz="2800" i="1" dirty="0"/>
-                    </a:p>
-                  </a:txBody>
-                  <a:tcPr>
-                    <a:lnL w="12700" cap="flat" cmpd="sng" algn="ctr">
-                      <a:noFill/>
-                      <a:prstDash val="solid"/>
-                      <a:round/>
-                      <a:headEnd type="none" w="med" len="med"/>
-                      <a:tailEnd type="none" w="med" len="med"/>
-                    </a:lnL>
-                    <a:lnR w="12700" cap="flat" cmpd="sng" algn="ctr">
-                      <a:noFill/>
-                      <a:prstDash val="solid"/>
-                      <a:round/>
-                      <a:headEnd type="none" w="med" len="med"/>
-                      <a:tailEnd type="none" w="med" len="med"/>
-                    </a:lnR>
-                    <a:lnT w="12700" cap="flat" cmpd="sng" algn="ctr">
-                      <a:noFill/>
-                      <a:prstDash val="solid"/>
-                      <a:round/>
-                      <a:headEnd type="none" w="med" len="med"/>
-                      <a:tailEnd type="none" w="med" len="med"/>
-                    </a:lnT>
-                    <a:lnB w="12700" cap="flat" cmpd="sng" algn="ctr">
-                      <a:noFill/>
-                      <a:prstDash val="solid"/>
-                      <a:round/>
-                      <a:headEnd type="none" w="med" len="med"/>
-                      <a:tailEnd type="none" w="med" len="med"/>
-                    </a:lnB>
-                    <a:lnTlToBr w="12700" cmpd="sng">
-                      <a:noFill/>
-                      <a:prstDash val="solid"/>
-                    </a:lnTlToBr>
-                    <a:lnBlToTr w="12700" cmpd="sng">
-                      <a:noFill/>
-                      <a:prstDash val="solid"/>
-                    </a:lnBlToTr>
-                  </a:tcPr>
-                </a:tc>
-                <a:extLst>
-                  <a:ext uri="{0D108BD9-81ED-4DB2-BD59-A6C34878D82A}">
-                    <a16:rowId xmlns:a16="http://schemas.microsoft.com/office/drawing/2014/main" xmlns="" val="2448494909"/>
-                  </a:ext>
-                </a:extLst>
-              </a:tr>
-            </a:tbl>
-          </a:graphicData>
-        </a:graphic>
-      </p:graphicFrame>
-    </p:spTree>
-    <p:extLst>
-      <p:ext uri="{BB962C8B-B14F-4D97-AF65-F5344CB8AC3E}">
-        <p14:creationId xmlns:p14="http://schemas.microsoft.com/office/powerpoint/2010/main" val="1390596968"/>
-      </p:ext>
-    </p:extLst>
-  </p:cSld>
-  <p:clrMapOvr>
-    <a:masterClrMapping/>
-  </p:clrMapOvr>
-  <p:timing>
-    <p:tnLst>
-      <p:par>
-        <p:cTn id="1" dur="indefinite" restart="never" nodeType="tmRoot"/>
-      </p:par>
-    </p:tnLst>
-  </p:timing>
 </p:sld>
 </file>
 
@@ -15719,7 +16519,7 @@
               </a:lnSpc>
             </a:pPr>
             <a:r>
-              <a:rPr lang="en-CA" sz="7200" dirty="0" smtClean="0">
+              <a:rPr lang="en-CA" sz="7200" dirty="0">
                 <a:solidFill>
                   <a:srgbClr val="2A1A00"/>
                 </a:solidFill>
@@ -15770,21 +16570,8 @@
                   <a:srgbClr val="2A1A00"/>
                 </a:solidFill>
               </a:rPr>
-              <a:t>Intersection </a:t>
+              <a:t>Intersection Controller (IC)</a:t>
             </a:r>
-            <a:r>
-              <a:rPr lang="en-CA" sz="3600" dirty="0" smtClean="0">
-                <a:solidFill>
-                  <a:srgbClr val="2A1A00"/>
-                </a:solidFill>
-              </a:rPr>
-              <a:t>Controller (IC)</a:t>
-            </a:r>
-            <a:endParaRPr lang="en-CA" sz="3600" dirty="0">
-              <a:solidFill>
-                <a:srgbClr val="2A1A00"/>
-              </a:solidFill>
-            </a:endParaRPr>
           </a:p>
           <a:p>
             <a:pPr lvl="1"/>
@@ -15809,7 +16596,7 @@
             <a:pPr marL="457200" lvl="1" indent="0">
               <a:buNone/>
             </a:pPr>
-            <a:endParaRPr lang="en-CA" sz="3200" dirty="0" smtClean="0">
+            <a:endParaRPr lang="en-CA" sz="3200" dirty="0">
               <a:solidFill>
                 <a:srgbClr val="2A1A00"/>
               </a:solidFill>
@@ -15822,21 +16609,8 @@
                   <a:schemeClr val="tx1"/>
                 </a:solidFill>
               </a:rPr>
-              <a:t>Vehicle Controller </a:t>
+              <a:t>Vehicle Controller (VC)</a:t>
             </a:r>
-            <a:r>
-              <a:rPr lang="en-CA" sz="3600" dirty="0" smtClean="0">
-                <a:solidFill>
-                  <a:schemeClr val="tx1"/>
-                </a:solidFill>
-              </a:rPr>
-              <a:t>(VC)</a:t>
-            </a:r>
-            <a:endParaRPr lang="en-CA" sz="3600" dirty="0">
-              <a:solidFill>
-                <a:schemeClr val="tx1"/>
-              </a:solidFill>
-            </a:endParaRPr>
           </a:p>
           <a:p>
             <a:pPr lvl="1"/>
@@ -15877,13 +16651,6 @@
   <p:clrMapOvr>
     <a:masterClrMapping/>
   </p:clrMapOvr>
-  <p:timing>
-    <p:tnLst>
-      <p:par>
-        <p:cTn id="1" dur="indefinite" restart="never" nodeType="tmRoot"/>
-      </p:par>
-    </p:tnLst>
-  </p:timing>
 </p:sld>
 </file>
 
@@ -18229,55 +18996,29 @@
           <a:lstStyle/>
           <a:p>
             <a:r>
-              <a:rPr lang="en-CA" sz="3200" dirty="0" smtClean="0">
-                <a:solidFill>
-                  <a:srgbClr val="2A1A00"/>
-                </a:solidFill>
-              </a:rPr>
-              <a:t>Why </a:t>
-            </a:r>
-            <a:r>
               <a:rPr lang="en-CA" sz="3200" dirty="0">
                 <a:solidFill>
                   <a:srgbClr val="2A1A00"/>
                 </a:solidFill>
               </a:rPr>
-              <a:t>an IC? </a:t>
+              <a:t>Why an IC? </a:t>
             </a:r>
-            <a:endParaRPr lang="en-CA" sz="3200" dirty="0" smtClean="0">
-              <a:solidFill>
-                <a:srgbClr val="2A1A00"/>
-              </a:solidFill>
-            </a:endParaRPr>
           </a:p>
           <a:p>
             <a:pPr lvl="1"/>
-            <a:r>
-              <a:rPr lang="en-CA" sz="2800" dirty="0" smtClean="0">
-                <a:solidFill>
-                  <a:srgbClr val="2A1A00"/>
-                </a:solidFill>
-              </a:rPr>
-              <a:t>Efficient </a:t>
-            </a:r>
             <a:r>
               <a:rPr lang="en-CA" sz="2800" dirty="0">
                 <a:solidFill>
                   <a:srgbClr val="2A1A00"/>
                 </a:solidFill>
               </a:rPr>
-              <a:t>traffic flow </a:t>
+              <a:t>Efficient traffic flow </a:t>
             </a:r>
-            <a:endParaRPr lang="en-CA" sz="2800" dirty="0">
-              <a:solidFill>
-                <a:srgbClr val="2A1A00"/>
-              </a:solidFill>
-            </a:endParaRPr>
           </a:p>
           <a:p>
             <a:pPr lvl="1"/>
             <a:r>
-              <a:rPr lang="en-CA" sz="2800" dirty="0" smtClean="0">
+              <a:rPr lang="en-CA" sz="2800" dirty="0">
                 <a:solidFill>
                   <a:srgbClr val="2A1A00"/>
                 </a:solidFill>
@@ -18289,7 +19030,7 @@
             <a:pPr marL="457200" lvl="1" indent="0">
               <a:buNone/>
             </a:pPr>
-            <a:endParaRPr lang="en-CA" sz="2800" dirty="0" smtClean="0">
+            <a:endParaRPr lang="en-CA" sz="2800" dirty="0">
               <a:solidFill>
                 <a:srgbClr val="2A1A00"/>
               </a:solidFill>
@@ -18444,10 +19185,9 @@
           <a:p>
             <a:pPr algn="ctr"/>
             <a:r>
-              <a:rPr lang="en-CA" dirty="0" smtClean="0"/>
+              <a:rPr lang="en-CA" dirty="0"/>
               <a:t>Communication</a:t>
             </a:r>
-            <a:endParaRPr lang="en-CA" dirty="0"/>
           </a:p>
         </p:txBody>
       </p:sp>
@@ -18528,18 +19268,13 @@
               <a:rPr lang="en-CA" dirty="0"/>
               <a:t>Vehicle </a:t>
             </a:r>
-            <a:r>
-              <a:rPr lang="en-CA" dirty="0" smtClean="0"/>
-              <a:t/>
-            </a:r>
             <a:br>
-              <a:rPr lang="en-CA" dirty="0" smtClean="0"/>
+              <a:rPr lang="en-CA" dirty="0"/>
             </a:br>
             <a:r>
-              <a:rPr lang="en-CA" dirty="0" smtClean="0"/>
+              <a:rPr lang="en-CA" dirty="0"/>
               <a:t>Controller</a:t>
             </a:r>
-            <a:endParaRPr lang="en-CA" dirty="0"/>
           </a:p>
         </p:txBody>
       </p:sp>
@@ -18586,17 +19321,16 @@
           <a:p>
             <a:pPr algn="ctr"/>
             <a:r>
-              <a:rPr lang="en-CA" dirty="0" smtClean="0"/>
+              <a:rPr lang="en-CA" dirty="0"/>
               <a:t>INTERSECTION </a:t>
             </a:r>
             <a:br>
-              <a:rPr lang="en-CA" dirty="0" smtClean="0"/>
+              <a:rPr lang="en-CA" dirty="0"/>
             </a:br>
             <a:r>
-              <a:rPr lang="en-CA" dirty="0" smtClean="0"/>
+              <a:rPr lang="en-CA" dirty="0"/>
               <a:t>Controller</a:t>
             </a:r>
-            <a:endParaRPr lang="en-CA" dirty="0"/>
           </a:p>
         </p:txBody>
       </p:sp>
